--- a/Java Basics.pptx
+++ b/Java Basics.pptx
@@ -45,6 +45,39 @@
     <p:sldId id="292" r:id="rId39"/>
     <p:sldId id="294" r:id="rId40"/>
     <p:sldId id="295" r:id="rId41"/>
+    <p:sldId id="296" r:id="rId42"/>
+    <p:sldId id="297" r:id="rId43"/>
+    <p:sldId id="298" r:id="rId44"/>
+    <p:sldId id="299" r:id="rId45"/>
+    <p:sldId id="300" r:id="rId46"/>
+    <p:sldId id="302" r:id="rId47"/>
+    <p:sldId id="304" r:id="rId48"/>
+    <p:sldId id="303" r:id="rId49"/>
+    <p:sldId id="305" r:id="rId50"/>
+    <p:sldId id="306" r:id="rId51"/>
+    <p:sldId id="307" r:id="rId52"/>
+    <p:sldId id="308" r:id="rId53"/>
+    <p:sldId id="309" r:id="rId54"/>
+    <p:sldId id="310" r:id="rId55"/>
+    <p:sldId id="311" r:id="rId56"/>
+    <p:sldId id="312" r:id="rId57"/>
+    <p:sldId id="313" r:id="rId58"/>
+    <p:sldId id="301" r:id="rId59"/>
+    <p:sldId id="315" r:id="rId60"/>
+    <p:sldId id="316" r:id="rId61"/>
+    <p:sldId id="314" r:id="rId62"/>
+    <p:sldId id="317" r:id="rId63"/>
+    <p:sldId id="318" r:id="rId64"/>
+    <p:sldId id="319" r:id="rId65"/>
+    <p:sldId id="320" r:id="rId66"/>
+    <p:sldId id="321" r:id="rId67"/>
+    <p:sldId id="322" r:id="rId68"/>
+    <p:sldId id="323" r:id="rId69"/>
+    <p:sldId id="324" r:id="rId70"/>
+    <p:sldId id="325" r:id="rId71"/>
+    <p:sldId id="326" r:id="rId72"/>
+    <p:sldId id="327" r:id="rId73"/>
+    <p:sldId id="328" r:id="rId74"/>
   </p:sldIdLst>
   <p:sldSz cx="12192000" cy="6858000"/>
   <p:notesSz cx="6858000" cy="9144000"/>
@@ -143,6 +176,11 @@
       </a:defRPr>
     </a:lvl9pPr>
   </p:defaultTextStyle>
+  <p:extLst>
+    <p:ext uri="{EFAFB233-063F-42B5-8137-9DF3F51BA10A}">
+      <p15:sldGuideLst xmlns:p15="http://schemas.microsoft.com/office/powerpoint/2012/main"/>
+    </p:ext>
+  </p:extLst>
 </p:presentation>
 </file>
 
@@ -277,7 +315,7 @@
           <a:p>
             <a:fld id="{E51FF4B1-7B73-4B47-A9A6-628B29C473A2}" type="datetimeFigureOut">
               <a:rPr lang="en-IN" smtClean="0"/>
-              <a:t>27-04-2018</a:t>
+              <a:t>03-05-2018</a:t>
             </a:fld>
             <a:endParaRPr lang="en-IN"/>
           </a:p>
@@ -447,7 +485,7 @@
           <a:p>
             <a:fld id="{E51FF4B1-7B73-4B47-A9A6-628B29C473A2}" type="datetimeFigureOut">
               <a:rPr lang="en-IN" smtClean="0"/>
-              <a:t>27-04-2018</a:t>
+              <a:t>03-05-2018</a:t>
             </a:fld>
             <a:endParaRPr lang="en-IN"/>
           </a:p>
@@ -627,7 +665,7 @@
           <a:p>
             <a:fld id="{E51FF4B1-7B73-4B47-A9A6-628B29C473A2}" type="datetimeFigureOut">
               <a:rPr lang="en-IN" smtClean="0"/>
-              <a:t>27-04-2018</a:t>
+              <a:t>03-05-2018</a:t>
             </a:fld>
             <a:endParaRPr lang="en-IN"/>
           </a:p>
@@ -797,7 +835,7 @@
           <a:p>
             <a:fld id="{E51FF4B1-7B73-4B47-A9A6-628B29C473A2}" type="datetimeFigureOut">
               <a:rPr lang="en-IN" smtClean="0"/>
-              <a:t>27-04-2018</a:t>
+              <a:t>03-05-2018</a:t>
             </a:fld>
             <a:endParaRPr lang="en-IN"/>
           </a:p>
@@ -1043,7 +1081,7 @@
           <a:p>
             <a:fld id="{E51FF4B1-7B73-4B47-A9A6-628B29C473A2}" type="datetimeFigureOut">
               <a:rPr lang="en-IN" smtClean="0"/>
-              <a:t>27-04-2018</a:t>
+              <a:t>03-05-2018</a:t>
             </a:fld>
             <a:endParaRPr lang="en-IN"/>
           </a:p>
@@ -1275,7 +1313,7 @@
           <a:p>
             <a:fld id="{E51FF4B1-7B73-4B47-A9A6-628B29C473A2}" type="datetimeFigureOut">
               <a:rPr lang="en-IN" smtClean="0"/>
-              <a:t>27-04-2018</a:t>
+              <a:t>03-05-2018</a:t>
             </a:fld>
             <a:endParaRPr lang="en-IN"/>
           </a:p>
@@ -1642,7 +1680,7 @@
           <a:p>
             <a:fld id="{E51FF4B1-7B73-4B47-A9A6-628B29C473A2}" type="datetimeFigureOut">
               <a:rPr lang="en-IN" smtClean="0"/>
-              <a:t>27-04-2018</a:t>
+              <a:t>03-05-2018</a:t>
             </a:fld>
             <a:endParaRPr lang="en-IN"/>
           </a:p>
@@ -1760,7 +1798,7 @@
           <a:p>
             <a:fld id="{E51FF4B1-7B73-4B47-A9A6-628B29C473A2}" type="datetimeFigureOut">
               <a:rPr lang="en-IN" smtClean="0"/>
-              <a:t>27-04-2018</a:t>
+              <a:t>03-05-2018</a:t>
             </a:fld>
             <a:endParaRPr lang="en-IN"/>
           </a:p>
@@ -1855,7 +1893,7 @@
           <a:p>
             <a:fld id="{E51FF4B1-7B73-4B47-A9A6-628B29C473A2}" type="datetimeFigureOut">
               <a:rPr lang="en-IN" smtClean="0"/>
-              <a:t>27-04-2018</a:t>
+              <a:t>03-05-2018</a:t>
             </a:fld>
             <a:endParaRPr lang="en-IN"/>
           </a:p>
@@ -2132,7 +2170,7 @@
           <a:p>
             <a:fld id="{E51FF4B1-7B73-4B47-A9A6-628B29C473A2}" type="datetimeFigureOut">
               <a:rPr lang="en-IN" smtClean="0"/>
-              <a:t>27-04-2018</a:t>
+              <a:t>03-05-2018</a:t>
             </a:fld>
             <a:endParaRPr lang="en-IN"/>
           </a:p>
@@ -2385,7 +2423,7 @@
           <a:p>
             <a:fld id="{E51FF4B1-7B73-4B47-A9A6-628B29C473A2}" type="datetimeFigureOut">
               <a:rPr lang="en-IN" smtClean="0"/>
-              <a:t>27-04-2018</a:t>
+              <a:t>03-05-2018</a:t>
             </a:fld>
             <a:endParaRPr lang="en-IN"/>
           </a:p>
@@ -2598,7 +2636,7 @@
           <a:p>
             <a:fld id="{E51FF4B1-7B73-4B47-A9A6-628B29C473A2}" type="datetimeFigureOut">
               <a:rPr lang="en-IN" smtClean="0"/>
-              <a:t>27-04-2018</a:t>
+              <a:t>03-05-2018</a:t>
             </a:fld>
             <a:endParaRPr lang="en-IN"/>
           </a:p>
@@ -4791,7 +4829,6 @@
               <a:rPr lang="en-IN" dirty="0" smtClean="0"/>
               <a:t>Java keywords cannot be used as identifiers in a Java program.</a:t>
             </a:r>
-            <a:endParaRPr lang="en-IN" dirty="0" smtClean="0"/>
           </a:p>
           <a:p>
             <a:pPr marL="0" indent="0">
@@ -8106,6 +8143,1459 @@
 </p:sld>
 </file>
 
+<file path=ppt/slides/slide41.xml><?xml version="1.0" encoding="utf-8"?>
+<p:sld xmlns:a="http://schemas.openxmlformats.org/drawingml/2006/main" xmlns:r="http://schemas.openxmlformats.org/officeDocument/2006/relationships" xmlns:p="http://schemas.openxmlformats.org/presentationml/2006/main">
+  <p:cSld>
+    <p:spTree>
+      <p:nvGrpSpPr>
+        <p:cNvPr id="1" name=""/>
+        <p:cNvGrpSpPr/>
+        <p:nvPr/>
+      </p:nvGrpSpPr>
+      <p:grpSpPr>
+        <a:xfrm>
+          <a:off x="0" y="0"/>
+          <a:ext cx="0" cy="0"/>
+          <a:chOff x="0" y="0"/>
+          <a:chExt cx="0" cy="0"/>
+        </a:xfrm>
+      </p:grpSpPr>
+      <p:sp>
+        <p:nvSpPr>
+          <p:cNvPr id="2" name="Title 1"/>
+          <p:cNvSpPr>
+            <a:spLocks noGrp="1"/>
+          </p:cNvSpPr>
+          <p:nvPr>
+            <p:ph type="title"/>
+          </p:nvPr>
+        </p:nvSpPr>
+        <p:spPr/>
+        <p:txBody>
+          <a:bodyPr/>
+          <a:lstStyle/>
+          <a:p>
+            <a:r>
+              <a:rPr lang="en-IN" dirty="0"/>
+              <a:t>Binary Numeric Promotion</a:t>
+            </a:r>
+            <a:endParaRPr lang="en-IN" dirty="0"/>
+          </a:p>
+        </p:txBody>
+      </p:sp>
+      <p:sp>
+        <p:nvSpPr>
+          <p:cNvPr id="3" name="Content Placeholder 2"/>
+          <p:cNvSpPr>
+            <a:spLocks noGrp="1"/>
+          </p:cNvSpPr>
+          <p:nvPr>
+            <p:ph idx="1"/>
+          </p:nvPr>
+        </p:nvSpPr>
+        <p:spPr/>
+        <p:txBody>
+          <a:bodyPr>
+            <a:normAutofit lnSpcReduction="10000"/>
+          </a:bodyPr>
+          <a:lstStyle/>
+          <a:p>
+            <a:pPr marL="0" indent="0">
+              <a:buNone/>
+            </a:pPr>
+            <a:r>
+              <a:rPr lang="en-IN" dirty="0"/>
+              <a:t>When two primitives of different numerical types are </a:t>
+            </a:r>
+            <a:r>
+              <a:rPr lang="en-IN" dirty="0" smtClean="0"/>
+              <a:t>compared via </a:t>
+            </a:r>
+            <a:r>
+              <a:rPr lang="en-IN" dirty="0"/>
+              <a:t>the </a:t>
+            </a:r>
+            <a:r>
+              <a:rPr lang="en-IN" dirty="0" smtClean="0"/>
+              <a:t>operators, </a:t>
+            </a:r>
+            <a:r>
+              <a:rPr lang="en-IN" dirty="0"/>
+              <a:t>one type is promoted </a:t>
+            </a:r>
+            <a:r>
+              <a:rPr lang="en-IN" dirty="0" smtClean="0"/>
+              <a:t>based on </a:t>
+            </a:r>
+            <a:r>
+              <a:rPr lang="en-IN" dirty="0"/>
+              <a:t>the following binary promotion rules</a:t>
+            </a:r>
+            <a:r>
+              <a:rPr lang="en-IN" dirty="0" smtClean="0"/>
+              <a:t>:</a:t>
+            </a:r>
+          </a:p>
+          <a:p>
+            <a:r>
+              <a:rPr lang="en-IN" dirty="0" smtClean="0"/>
+              <a:t>If </a:t>
+            </a:r>
+            <a:r>
+              <a:rPr lang="en-IN" dirty="0"/>
+              <a:t>either operand is of type double, the non-double </a:t>
+            </a:r>
+            <a:r>
+              <a:rPr lang="en-IN" dirty="0" smtClean="0"/>
+              <a:t>primitive is </a:t>
+            </a:r>
+            <a:r>
+              <a:rPr lang="en-IN" dirty="0"/>
+              <a:t>converted to type double</a:t>
+            </a:r>
+            <a:r>
+              <a:rPr lang="en-IN" dirty="0" smtClean="0"/>
+              <a:t>.</a:t>
+            </a:r>
+          </a:p>
+          <a:p>
+            <a:r>
+              <a:rPr lang="en-IN" dirty="0"/>
+              <a:t>If either operand is of type float, the non-float </a:t>
+            </a:r>
+            <a:r>
+              <a:rPr lang="en-IN" dirty="0" smtClean="0"/>
+              <a:t>primitive is </a:t>
+            </a:r>
+            <a:r>
+              <a:rPr lang="en-IN" dirty="0"/>
+              <a:t>converted to type float</a:t>
+            </a:r>
+            <a:r>
+              <a:rPr lang="en-IN" dirty="0" smtClean="0"/>
+              <a:t>.</a:t>
+            </a:r>
+          </a:p>
+          <a:p>
+            <a:r>
+              <a:rPr lang="en-IN" dirty="0"/>
+              <a:t>If either operand is of type long, the non-long primitive </a:t>
+            </a:r>
+            <a:r>
+              <a:rPr lang="en-IN" dirty="0" smtClean="0"/>
+              <a:t>is converted </a:t>
+            </a:r>
+            <a:r>
+              <a:rPr lang="en-IN" dirty="0"/>
+              <a:t>to type long</a:t>
+            </a:r>
+            <a:r>
+              <a:rPr lang="en-IN" dirty="0" smtClean="0"/>
+              <a:t>.</a:t>
+            </a:r>
+          </a:p>
+          <a:p>
+            <a:r>
+              <a:rPr lang="en-IN" dirty="0"/>
+              <a:t>Otherwise, both operands are converted to int.</a:t>
+            </a:r>
+            <a:endParaRPr lang="en-IN" dirty="0"/>
+          </a:p>
+        </p:txBody>
+      </p:sp>
+    </p:spTree>
+    <p:extLst>
+      <p:ext uri="{BB962C8B-B14F-4D97-AF65-F5344CB8AC3E}">
+        <p14:creationId xmlns:p14="http://schemas.microsoft.com/office/powerpoint/2010/main" val="2347704723"/>
+      </p:ext>
+    </p:extLst>
+  </p:cSld>
+  <p:clrMapOvr>
+    <a:masterClrMapping/>
+  </p:clrMapOvr>
+</p:sld>
+</file>
+
+<file path=ppt/slides/slide42.xml><?xml version="1.0" encoding="utf-8"?>
+<p:sld xmlns:a="http://schemas.openxmlformats.org/drawingml/2006/main" xmlns:r="http://schemas.openxmlformats.org/officeDocument/2006/relationships" xmlns:p="http://schemas.openxmlformats.org/presentationml/2006/main">
+  <p:cSld>
+    <p:spTree>
+      <p:nvGrpSpPr>
+        <p:cNvPr id="1" name=""/>
+        <p:cNvGrpSpPr/>
+        <p:nvPr/>
+      </p:nvGrpSpPr>
+      <p:grpSpPr>
+        <a:xfrm>
+          <a:off x="0" y="0"/>
+          <a:ext cx="0" cy="0"/>
+          <a:chOff x="0" y="0"/>
+          <a:chExt cx="0" cy="0"/>
+        </a:xfrm>
+      </p:grpSpPr>
+      <p:sp>
+        <p:nvSpPr>
+          <p:cNvPr id="2" name="Title 1"/>
+          <p:cNvSpPr>
+            <a:spLocks noGrp="1"/>
+          </p:cNvSpPr>
+          <p:nvPr>
+            <p:ph type="title"/>
+          </p:nvPr>
+        </p:nvSpPr>
+        <p:spPr/>
+        <p:txBody>
+          <a:bodyPr/>
+          <a:lstStyle/>
+          <a:p>
+            <a:r>
+              <a:rPr lang="en-IN" dirty="0"/>
+              <a:t>Wrapper Classes</a:t>
+            </a:r>
+            <a:endParaRPr lang="en-IN" dirty="0"/>
+          </a:p>
+        </p:txBody>
+      </p:sp>
+      <p:sp>
+        <p:nvSpPr>
+          <p:cNvPr id="3" name="Content Placeholder 2"/>
+          <p:cNvSpPr>
+            <a:spLocks noGrp="1"/>
+          </p:cNvSpPr>
+          <p:nvPr>
+            <p:ph idx="1"/>
+          </p:nvPr>
+        </p:nvSpPr>
+        <p:spPr/>
+        <p:txBody>
+          <a:bodyPr/>
+          <a:lstStyle/>
+          <a:p>
+            <a:r>
+              <a:rPr lang="en-IN" dirty="0"/>
+              <a:t>Each of the primitive types has a corresponding wrapper class</a:t>
+            </a:r>
+            <a:r>
+              <a:rPr lang="en-IN" dirty="0" smtClean="0"/>
+              <a:t>/ reference </a:t>
+            </a:r>
+            <a:r>
+              <a:rPr lang="en-IN" dirty="0"/>
+              <a:t>type, which is located in package </a:t>
+            </a:r>
+            <a:r>
+              <a:rPr lang="en-IN" dirty="0" err="1"/>
+              <a:t>java.lang</a:t>
+            </a:r>
+            <a:r>
+              <a:rPr lang="en-IN" dirty="0" smtClean="0"/>
+              <a:t>.</a:t>
+            </a:r>
+          </a:p>
+          <a:p>
+            <a:endParaRPr lang="en-IN" dirty="0"/>
+          </a:p>
+        </p:txBody>
+      </p:sp>
+      <p:pic>
+        <p:nvPicPr>
+          <p:cNvPr id="4" name="Picture 3"/>
+          <p:cNvPicPr>
+            <a:picLocks noChangeAspect="1"/>
+          </p:cNvPicPr>
+          <p:nvPr/>
+        </p:nvPicPr>
+        <p:blipFill>
+          <a:blip r:embed="rId2"/>
+          <a:stretch>
+            <a:fillRect/>
+          </a:stretch>
+        </p:blipFill>
+        <p:spPr>
+          <a:xfrm>
+            <a:off x="1166075" y="2720181"/>
+            <a:ext cx="8930962" cy="3900047"/>
+          </a:xfrm>
+          <a:prstGeom prst="rect">
+            <a:avLst/>
+          </a:prstGeom>
+        </p:spPr>
+      </p:pic>
+    </p:spTree>
+    <p:extLst>
+      <p:ext uri="{BB962C8B-B14F-4D97-AF65-F5344CB8AC3E}">
+        <p14:creationId xmlns:p14="http://schemas.microsoft.com/office/powerpoint/2010/main" val="1488846931"/>
+      </p:ext>
+    </p:extLst>
+  </p:cSld>
+  <p:clrMapOvr>
+    <a:masterClrMapping/>
+  </p:clrMapOvr>
+</p:sld>
+</file>
+
+<file path=ppt/slides/slide43.xml><?xml version="1.0" encoding="utf-8"?>
+<p:sld xmlns:a="http://schemas.openxmlformats.org/drawingml/2006/main" xmlns:r="http://schemas.openxmlformats.org/officeDocument/2006/relationships" xmlns:p="http://schemas.openxmlformats.org/presentationml/2006/main">
+  <p:cSld>
+    <p:spTree>
+      <p:nvGrpSpPr>
+        <p:cNvPr id="1" name=""/>
+        <p:cNvGrpSpPr/>
+        <p:nvPr/>
+      </p:nvGrpSpPr>
+      <p:grpSpPr>
+        <a:xfrm>
+          <a:off x="0" y="0"/>
+          <a:ext cx="0" cy="0"/>
+          <a:chOff x="0" y="0"/>
+          <a:chExt cx="0" cy="0"/>
+        </a:xfrm>
+      </p:grpSpPr>
+      <p:sp>
+        <p:nvSpPr>
+          <p:cNvPr id="2" name="Title 1"/>
+          <p:cNvSpPr>
+            <a:spLocks noGrp="1"/>
+          </p:cNvSpPr>
+          <p:nvPr>
+            <p:ph type="title"/>
+          </p:nvPr>
+        </p:nvSpPr>
+        <p:spPr/>
+        <p:txBody>
+          <a:bodyPr/>
+          <a:lstStyle/>
+          <a:p>
+            <a:r>
+              <a:rPr lang="en-IN" dirty="0" smtClean="0"/>
+              <a:t>Continued…</a:t>
+            </a:r>
+            <a:endParaRPr lang="en-IN" dirty="0"/>
+          </a:p>
+        </p:txBody>
+      </p:sp>
+      <p:pic>
+        <p:nvPicPr>
+          <p:cNvPr id="4" name="Content Placeholder 3"/>
+          <p:cNvPicPr>
+            <a:picLocks noGrp="1" noChangeAspect="1"/>
+          </p:cNvPicPr>
+          <p:nvPr>
+            <p:ph idx="1"/>
+          </p:nvPr>
+        </p:nvPicPr>
+        <p:blipFill>
+          <a:blip r:embed="rId2"/>
+          <a:stretch>
+            <a:fillRect/>
+          </a:stretch>
+        </p:blipFill>
+        <p:spPr>
+          <a:xfrm>
+            <a:off x="838200" y="1690688"/>
+            <a:ext cx="8896360" cy="3898743"/>
+          </a:xfrm>
+          <a:prstGeom prst="rect">
+            <a:avLst/>
+          </a:prstGeom>
+        </p:spPr>
+      </p:pic>
+    </p:spTree>
+    <p:extLst>
+      <p:ext uri="{BB962C8B-B14F-4D97-AF65-F5344CB8AC3E}">
+        <p14:creationId xmlns:p14="http://schemas.microsoft.com/office/powerpoint/2010/main" val="4291990840"/>
+      </p:ext>
+    </p:extLst>
+  </p:cSld>
+  <p:clrMapOvr>
+    <a:masterClrMapping/>
+  </p:clrMapOvr>
+</p:sld>
+</file>
+
+<file path=ppt/slides/slide44.xml><?xml version="1.0" encoding="utf-8"?>
+<p:sld xmlns:a="http://schemas.openxmlformats.org/drawingml/2006/main" xmlns:r="http://schemas.openxmlformats.org/officeDocument/2006/relationships" xmlns:p="http://schemas.openxmlformats.org/presentationml/2006/main">
+  <p:cSld>
+    <p:spTree>
+      <p:nvGrpSpPr>
+        <p:cNvPr id="1" name=""/>
+        <p:cNvGrpSpPr/>
+        <p:nvPr/>
+      </p:nvGrpSpPr>
+      <p:grpSpPr>
+        <a:xfrm>
+          <a:off x="0" y="0"/>
+          <a:ext cx="0" cy="0"/>
+          <a:chOff x="0" y="0"/>
+          <a:chExt cx="0" cy="0"/>
+        </a:xfrm>
+      </p:grpSpPr>
+      <p:sp>
+        <p:nvSpPr>
+          <p:cNvPr id="2" name="Title 1"/>
+          <p:cNvSpPr>
+            <a:spLocks noGrp="1"/>
+          </p:cNvSpPr>
+          <p:nvPr>
+            <p:ph type="title"/>
+          </p:nvPr>
+        </p:nvSpPr>
+        <p:spPr/>
+        <p:txBody>
+          <a:bodyPr/>
+          <a:lstStyle/>
+          <a:p>
+            <a:r>
+              <a:rPr lang="en-IN" dirty="0" err="1"/>
+              <a:t>Autoboxing</a:t>
+            </a:r>
+            <a:r>
+              <a:rPr lang="en-IN" dirty="0"/>
+              <a:t> and Unboxing</a:t>
+            </a:r>
+            <a:endParaRPr lang="en-IN" dirty="0"/>
+          </a:p>
+        </p:txBody>
+      </p:sp>
+      <p:sp>
+        <p:nvSpPr>
+          <p:cNvPr id="3" name="Content Placeholder 2"/>
+          <p:cNvSpPr>
+            <a:spLocks noGrp="1"/>
+          </p:cNvSpPr>
+          <p:nvPr>
+            <p:ph idx="1"/>
+          </p:nvPr>
+        </p:nvSpPr>
+        <p:spPr/>
+        <p:txBody>
+          <a:bodyPr>
+            <a:normAutofit lnSpcReduction="10000"/>
+          </a:bodyPr>
+          <a:lstStyle/>
+          <a:p>
+            <a:pPr marL="0" indent="0">
+              <a:buNone/>
+            </a:pPr>
+            <a:r>
+              <a:rPr lang="en-IN" dirty="0" err="1"/>
+              <a:t>Autoboxing</a:t>
+            </a:r>
+            <a:r>
+              <a:rPr lang="en-IN" dirty="0"/>
+              <a:t> and unboxing are typically used for collections </a:t>
+            </a:r>
+            <a:r>
+              <a:rPr lang="en-IN" dirty="0" smtClean="0"/>
+              <a:t>of primitives</a:t>
+            </a:r>
+            <a:r>
+              <a:rPr lang="en-IN" dirty="0"/>
+              <a:t>. </a:t>
+            </a:r>
+            <a:endParaRPr lang="en-IN" dirty="0" smtClean="0"/>
+          </a:p>
+          <a:p>
+            <a:r>
+              <a:rPr lang="en-IN" b="1" dirty="0" err="1" smtClean="0"/>
+              <a:t>Autoboxing</a:t>
+            </a:r>
+            <a:r>
+              <a:rPr lang="en-IN" dirty="0" smtClean="0"/>
+              <a:t> </a:t>
+            </a:r>
+            <a:r>
+              <a:rPr lang="en-IN" dirty="0"/>
+              <a:t>involves the dynamic allocation of </a:t>
+            </a:r>
+            <a:r>
+              <a:rPr lang="en-IN" dirty="0" smtClean="0"/>
+              <a:t>memory and </a:t>
+            </a:r>
+            <a:r>
+              <a:rPr lang="en-IN" dirty="0"/>
+              <a:t>initialization of an object for each primitive. </a:t>
+            </a:r>
+            <a:endParaRPr lang="en-IN" dirty="0" smtClean="0"/>
+          </a:p>
+          <a:p>
+            <a:r>
+              <a:rPr lang="en-IN" b="1" dirty="0" smtClean="0"/>
+              <a:t>Unboxing</a:t>
+            </a:r>
+            <a:r>
+              <a:rPr lang="en-IN" dirty="0" smtClean="0"/>
+              <a:t> </a:t>
+            </a:r>
+            <a:r>
+              <a:rPr lang="en-IN" dirty="0"/>
+              <a:t>involves the production of a primitive </a:t>
+            </a:r>
+            <a:r>
+              <a:rPr lang="en-IN" dirty="0" smtClean="0"/>
+              <a:t>for each </a:t>
+            </a:r>
+            <a:r>
+              <a:rPr lang="en-IN" dirty="0"/>
+              <a:t>object</a:t>
+            </a:r>
+            <a:r>
+              <a:rPr lang="en-IN" dirty="0" smtClean="0"/>
+              <a:t>.</a:t>
+            </a:r>
+          </a:p>
+          <a:p>
+            <a:pPr marL="0" indent="0">
+              <a:buNone/>
+            </a:pPr>
+            <a:endParaRPr lang="en-IN" dirty="0"/>
+          </a:p>
+          <a:p>
+            <a:pPr marL="0" indent="0">
+              <a:buNone/>
+            </a:pPr>
+            <a:r>
+              <a:rPr lang="en-IN" i="1" dirty="0"/>
+              <a:t>Note that the overhead can often exceed the execution time of the desired operation</a:t>
+            </a:r>
+            <a:r>
+              <a:rPr lang="en-IN" i="1" dirty="0" smtClean="0"/>
+              <a:t>.</a:t>
+            </a:r>
+          </a:p>
+          <a:p>
+            <a:pPr marL="0" indent="0">
+              <a:buNone/>
+            </a:pPr>
+            <a:r>
+              <a:rPr lang="en-IN" b="1" i="1" dirty="0" smtClean="0"/>
+              <a:t>Computationally </a:t>
+            </a:r>
+            <a:r>
+              <a:rPr lang="en-IN" b="1" i="1" dirty="0"/>
+              <a:t>intensive tasks </a:t>
+            </a:r>
+            <a:r>
+              <a:rPr lang="en-IN" dirty="0"/>
+              <a:t>using primitives </a:t>
+            </a:r>
+            <a:r>
+              <a:rPr lang="en-IN" dirty="0" smtClean="0"/>
+              <a:t>should </a:t>
+            </a:r>
+            <a:r>
+              <a:rPr lang="en-IN" dirty="0"/>
+              <a:t>be done using </a:t>
+            </a:r>
+            <a:r>
+              <a:rPr lang="en-IN" dirty="0" smtClean="0"/>
+              <a:t>arrays of </a:t>
+            </a:r>
+            <a:r>
+              <a:rPr lang="en-IN" dirty="0"/>
+              <a:t>primitives in preference to collections of wrapper objects.</a:t>
+            </a:r>
+            <a:endParaRPr lang="en-IN" i="1" dirty="0"/>
+          </a:p>
+        </p:txBody>
+      </p:sp>
+    </p:spTree>
+    <p:extLst>
+      <p:ext uri="{BB962C8B-B14F-4D97-AF65-F5344CB8AC3E}">
+        <p14:creationId xmlns:p14="http://schemas.microsoft.com/office/powerpoint/2010/main" val="2295207813"/>
+      </p:ext>
+    </p:extLst>
+  </p:cSld>
+  <p:clrMapOvr>
+    <a:masterClrMapping/>
+  </p:clrMapOvr>
+</p:sld>
+</file>
+
+<file path=ppt/slides/slide45.xml><?xml version="1.0" encoding="utf-8"?>
+<p:sld xmlns:a="http://schemas.openxmlformats.org/drawingml/2006/main" xmlns:r="http://schemas.openxmlformats.org/officeDocument/2006/relationships" xmlns:p="http://schemas.openxmlformats.org/presentationml/2006/main">
+  <p:cSld>
+    <p:spTree>
+      <p:nvGrpSpPr>
+        <p:cNvPr id="1" name=""/>
+        <p:cNvGrpSpPr/>
+        <p:nvPr/>
+      </p:nvGrpSpPr>
+      <p:grpSpPr>
+        <a:xfrm>
+          <a:off x="0" y="0"/>
+          <a:ext cx="0" cy="0"/>
+          <a:chOff x="0" y="0"/>
+          <a:chExt cx="0" cy="0"/>
+        </a:xfrm>
+      </p:grpSpPr>
+      <p:sp>
+        <p:nvSpPr>
+          <p:cNvPr id="2" name="Title 1"/>
+          <p:cNvSpPr>
+            <a:spLocks noGrp="1"/>
+          </p:cNvSpPr>
+          <p:nvPr>
+            <p:ph type="title"/>
+          </p:nvPr>
+        </p:nvSpPr>
+        <p:spPr/>
+        <p:txBody>
+          <a:bodyPr/>
+          <a:lstStyle/>
+          <a:p>
+            <a:r>
+              <a:rPr lang="en-IN" dirty="0" err="1"/>
+              <a:t>Autoboxing</a:t>
+            </a:r>
+            <a:endParaRPr lang="en-IN" dirty="0"/>
+          </a:p>
+        </p:txBody>
+      </p:sp>
+      <p:sp>
+        <p:nvSpPr>
+          <p:cNvPr id="3" name="Content Placeholder 2"/>
+          <p:cNvSpPr>
+            <a:spLocks noGrp="1"/>
+          </p:cNvSpPr>
+          <p:nvPr>
+            <p:ph idx="1"/>
+          </p:nvPr>
+        </p:nvSpPr>
+        <p:spPr/>
+        <p:txBody>
+          <a:bodyPr>
+            <a:normAutofit fontScale="85000" lnSpcReduction="20000"/>
+          </a:bodyPr>
+          <a:lstStyle/>
+          <a:p>
+            <a:pPr marL="0" indent="0">
+              <a:buNone/>
+            </a:pPr>
+            <a:r>
+              <a:rPr lang="en-IN" dirty="0" err="1"/>
+              <a:t>Autoboxing</a:t>
+            </a:r>
+            <a:r>
+              <a:rPr lang="en-IN" dirty="0"/>
+              <a:t> is the automatic conversion of primitive types </a:t>
+            </a:r>
+            <a:r>
+              <a:rPr lang="en-IN" dirty="0" smtClean="0"/>
+              <a:t>to their </a:t>
+            </a:r>
+            <a:r>
+              <a:rPr lang="en-IN" dirty="0"/>
+              <a:t>corresponding wrapper classes</a:t>
+            </a:r>
+            <a:r>
+              <a:rPr lang="en-IN" dirty="0" smtClean="0"/>
+              <a:t>.</a:t>
+            </a:r>
+          </a:p>
+          <a:p>
+            <a:pPr marL="0" indent="0">
+              <a:buNone/>
+            </a:pPr>
+            <a:endParaRPr lang="en-IN" dirty="0"/>
+          </a:p>
+          <a:p>
+            <a:pPr marL="457200" lvl="1" indent="0">
+              <a:buNone/>
+            </a:pPr>
+            <a:r>
+              <a:rPr lang="en-IN" i="1" dirty="0"/>
+              <a:t>// Create hash map of weight groups</a:t>
+            </a:r>
+          </a:p>
+          <a:p>
+            <a:pPr marL="457200" lvl="1" indent="0">
+              <a:buNone/>
+            </a:pPr>
+            <a:r>
+              <a:rPr lang="en-IN" dirty="0" err="1"/>
+              <a:t>HashMap</a:t>
+            </a:r>
+            <a:r>
+              <a:rPr lang="en-IN" dirty="0"/>
+              <a:t>&lt;String, </a:t>
+            </a:r>
+            <a:r>
+              <a:rPr lang="en-IN" b="1" dirty="0"/>
+              <a:t>Integer</a:t>
+            </a:r>
+            <a:r>
+              <a:rPr lang="en-IN" dirty="0"/>
+              <a:t>&gt; </a:t>
+            </a:r>
+            <a:r>
+              <a:rPr lang="en-IN" dirty="0" err="1" smtClean="0"/>
+              <a:t>weightGroups</a:t>
+            </a:r>
+            <a:r>
+              <a:rPr lang="en-IN" dirty="0" smtClean="0"/>
+              <a:t> = </a:t>
+            </a:r>
+            <a:r>
+              <a:rPr lang="en-IN" b="1" dirty="0"/>
+              <a:t>new </a:t>
+            </a:r>
+            <a:r>
+              <a:rPr lang="en-IN" dirty="0" err="1"/>
+              <a:t>HashMap</a:t>
+            </a:r>
+            <a:r>
+              <a:rPr lang="en-IN" dirty="0"/>
+              <a:t>&lt;String, </a:t>
+            </a:r>
+            <a:r>
+              <a:rPr lang="en-IN" b="1" dirty="0"/>
+              <a:t>Integer</a:t>
+            </a:r>
+            <a:r>
+              <a:rPr lang="en-IN" dirty="0"/>
+              <a:t>&gt; ();</a:t>
+            </a:r>
+          </a:p>
+          <a:p>
+            <a:pPr marL="457200" lvl="1" indent="0">
+              <a:buNone/>
+            </a:pPr>
+            <a:r>
+              <a:rPr lang="en-IN" dirty="0" err="1"/>
+              <a:t>weightGroups.put</a:t>
+            </a:r>
+            <a:r>
+              <a:rPr lang="en-IN" dirty="0"/>
+              <a:t>("welterweight", </a:t>
+            </a:r>
+            <a:r>
+              <a:rPr lang="en-IN" b="1" dirty="0"/>
+              <a:t>147</a:t>
+            </a:r>
+            <a:r>
+              <a:rPr lang="en-IN" dirty="0"/>
+              <a:t>);</a:t>
+            </a:r>
+          </a:p>
+          <a:p>
+            <a:pPr marL="457200" lvl="1" indent="0">
+              <a:buNone/>
+            </a:pPr>
+            <a:r>
+              <a:rPr lang="en-IN" dirty="0" err="1"/>
+              <a:t>weightGroups.put</a:t>
+            </a:r>
+            <a:r>
+              <a:rPr lang="en-IN" dirty="0"/>
+              <a:t>("middleweight", </a:t>
+            </a:r>
+            <a:r>
+              <a:rPr lang="en-IN" b="1" dirty="0"/>
+              <a:t>160</a:t>
+            </a:r>
+            <a:r>
+              <a:rPr lang="en-IN" dirty="0"/>
+              <a:t>);</a:t>
+            </a:r>
+          </a:p>
+          <a:p>
+            <a:pPr marL="457200" lvl="1" indent="0">
+              <a:buNone/>
+            </a:pPr>
+            <a:r>
+              <a:rPr lang="en-IN" dirty="0" err="1"/>
+              <a:t>weightGroups.put</a:t>
+            </a:r>
+            <a:r>
+              <a:rPr lang="en-IN" dirty="0"/>
+              <a:t>("cruiserweight", </a:t>
+            </a:r>
+            <a:r>
+              <a:rPr lang="en-IN" b="1" dirty="0"/>
+              <a:t>200</a:t>
+            </a:r>
+            <a:r>
+              <a:rPr lang="en-IN" dirty="0" smtClean="0"/>
+              <a:t>);</a:t>
+            </a:r>
+            <a:endParaRPr lang="en-IN" sz="3300" dirty="0"/>
+          </a:p>
+          <a:p>
+            <a:pPr marL="0" indent="0">
+              <a:buNone/>
+            </a:pPr>
+            <a:endParaRPr lang="en-IN" dirty="0" smtClean="0"/>
+          </a:p>
+          <a:p>
+            <a:pPr marL="0" indent="0">
+              <a:buNone/>
+            </a:pPr>
+            <a:r>
+              <a:rPr lang="en-IN" dirty="0"/>
+              <a:t>The following example shows an acceptable but not </a:t>
+            </a:r>
+            <a:r>
+              <a:rPr lang="en-IN" dirty="0" smtClean="0"/>
+              <a:t>recommended use </a:t>
+            </a:r>
+            <a:r>
+              <a:rPr lang="en-IN" dirty="0"/>
+              <a:t>of </a:t>
+            </a:r>
+            <a:r>
+              <a:rPr lang="en-IN" dirty="0" err="1"/>
+              <a:t>autoboxing</a:t>
+            </a:r>
+            <a:r>
+              <a:rPr lang="en-IN" dirty="0" smtClean="0"/>
+              <a:t>:</a:t>
+            </a:r>
+            <a:endParaRPr lang="en-IN" dirty="0"/>
+          </a:p>
+          <a:p>
+            <a:pPr marL="457200" lvl="1" indent="0">
+              <a:buNone/>
+            </a:pPr>
+            <a:r>
+              <a:rPr lang="en-IN" i="1" dirty="0" smtClean="0"/>
+              <a:t>// </a:t>
+            </a:r>
+            <a:r>
+              <a:rPr lang="en-IN" i="1" dirty="0"/>
+              <a:t>Establish weight allowance</a:t>
+            </a:r>
+          </a:p>
+          <a:p>
+            <a:pPr marL="457200" lvl="1" indent="0">
+              <a:buNone/>
+            </a:pPr>
+            <a:r>
+              <a:rPr lang="en-IN" b="1" dirty="0" smtClean="0"/>
+              <a:t>Integer </a:t>
+            </a:r>
+            <a:r>
+              <a:rPr lang="en-IN" b="1" dirty="0" err="1"/>
+              <a:t>weightAllowanceW</a:t>
+            </a:r>
+            <a:r>
+              <a:rPr lang="en-IN" b="1" dirty="0"/>
+              <a:t> = 5; </a:t>
+            </a:r>
+            <a:r>
+              <a:rPr lang="en-IN" b="1" i="1" dirty="0"/>
+              <a:t>//</a:t>
+            </a:r>
+            <a:r>
+              <a:rPr lang="en-IN" b="1" i="1" dirty="0" smtClean="0"/>
+              <a:t>improper</a:t>
+            </a:r>
+          </a:p>
+          <a:p>
+            <a:pPr marL="457200" lvl="1" indent="0">
+              <a:buNone/>
+            </a:pPr>
+            <a:r>
+              <a:rPr lang="en-IN" b="1" dirty="0"/>
+              <a:t>Integer </a:t>
+            </a:r>
+            <a:r>
+              <a:rPr lang="en-IN" b="1" dirty="0" err="1"/>
+              <a:t>weightAllowanceW</a:t>
+            </a:r>
+            <a:r>
+              <a:rPr lang="en-IN" b="1" dirty="0"/>
+              <a:t> = new Integer (5);</a:t>
+            </a:r>
+            <a:endParaRPr lang="en-IN" b="1" dirty="0"/>
+          </a:p>
+        </p:txBody>
+      </p:sp>
+    </p:spTree>
+    <p:extLst>
+      <p:ext uri="{BB962C8B-B14F-4D97-AF65-F5344CB8AC3E}">
+        <p14:creationId xmlns:p14="http://schemas.microsoft.com/office/powerpoint/2010/main" val="209002498"/>
+      </p:ext>
+    </p:extLst>
+  </p:cSld>
+  <p:clrMapOvr>
+    <a:masterClrMapping/>
+  </p:clrMapOvr>
+</p:sld>
+</file>
+
+<file path=ppt/slides/slide46.xml><?xml version="1.0" encoding="utf-8"?>
+<p:sld xmlns:a="http://schemas.openxmlformats.org/drawingml/2006/main" xmlns:r="http://schemas.openxmlformats.org/officeDocument/2006/relationships" xmlns:p="http://schemas.openxmlformats.org/presentationml/2006/main">
+  <p:cSld>
+    <p:spTree>
+      <p:nvGrpSpPr>
+        <p:cNvPr id="1" name=""/>
+        <p:cNvGrpSpPr/>
+        <p:nvPr/>
+      </p:nvGrpSpPr>
+      <p:grpSpPr>
+        <a:xfrm>
+          <a:off x="0" y="0"/>
+          <a:ext cx="0" cy="0"/>
+          <a:chOff x="0" y="0"/>
+          <a:chExt cx="0" cy="0"/>
+        </a:xfrm>
+      </p:grpSpPr>
+      <p:sp>
+        <p:nvSpPr>
+          <p:cNvPr id="2" name="Title 1"/>
+          <p:cNvSpPr>
+            <a:spLocks noGrp="1"/>
+          </p:cNvSpPr>
+          <p:nvPr>
+            <p:ph type="title"/>
+          </p:nvPr>
+        </p:nvSpPr>
+        <p:spPr/>
+        <p:txBody>
+          <a:bodyPr/>
+          <a:lstStyle/>
+          <a:p>
+            <a:r>
+              <a:rPr lang="en-IN" dirty="0"/>
+              <a:t>Unboxing</a:t>
+            </a:r>
+            <a:endParaRPr lang="en-IN" dirty="0"/>
+          </a:p>
+        </p:txBody>
+      </p:sp>
+      <p:sp>
+        <p:nvSpPr>
+          <p:cNvPr id="3" name="Content Placeholder 2"/>
+          <p:cNvSpPr>
+            <a:spLocks noGrp="1"/>
+          </p:cNvSpPr>
+          <p:nvPr>
+            <p:ph idx="1"/>
+          </p:nvPr>
+        </p:nvSpPr>
+        <p:spPr/>
+        <p:txBody>
+          <a:bodyPr>
+            <a:normAutofit/>
+          </a:bodyPr>
+          <a:lstStyle/>
+          <a:p>
+            <a:pPr marL="0" indent="0">
+              <a:buNone/>
+            </a:pPr>
+            <a:r>
+              <a:rPr lang="en-IN" dirty="0"/>
+              <a:t>Unboxing is the automatic conversion of the wrapper classes </a:t>
+            </a:r>
+            <a:r>
+              <a:rPr lang="en-IN" dirty="0" smtClean="0"/>
+              <a:t>to their </a:t>
+            </a:r>
+            <a:r>
+              <a:rPr lang="en-IN" dirty="0"/>
+              <a:t>corresponding primitive types</a:t>
+            </a:r>
+            <a:r>
+              <a:rPr lang="en-IN" dirty="0" smtClean="0"/>
+              <a:t>.</a:t>
+            </a:r>
+          </a:p>
+          <a:p>
+            <a:pPr marL="0" indent="0">
+              <a:buNone/>
+            </a:pPr>
+            <a:endParaRPr lang="en-IN" dirty="0"/>
+          </a:p>
+          <a:p>
+            <a:pPr marL="457200" lvl="1" indent="0">
+              <a:buNone/>
+            </a:pPr>
+            <a:r>
+              <a:rPr lang="en-IN" i="1" dirty="0"/>
+              <a:t>// Get the stored weight limit</a:t>
+            </a:r>
+          </a:p>
+          <a:p>
+            <a:pPr marL="457200" lvl="1" indent="0">
+              <a:buNone/>
+            </a:pPr>
+            <a:r>
+              <a:rPr lang="en-IN" b="1" dirty="0" err="1"/>
+              <a:t>int</a:t>
+            </a:r>
+            <a:r>
+              <a:rPr lang="en-IN" b="1" dirty="0"/>
+              <a:t> </a:t>
+            </a:r>
+            <a:r>
+              <a:rPr lang="en-IN" dirty="0" err="1"/>
+              <a:t>weightLimitP</a:t>
+            </a:r>
+            <a:r>
+              <a:rPr lang="en-IN" dirty="0"/>
+              <a:t> = </a:t>
+            </a:r>
+            <a:r>
+              <a:rPr lang="en-IN" dirty="0" err="1" smtClean="0"/>
+              <a:t>weightGroups.get</a:t>
+            </a:r>
+            <a:r>
+              <a:rPr lang="en-IN" dirty="0" smtClean="0"/>
+              <a:t>(middleweight);</a:t>
+            </a:r>
+          </a:p>
+          <a:p>
+            <a:pPr marL="457200" lvl="1" indent="0">
+              <a:buNone/>
+            </a:pPr>
+            <a:endParaRPr lang="en-IN" dirty="0"/>
+          </a:p>
+          <a:p>
+            <a:pPr marL="457200" lvl="1" indent="0">
+              <a:buNone/>
+            </a:pPr>
+            <a:r>
+              <a:rPr lang="en-IN" i="1" dirty="0"/>
+              <a:t>// Establish the weight allowance</a:t>
+            </a:r>
+          </a:p>
+          <a:p>
+            <a:pPr marL="457200" lvl="1" indent="0">
+              <a:buNone/>
+            </a:pPr>
+            <a:r>
+              <a:rPr lang="en-IN" dirty="0" err="1"/>
+              <a:t>weightLimitP</a:t>
+            </a:r>
+            <a:r>
+              <a:rPr lang="en-IN" dirty="0"/>
+              <a:t> = </a:t>
+            </a:r>
+            <a:r>
+              <a:rPr lang="en-IN" dirty="0" err="1"/>
+              <a:t>weightLimitP</a:t>
+            </a:r>
+            <a:r>
+              <a:rPr lang="en-IN" dirty="0"/>
+              <a:t> + </a:t>
+            </a:r>
+            <a:r>
+              <a:rPr lang="en-IN" dirty="0" err="1"/>
+              <a:t>weightAllowanceW</a:t>
+            </a:r>
+            <a:r>
+              <a:rPr lang="en-IN" dirty="0" smtClean="0"/>
+              <a:t>;</a:t>
+            </a:r>
+          </a:p>
+          <a:p>
+            <a:pPr marL="457200" lvl="1" indent="0">
+              <a:buNone/>
+            </a:pPr>
+            <a:endParaRPr lang="en-IN" dirty="0"/>
+          </a:p>
+          <a:p>
+            <a:pPr marL="457200" lvl="1" indent="0">
+              <a:buNone/>
+            </a:pPr>
+            <a:r>
+              <a:rPr lang="en-IN" dirty="0" err="1"/>
+              <a:t>weightLimitP</a:t>
+            </a:r>
+            <a:r>
+              <a:rPr lang="en-IN" dirty="0"/>
+              <a:t> = </a:t>
+            </a:r>
+            <a:r>
+              <a:rPr lang="en-IN" dirty="0" err="1" smtClean="0"/>
+              <a:t>weightLimitP</a:t>
+            </a:r>
+            <a:r>
+              <a:rPr lang="en-IN" dirty="0" smtClean="0"/>
+              <a:t> + </a:t>
+            </a:r>
+            <a:r>
+              <a:rPr lang="en-IN" dirty="0" err="1"/>
+              <a:t>weightAllowanceW.intValue</a:t>
+            </a:r>
+            <a:r>
+              <a:rPr lang="en-IN" dirty="0" smtClean="0"/>
+              <a:t>();</a:t>
+            </a:r>
+            <a:endParaRPr lang="en-IN" dirty="0"/>
+          </a:p>
+        </p:txBody>
+      </p:sp>
+    </p:spTree>
+    <p:extLst>
+      <p:ext uri="{BB962C8B-B14F-4D97-AF65-F5344CB8AC3E}">
+        <p14:creationId xmlns:p14="http://schemas.microsoft.com/office/powerpoint/2010/main" val="1708229815"/>
+      </p:ext>
+    </p:extLst>
+  </p:cSld>
+  <p:clrMapOvr>
+    <a:masterClrMapping/>
+  </p:clrMapOvr>
+</p:sld>
+</file>
+
+<file path=ppt/slides/slide47.xml><?xml version="1.0" encoding="utf-8"?>
+<p:sld xmlns:a="http://schemas.openxmlformats.org/drawingml/2006/main" xmlns:r="http://schemas.openxmlformats.org/officeDocument/2006/relationships" xmlns:p="http://schemas.openxmlformats.org/presentationml/2006/main">
+  <p:cSld>
+    <p:spTree>
+      <p:nvGrpSpPr>
+        <p:cNvPr id="1" name=""/>
+        <p:cNvGrpSpPr/>
+        <p:nvPr/>
+      </p:nvGrpSpPr>
+      <p:grpSpPr>
+        <a:xfrm>
+          <a:off x="0" y="0"/>
+          <a:ext cx="0" cy="0"/>
+          <a:chOff x="0" y="0"/>
+          <a:chExt cx="0" cy="0"/>
+        </a:xfrm>
+      </p:grpSpPr>
+      <p:sp>
+        <p:nvSpPr>
+          <p:cNvPr id="2" name="Title 1"/>
+          <p:cNvSpPr>
+            <a:spLocks noGrp="1"/>
+          </p:cNvSpPr>
+          <p:nvPr>
+            <p:ph type="title"/>
+          </p:nvPr>
+        </p:nvSpPr>
+        <p:spPr/>
+        <p:txBody>
+          <a:bodyPr/>
+          <a:lstStyle/>
+          <a:p>
+            <a:r>
+              <a:rPr lang="en-IN" dirty="0"/>
+              <a:t>Reference Types</a:t>
+            </a:r>
+            <a:endParaRPr lang="en-IN" dirty="0"/>
+          </a:p>
+        </p:txBody>
+      </p:sp>
+      <p:pic>
+        <p:nvPicPr>
+          <p:cNvPr id="4" name="Content Placeholder 3"/>
+          <p:cNvPicPr>
+            <a:picLocks noGrp="1" noChangeAspect="1"/>
+          </p:cNvPicPr>
+          <p:nvPr>
+            <p:ph idx="1"/>
+          </p:nvPr>
+        </p:nvPicPr>
+        <p:blipFill>
+          <a:blip r:embed="rId2"/>
+          <a:stretch>
+            <a:fillRect/>
+          </a:stretch>
+        </p:blipFill>
+        <p:spPr>
+          <a:xfrm>
+            <a:off x="838200" y="1529412"/>
+            <a:ext cx="8191500" cy="4840432"/>
+          </a:xfrm>
+          <a:prstGeom prst="rect">
+            <a:avLst/>
+          </a:prstGeom>
+        </p:spPr>
+      </p:pic>
+    </p:spTree>
+    <p:extLst>
+      <p:ext uri="{BB962C8B-B14F-4D97-AF65-F5344CB8AC3E}">
+        <p14:creationId xmlns:p14="http://schemas.microsoft.com/office/powerpoint/2010/main" val="776561504"/>
+      </p:ext>
+    </p:extLst>
+  </p:cSld>
+  <p:clrMapOvr>
+    <a:masterClrMapping/>
+  </p:clrMapOvr>
+</p:sld>
+</file>
+
+<file path=ppt/slides/slide48.xml><?xml version="1.0" encoding="utf-8"?>
+<p:sld xmlns:a="http://schemas.openxmlformats.org/drawingml/2006/main" xmlns:r="http://schemas.openxmlformats.org/officeDocument/2006/relationships" xmlns:p="http://schemas.openxmlformats.org/presentationml/2006/main">
+  <p:cSld>
+    <p:spTree>
+      <p:nvGrpSpPr>
+        <p:cNvPr id="1" name=""/>
+        <p:cNvGrpSpPr/>
+        <p:nvPr/>
+      </p:nvGrpSpPr>
+      <p:grpSpPr>
+        <a:xfrm>
+          <a:off x="0" y="0"/>
+          <a:ext cx="0" cy="0"/>
+          <a:chOff x="0" y="0"/>
+          <a:chExt cx="0" cy="0"/>
+        </a:xfrm>
+      </p:grpSpPr>
+      <p:sp>
+        <p:nvSpPr>
+          <p:cNvPr id="2" name="Title 1"/>
+          <p:cNvSpPr>
+            <a:spLocks noGrp="1"/>
+          </p:cNvSpPr>
+          <p:nvPr>
+            <p:ph type="title"/>
+          </p:nvPr>
+        </p:nvSpPr>
+        <p:spPr>
+          <a:xfrm>
+            <a:off x="838200" y="238125"/>
+            <a:ext cx="10515600" cy="1325563"/>
+          </a:xfrm>
+        </p:spPr>
+        <p:txBody>
+          <a:bodyPr/>
+          <a:lstStyle/>
+          <a:p>
+            <a:r>
+              <a:rPr lang="en-IN" dirty="0"/>
+              <a:t>Comparing Reference Types to </a:t>
+            </a:r>
+            <a:r>
+              <a:rPr lang="en-IN" dirty="0" smtClean="0"/>
+              <a:t>Primitive Types</a:t>
+            </a:r>
+            <a:endParaRPr lang="en-IN" dirty="0"/>
+          </a:p>
+        </p:txBody>
+      </p:sp>
+      <p:pic>
+        <p:nvPicPr>
+          <p:cNvPr id="4" name="Content Placeholder 3"/>
+          <p:cNvPicPr>
+            <a:picLocks noGrp="1" noChangeAspect="1"/>
+          </p:cNvPicPr>
+          <p:nvPr>
+            <p:ph idx="1"/>
+          </p:nvPr>
+        </p:nvPicPr>
+        <p:blipFill>
+          <a:blip r:embed="rId2"/>
+          <a:stretch>
+            <a:fillRect/>
+          </a:stretch>
+        </p:blipFill>
+        <p:spPr>
+          <a:xfrm>
+            <a:off x="838200" y="1188411"/>
+            <a:ext cx="8460346" cy="5946569"/>
+          </a:xfrm>
+          <a:prstGeom prst="rect">
+            <a:avLst/>
+          </a:prstGeom>
+        </p:spPr>
+      </p:pic>
+    </p:spTree>
+    <p:extLst>
+      <p:ext uri="{BB962C8B-B14F-4D97-AF65-F5344CB8AC3E}">
+        <p14:creationId xmlns:p14="http://schemas.microsoft.com/office/powerpoint/2010/main" val="4110463798"/>
+      </p:ext>
+    </p:extLst>
+  </p:cSld>
+  <p:clrMapOvr>
+    <a:masterClrMapping/>
+  </p:clrMapOvr>
+</p:sld>
+</file>
+
+<file path=ppt/slides/slide49.xml><?xml version="1.0" encoding="utf-8"?>
+<p:sld xmlns:a="http://schemas.openxmlformats.org/drawingml/2006/main" xmlns:r="http://schemas.openxmlformats.org/officeDocument/2006/relationships" xmlns:p="http://schemas.openxmlformats.org/presentationml/2006/main">
+  <p:cSld>
+    <p:spTree>
+      <p:nvGrpSpPr>
+        <p:cNvPr id="1" name=""/>
+        <p:cNvGrpSpPr/>
+        <p:nvPr/>
+      </p:nvGrpSpPr>
+      <p:grpSpPr>
+        <a:xfrm>
+          <a:off x="0" y="0"/>
+          <a:ext cx="0" cy="0"/>
+          <a:chOff x="0" y="0"/>
+          <a:chExt cx="0" cy="0"/>
+        </a:xfrm>
+      </p:grpSpPr>
+      <p:sp>
+        <p:nvSpPr>
+          <p:cNvPr id="2" name="Title 1"/>
+          <p:cNvSpPr>
+            <a:spLocks noGrp="1"/>
+          </p:cNvSpPr>
+          <p:nvPr>
+            <p:ph type="title"/>
+          </p:nvPr>
+        </p:nvSpPr>
+        <p:spPr/>
+        <p:txBody>
+          <a:bodyPr/>
+          <a:lstStyle/>
+          <a:p>
+            <a:r>
+              <a:rPr lang="en-IN" dirty="0"/>
+              <a:t>Conversion of Reference Types</a:t>
+            </a:r>
+            <a:endParaRPr lang="en-IN" dirty="0"/>
+          </a:p>
+        </p:txBody>
+      </p:sp>
+      <p:sp>
+        <p:nvSpPr>
+          <p:cNvPr id="3" name="Content Placeholder 2"/>
+          <p:cNvSpPr>
+            <a:spLocks noGrp="1"/>
+          </p:cNvSpPr>
+          <p:nvPr>
+            <p:ph idx="1"/>
+          </p:nvPr>
+        </p:nvSpPr>
+        <p:spPr/>
+        <p:txBody>
+          <a:bodyPr>
+            <a:normAutofit lnSpcReduction="10000"/>
+          </a:bodyPr>
+          <a:lstStyle/>
+          <a:p>
+            <a:pPr marL="0" indent="0">
+              <a:buNone/>
+            </a:pPr>
+            <a:r>
+              <a:rPr lang="en-IN" dirty="0"/>
+              <a:t>An object can be converted to the type of its superclass (widening</a:t>
+            </a:r>
+            <a:r>
+              <a:rPr lang="en-IN" dirty="0" smtClean="0"/>
+              <a:t>) or </a:t>
+            </a:r>
+            <a:r>
+              <a:rPr lang="en-IN" dirty="0"/>
+              <a:t>any of its subclasses (narrowing</a:t>
+            </a:r>
+            <a:r>
+              <a:rPr lang="en-IN" dirty="0" smtClean="0"/>
+              <a:t>).</a:t>
+            </a:r>
+          </a:p>
+          <a:p>
+            <a:pPr marL="0" indent="0">
+              <a:buNone/>
+            </a:pPr>
+            <a:endParaRPr lang="en-IN" dirty="0"/>
+          </a:p>
+          <a:p>
+            <a:pPr marL="0" indent="0">
+              <a:buNone/>
+            </a:pPr>
+            <a:r>
+              <a:rPr lang="en-IN" sz="3000" b="1" dirty="0"/>
+              <a:t>Widening Conversions</a:t>
+            </a:r>
+          </a:p>
+          <a:p>
+            <a:pPr lvl="1"/>
+            <a:r>
+              <a:rPr lang="en-IN" dirty="0" smtClean="0"/>
+              <a:t>Widening </a:t>
+            </a:r>
+            <a:r>
+              <a:rPr lang="en-IN" dirty="0"/>
+              <a:t>implicitly converts a subclass to a parent </a:t>
+            </a:r>
+            <a:r>
+              <a:rPr lang="en-IN" dirty="0" smtClean="0"/>
+              <a:t>class(superclass</a:t>
+            </a:r>
+            <a:r>
+              <a:rPr lang="en-IN" dirty="0"/>
+              <a:t>).</a:t>
+            </a:r>
+          </a:p>
+          <a:p>
+            <a:pPr lvl="1"/>
+            <a:r>
+              <a:rPr lang="en-IN" dirty="0" smtClean="0"/>
+              <a:t>Widening </a:t>
+            </a:r>
+            <a:r>
+              <a:rPr lang="en-IN" dirty="0"/>
+              <a:t>conversions do not throw runtime exceptions.</a:t>
+            </a:r>
+          </a:p>
+          <a:p>
+            <a:pPr lvl="1"/>
+            <a:r>
+              <a:rPr lang="en-IN" dirty="0" smtClean="0"/>
+              <a:t>No </a:t>
+            </a:r>
+            <a:r>
+              <a:rPr lang="en-IN" dirty="0"/>
+              <a:t>explicit cast is necessary</a:t>
+            </a:r>
+            <a:r>
+              <a:rPr lang="en-IN" dirty="0" smtClean="0"/>
+              <a:t>:</a:t>
+            </a:r>
+          </a:p>
+          <a:p>
+            <a:pPr marL="0" indent="0">
+              <a:buNone/>
+            </a:pPr>
+            <a:endParaRPr lang="en-IN" dirty="0"/>
+          </a:p>
+          <a:p>
+            <a:pPr marL="914400" lvl="2" indent="0">
+              <a:buNone/>
+            </a:pPr>
+            <a:r>
+              <a:rPr lang="en-IN" sz="2800" dirty="0"/>
+              <a:t>String s = </a:t>
+            </a:r>
+            <a:r>
+              <a:rPr lang="en-IN" sz="2800" b="1" dirty="0"/>
+              <a:t>new </a:t>
+            </a:r>
+            <a:r>
+              <a:rPr lang="en-IN" sz="2800" dirty="0"/>
+              <a:t>String();</a:t>
+            </a:r>
+          </a:p>
+          <a:p>
+            <a:pPr marL="914400" lvl="2" indent="0">
+              <a:buNone/>
+            </a:pPr>
+            <a:r>
+              <a:rPr lang="en-IN" sz="2800" dirty="0"/>
+              <a:t>Object o = s; </a:t>
+            </a:r>
+            <a:r>
+              <a:rPr lang="en-IN" sz="2800" i="1" dirty="0"/>
+              <a:t>// widening</a:t>
+            </a:r>
+            <a:endParaRPr lang="en-IN" sz="2800" dirty="0"/>
+          </a:p>
+        </p:txBody>
+      </p:sp>
+    </p:spTree>
+    <p:extLst>
+      <p:ext uri="{BB962C8B-B14F-4D97-AF65-F5344CB8AC3E}">
+        <p14:creationId xmlns:p14="http://schemas.microsoft.com/office/powerpoint/2010/main" val="1612330737"/>
+      </p:ext>
+    </p:extLst>
+  </p:cSld>
+  <p:clrMapOvr>
+    <a:masterClrMapping/>
+  </p:clrMapOvr>
+</p:sld>
+</file>
+
 <file path=ppt/slides/slide5.xml><?xml version="1.0" encoding="utf-8"?>
 <p:sld xmlns:a="http://schemas.openxmlformats.org/drawingml/2006/main" xmlns:r="http://schemas.openxmlformats.org/officeDocument/2006/relationships" xmlns:p="http://schemas.openxmlformats.org/presentationml/2006/main">
   <p:cSld>
@@ -8219,6 +9709,2354 @@
     <p:extLst>
       <p:ext uri="{BB962C8B-B14F-4D97-AF65-F5344CB8AC3E}">
         <p14:creationId xmlns:p14="http://schemas.microsoft.com/office/powerpoint/2010/main" val="4171689799"/>
+      </p:ext>
+    </p:extLst>
+  </p:cSld>
+  <p:clrMapOvr>
+    <a:masterClrMapping/>
+  </p:clrMapOvr>
+</p:sld>
+</file>
+
+<file path=ppt/slides/slide50.xml><?xml version="1.0" encoding="utf-8"?>
+<p:sld xmlns:a="http://schemas.openxmlformats.org/drawingml/2006/main" xmlns:r="http://schemas.openxmlformats.org/officeDocument/2006/relationships" xmlns:p="http://schemas.openxmlformats.org/presentationml/2006/main">
+  <p:cSld>
+    <p:spTree>
+      <p:nvGrpSpPr>
+        <p:cNvPr id="1" name=""/>
+        <p:cNvGrpSpPr/>
+        <p:nvPr/>
+      </p:nvGrpSpPr>
+      <p:grpSpPr>
+        <a:xfrm>
+          <a:off x="0" y="0"/>
+          <a:ext cx="0" cy="0"/>
+          <a:chOff x="0" y="0"/>
+          <a:chExt cx="0" cy="0"/>
+        </a:xfrm>
+      </p:grpSpPr>
+      <p:sp>
+        <p:nvSpPr>
+          <p:cNvPr id="2" name="Title 1"/>
+          <p:cNvSpPr>
+            <a:spLocks noGrp="1"/>
+          </p:cNvSpPr>
+          <p:nvPr>
+            <p:ph type="title"/>
+          </p:nvPr>
+        </p:nvSpPr>
+        <p:spPr/>
+        <p:txBody>
+          <a:bodyPr/>
+          <a:lstStyle/>
+          <a:p>
+            <a:r>
+              <a:rPr lang="en-IN" dirty="0"/>
+              <a:t>Narrowing Conversions</a:t>
+            </a:r>
+            <a:endParaRPr lang="en-IN" dirty="0"/>
+          </a:p>
+        </p:txBody>
+      </p:sp>
+      <p:sp>
+        <p:nvSpPr>
+          <p:cNvPr id="3" name="Content Placeholder 2"/>
+          <p:cNvSpPr>
+            <a:spLocks noGrp="1"/>
+          </p:cNvSpPr>
+          <p:nvPr>
+            <p:ph idx="1"/>
+          </p:nvPr>
+        </p:nvSpPr>
+        <p:spPr/>
+        <p:txBody>
+          <a:bodyPr>
+            <a:normAutofit fontScale="92500" lnSpcReduction="20000"/>
+          </a:bodyPr>
+          <a:lstStyle/>
+          <a:p>
+            <a:pPr marL="0" indent="0">
+              <a:buNone/>
+            </a:pPr>
+            <a:r>
+              <a:rPr lang="en-IN" dirty="0"/>
+              <a:t>Narrowing converts a more general type into a more </a:t>
+            </a:r>
+            <a:r>
+              <a:rPr lang="en-IN" dirty="0" smtClean="0"/>
+              <a:t>specific type</a:t>
+            </a:r>
+            <a:r>
+              <a:rPr lang="en-IN" dirty="0"/>
+              <a:t>.</a:t>
+            </a:r>
+          </a:p>
+          <a:p>
+            <a:pPr lvl="1"/>
+            <a:r>
+              <a:rPr lang="en-IN" dirty="0" smtClean="0"/>
+              <a:t>Narrowing </a:t>
+            </a:r>
+            <a:r>
+              <a:rPr lang="en-IN" dirty="0"/>
+              <a:t>is a conversion of a superclass to a subclass.</a:t>
+            </a:r>
+          </a:p>
+          <a:p>
+            <a:pPr lvl="1"/>
+            <a:r>
+              <a:rPr lang="en-IN" dirty="0" smtClean="0"/>
+              <a:t>An </a:t>
+            </a:r>
+            <a:r>
+              <a:rPr lang="en-IN" dirty="0"/>
+              <a:t>explicit cast is required. To cast an object to </a:t>
+            </a:r>
+            <a:r>
+              <a:rPr lang="en-IN" dirty="0" smtClean="0"/>
+              <a:t>another object</a:t>
+            </a:r>
+            <a:r>
+              <a:rPr lang="en-IN" dirty="0"/>
+              <a:t>, place the type of object to which you are casting </a:t>
+            </a:r>
+            <a:r>
+              <a:rPr lang="en-IN" dirty="0" smtClean="0"/>
+              <a:t>in parentheses </a:t>
+            </a:r>
+            <a:r>
+              <a:rPr lang="en-IN" dirty="0"/>
+              <a:t>immediately before the object you are casting.</a:t>
+            </a:r>
+          </a:p>
+          <a:p>
+            <a:pPr lvl="1"/>
+            <a:r>
+              <a:rPr lang="en-IN" dirty="0" smtClean="0"/>
+              <a:t>Illegitimate </a:t>
+            </a:r>
+            <a:r>
+              <a:rPr lang="en-IN" dirty="0"/>
+              <a:t>narrowing results in a </a:t>
+            </a:r>
+            <a:r>
+              <a:rPr lang="en-IN" dirty="0" err="1"/>
+              <a:t>ClassCastException</a:t>
+            </a:r>
+            <a:r>
+              <a:rPr lang="en-IN" dirty="0"/>
+              <a:t>.</a:t>
+            </a:r>
+          </a:p>
+          <a:p>
+            <a:pPr lvl="1"/>
+            <a:r>
+              <a:rPr lang="en-IN" dirty="0" smtClean="0"/>
+              <a:t>Narrowing may </a:t>
+            </a:r>
+            <a:r>
+              <a:rPr lang="en-IN" dirty="0"/>
+              <a:t>result in a loss of data/precision</a:t>
+            </a:r>
+            <a:r>
+              <a:rPr lang="en-IN" dirty="0" smtClean="0"/>
+              <a:t>.</a:t>
+            </a:r>
+          </a:p>
+          <a:p>
+            <a:pPr marL="0" indent="0">
+              <a:buNone/>
+            </a:pPr>
+            <a:endParaRPr lang="en-IN" dirty="0" smtClean="0"/>
+          </a:p>
+          <a:p>
+            <a:pPr marL="0" indent="0">
+              <a:buNone/>
+            </a:pPr>
+            <a:r>
+              <a:rPr lang="en-IN" dirty="0" smtClean="0"/>
+              <a:t>Object </a:t>
+            </a:r>
+            <a:r>
+              <a:rPr lang="en-IN" dirty="0"/>
+              <a:t>c = </a:t>
+            </a:r>
+            <a:r>
+              <a:rPr lang="en-IN" b="1" dirty="0"/>
+              <a:t>new </a:t>
+            </a:r>
+            <a:r>
+              <a:rPr lang="en-IN" dirty="0"/>
+              <a:t>Object();</a:t>
+            </a:r>
+          </a:p>
+          <a:p>
+            <a:pPr marL="0" indent="0">
+              <a:buNone/>
+            </a:pPr>
+            <a:r>
+              <a:rPr lang="en-IN" dirty="0"/>
+              <a:t>String d = (Integer) c; </a:t>
+            </a:r>
+            <a:r>
+              <a:rPr lang="en-IN" i="1" dirty="0"/>
+              <a:t>// compile-time </a:t>
+            </a:r>
+            <a:r>
+              <a:rPr lang="en-IN" i="1" dirty="0" smtClean="0"/>
+              <a:t>error</a:t>
+            </a:r>
+          </a:p>
+          <a:p>
+            <a:pPr marL="0" indent="0">
+              <a:buNone/>
+            </a:pPr>
+            <a:endParaRPr lang="en-IN" dirty="0" smtClean="0"/>
+          </a:p>
+          <a:p>
+            <a:pPr marL="0" indent="0">
+              <a:buNone/>
+            </a:pPr>
+            <a:r>
+              <a:rPr lang="en-IN" dirty="0" smtClean="0"/>
+              <a:t>Objects </a:t>
+            </a:r>
+            <a:r>
+              <a:rPr lang="en-IN" dirty="0"/>
+              <a:t>cannot be converted to an unrelated type—that is, a </a:t>
+            </a:r>
+            <a:r>
+              <a:rPr lang="en-IN" dirty="0" smtClean="0"/>
+              <a:t>type other </a:t>
+            </a:r>
+            <a:r>
+              <a:rPr lang="en-IN" dirty="0"/>
+              <a:t>than one of its subclasses or </a:t>
+            </a:r>
+            <a:r>
+              <a:rPr lang="en-IN" dirty="0" err="1"/>
+              <a:t>superclasses</a:t>
+            </a:r>
+            <a:r>
+              <a:rPr lang="en-IN" dirty="0"/>
+              <a:t>.</a:t>
+            </a:r>
+            <a:endParaRPr lang="en-IN" dirty="0" smtClean="0"/>
+          </a:p>
+        </p:txBody>
+      </p:sp>
+    </p:spTree>
+    <p:extLst>
+      <p:ext uri="{BB962C8B-B14F-4D97-AF65-F5344CB8AC3E}">
+        <p14:creationId xmlns:p14="http://schemas.microsoft.com/office/powerpoint/2010/main" val="1316518135"/>
+      </p:ext>
+    </p:extLst>
+  </p:cSld>
+  <p:clrMapOvr>
+    <a:masterClrMapping/>
+  </p:clrMapOvr>
+</p:sld>
+</file>
+
+<file path=ppt/slides/slide51.xml><?xml version="1.0" encoding="utf-8"?>
+<p:sld xmlns:a="http://schemas.openxmlformats.org/drawingml/2006/main" xmlns:r="http://schemas.openxmlformats.org/officeDocument/2006/relationships" xmlns:p="http://schemas.openxmlformats.org/presentationml/2006/main">
+  <p:cSld>
+    <p:spTree>
+      <p:nvGrpSpPr>
+        <p:cNvPr id="1" name=""/>
+        <p:cNvGrpSpPr/>
+        <p:nvPr/>
+      </p:nvGrpSpPr>
+      <p:grpSpPr>
+        <a:xfrm>
+          <a:off x="0" y="0"/>
+          <a:ext cx="0" cy="0"/>
+          <a:chOff x="0" y="0"/>
+          <a:chExt cx="0" cy="0"/>
+        </a:xfrm>
+      </p:grpSpPr>
+      <p:sp>
+        <p:nvSpPr>
+          <p:cNvPr id="2" name="Title 1"/>
+          <p:cNvSpPr>
+            <a:spLocks noGrp="1"/>
+          </p:cNvSpPr>
+          <p:nvPr>
+            <p:ph type="title"/>
+          </p:nvPr>
+        </p:nvSpPr>
+        <p:spPr/>
+        <p:txBody>
+          <a:bodyPr/>
+          <a:lstStyle/>
+          <a:p>
+            <a:r>
+              <a:rPr lang="en-IN" dirty="0"/>
+              <a:t>Passing Reference Types into Methods</a:t>
+            </a:r>
+            <a:endParaRPr lang="en-IN" dirty="0"/>
+          </a:p>
+        </p:txBody>
+      </p:sp>
+      <p:sp>
+        <p:nvSpPr>
+          <p:cNvPr id="3" name="Content Placeholder 2"/>
+          <p:cNvSpPr>
+            <a:spLocks noGrp="1"/>
+          </p:cNvSpPr>
+          <p:nvPr>
+            <p:ph idx="1"/>
+          </p:nvPr>
+        </p:nvSpPr>
+        <p:spPr/>
+        <p:txBody>
+          <a:bodyPr>
+            <a:normAutofit/>
+          </a:bodyPr>
+          <a:lstStyle/>
+          <a:p>
+            <a:pPr marL="0" indent="0">
+              <a:buNone/>
+            </a:pPr>
+            <a:r>
+              <a:rPr lang="en-IN" dirty="0"/>
+              <a:t>When an object is passed into a method as a variable</a:t>
+            </a:r>
+            <a:r>
+              <a:rPr lang="en-IN" dirty="0" smtClean="0"/>
+              <a:t>:</a:t>
+            </a:r>
+          </a:p>
+          <a:p>
+            <a:pPr lvl="1"/>
+            <a:r>
+              <a:rPr lang="en-IN" sz="2800" dirty="0" smtClean="0"/>
+              <a:t>A </a:t>
+            </a:r>
+            <a:r>
+              <a:rPr lang="en-IN" sz="2800" dirty="0"/>
+              <a:t>copy of the reference variable is passed, not the </a:t>
+            </a:r>
+            <a:r>
+              <a:rPr lang="en-IN" sz="2800" dirty="0" smtClean="0"/>
+              <a:t>actual object</a:t>
+            </a:r>
+            <a:r>
+              <a:rPr lang="en-IN" sz="2800" dirty="0"/>
+              <a:t>.</a:t>
+            </a:r>
+          </a:p>
+          <a:p>
+            <a:pPr lvl="1"/>
+            <a:r>
+              <a:rPr lang="en-IN" sz="2800" dirty="0" smtClean="0"/>
+              <a:t>The </a:t>
+            </a:r>
+            <a:r>
+              <a:rPr lang="en-IN" sz="2800" dirty="0"/>
+              <a:t>caller and the called methods have identical copies </a:t>
+            </a:r>
+            <a:r>
+              <a:rPr lang="en-IN" sz="2800" dirty="0" smtClean="0"/>
+              <a:t>of the </a:t>
+            </a:r>
+            <a:r>
+              <a:rPr lang="en-IN" sz="2800" dirty="0"/>
+              <a:t>reference.</a:t>
+            </a:r>
+          </a:p>
+          <a:p>
+            <a:pPr lvl="1"/>
+            <a:r>
+              <a:rPr lang="en-IN" sz="2800" dirty="0" smtClean="0"/>
+              <a:t>The </a:t>
+            </a:r>
+            <a:r>
+              <a:rPr lang="en-IN" sz="2800" dirty="0"/>
+              <a:t>caller will also see any changes the called </a:t>
+            </a:r>
+            <a:r>
+              <a:rPr lang="en-IN" sz="2800" dirty="0" smtClean="0"/>
+              <a:t>method makes </a:t>
+            </a:r>
+            <a:r>
+              <a:rPr lang="en-IN" sz="2800" dirty="0"/>
+              <a:t>to the object. Passing a copy of the object to </a:t>
+            </a:r>
+            <a:r>
+              <a:rPr lang="en-IN" sz="2800" dirty="0" smtClean="0"/>
+              <a:t>the called </a:t>
+            </a:r>
+            <a:r>
+              <a:rPr lang="en-IN" sz="2800" dirty="0"/>
+              <a:t>method will prevent it from making changes to </a:t>
+            </a:r>
+            <a:r>
+              <a:rPr lang="en-IN" sz="2800" dirty="0" smtClean="0"/>
+              <a:t>the original </a:t>
+            </a:r>
+            <a:r>
+              <a:rPr lang="en-IN" sz="2800" dirty="0"/>
+              <a:t>object.</a:t>
+            </a:r>
+          </a:p>
+          <a:p>
+            <a:pPr lvl="1"/>
+            <a:r>
+              <a:rPr lang="en-IN" sz="2800" dirty="0" smtClean="0"/>
+              <a:t>The </a:t>
+            </a:r>
+            <a:r>
+              <a:rPr lang="en-IN" sz="2800" dirty="0"/>
+              <a:t>called method cannot change the address of the object</a:t>
+            </a:r>
+            <a:r>
+              <a:rPr lang="en-IN" sz="2800" dirty="0" smtClean="0"/>
+              <a:t>, but </a:t>
+            </a:r>
+            <a:r>
+              <a:rPr lang="en-IN" sz="2800" dirty="0"/>
+              <a:t>it can change the contents of the object.</a:t>
+            </a:r>
+            <a:endParaRPr lang="en-IN" sz="2800" dirty="0"/>
+          </a:p>
+        </p:txBody>
+      </p:sp>
+    </p:spTree>
+    <p:extLst>
+      <p:ext uri="{BB962C8B-B14F-4D97-AF65-F5344CB8AC3E}">
+        <p14:creationId xmlns:p14="http://schemas.microsoft.com/office/powerpoint/2010/main" val="2740821500"/>
+      </p:ext>
+    </p:extLst>
+  </p:cSld>
+  <p:clrMapOvr>
+    <a:masterClrMapping/>
+  </p:clrMapOvr>
+</p:sld>
+</file>
+
+<file path=ppt/slides/slide52.xml><?xml version="1.0" encoding="utf-8"?>
+<p:sld xmlns:a="http://schemas.openxmlformats.org/drawingml/2006/main" xmlns:r="http://schemas.openxmlformats.org/officeDocument/2006/relationships" xmlns:p="http://schemas.openxmlformats.org/presentationml/2006/main">
+  <p:cSld>
+    <p:spTree>
+      <p:nvGrpSpPr>
+        <p:cNvPr id="1" name=""/>
+        <p:cNvGrpSpPr/>
+        <p:nvPr/>
+      </p:nvGrpSpPr>
+      <p:grpSpPr>
+        <a:xfrm>
+          <a:off x="0" y="0"/>
+          <a:ext cx="0" cy="0"/>
+          <a:chOff x="0" y="0"/>
+          <a:chExt cx="0" cy="0"/>
+        </a:xfrm>
+      </p:grpSpPr>
+      <p:sp>
+        <p:nvSpPr>
+          <p:cNvPr id="2" name="Title 1"/>
+          <p:cNvSpPr>
+            <a:spLocks noGrp="1"/>
+          </p:cNvSpPr>
+          <p:nvPr>
+            <p:ph type="title"/>
+          </p:nvPr>
+        </p:nvSpPr>
+        <p:spPr/>
+        <p:txBody>
+          <a:bodyPr/>
+          <a:lstStyle/>
+          <a:p>
+            <a:r>
+              <a:rPr lang="en-IN" dirty="0" smtClean="0"/>
+              <a:t>Continued…</a:t>
+            </a:r>
+            <a:endParaRPr lang="en-IN" dirty="0"/>
+          </a:p>
+        </p:txBody>
+      </p:sp>
+      <p:sp>
+        <p:nvSpPr>
+          <p:cNvPr id="3" name="Content Placeholder 2"/>
+          <p:cNvSpPr>
+            <a:spLocks noGrp="1"/>
+          </p:cNvSpPr>
+          <p:nvPr>
+            <p:ph idx="1"/>
+          </p:nvPr>
+        </p:nvSpPr>
+        <p:spPr>
+          <a:xfrm>
+            <a:off x="838200" y="1326524"/>
+            <a:ext cx="10515600" cy="5434884"/>
+          </a:xfrm>
+        </p:spPr>
+        <p:txBody>
+          <a:bodyPr>
+            <a:noAutofit/>
+          </a:bodyPr>
+          <a:lstStyle/>
+          <a:p>
+            <a:pPr marL="457200" lvl="1" indent="0">
+              <a:buNone/>
+            </a:pPr>
+            <a:r>
+              <a:rPr lang="en-IN" sz="1800" b="1" dirty="0"/>
+              <a:t>void </a:t>
+            </a:r>
+            <a:r>
+              <a:rPr lang="en-IN" sz="1800" dirty="0" err="1"/>
+              <a:t>roomSetup</a:t>
+            </a:r>
+            <a:r>
+              <a:rPr lang="en-IN" sz="1800" dirty="0" smtClean="0"/>
+              <a:t>() {</a:t>
+            </a:r>
+          </a:p>
+          <a:p>
+            <a:pPr marL="914400" lvl="2" indent="0">
+              <a:buNone/>
+            </a:pPr>
+            <a:r>
+              <a:rPr lang="en-IN" sz="1600" i="1" dirty="0" smtClean="0"/>
+              <a:t>// </a:t>
+            </a:r>
+            <a:r>
+              <a:rPr lang="en-IN" sz="1600" i="1" dirty="0"/>
+              <a:t>Reference passing</a:t>
+            </a:r>
+          </a:p>
+          <a:p>
+            <a:pPr marL="914400" lvl="2" indent="0">
+              <a:buNone/>
+            </a:pPr>
+            <a:r>
+              <a:rPr lang="en-IN" sz="1600" dirty="0"/>
+              <a:t>Table </a:t>
+            </a:r>
+            <a:r>
+              <a:rPr lang="en-IN" sz="1600" dirty="0" err="1"/>
+              <a:t>table</a:t>
+            </a:r>
+            <a:r>
+              <a:rPr lang="en-IN" sz="1600" dirty="0"/>
+              <a:t> = </a:t>
+            </a:r>
+            <a:r>
+              <a:rPr lang="en-IN" sz="1600" b="1" dirty="0"/>
+              <a:t>new </a:t>
+            </a:r>
+            <a:r>
+              <a:rPr lang="en-IN" sz="1600" dirty="0"/>
+              <a:t>Table();</a:t>
+            </a:r>
+          </a:p>
+          <a:p>
+            <a:pPr marL="914400" lvl="2" indent="0">
+              <a:buNone/>
+            </a:pPr>
+            <a:r>
+              <a:rPr lang="en-IN" sz="1600" dirty="0" err="1"/>
+              <a:t>table.setLength</a:t>
+            </a:r>
+            <a:r>
+              <a:rPr lang="en-IN" sz="1600" dirty="0"/>
+              <a:t>(72);</a:t>
+            </a:r>
+          </a:p>
+          <a:p>
+            <a:pPr marL="914400" lvl="2" indent="0">
+              <a:buNone/>
+            </a:pPr>
+            <a:r>
+              <a:rPr lang="en-IN" sz="1600" i="1" dirty="0"/>
+              <a:t>// Length will be changed</a:t>
+            </a:r>
+          </a:p>
+          <a:p>
+            <a:pPr marL="914400" lvl="2" indent="0">
+              <a:buNone/>
+            </a:pPr>
+            <a:r>
+              <a:rPr lang="en-IN" sz="1600" dirty="0" err="1"/>
+              <a:t>modTableLength</a:t>
+            </a:r>
+            <a:r>
+              <a:rPr lang="en-IN" sz="1600" dirty="0"/>
+              <a:t>(table);</a:t>
+            </a:r>
+          </a:p>
+          <a:p>
+            <a:pPr marL="914400" lvl="2" indent="0">
+              <a:buNone/>
+            </a:pPr>
+            <a:r>
+              <a:rPr lang="en-IN" sz="1600" i="1" dirty="0"/>
+              <a:t>// Primitive passing</a:t>
+            </a:r>
+          </a:p>
+          <a:p>
+            <a:pPr marL="914400" lvl="2" indent="0">
+              <a:buNone/>
+            </a:pPr>
+            <a:r>
+              <a:rPr lang="en-IN" sz="1600" i="1" dirty="0"/>
+              <a:t>// Value of chairs not changed</a:t>
+            </a:r>
+          </a:p>
+          <a:p>
+            <a:pPr marL="914400" lvl="2" indent="0">
+              <a:buNone/>
+            </a:pPr>
+            <a:r>
+              <a:rPr lang="en-IN" sz="1600" b="1" dirty="0" err="1"/>
+              <a:t>int</a:t>
+            </a:r>
+            <a:r>
+              <a:rPr lang="en-IN" sz="1600" b="1" dirty="0"/>
+              <a:t> </a:t>
+            </a:r>
+            <a:r>
+              <a:rPr lang="en-IN" sz="1600" dirty="0"/>
+              <a:t>chairs = 8;</a:t>
+            </a:r>
+          </a:p>
+          <a:p>
+            <a:pPr marL="914400" lvl="2" indent="0">
+              <a:buNone/>
+            </a:pPr>
+            <a:r>
+              <a:rPr lang="en-IN" sz="1600" dirty="0" err="1"/>
+              <a:t>modChairCount</a:t>
+            </a:r>
+            <a:r>
+              <a:rPr lang="en-IN" sz="1600" dirty="0"/>
+              <a:t>(chairs);</a:t>
+            </a:r>
+          </a:p>
+          <a:p>
+            <a:pPr marL="457200" lvl="1" indent="0">
+              <a:buNone/>
+            </a:pPr>
+            <a:r>
+              <a:rPr lang="en-IN" sz="1800" dirty="0"/>
+              <a:t>}</a:t>
+            </a:r>
+          </a:p>
+          <a:p>
+            <a:pPr marL="457200" lvl="1" indent="0">
+              <a:buNone/>
+            </a:pPr>
+            <a:r>
+              <a:rPr lang="en-IN" sz="1800" b="1" dirty="0"/>
+              <a:t>void </a:t>
+            </a:r>
+            <a:r>
+              <a:rPr lang="en-IN" sz="1800" dirty="0" err="1"/>
+              <a:t>modTableLength</a:t>
+            </a:r>
+            <a:r>
+              <a:rPr lang="en-IN" sz="1800" dirty="0"/>
+              <a:t>(Table t) {</a:t>
+            </a:r>
+          </a:p>
+          <a:p>
+            <a:pPr marL="457200" lvl="1" indent="0">
+              <a:buNone/>
+            </a:pPr>
+            <a:r>
+              <a:rPr lang="en-IN" sz="1800" dirty="0" smtClean="0"/>
+              <a:t>	</a:t>
+            </a:r>
+            <a:r>
+              <a:rPr lang="en-IN" sz="1800" dirty="0" err="1" smtClean="0"/>
+              <a:t>t.setLength</a:t>
+            </a:r>
+            <a:r>
+              <a:rPr lang="en-IN" sz="1800" dirty="0" smtClean="0"/>
+              <a:t>(36</a:t>
+            </a:r>
+            <a:r>
+              <a:rPr lang="en-IN" sz="1800" dirty="0"/>
+              <a:t>);</a:t>
+            </a:r>
+          </a:p>
+          <a:p>
+            <a:pPr marL="457200" lvl="1" indent="0">
+              <a:buNone/>
+            </a:pPr>
+            <a:r>
+              <a:rPr lang="en-IN" sz="1800" dirty="0"/>
+              <a:t>}</a:t>
+            </a:r>
+          </a:p>
+          <a:p>
+            <a:pPr marL="457200" lvl="1" indent="0">
+              <a:buNone/>
+            </a:pPr>
+            <a:r>
+              <a:rPr lang="en-IN" sz="1800" b="1" dirty="0"/>
+              <a:t>void </a:t>
+            </a:r>
+            <a:r>
+              <a:rPr lang="en-IN" sz="1800" dirty="0" err="1"/>
+              <a:t>modChairCount</a:t>
+            </a:r>
+            <a:r>
+              <a:rPr lang="en-IN" sz="1800" dirty="0"/>
+              <a:t>(</a:t>
+            </a:r>
+            <a:r>
+              <a:rPr lang="en-IN" sz="1800" b="1" dirty="0" err="1"/>
+              <a:t>int</a:t>
+            </a:r>
+            <a:r>
+              <a:rPr lang="en-IN" sz="1800" b="1" dirty="0"/>
+              <a:t> </a:t>
+            </a:r>
+            <a:r>
+              <a:rPr lang="en-IN" sz="1800" dirty="0" err="1"/>
+              <a:t>i</a:t>
+            </a:r>
+            <a:r>
+              <a:rPr lang="en-IN" sz="1800" dirty="0"/>
+              <a:t>) {</a:t>
+            </a:r>
+          </a:p>
+          <a:p>
+            <a:pPr marL="457200" lvl="1" indent="0">
+              <a:buNone/>
+            </a:pPr>
+            <a:r>
+              <a:rPr lang="en-IN" sz="1800" dirty="0" smtClean="0"/>
+              <a:t>	</a:t>
+            </a:r>
+            <a:r>
+              <a:rPr lang="en-IN" sz="1800" dirty="0" err="1" smtClean="0"/>
+              <a:t>i</a:t>
+            </a:r>
+            <a:r>
+              <a:rPr lang="en-IN" sz="1800" dirty="0" smtClean="0"/>
+              <a:t> </a:t>
+            </a:r>
+            <a:r>
+              <a:rPr lang="en-IN" sz="1800" dirty="0"/>
+              <a:t>= 10;</a:t>
+            </a:r>
+          </a:p>
+          <a:p>
+            <a:pPr marL="457200" lvl="1" indent="0">
+              <a:buNone/>
+            </a:pPr>
+            <a:r>
+              <a:rPr lang="en-IN" sz="1800" dirty="0"/>
+              <a:t>}</a:t>
+            </a:r>
+          </a:p>
+          <a:p>
+            <a:pPr marL="0" indent="0">
+              <a:buNone/>
+            </a:pPr>
+            <a:endParaRPr lang="en-IN" sz="1050" dirty="0"/>
+          </a:p>
+        </p:txBody>
+      </p:sp>
+    </p:spTree>
+    <p:extLst>
+      <p:ext uri="{BB962C8B-B14F-4D97-AF65-F5344CB8AC3E}">
+        <p14:creationId xmlns:p14="http://schemas.microsoft.com/office/powerpoint/2010/main" val="146906330"/>
+      </p:ext>
+    </p:extLst>
+  </p:cSld>
+  <p:clrMapOvr>
+    <a:masterClrMapping/>
+  </p:clrMapOvr>
+</p:sld>
+</file>
+
+<file path=ppt/slides/slide53.xml><?xml version="1.0" encoding="utf-8"?>
+<p:sld xmlns:a="http://schemas.openxmlformats.org/drawingml/2006/main" xmlns:r="http://schemas.openxmlformats.org/officeDocument/2006/relationships" xmlns:p="http://schemas.openxmlformats.org/presentationml/2006/main">
+  <p:cSld>
+    <p:spTree>
+      <p:nvGrpSpPr>
+        <p:cNvPr id="1" name=""/>
+        <p:cNvGrpSpPr/>
+        <p:nvPr/>
+      </p:nvGrpSpPr>
+      <p:grpSpPr>
+        <a:xfrm>
+          <a:off x="0" y="0"/>
+          <a:ext cx="0" cy="0"/>
+          <a:chOff x="0" y="0"/>
+          <a:chExt cx="0" cy="0"/>
+        </a:xfrm>
+      </p:grpSpPr>
+      <p:sp>
+        <p:nvSpPr>
+          <p:cNvPr id="2" name="Title 1"/>
+          <p:cNvSpPr>
+            <a:spLocks noGrp="1"/>
+          </p:cNvSpPr>
+          <p:nvPr>
+            <p:ph type="title"/>
+          </p:nvPr>
+        </p:nvSpPr>
+        <p:spPr/>
+        <p:txBody>
+          <a:bodyPr/>
+          <a:lstStyle/>
+          <a:p>
+            <a:r>
+              <a:rPr lang="en-IN" dirty="0"/>
+              <a:t>Comparing Reference Types</a:t>
+            </a:r>
+            <a:endParaRPr lang="en-IN" dirty="0"/>
+          </a:p>
+        </p:txBody>
+      </p:sp>
+      <p:sp>
+        <p:nvSpPr>
+          <p:cNvPr id="3" name="Content Placeholder 2"/>
+          <p:cNvSpPr>
+            <a:spLocks noGrp="1"/>
+          </p:cNvSpPr>
+          <p:nvPr>
+            <p:ph idx="1"/>
+          </p:nvPr>
+        </p:nvSpPr>
+        <p:spPr/>
+        <p:txBody>
+          <a:bodyPr>
+            <a:normAutofit fontScale="92500" lnSpcReduction="20000"/>
+          </a:bodyPr>
+          <a:lstStyle/>
+          <a:p>
+            <a:pPr marL="0" indent="0">
+              <a:buNone/>
+            </a:pPr>
+            <a:r>
+              <a:rPr lang="en-IN" b="1" i="1" dirty="0"/>
+              <a:t>Equality operators</a:t>
+            </a:r>
+            <a:r>
+              <a:rPr lang="en-IN" dirty="0"/>
+              <a:t> </a:t>
+            </a:r>
+            <a:r>
+              <a:rPr lang="en-IN" dirty="0" smtClean="0"/>
+              <a:t>and the </a:t>
+            </a:r>
+            <a:r>
+              <a:rPr lang="en-IN" b="1" i="1" dirty="0"/>
+              <a:t>equals </a:t>
+            </a:r>
+            <a:r>
+              <a:rPr lang="en-IN" dirty="0"/>
+              <a:t>method can be used to assist with </a:t>
+            </a:r>
+            <a:r>
+              <a:rPr lang="en-IN" dirty="0" smtClean="0"/>
+              <a:t>comparisons.</a:t>
+            </a:r>
+          </a:p>
+          <a:p>
+            <a:pPr marL="0" indent="0">
+              <a:buNone/>
+            </a:pPr>
+            <a:endParaRPr lang="en-IN" dirty="0" smtClean="0"/>
+          </a:p>
+          <a:p>
+            <a:pPr marL="457200" lvl="1" indent="0">
+              <a:buNone/>
+            </a:pPr>
+            <a:r>
+              <a:rPr lang="en-IN" dirty="0"/>
+              <a:t>Guest guest1 = </a:t>
+            </a:r>
+            <a:r>
+              <a:rPr lang="en-IN" b="1" dirty="0"/>
+              <a:t>new </a:t>
+            </a:r>
+            <a:r>
+              <a:rPr lang="en-IN" dirty="0"/>
+              <a:t>Guest("name");</a:t>
+            </a:r>
+          </a:p>
+          <a:p>
+            <a:pPr marL="457200" lvl="1" indent="0">
+              <a:buNone/>
+            </a:pPr>
+            <a:r>
+              <a:rPr lang="en-IN" dirty="0"/>
+              <a:t>Guest guest2 = guest1;</a:t>
+            </a:r>
+          </a:p>
+          <a:p>
+            <a:pPr marL="457200" lvl="1" indent="0">
+              <a:buNone/>
+            </a:pPr>
+            <a:r>
+              <a:rPr lang="en-IN" b="1" dirty="0"/>
+              <a:t>if </a:t>
+            </a:r>
+            <a:r>
+              <a:rPr lang="en-IN" dirty="0"/>
+              <a:t>(guest1 == guest2)</a:t>
+            </a:r>
+          </a:p>
+          <a:p>
+            <a:pPr marL="457200" lvl="1" indent="0">
+              <a:buNone/>
+            </a:pPr>
+            <a:r>
+              <a:rPr lang="en-IN" dirty="0" smtClean="0"/>
+              <a:t>	</a:t>
+            </a:r>
+            <a:r>
+              <a:rPr lang="en-IN" dirty="0" err="1" smtClean="0"/>
+              <a:t>System.out.println</a:t>
+            </a:r>
+            <a:r>
+              <a:rPr lang="en-IN" dirty="0"/>
+              <a:t>("They are equal</a:t>
+            </a:r>
+            <a:r>
+              <a:rPr lang="en-IN" dirty="0" smtClean="0"/>
+              <a:t>")</a:t>
+            </a:r>
+          </a:p>
+          <a:p>
+            <a:pPr marL="457200" lvl="1" indent="0">
+              <a:buNone/>
+            </a:pPr>
+            <a:endParaRPr lang="en-IN" dirty="0"/>
+          </a:p>
+          <a:p>
+            <a:pPr marL="457200" lvl="1" indent="0">
+              <a:buNone/>
+            </a:pPr>
+            <a:r>
+              <a:rPr lang="en-IN" dirty="0"/>
+              <a:t>Guest guest3 = </a:t>
+            </a:r>
+            <a:r>
+              <a:rPr lang="en-IN" b="1" dirty="0"/>
+              <a:t>new </a:t>
+            </a:r>
+            <a:r>
+              <a:rPr lang="en-IN" dirty="0"/>
+              <a:t>Guest("name");</a:t>
+            </a:r>
+          </a:p>
+          <a:p>
+            <a:pPr marL="457200" lvl="1" indent="0">
+              <a:buNone/>
+            </a:pPr>
+            <a:r>
+              <a:rPr lang="en-IN" dirty="0"/>
+              <a:t>Guest guest4 = </a:t>
+            </a:r>
+            <a:r>
+              <a:rPr lang="en-IN" b="1" dirty="0"/>
+              <a:t>new </a:t>
+            </a:r>
+            <a:r>
+              <a:rPr lang="en-IN" dirty="0"/>
+              <a:t>Guest("name");</a:t>
+            </a:r>
+          </a:p>
+          <a:p>
+            <a:pPr marL="457200" lvl="1" indent="0">
+              <a:buNone/>
+            </a:pPr>
+            <a:r>
+              <a:rPr lang="en-IN" b="1" dirty="0"/>
+              <a:t>if </a:t>
+            </a:r>
+            <a:r>
+              <a:rPr lang="en-IN" dirty="0"/>
+              <a:t>(guest3 == guest4)</a:t>
+            </a:r>
+          </a:p>
+          <a:p>
+            <a:pPr marL="457200" lvl="1" indent="0">
+              <a:buNone/>
+            </a:pPr>
+            <a:r>
+              <a:rPr lang="en-IN" dirty="0" smtClean="0"/>
+              <a:t>	</a:t>
+            </a:r>
+            <a:r>
+              <a:rPr lang="en-IN" dirty="0" err="1" smtClean="0"/>
+              <a:t>System.out.println</a:t>
+            </a:r>
+            <a:r>
+              <a:rPr lang="en-IN" dirty="0"/>
+              <a:t>("They are equal.")</a:t>
+            </a:r>
+          </a:p>
+          <a:p>
+            <a:pPr marL="457200" lvl="1" indent="0">
+              <a:buNone/>
+            </a:pPr>
+            <a:r>
+              <a:rPr lang="en-IN" b="1" dirty="0"/>
+              <a:t>else</a:t>
+            </a:r>
+          </a:p>
+          <a:p>
+            <a:pPr marL="457200" lvl="1" indent="0">
+              <a:buNone/>
+            </a:pPr>
+            <a:r>
+              <a:rPr lang="en-IN" dirty="0" smtClean="0"/>
+              <a:t>	</a:t>
+            </a:r>
+            <a:r>
+              <a:rPr lang="en-IN" dirty="0" err="1" smtClean="0"/>
+              <a:t>System.out.println</a:t>
+            </a:r>
+            <a:r>
+              <a:rPr lang="en-IN" dirty="0"/>
+              <a:t>("They are not equal")</a:t>
+            </a:r>
+            <a:endParaRPr lang="en-IN" dirty="0"/>
+          </a:p>
+        </p:txBody>
+      </p:sp>
+    </p:spTree>
+    <p:extLst>
+      <p:ext uri="{BB962C8B-B14F-4D97-AF65-F5344CB8AC3E}">
+        <p14:creationId xmlns:p14="http://schemas.microsoft.com/office/powerpoint/2010/main" val="3559821505"/>
+      </p:ext>
+    </p:extLst>
+  </p:cSld>
+  <p:clrMapOvr>
+    <a:masterClrMapping/>
+  </p:clrMapOvr>
+</p:sld>
+</file>
+
+<file path=ppt/slides/slide54.xml><?xml version="1.0" encoding="utf-8"?>
+<p:sld xmlns:a="http://schemas.openxmlformats.org/drawingml/2006/main" xmlns:r="http://schemas.openxmlformats.org/officeDocument/2006/relationships" xmlns:p="http://schemas.openxmlformats.org/presentationml/2006/main">
+  <p:cSld>
+    <p:spTree>
+      <p:nvGrpSpPr>
+        <p:cNvPr id="1" name=""/>
+        <p:cNvGrpSpPr/>
+        <p:nvPr/>
+      </p:nvGrpSpPr>
+      <p:grpSpPr>
+        <a:xfrm>
+          <a:off x="0" y="0"/>
+          <a:ext cx="0" cy="0"/>
+          <a:chOff x="0" y="0"/>
+          <a:chExt cx="0" cy="0"/>
+        </a:xfrm>
+      </p:grpSpPr>
+      <p:sp>
+        <p:nvSpPr>
+          <p:cNvPr id="2" name="Title 1"/>
+          <p:cNvSpPr>
+            <a:spLocks noGrp="1"/>
+          </p:cNvSpPr>
+          <p:nvPr>
+            <p:ph type="title"/>
+          </p:nvPr>
+        </p:nvSpPr>
+        <p:spPr/>
+        <p:txBody>
+          <a:bodyPr/>
+          <a:lstStyle/>
+          <a:p>
+            <a:r>
+              <a:rPr lang="en-IN" dirty="0"/>
+              <a:t>Using the equals() Method</a:t>
+            </a:r>
+            <a:endParaRPr lang="en-IN" dirty="0"/>
+          </a:p>
+        </p:txBody>
+      </p:sp>
+      <p:sp>
+        <p:nvSpPr>
+          <p:cNvPr id="3" name="Content Placeholder 2"/>
+          <p:cNvSpPr>
+            <a:spLocks noGrp="1"/>
+          </p:cNvSpPr>
+          <p:nvPr>
+            <p:ph idx="1"/>
+          </p:nvPr>
+        </p:nvSpPr>
+        <p:spPr/>
+        <p:txBody>
+          <a:bodyPr>
+            <a:normAutofit/>
+          </a:bodyPr>
+          <a:lstStyle/>
+          <a:p>
+            <a:pPr marL="0" indent="0">
+              <a:buNone/>
+            </a:pPr>
+            <a:r>
+              <a:rPr lang="en-IN" dirty="0"/>
+              <a:t>To compare the contents of two class objects, the equals()</a:t>
+            </a:r>
+            <a:r>
+              <a:rPr lang="en-IN" dirty="0" smtClean="0"/>
+              <a:t>method from </a:t>
+            </a:r>
+            <a:r>
+              <a:rPr lang="en-IN" dirty="0"/>
+              <a:t>class Object can be used or overridden</a:t>
+            </a:r>
+            <a:r>
+              <a:rPr lang="en-IN" dirty="0" smtClean="0"/>
+              <a:t>.</a:t>
+            </a:r>
+          </a:p>
+          <a:p>
+            <a:pPr marL="0" indent="0">
+              <a:buNone/>
+            </a:pPr>
+            <a:endParaRPr lang="en-IN" dirty="0"/>
+          </a:p>
+          <a:p>
+            <a:pPr marL="0" indent="0">
+              <a:buNone/>
+            </a:pPr>
+            <a:r>
+              <a:rPr lang="en-IN" dirty="0"/>
+              <a:t>When </a:t>
+            </a:r>
+            <a:r>
+              <a:rPr lang="en-IN" dirty="0" smtClean="0"/>
+              <a:t>the equals</a:t>
+            </a:r>
+            <a:r>
+              <a:rPr lang="en-IN" dirty="0"/>
+              <a:t>() method is overridden, the </a:t>
+            </a:r>
+            <a:r>
+              <a:rPr lang="en-IN" dirty="0" err="1"/>
+              <a:t>hashCode</a:t>
+            </a:r>
+            <a:r>
+              <a:rPr lang="en-IN" dirty="0"/>
+              <a:t>()method </a:t>
+            </a:r>
+            <a:r>
+              <a:rPr lang="en-IN" dirty="0" smtClean="0"/>
+              <a:t>should also </a:t>
+            </a:r>
+            <a:r>
+              <a:rPr lang="en-IN" dirty="0"/>
+              <a:t>be overridden. </a:t>
+            </a:r>
+            <a:r>
+              <a:rPr lang="en-IN" sz="2400" i="1" dirty="0"/>
+              <a:t>This is done for compatibility with </a:t>
+            </a:r>
+            <a:r>
+              <a:rPr lang="en-IN" sz="2400" i="1" dirty="0" err="1" smtClean="0"/>
+              <a:t>hashbased</a:t>
+            </a:r>
+            <a:r>
+              <a:rPr lang="en-IN" sz="2400" i="1" dirty="0" smtClean="0"/>
+              <a:t> collections </a:t>
+            </a:r>
+            <a:r>
+              <a:rPr lang="en-IN" sz="2400" i="1" dirty="0"/>
+              <a:t>such as </a:t>
+            </a:r>
+            <a:r>
+              <a:rPr lang="en-IN" sz="2400" i="1" dirty="0" err="1"/>
+              <a:t>HashMap</a:t>
+            </a:r>
+            <a:r>
+              <a:rPr lang="en-IN" sz="2400" i="1" dirty="0"/>
+              <a:t>() and </a:t>
+            </a:r>
+            <a:r>
+              <a:rPr lang="en-IN" sz="2400" i="1" dirty="0" err="1"/>
+              <a:t>HashSet</a:t>
+            </a:r>
+            <a:r>
+              <a:rPr lang="en-IN" sz="2400" i="1" dirty="0" smtClean="0"/>
+              <a:t>().</a:t>
+            </a:r>
+          </a:p>
+          <a:p>
+            <a:pPr marL="0" indent="0">
+              <a:buNone/>
+            </a:pPr>
+            <a:endParaRPr lang="en-IN" sz="2400" i="1" dirty="0"/>
+          </a:p>
+          <a:p>
+            <a:pPr marL="0" indent="0">
+              <a:buNone/>
+            </a:pPr>
+            <a:r>
+              <a:rPr lang="en-IN" i="1" dirty="0"/>
+              <a:t>if you want to compare values contained in </a:t>
+            </a:r>
+            <a:r>
+              <a:rPr lang="en-IN" i="1" dirty="0" smtClean="0"/>
+              <a:t>two instances </a:t>
+            </a:r>
+            <a:r>
+              <a:rPr lang="en-IN" i="1" dirty="0"/>
+              <a:t>of the same class, you should use a </a:t>
+            </a:r>
+            <a:r>
+              <a:rPr lang="en-IN" i="1" dirty="0" smtClean="0"/>
+              <a:t>programmer defined equals</a:t>
+            </a:r>
+            <a:r>
+              <a:rPr lang="en-IN" i="1" dirty="0"/>
+              <a:t>() method.</a:t>
+            </a:r>
+          </a:p>
+        </p:txBody>
+      </p:sp>
+    </p:spTree>
+    <p:extLst>
+      <p:ext uri="{BB962C8B-B14F-4D97-AF65-F5344CB8AC3E}">
+        <p14:creationId xmlns:p14="http://schemas.microsoft.com/office/powerpoint/2010/main" val="2188060187"/>
+      </p:ext>
+    </p:extLst>
+  </p:cSld>
+  <p:clrMapOvr>
+    <a:masterClrMapping/>
+  </p:clrMapOvr>
+</p:sld>
+</file>
+
+<file path=ppt/slides/slide55.xml><?xml version="1.0" encoding="utf-8"?>
+<p:sld xmlns:a="http://schemas.openxmlformats.org/drawingml/2006/main" xmlns:r="http://schemas.openxmlformats.org/officeDocument/2006/relationships" xmlns:p="http://schemas.openxmlformats.org/presentationml/2006/main">
+  <p:cSld>
+    <p:spTree>
+      <p:nvGrpSpPr>
+        <p:cNvPr id="1" name=""/>
+        <p:cNvGrpSpPr/>
+        <p:nvPr/>
+      </p:nvGrpSpPr>
+      <p:grpSpPr>
+        <a:xfrm>
+          <a:off x="0" y="0"/>
+          <a:ext cx="0" cy="0"/>
+          <a:chOff x="0" y="0"/>
+          <a:chExt cx="0" cy="0"/>
+        </a:xfrm>
+      </p:grpSpPr>
+      <p:sp>
+        <p:nvSpPr>
+          <p:cNvPr id="2" name="Title 1"/>
+          <p:cNvSpPr>
+            <a:spLocks noGrp="1"/>
+          </p:cNvSpPr>
+          <p:nvPr>
+            <p:ph type="title"/>
+          </p:nvPr>
+        </p:nvSpPr>
+        <p:spPr/>
+        <p:txBody>
+          <a:bodyPr/>
+          <a:lstStyle/>
+          <a:p>
+            <a:r>
+              <a:rPr lang="en-IN" dirty="0"/>
+              <a:t>Comparing Strings</a:t>
+            </a:r>
+            <a:endParaRPr lang="en-IN" dirty="0"/>
+          </a:p>
+        </p:txBody>
+      </p:sp>
+      <p:sp>
+        <p:nvSpPr>
+          <p:cNvPr id="3" name="Content Placeholder 2"/>
+          <p:cNvSpPr>
+            <a:spLocks noGrp="1"/>
+          </p:cNvSpPr>
+          <p:nvPr>
+            <p:ph idx="1"/>
+          </p:nvPr>
+        </p:nvSpPr>
+        <p:spPr/>
+        <p:txBody>
+          <a:bodyPr>
+            <a:normAutofit fontScale="85000" lnSpcReduction="20000"/>
+          </a:bodyPr>
+          <a:lstStyle/>
+          <a:p>
+            <a:pPr marL="0" indent="0">
+              <a:buNone/>
+            </a:pPr>
+            <a:r>
+              <a:rPr lang="en-IN" dirty="0"/>
+              <a:t>There are two ways to check whether strings are equal in Java</a:t>
+            </a:r>
+            <a:r>
+              <a:rPr lang="en-IN" dirty="0" smtClean="0"/>
+              <a:t>, but </a:t>
+            </a:r>
+            <a:r>
+              <a:rPr lang="en-IN" dirty="0"/>
+              <a:t>the definition of “equal” for each of them is different. Typically</a:t>
+            </a:r>
+            <a:r>
+              <a:rPr lang="en-IN" dirty="0" smtClean="0"/>
+              <a:t>, if </a:t>
+            </a:r>
+            <a:r>
+              <a:rPr lang="en-IN" dirty="0"/>
+              <a:t>the goal is to compare character sequences contained </a:t>
+            </a:r>
+            <a:r>
+              <a:rPr lang="en-IN" dirty="0" smtClean="0"/>
+              <a:t>in two </a:t>
+            </a:r>
+            <a:r>
+              <a:rPr lang="en-IN" dirty="0"/>
+              <a:t>strings, the equals() method should be used</a:t>
+            </a:r>
+            <a:r>
+              <a:rPr lang="en-IN" dirty="0" smtClean="0"/>
+              <a:t>:</a:t>
+            </a:r>
+          </a:p>
+          <a:p>
+            <a:pPr marL="0" indent="0">
+              <a:buNone/>
+            </a:pPr>
+            <a:endParaRPr lang="en-IN" dirty="0"/>
+          </a:p>
+          <a:p>
+            <a:r>
+              <a:rPr lang="en-IN" dirty="0" smtClean="0"/>
+              <a:t>The </a:t>
+            </a:r>
+            <a:r>
+              <a:rPr lang="en-IN" dirty="0"/>
+              <a:t>equals() method compares two strings, character </a:t>
+            </a:r>
+            <a:r>
+              <a:rPr lang="en-IN" dirty="0" smtClean="0"/>
+              <a:t>by character</a:t>
+            </a:r>
+            <a:r>
+              <a:rPr lang="en-IN" dirty="0"/>
+              <a:t>, to determine equality. This is not the default </a:t>
+            </a:r>
+            <a:r>
+              <a:rPr lang="en-IN" dirty="0" smtClean="0"/>
+              <a:t>implementation of </a:t>
+            </a:r>
+            <a:r>
+              <a:rPr lang="en-IN" dirty="0"/>
+              <a:t>the equals() method provided by the </a:t>
+            </a:r>
+            <a:r>
+              <a:rPr lang="en-IN" dirty="0" smtClean="0"/>
+              <a:t>Object </a:t>
+            </a:r>
+            <a:r>
+              <a:rPr lang="en-IN" dirty="0"/>
+              <a:t>class. This is the overridden implementation </a:t>
+            </a:r>
+            <a:r>
+              <a:rPr lang="en-IN" dirty="0" smtClean="0"/>
+              <a:t>provided by </a:t>
+            </a:r>
+            <a:r>
+              <a:rPr lang="en-IN" dirty="0"/>
+              <a:t>String class.</a:t>
+            </a:r>
+          </a:p>
+          <a:p>
+            <a:r>
+              <a:rPr lang="en-IN" dirty="0" smtClean="0"/>
+              <a:t>The </a:t>
+            </a:r>
+            <a:r>
+              <a:rPr lang="en-IN" dirty="0"/>
+              <a:t>== operator checks to see whether two </a:t>
+            </a:r>
+            <a:r>
+              <a:rPr lang="en-IN" dirty="0" smtClean="0"/>
+              <a:t>object</a:t>
+            </a:r>
+            <a:r>
+              <a:rPr lang="en-IN" dirty="0"/>
+              <a:t> </a:t>
+            </a:r>
+            <a:r>
+              <a:rPr lang="en-IN" dirty="0" smtClean="0"/>
+              <a:t>references refer </a:t>
+            </a:r>
+            <a:r>
+              <a:rPr lang="en-IN" dirty="0"/>
+              <a:t>to the same instance of an object</a:t>
+            </a:r>
+            <a:r>
+              <a:rPr lang="en-IN" dirty="0" smtClean="0"/>
+              <a:t>.</a:t>
+            </a:r>
+          </a:p>
+          <a:p>
+            <a:endParaRPr lang="en-IN" dirty="0"/>
+          </a:p>
+          <a:p>
+            <a:pPr marL="0" indent="0">
+              <a:buNone/>
+            </a:pPr>
+            <a:r>
+              <a:rPr lang="en-IN" b="1" dirty="0"/>
+              <a:t>Objects of the String class are immutable. Objects of </a:t>
+            </a:r>
+            <a:r>
+              <a:rPr lang="en-IN" b="1" dirty="0" smtClean="0"/>
+              <a:t>the </a:t>
+            </a:r>
+            <a:r>
+              <a:rPr lang="en-IN" b="1" dirty="0" err="1" smtClean="0"/>
+              <a:t>StringBuffer</a:t>
+            </a:r>
+            <a:r>
+              <a:rPr lang="en-IN" b="1" dirty="0" smtClean="0"/>
+              <a:t> </a:t>
+            </a:r>
+            <a:r>
+              <a:rPr lang="en-IN" b="1" dirty="0"/>
+              <a:t>and </a:t>
+            </a:r>
+            <a:r>
+              <a:rPr lang="en-IN" b="1" dirty="0" err="1"/>
+              <a:t>StringBuilder</a:t>
+            </a:r>
+            <a:r>
+              <a:rPr lang="en-IN" b="1" dirty="0"/>
+              <a:t> classes are mutable.</a:t>
+            </a:r>
+            <a:endParaRPr lang="en-IN" b="1" dirty="0"/>
+          </a:p>
+        </p:txBody>
+      </p:sp>
+    </p:spTree>
+    <p:extLst>
+      <p:ext uri="{BB962C8B-B14F-4D97-AF65-F5344CB8AC3E}">
+        <p14:creationId xmlns:p14="http://schemas.microsoft.com/office/powerpoint/2010/main" val="2579080814"/>
+      </p:ext>
+    </p:extLst>
+  </p:cSld>
+  <p:clrMapOvr>
+    <a:masterClrMapping/>
+  </p:clrMapOvr>
+</p:sld>
+</file>
+
+<file path=ppt/slides/slide56.xml><?xml version="1.0" encoding="utf-8"?>
+<p:sld xmlns:a="http://schemas.openxmlformats.org/drawingml/2006/main" xmlns:r="http://schemas.openxmlformats.org/officeDocument/2006/relationships" xmlns:p="http://schemas.openxmlformats.org/presentationml/2006/main">
+  <p:cSld>
+    <p:spTree>
+      <p:nvGrpSpPr>
+        <p:cNvPr id="1" name=""/>
+        <p:cNvGrpSpPr/>
+        <p:nvPr/>
+      </p:nvGrpSpPr>
+      <p:grpSpPr>
+        <a:xfrm>
+          <a:off x="0" y="0"/>
+          <a:ext cx="0" cy="0"/>
+          <a:chOff x="0" y="0"/>
+          <a:chExt cx="0" cy="0"/>
+        </a:xfrm>
+      </p:grpSpPr>
+      <p:sp>
+        <p:nvSpPr>
+          <p:cNvPr id="2" name="Title 1"/>
+          <p:cNvSpPr>
+            <a:spLocks noGrp="1"/>
+          </p:cNvSpPr>
+          <p:nvPr>
+            <p:ph type="title"/>
+          </p:nvPr>
+        </p:nvSpPr>
+        <p:spPr>
+          <a:xfrm>
+            <a:off x="838200" y="-142875"/>
+            <a:ext cx="10515600" cy="1325563"/>
+          </a:xfrm>
+        </p:spPr>
+        <p:txBody>
+          <a:bodyPr/>
+          <a:lstStyle/>
+          <a:p>
+            <a:r>
+              <a:rPr lang="en-IN" dirty="0" smtClean="0"/>
+              <a:t>Continued…</a:t>
+            </a:r>
+            <a:endParaRPr lang="en-IN" dirty="0"/>
+          </a:p>
+        </p:txBody>
+      </p:sp>
+      <p:sp>
+        <p:nvSpPr>
+          <p:cNvPr id="3" name="Content Placeholder 2"/>
+          <p:cNvSpPr>
+            <a:spLocks noGrp="1"/>
+          </p:cNvSpPr>
+          <p:nvPr>
+            <p:ph idx="1"/>
+          </p:nvPr>
+        </p:nvSpPr>
+        <p:spPr>
+          <a:xfrm>
+            <a:off x="838200" y="728372"/>
+            <a:ext cx="10515600" cy="6129628"/>
+          </a:xfrm>
+        </p:spPr>
+        <p:txBody>
+          <a:bodyPr>
+            <a:noAutofit/>
+          </a:bodyPr>
+          <a:lstStyle/>
+          <a:p>
+            <a:pPr marL="0" indent="0">
+              <a:buNone/>
+            </a:pPr>
+            <a:r>
+              <a:rPr lang="en-IN" sz="1800" b="1" dirty="0"/>
+              <a:t>class </a:t>
+            </a:r>
+            <a:r>
+              <a:rPr lang="en-IN" sz="1800" b="1" dirty="0" err="1"/>
+              <a:t>MyComparisons</a:t>
+            </a:r>
+            <a:r>
+              <a:rPr lang="en-IN" sz="1800" b="1" dirty="0"/>
+              <a:t> </a:t>
+            </a:r>
+            <a:r>
+              <a:rPr lang="en-IN" sz="1800" dirty="0"/>
+              <a:t>{</a:t>
+            </a:r>
+          </a:p>
+          <a:p>
+            <a:pPr marL="457200" lvl="1" indent="0">
+              <a:buNone/>
+            </a:pPr>
+            <a:r>
+              <a:rPr lang="en-IN" sz="1800" dirty="0" smtClean="0"/>
+              <a:t>String </a:t>
+            </a:r>
+            <a:r>
+              <a:rPr lang="en-IN" sz="1800" dirty="0"/>
+              <a:t>first = "chairs</a:t>
+            </a:r>
+            <a:r>
+              <a:rPr lang="en-IN" sz="1800" dirty="0" smtClean="0"/>
+              <a:t>";		 	</a:t>
+            </a:r>
+            <a:r>
+              <a:rPr lang="en-IN" sz="1800" i="1" dirty="0" smtClean="0"/>
+              <a:t>// </a:t>
+            </a:r>
+            <a:r>
+              <a:rPr lang="en-IN" sz="1800" i="1" dirty="0"/>
+              <a:t>Add string to </a:t>
+            </a:r>
+            <a:r>
+              <a:rPr lang="en-IN" sz="1800" i="1" dirty="0" smtClean="0"/>
+              <a:t>pool</a:t>
+            </a:r>
+            <a:endParaRPr lang="en-IN" sz="1800" dirty="0"/>
+          </a:p>
+          <a:p>
+            <a:pPr marL="457200" lvl="1" indent="0">
+              <a:buNone/>
+            </a:pPr>
+            <a:r>
+              <a:rPr lang="en-IN" sz="1800" dirty="0" smtClean="0"/>
+              <a:t>String </a:t>
+            </a:r>
+            <a:r>
+              <a:rPr lang="en-IN" sz="1800" dirty="0"/>
+              <a:t>second = "chairs</a:t>
+            </a:r>
+            <a:r>
+              <a:rPr lang="en-IN" sz="1800" dirty="0" smtClean="0"/>
+              <a:t>"; 		</a:t>
+            </a:r>
+            <a:r>
+              <a:rPr lang="en-IN" sz="1800" i="1" dirty="0" smtClean="0"/>
+              <a:t>// </a:t>
+            </a:r>
+            <a:r>
+              <a:rPr lang="en-IN" sz="1800" i="1" dirty="0"/>
+              <a:t>Use string from </a:t>
+            </a:r>
+            <a:r>
+              <a:rPr lang="en-IN" sz="1800" i="1" dirty="0" smtClean="0"/>
+              <a:t>pool </a:t>
+            </a:r>
+            <a:endParaRPr lang="en-IN" sz="1800" dirty="0"/>
+          </a:p>
+          <a:p>
+            <a:pPr marL="457200" lvl="1" indent="0">
+              <a:buNone/>
+            </a:pPr>
+            <a:r>
+              <a:rPr lang="en-IN" sz="1800" dirty="0" smtClean="0"/>
+              <a:t>String </a:t>
+            </a:r>
+            <a:r>
+              <a:rPr lang="en-IN" sz="1800" dirty="0"/>
+              <a:t>third = </a:t>
+            </a:r>
+            <a:r>
+              <a:rPr lang="en-IN" sz="1800" b="1" dirty="0"/>
+              <a:t>new </a:t>
+            </a:r>
+            <a:r>
+              <a:rPr lang="en-IN" sz="1800" dirty="0"/>
+              <a:t>String ("chairs</a:t>
+            </a:r>
+            <a:r>
+              <a:rPr lang="en-IN" sz="1800" dirty="0" smtClean="0"/>
+              <a:t>"); 	</a:t>
+            </a:r>
+            <a:r>
+              <a:rPr lang="en-IN" sz="1800" i="1" dirty="0" smtClean="0"/>
+              <a:t>// </a:t>
+            </a:r>
+            <a:r>
+              <a:rPr lang="en-IN" sz="1800" i="1" dirty="0"/>
+              <a:t>Create a new </a:t>
+            </a:r>
+            <a:r>
+              <a:rPr lang="en-IN" sz="1800" i="1" dirty="0" smtClean="0"/>
+              <a:t>string</a:t>
+            </a:r>
+            <a:endParaRPr lang="en-IN" sz="1800" dirty="0" smtClean="0"/>
+          </a:p>
+          <a:p>
+            <a:pPr marL="457200" lvl="1" indent="0">
+              <a:buNone/>
+            </a:pPr>
+            <a:r>
+              <a:rPr lang="en-IN" sz="1800" b="1" dirty="0"/>
+              <a:t>void </a:t>
+            </a:r>
+            <a:r>
+              <a:rPr lang="en-IN" sz="1800" dirty="0" err="1"/>
+              <a:t>myMethod</a:t>
+            </a:r>
+            <a:r>
+              <a:rPr lang="en-IN" sz="1800" dirty="0"/>
+              <a:t>() {</a:t>
+            </a:r>
+          </a:p>
+          <a:p>
+            <a:pPr marL="914400" lvl="2" indent="0">
+              <a:buNone/>
+            </a:pPr>
+            <a:r>
+              <a:rPr lang="en-IN" sz="1800" b="1" dirty="0" smtClean="0"/>
+              <a:t>if </a:t>
+            </a:r>
+            <a:r>
+              <a:rPr lang="en-IN" sz="1800" dirty="0"/>
+              <a:t>(first == second) </a:t>
+            </a:r>
+            <a:r>
+              <a:rPr lang="en-IN" sz="1800" dirty="0" smtClean="0"/>
+              <a:t>{ 		</a:t>
+            </a:r>
+            <a:r>
+              <a:rPr lang="en-IN" sz="1800" i="1" dirty="0" smtClean="0"/>
+              <a:t>// </a:t>
+            </a:r>
+            <a:r>
+              <a:rPr lang="en-IN" sz="1800" i="1" dirty="0"/>
+              <a:t>Contrary to popular belief, this evaluates  to true. Try it</a:t>
+            </a:r>
+            <a:r>
+              <a:rPr lang="en-IN" sz="1800" i="1" dirty="0" smtClean="0"/>
+              <a:t>!</a:t>
+            </a:r>
+            <a:endParaRPr lang="en-IN" sz="1800" dirty="0"/>
+          </a:p>
+          <a:p>
+            <a:pPr marL="914400" lvl="2" indent="0">
+              <a:buNone/>
+            </a:pPr>
+            <a:r>
+              <a:rPr lang="en-IN" sz="1800" dirty="0" smtClean="0"/>
+              <a:t>	</a:t>
+            </a:r>
+            <a:r>
+              <a:rPr lang="en-IN" sz="1800" dirty="0" err="1" smtClean="0"/>
+              <a:t>System.out.println</a:t>
+            </a:r>
+            <a:r>
+              <a:rPr lang="en-IN" sz="1800" dirty="0"/>
+              <a:t>("first == second");</a:t>
+            </a:r>
+          </a:p>
+          <a:p>
+            <a:pPr marL="914400" lvl="2" indent="0">
+              <a:buNone/>
+            </a:pPr>
+            <a:r>
+              <a:rPr lang="en-IN" sz="1800" dirty="0"/>
+              <a:t>}</a:t>
+            </a:r>
+          </a:p>
+          <a:p>
+            <a:pPr marL="914400" lvl="2" indent="0">
+              <a:buNone/>
+            </a:pPr>
+            <a:r>
+              <a:rPr lang="en-IN" sz="1800" b="1" dirty="0" smtClean="0"/>
+              <a:t>if </a:t>
+            </a:r>
+            <a:r>
+              <a:rPr lang="en-IN" sz="1800" dirty="0"/>
+              <a:t>(</a:t>
+            </a:r>
+            <a:r>
+              <a:rPr lang="en-IN" sz="1800" dirty="0" err="1"/>
+              <a:t>first.equals</a:t>
+            </a:r>
+            <a:r>
+              <a:rPr lang="en-IN" sz="1800" dirty="0"/>
+              <a:t>(second)) </a:t>
+            </a:r>
+            <a:r>
+              <a:rPr lang="en-IN" sz="1800" dirty="0" smtClean="0"/>
+              <a:t>{		</a:t>
+            </a:r>
+            <a:r>
+              <a:rPr lang="en-IN" sz="1800" i="1" dirty="0" smtClean="0"/>
+              <a:t>// </a:t>
+            </a:r>
+            <a:r>
+              <a:rPr lang="en-IN" sz="1800" i="1" dirty="0"/>
+              <a:t>This evaluates to </a:t>
+            </a:r>
+            <a:r>
+              <a:rPr lang="en-IN" sz="1800" i="1" dirty="0" smtClean="0"/>
+              <a:t>true</a:t>
+            </a:r>
+            <a:endParaRPr lang="en-IN" sz="1800" dirty="0"/>
+          </a:p>
+          <a:p>
+            <a:pPr marL="914400" lvl="2" indent="0">
+              <a:buNone/>
+            </a:pPr>
+            <a:r>
+              <a:rPr lang="en-IN" sz="1800" dirty="0" smtClean="0"/>
+              <a:t>	</a:t>
+            </a:r>
+            <a:r>
+              <a:rPr lang="en-IN" sz="1800" dirty="0" err="1" smtClean="0"/>
+              <a:t>System.out.println</a:t>
+            </a:r>
+            <a:r>
+              <a:rPr lang="en-IN" sz="1800" dirty="0"/>
+              <a:t>("first equals second");</a:t>
+            </a:r>
+          </a:p>
+          <a:p>
+            <a:pPr marL="914400" lvl="2" indent="0">
+              <a:buNone/>
+            </a:pPr>
+            <a:r>
+              <a:rPr lang="en-IN" sz="1800" dirty="0"/>
+              <a:t>}</a:t>
+            </a:r>
+          </a:p>
+          <a:p>
+            <a:pPr marL="914400" lvl="2" indent="0">
+              <a:buNone/>
+            </a:pPr>
+            <a:r>
+              <a:rPr lang="en-IN" sz="1800" b="1" dirty="0" smtClean="0"/>
+              <a:t>if </a:t>
+            </a:r>
+            <a:r>
+              <a:rPr lang="en-IN" sz="1800" dirty="0"/>
+              <a:t>(first == third) </a:t>
+            </a:r>
+            <a:r>
+              <a:rPr lang="en-IN" sz="1800" dirty="0" smtClean="0"/>
+              <a:t>{			</a:t>
+            </a:r>
+            <a:r>
+              <a:rPr lang="en-IN" sz="1800" i="1" dirty="0" smtClean="0"/>
+              <a:t>// </a:t>
+            </a:r>
+            <a:r>
+              <a:rPr lang="en-IN" sz="1800" i="1" dirty="0"/>
+              <a:t>This evaluates to </a:t>
+            </a:r>
+            <a:r>
+              <a:rPr lang="en-IN" sz="1800" i="1" dirty="0" smtClean="0"/>
+              <a:t>false</a:t>
+            </a:r>
+            <a:endParaRPr lang="en-IN" sz="1800" dirty="0"/>
+          </a:p>
+          <a:p>
+            <a:pPr marL="914400" lvl="2" indent="0">
+              <a:buNone/>
+            </a:pPr>
+            <a:r>
+              <a:rPr lang="en-IN" sz="1800" dirty="0" smtClean="0"/>
+              <a:t>	</a:t>
+            </a:r>
+            <a:r>
+              <a:rPr lang="en-IN" sz="1800" dirty="0" err="1" smtClean="0"/>
+              <a:t>System.out.println</a:t>
+            </a:r>
+            <a:r>
+              <a:rPr lang="en-IN" sz="1800" dirty="0"/>
+              <a:t>("first == third");</a:t>
+            </a:r>
+          </a:p>
+          <a:p>
+            <a:pPr marL="914400" lvl="2" indent="0">
+              <a:buNone/>
+            </a:pPr>
+            <a:r>
+              <a:rPr lang="en-IN" sz="1800" dirty="0"/>
+              <a:t>}</a:t>
+            </a:r>
+          </a:p>
+          <a:p>
+            <a:pPr marL="914400" lvl="2" indent="0">
+              <a:buNone/>
+            </a:pPr>
+            <a:r>
+              <a:rPr lang="en-IN" sz="1800" b="1" dirty="0" smtClean="0"/>
+              <a:t>if </a:t>
+            </a:r>
+            <a:r>
+              <a:rPr lang="en-IN" sz="1800" dirty="0"/>
+              <a:t>(</a:t>
+            </a:r>
+            <a:r>
+              <a:rPr lang="en-IN" sz="1800" dirty="0" err="1"/>
+              <a:t>first.equals</a:t>
+            </a:r>
+            <a:r>
+              <a:rPr lang="en-IN" sz="1800" dirty="0"/>
+              <a:t>(third)) </a:t>
+            </a:r>
+            <a:r>
+              <a:rPr lang="en-IN" sz="1800" dirty="0" smtClean="0"/>
+              <a:t>{ 		</a:t>
+            </a:r>
+            <a:r>
+              <a:rPr lang="en-IN" sz="1800" i="1" dirty="0" smtClean="0"/>
+              <a:t>// </a:t>
+            </a:r>
+            <a:r>
+              <a:rPr lang="en-IN" sz="1800" i="1" dirty="0"/>
+              <a:t>This evaluates to </a:t>
+            </a:r>
+            <a:r>
+              <a:rPr lang="en-IN" sz="1800" i="1" dirty="0" smtClean="0"/>
+              <a:t>true</a:t>
+            </a:r>
+            <a:endParaRPr lang="en-IN" sz="1800" dirty="0"/>
+          </a:p>
+          <a:p>
+            <a:pPr marL="914400" lvl="2" indent="0">
+              <a:buNone/>
+            </a:pPr>
+            <a:r>
+              <a:rPr lang="en-IN" sz="1800" dirty="0" smtClean="0"/>
+              <a:t>	</a:t>
+            </a:r>
+            <a:r>
+              <a:rPr lang="en-IN" sz="1800" dirty="0" err="1" smtClean="0"/>
+              <a:t>System.out.println</a:t>
+            </a:r>
+            <a:r>
+              <a:rPr lang="en-IN" sz="1800" dirty="0"/>
+              <a:t>("first equals third");</a:t>
+            </a:r>
+          </a:p>
+          <a:p>
+            <a:pPr marL="914400" lvl="2" indent="0">
+              <a:buNone/>
+            </a:pPr>
+            <a:r>
+              <a:rPr lang="en-IN" sz="1800" dirty="0"/>
+              <a:t>}</a:t>
+            </a:r>
+          </a:p>
+          <a:p>
+            <a:pPr marL="457200" lvl="1" indent="0">
+              <a:buNone/>
+            </a:pPr>
+            <a:r>
+              <a:rPr lang="en-IN" sz="1800" dirty="0"/>
+              <a:t>} </a:t>
+            </a:r>
+            <a:r>
+              <a:rPr lang="en-IN" sz="1800" i="1" dirty="0"/>
+              <a:t>// End </a:t>
+            </a:r>
+            <a:r>
+              <a:rPr lang="en-IN" sz="1800" i="1" dirty="0" err="1"/>
+              <a:t>myMethod</a:t>
+            </a:r>
+            <a:r>
+              <a:rPr lang="en-IN" sz="1800" i="1" dirty="0"/>
+              <a:t>()</a:t>
+            </a:r>
+          </a:p>
+          <a:p>
+            <a:pPr marL="0" indent="0">
+              <a:buNone/>
+            </a:pPr>
+            <a:r>
+              <a:rPr lang="en-IN" sz="1800" dirty="0"/>
+              <a:t>} </a:t>
+            </a:r>
+            <a:r>
+              <a:rPr lang="en-IN" sz="1800" i="1" dirty="0"/>
+              <a:t>//end class</a:t>
+            </a:r>
+            <a:endParaRPr lang="en-IN" sz="1800" dirty="0"/>
+          </a:p>
+        </p:txBody>
+      </p:sp>
+    </p:spTree>
+    <p:extLst>
+      <p:ext uri="{BB962C8B-B14F-4D97-AF65-F5344CB8AC3E}">
+        <p14:creationId xmlns:p14="http://schemas.microsoft.com/office/powerpoint/2010/main" val="562212541"/>
+      </p:ext>
+    </p:extLst>
+  </p:cSld>
+  <p:clrMapOvr>
+    <a:masterClrMapping/>
+  </p:clrMapOvr>
+</p:sld>
+</file>
+
+<file path=ppt/slides/slide57.xml><?xml version="1.0" encoding="utf-8"?>
+<p:sld xmlns:a="http://schemas.openxmlformats.org/drawingml/2006/main" xmlns:r="http://schemas.openxmlformats.org/officeDocument/2006/relationships" xmlns:p="http://schemas.openxmlformats.org/presentationml/2006/main">
+  <p:cSld>
+    <p:spTree>
+      <p:nvGrpSpPr>
+        <p:cNvPr id="1" name=""/>
+        <p:cNvGrpSpPr/>
+        <p:nvPr/>
+      </p:nvGrpSpPr>
+      <p:grpSpPr>
+        <a:xfrm>
+          <a:off x="0" y="0"/>
+          <a:ext cx="0" cy="0"/>
+          <a:chOff x="0" y="0"/>
+          <a:chExt cx="0" cy="0"/>
+        </a:xfrm>
+      </p:grpSpPr>
+      <p:sp>
+        <p:nvSpPr>
+          <p:cNvPr id="2" name="Title 1"/>
+          <p:cNvSpPr>
+            <a:spLocks noGrp="1"/>
+          </p:cNvSpPr>
+          <p:nvPr>
+            <p:ph type="title"/>
+          </p:nvPr>
+        </p:nvSpPr>
+        <p:spPr/>
+        <p:txBody>
+          <a:bodyPr/>
+          <a:lstStyle/>
+          <a:p>
+            <a:r>
+              <a:rPr lang="en-IN" dirty="0"/>
+              <a:t>Comparing Enumerations</a:t>
+            </a:r>
+            <a:endParaRPr lang="en-IN" dirty="0"/>
+          </a:p>
+        </p:txBody>
+      </p:sp>
+      <p:sp>
+        <p:nvSpPr>
+          <p:cNvPr id="3" name="Content Placeholder 2"/>
+          <p:cNvSpPr>
+            <a:spLocks noGrp="1"/>
+          </p:cNvSpPr>
+          <p:nvPr>
+            <p:ph idx="1"/>
+          </p:nvPr>
+        </p:nvSpPr>
+        <p:spPr/>
+        <p:txBody>
+          <a:bodyPr/>
+          <a:lstStyle/>
+          <a:p>
+            <a:pPr marL="0" indent="0">
+              <a:buNone/>
+            </a:pPr>
+            <a:r>
+              <a:rPr lang="en-IN" b="1" dirty="0" err="1"/>
+              <a:t>enum</a:t>
+            </a:r>
+            <a:r>
+              <a:rPr lang="en-IN" dirty="0"/>
+              <a:t> values can be compared using == or the equals()</a:t>
+            </a:r>
+            <a:r>
+              <a:rPr lang="en-IN" dirty="0" smtClean="0"/>
+              <a:t>method because </a:t>
+            </a:r>
+            <a:r>
+              <a:rPr lang="en-IN" dirty="0"/>
+              <a:t>they return the same result. The == operator is used </a:t>
+            </a:r>
+            <a:r>
+              <a:rPr lang="en-IN" dirty="0" smtClean="0"/>
+              <a:t>more frequently </a:t>
+            </a:r>
+            <a:r>
+              <a:rPr lang="en-IN" dirty="0"/>
+              <a:t>to compare enumeration types</a:t>
+            </a:r>
+            <a:r>
+              <a:rPr lang="en-IN" dirty="0" smtClean="0"/>
+              <a:t>.</a:t>
+            </a:r>
+          </a:p>
+          <a:p>
+            <a:pPr marL="0" indent="0">
+              <a:buNone/>
+            </a:pPr>
+            <a:endParaRPr lang="en-IN" dirty="0"/>
+          </a:p>
+          <a:p>
+            <a:pPr marL="0" indent="0">
+              <a:buNone/>
+            </a:pPr>
+            <a:endParaRPr lang="en-IN" dirty="0"/>
+          </a:p>
+        </p:txBody>
+      </p:sp>
+    </p:spTree>
+    <p:extLst>
+      <p:ext uri="{BB962C8B-B14F-4D97-AF65-F5344CB8AC3E}">
+        <p14:creationId xmlns:p14="http://schemas.microsoft.com/office/powerpoint/2010/main" val="3348807894"/>
+      </p:ext>
+    </p:extLst>
+  </p:cSld>
+  <p:clrMapOvr>
+    <a:masterClrMapping/>
+  </p:clrMapOvr>
+</p:sld>
+</file>
+
+<file path=ppt/slides/slide58.xml><?xml version="1.0" encoding="utf-8"?>
+<p:sld xmlns:a="http://schemas.openxmlformats.org/drawingml/2006/main" xmlns:r="http://schemas.openxmlformats.org/officeDocument/2006/relationships" xmlns:p="http://schemas.openxmlformats.org/presentationml/2006/main">
+  <p:cSld>
+    <p:spTree>
+      <p:nvGrpSpPr>
+        <p:cNvPr id="1" name=""/>
+        <p:cNvGrpSpPr/>
+        <p:nvPr/>
+      </p:nvGrpSpPr>
+      <p:grpSpPr>
+        <a:xfrm>
+          <a:off x="0" y="0"/>
+          <a:ext cx="0" cy="0"/>
+          <a:chOff x="0" y="0"/>
+          <a:chExt cx="0" cy="0"/>
+        </a:xfrm>
+      </p:grpSpPr>
+      <p:sp>
+        <p:nvSpPr>
+          <p:cNvPr id="2" name="Title 1"/>
+          <p:cNvSpPr>
+            <a:spLocks noGrp="1"/>
+          </p:cNvSpPr>
+          <p:nvPr>
+            <p:ph type="title"/>
+          </p:nvPr>
+        </p:nvSpPr>
+        <p:spPr/>
+        <p:txBody>
+          <a:bodyPr/>
+          <a:lstStyle/>
+          <a:p>
+            <a:r>
+              <a:rPr lang="en-IN" dirty="0"/>
+              <a:t>Copying Reference Types</a:t>
+            </a:r>
+            <a:endParaRPr lang="en-IN" dirty="0"/>
+          </a:p>
+        </p:txBody>
+      </p:sp>
+      <p:sp>
+        <p:nvSpPr>
+          <p:cNvPr id="3" name="Content Placeholder 2"/>
+          <p:cNvSpPr>
+            <a:spLocks noGrp="1"/>
+          </p:cNvSpPr>
+          <p:nvPr>
+            <p:ph idx="1"/>
+          </p:nvPr>
+        </p:nvSpPr>
+        <p:spPr/>
+        <p:txBody>
+          <a:bodyPr/>
+          <a:lstStyle/>
+          <a:p>
+            <a:pPr marL="0" indent="0">
+              <a:buNone/>
+            </a:pPr>
+            <a:r>
+              <a:rPr lang="en-IN" dirty="0"/>
+              <a:t>When reference types are copied, either a copy of the </a:t>
+            </a:r>
+            <a:r>
+              <a:rPr lang="en-IN" dirty="0" smtClean="0"/>
+              <a:t>reference to </a:t>
+            </a:r>
+            <a:r>
+              <a:rPr lang="en-IN" dirty="0"/>
+              <a:t>an object is made; or an actual copy of the object is made</a:t>
+            </a:r>
+            <a:r>
+              <a:rPr lang="en-IN" dirty="0" smtClean="0"/>
+              <a:t>, creating </a:t>
+            </a:r>
+            <a:r>
+              <a:rPr lang="en-IN" dirty="0"/>
+              <a:t>a new object. The latter is referred to as </a:t>
+            </a:r>
+            <a:r>
+              <a:rPr lang="en-IN" i="1" dirty="0"/>
+              <a:t>cloning </a:t>
+            </a:r>
+            <a:r>
+              <a:rPr lang="en-IN" dirty="0"/>
+              <a:t>in Java.</a:t>
+            </a:r>
+            <a:endParaRPr lang="en-IN" dirty="0"/>
+          </a:p>
+        </p:txBody>
+      </p:sp>
+    </p:spTree>
+    <p:extLst>
+      <p:ext uri="{BB962C8B-B14F-4D97-AF65-F5344CB8AC3E}">
+        <p14:creationId xmlns:p14="http://schemas.microsoft.com/office/powerpoint/2010/main" val="1776739907"/>
+      </p:ext>
+    </p:extLst>
+  </p:cSld>
+  <p:clrMapOvr>
+    <a:masterClrMapping/>
+  </p:clrMapOvr>
+</p:sld>
+</file>
+
+<file path=ppt/slides/slide59.xml><?xml version="1.0" encoding="utf-8"?>
+<p:sld xmlns:a="http://schemas.openxmlformats.org/drawingml/2006/main" xmlns:r="http://schemas.openxmlformats.org/officeDocument/2006/relationships" xmlns:p="http://schemas.openxmlformats.org/presentationml/2006/main">
+  <p:cSld>
+    <p:spTree>
+      <p:nvGrpSpPr>
+        <p:cNvPr id="1" name=""/>
+        <p:cNvGrpSpPr/>
+        <p:nvPr/>
+      </p:nvGrpSpPr>
+      <p:grpSpPr>
+        <a:xfrm>
+          <a:off x="0" y="0"/>
+          <a:ext cx="0" cy="0"/>
+          <a:chOff x="0" y="0"/>
+          <a:chExt cx="0" cy="0"/>
+        </a:xfrm>
+      </p:grpSpPr>
+      <p:sp>
+        <p:nvSpPr>
+          <p:cNvPr id="2" name="Title 1"/>
+          <p:cNvSpPr>
+            <a:spLocks noGrp="1"/>
+          </p:cNvSpPr>
+          <p:nvPr>
+            <p:ph type="title"/>
+          </p:nvPr>
+        </p:nvSpPr>
+        <p:spPr/>
+        <p:txBody>
+          <a:bodyPr/>
+          <a:lstStyle/>
+          <a:p>
+            <a:r>
+              <a:rPr lang="en-IN" dirty="0"/>
+              <a:t>Copying a Reference to an Object</a:t>
+            </a:r>
+            <a:endParaRPr lang="en-IN" dirty="0"/>
+          </a:p>
+        </p:txBody>
+      </p:sp>
+      <p:sp>
+        <p:nvSpPr>
+          <p:cNvPr id="3" name="Content Placeholder 2"/>
+          <p:cNvSpPr>
+            <a:spLocks noGrp="1"/>
+          </p:cNvSpPr>
+          <p:nvPr>
+            <p:ph idx="1"/>
+          </p:nvPr>
+        </p:nvSpPr>
+        <p:spPr/>
+        <p:txBody>
+          <a:bodyPr/>
+          <a:lstStyle/>
+          <a:p>
+            <a:pPr marL="0" indent="0">
+              <a:buNone/>
+            </a:pPr>
+            <a:r>
+              <a:rPr lang="en-IN" dirty="0"/>
+              <a:t>When copying a reference to an object, the result is one </a:t>
+            </a:r>
+            <a:r>
+              <a:rPr lang="en-IN" dirty="0" smtClean="0"/>
+              <a:t>object with </a:t>
+            </a:r>
+            <a:r>
+              <a:rPr lang="en-IN" dirty="0"/>
+              <a:t>two references. In the following example, </a:t>
+            </a:r>
+            <a:r>
+              <a:rPr lang="en-IN" dirty="0" err="1"/>
+              <a:t>closingSong</a:t>
+            </a:r>
+            <a:r>
+              <a:rPr lang="en-IN" dirty="0"/>
+              <a:t> </a:t>
+            </a:r>
+            <a:r>
+              <a:rPr lang="en-IN" dirty="0" smtClean="0"/>
+              <a:t>is assigned </a:t>
+            </a:r>
+            <a:r>
+              <a:rPr lang="en-IN" dirty="0"/>
+              <a:t>a reference to the object pointed to by </a:t>
+            </a:r>
+            <a:r>
+              <a:rPr lang="en-IN" dirty="0" err="1"/>
+              <a:t>lastSong</a:t>
+            </a:r>
+            <a:r>
+              <a:rPr lang="en-IN" dirty="0"/>
+              <a:t>. </a:t>
+            </a:r>
+            <a:r>
+              <a:rPr lang="en-IN" dirty="0" smtClean="0"/>
+              <a:t>Any changes </a:t>
+            </a:r>
+            <a:r>
+              <a:rPr lang="en-IN" dirty="0"/>
+              <a:t>made to </a:t>
+            </a:r>
+            <a:r>
+              <a:rPr lang="en-IN" dirty="0" err="1"/>
+              <a:t>lastSong</a:t>
+            </a:r>
+            <a:r>
+              <a:rPr lang="en-IN" dirty="0"/>
+              <a:t> will be reflected in </a:t>
+            </a:r>
+            <a:r>
+              <a:rPr lang="en-IN" dirty="0" err="1"/>
+              <a:t>closingSong</a:t>
+            </a:r>
+            <a:r>
+              <a:rPr lang="en-IN" dirty="0"/>
+              <a:t> </a:t>
+            </a:r>
+            <a:r>
+              <a:rPr lang="en-IN" dirty="0" smtClean="0"/>
+              <a:t>and vice </a:t>
+            </a:r>
+            <a:r>
+              <a:rPr lang="en-IN" dirty="0"/>
+              <a:t>versa</a:t>
+            </a:r>
+            <a:r>
+              <a:rPr lang="en-IN" dirty="0" smtClean="0"/>
+              <a:t>:</a:t>
+            </a:r>
+          </a:p>
+          <a:p>
+            <a:pPr marL="0" indent="0">
+              <a:buNone/>
+            </a:pPr>
+            <a:endParaRPr lang="en-IN" dirty="0"/>
+          </a:p>
+          <a:p>
+            <a:pPr marL="457200" lvl="1" indent="0">
+              <a:buNone/>
+            </a:pPr>
+            <a:r>
+              <a:rPr lang="en-IN" dirty="0"/>
+              <a:t>Song </a:t>
+            </a:r>
+            <a:r>
+              <a:rPr lang="en-IN" dirty="0" err="1"/>
+              <a:t>lastSong</a:t>
+            </a:r>
+            <a:r>
+              <a:rPr lang="en-IN" dirty="0"/>
+              <a:t> = </a:t>
+            </a:r>
+            <a:r>
+              <a:rPr lang="en-IN" b="1" dirty="0"/>
+              <a:t>new </a:t>
+            </a:r>
+            <a:r>
+              <a:rPr lang="en-IN" dirty="0"/>
+              <a:t>Song();</a:t>
+            </a:r>
+          </a:p>
+          <a:p>
+            <a:pPr marL="457200" lvl="1" indent="0">
+              <a:buNone/>
+            </a:pPr>
+            <a:r>
+              <a:rPr lang="en-IN" dirty="0"/>
+              <a:t>Song </a:t>
+            </a:r>
+            <a:r>
+              <a:rPr lang="en-IN" dirty="0" err="1"/>
+              <a:t>closingSong</a:t>
+            </a:r>
+            <a:r>
+              <a:rPr lang="en-IN" dirty="0"/>
+              <a:t> = </a:t>
+            </a:r>
+            <a:r>
+              <a:rPr lang="en-IN" dirty="0" err="1"/>
+              <a:t>lastSong</a:t>
+            </a:r>
+            <a:r>
+              <a:rPr lang="en-IN" dirty="0"/>
+              <a:t>;</a:t>
+            </a:r>
+            <a:endParaRPr lang="en-IN" dirty="0"/>
+          </a:p>
+        </p:txBody>
+      </p:sp>
+    </p:spTree>
+    <p:extLst>
+      <p:ext uri="{BB962C8B-B14F-4D97-AF65-F5344CB8AC3E}">
+        <p14:creationId xmlns:p14="http://schemas.microsoft.com/office/powerpoint/2010/main" val="3058980928"/>
       </p:ext>
     </p:extLst>
   </p:cSld>
@@ -8507,6 +12345,2273 @@
 </p:sld>
 </file>
 
+<file path=ppt/slides/slide60.xml><?xml version="1.0" encoding="utf-8"?>
+<p:sld xmlns:a="http://schemas.openxmlformats.org/drawingml/2006/main" xmlns:r="http://schemas.openxmlformats.org/officeDocument/2006/relationships" xmlns:p="http://schemas.openxmlformats.org/presentationml/2006/main">
+  <p:cSld>
+    <p:spTree>
+      <p:nvGrpSpPr>
+        <p:cNvPr id="1" name=""/>
+        <p:cNvGrpSpPr/>
+        <p:nvPr/>
+      </p:nvGrpSpPr>
+      <p:grpSpPr>
+        <a:xfrm>
+          <a:off x="0" y="0"/>
+          <a:ext cx="0" cy="0"/>
+          <a:chOff x="0" y="0"/>
+          <a:chExt cx="0" cy="0"/>
+        </a:xfrm>
+      </p:grpSpPr>
+      <p:sp>
+        <p:nvSpPr>
+          <p:cNvPr id="2" name="Title 1"/>
+          <p:cNvSpPr>
+            <a:spLocks noGrp="1"/>
+          </p:cNvSpPr>
+          <p:nvPr>
+            <p:ph type="title"/>
+          </p:nvPr>
+        </p:nvSpPr>
+        <p:spPr/>
+        <p:txBody>
+          <a:bodyPr/>
+          <a:lstStyle/>
+          <a:p>
+            <a:r>
+              <a:rPr lang="en-IN" dirty="0"/>
+              <a:t>Cloning Objects</a:t>
+            </a:r>
+            <a:endParaRPr lang="en-IN" dirty="0"/>
+          </a:p>
+        </p:txBody>
+      </p:sp>
+      <p:sp>
+        <p:nvSpPr>
+          <p:cNvPr id="3" name="Content Placeholder 2"/>
+          <p:cNvSpPr>
+            <a:spLocks noGrp="1"/>
+          </p:cNvSpPr>
+          <p:nvPr>
+            <p:ph idx="1"/>
+          </p:nvPr>
+        </p:nvSpPr>
+        <p:spPr/>
+        <p:txBody>
+          <a:bodyPr>
+            <a:normAutofit/>
+          </a:bodyPr>
+          <a:lstStyle/>
+          <a:p>
+            <a:pPr marL="0" indent="0">
+              <a:buNone/>
+            </a:pPr>
+            <a:r>
+              <a:rPr lang="en-IN" dirty="0"/>
+              <a:t>Cloning results in another copy of the object, not just a copy </a:t>
+            </a:r>
+            <a:r>
+              <a:rPr lang="en-IN" dirty="0" smtClean="0"/>
+              <a:t>of a </a:t>
+            </a:r>
+            <a:r>
+              <a:rPr lang="en-IN" dirty="0"/>
+              <a:t>reference to an object. Cloning is not available to classes </a:t>
+            </a:r>
+            <a:r>
+              <a:rPr lang="en-IN" dirty="0" smtClean="0"/>
+              <a:t>by default</a:t>
+            </a:r>
+            <a:r>
+              <a:rPr lang="en-IN" dirty="0"/>
+              <a:t>. Note that cloning is usually very complex, so you </a:t>
+            </a:r>
+            <a:r>
+              <a:rPr lang="en-IN" dirty="0" smtClean="0"/>
+              <a:t>should consider </a:t>
+            </a:r>
+            <a:r>
+              <a:rPr lang="en-IN" dirty="0"/>
+              <a:t>a copy constructor instead:</a:t>
+            </a:r>
+          </a:p>
+          <a:p>
+            <a:pPr lvl="1"/>
+            <a:r>
+              <a:rPr lang="en-IN" dirty="0" smtClean="0"/>
+              <a:t>For </a:t>
+            </a:r>
+            <a:r>
+              <a:rPr lang="en-IN" dirty="0"/>
+              <a:t>a class to be </a:t>
+            </a:r>
+            <a:r>
+              <a:rPr lang="en-IN" dirty="0" err="1"/>
+              <a:t>cloneable</a:t>
+            </a:r>
+            <a:r>
+              <a:rPr lang="en-IN" dirty="0"/>
+              <a:t>, it must implement the </a:t>
+            </a:r>
+            <a:r>
+              <a:rPr lang="en-IN" dirty="0" smtClean="0"/>
+              <a:t>interface </a:t>
+            </a:r>
+            <a:r>
+              <a:rPr lang="en-IN" b="1" dirty="0" err="1" smtClean="0"/>
+              <a:t>Cloneable</a:t>
+            </a:r>
+            <a:r>
+              <a:rPr lang="en-IN" dirty="0"/>
+              <a:t>.</a:t>
+            </a:r>
+          </a:p>
+          <a:p>
+            <a:pPr lvl="1"/>
+            <a:r>
+              <a:rPr lang="en-IN" dirty="0" smtClean="0"/>
+              <a:t>The </a:t>
+            </a:r>
+            <a:r>
+              <a:rPr lang="en-IN" dirty="0"/>
+              <a:t>protected method </a:t>
+            </a:r>
+            <a:r>
+              <a:rPr lang="en-IN" b="1" dirty="0"/>
+              <a:t>clone()</a:t>
+            </a:r>
+            <a:r>
+              <a:rPr lang="en-IN" dirty="0"/>
+              <a:t> allows for objects to </a:t>
+            </a:r>
+            <a:r>
+              <a:rPr lang="en-IN" dirty="0" smtClean="0"/>
+              <a:t>clone themselves</a:t>
+            </a:r>
+            <a:r>
+              <a:rPr lang="en-IN" dirty="0"/>
+              <a:t>.</a:t>
+            </a:r>
+          </a:p>
+          <a:p>
+            <a:pPr lvl="1"/>
+            <a:r>
+              <a:rPr lang="en-IN" dirty="0" smtClean="0"/>
+              <a:t>For </a:t>
+            </a:r>
+            <a:r>
+              <a:rPr lang="en-IN" dirty="0"/>
+              <a:t>an object to clone an object other than itself, </a:t>
+            </a:r>
+            <a:r>
+              <a:rPr lang="en-IN" dirty="0" smtClean="0"/>
+              <a:t>the clone</a:t>
+            </a:r>
+            <a:r>
+              <a:rPr lang="en-IN" dirty="0"/>
+              <a:t>() method must be overridden and made public </a:t>
+            </a:r>
+            <a:r>
+              <a:rPr lang="en-IN" dirty="0" smtClean="0"/>
+              <a:t>by the </a:t>
+            </a:r>
+            <a:r>
+              <a:rPr lang="en-IN" dirty="0"/>
+              <a:t>object being cloned.</a:t>
+            </a:r>
+          </a:p>
+          <a:p>
+            <a:pPr lvl="1"/>
+            <a:r>
+              <a:rPr lang="en-IN" dirty="0" smtClean="0"/>
+              <a:t>When </a:t>
+            </a:r>
+            <a:r>
+              <a:rPr lang="en-IN" dirty="0"/>
+              <a:t>cloning, a </a:t>
+            </a:r>
+            <a:r>
+              <a:rPr lang="en-IN" b="1" dirty="0"/>
+              <a:t>cast must be used</a:t>
+            </a:r>
+            <a:r>
+              <a:rPr lang="en-IN" dirty="0"/>
+              <a:t> because clone() </a:t>
+            </a:r>
+            <a:r>
+              <a:rPr lang="en-IN" b="1" dirty="0" smtClean="0"/>
+              <a:t>returns type </a:t>
+            </a:r>
+            <a:r>
+              <a:rPr lang="en-IN" b="1" dirty="0"/>
+              <a:t>object</a:t>
+            </a:r>
+            <a:r>
+              <a:rPr lang="en-IN" dirty="0"/>
+              <a:t>.</a:t>
+            </a:r>
+          </a:p>
+          <a:p>
+            <a:pPr lvl="1"/>
+            <a:r>
+              <a:rPr lang="en-IN" dirty="0" smtClean="0"/>
+              <a:t>Cloning </a:t>
+            </a:r>
+            <a:r>
+              <a:rPr lang="en-IN" dirty="0"/>
+              <a:t>can throw a </a:t>
+            </a:r>
+            <a:r>
+              <a:rPr lang="en-IN" b="1" dirty="0" err="1" smtClean="0"/>
+              <a:t>CloneNotSupportedException</a:t>
+            </a:r>
+            <a:r>
+              <a:rPr lang="en-IN" dirty="0" smtClean="0"/>
+              <a:t>.</a:t>
+            </a:r>
+            <a:endParaRPr lang="en-IN" dirty="0"/>
+          </a:p>
+        </p:txBody>
+      </p:sp>
+    </p:spTree>
+    <p:extLst>
+      <p:ext uri="{BB962C8B-B14F-4D97-AF65-F5344CB8AC3E}">
+        <p14:creationId xmlns:p14="http://schemas.microsoft.com/office/powerpoint/2010/main" val="3670151283"/>
+      </p:ext>
+    </p:extLst>
+  </p:cSld>
+  <p:clrMapOvr>
+    <a:masterClrMapping/>
+  </p:clrMapOvr>
+</p:sld>
+</file>
+
+<file path=ppt/slides/slide61.xml><?xml version="1.0" encoding="utf-8"?>
+<p:sld xmlns:a="http://schemas.openxmlformats.org/drawingml/2006/main" xmlns:r="http://schemas.openxmlformats.org/officeDocument/2006/relationships" xmlns:p="http://schemas.openxmlformats.org/presentationml/2006/main">
+  <p:cSld>
+    <p:spTree>
+      <p:nvGrpSpPr>
+        <p:cNvPr id="1" name=""/>
+        <p:cNvGrpSpPr/>
+        <p:nvPr/>
+      </p:nvGrpSpPr>
+      <p:grpSpPr>
+        <a:xfrm>
+          <a:off x="0" y="0"/>
+          <a:ext cx="0" cy="0"/>
+          <a:chOff x="0" y="0"/>
+          <a:chExt cx="0" cy="0"/>
+        </a:xfrm>
+      </p:grpSpPr>
+      <p:sp>
+        <p:nvSpPr>
+          <p:cNvPr id="2" name="Title 1"/>
+          <p:cNvSpPr>
+            <a:spLocks noGrp="1"/>
+          </p:cNvSpPr>
+          <p:nvPr>
+            <p:ph type="title"/>
+          </p:nvPr>
+        </p:nvSpPr>
+        <p:spPr/>
+        <p:txBody>
+          <a:bodyPr/>
+          <a:lstStyle/>
+          <a:p>
+            <a:r>
+              <a:rPr lang="en-IN" dirty="0"/>
+              <a:t>Shallow and deep cloning</a:t>
+            </a:r>
+            <a:endParaRPr lang="en-IN" dirty="0"/>
+          </a:p>
+        </p:txBody>
+      </p:sp>
+      <p:sp>
+        <p:nvSpPr>
+          <p:cNvPr id="3" name="Content Placeholder 2"/>
+          <p:cNvSpPr>
+            <a:spLocks noGrp="1"/>
+          </p:cNvSpPr>
+          <p:nvPr>
+            <p:ph idx="1"/>
+          </p:nvPr>
+        </p:nvSpPr>
+        <p:spPr/>
+        <p:txBody>
+          <a:bodyPr>
+            <a:normAutofit fontScale="92500" lnSpcReduction="10000"/>
+          </a:bodyPr>
+          <a:lstStyle/>
+          <a:p>
+            <a:r>
+              <a:rPr lang="en-IN" dirty="0"/>
+              <a:t>Shallow and deep cloning are the two types of cloning in Java.</a:t>
+            </a:r>
+          </a:p>
+          <a:p>
+            <a:r>
+              <a:rPr lang="en-IN" dirty="0"/>
+              <a:t>In shallow cloning, primitive values and the references in </a:t>
+            </a:r>
+            <a:r>
+              <a:rPr lang="en-IN" dirty="0" smtClean="0"/>
+              <a:t>the object </a:t>
+            </a:r>
+            <a:r>
+              <a:rPr lang="en-IN" dirty="0"/>
+              <a:t>being cloned are copied. </a:t>
+            </a:r>
+            <a:endParaRPr lang="en-IN" dirty="0" smtClean="0"/>
+          </a:p>
+          <a:p>
+            <a:r>
+              <a:rPr lang="en-IN" dirty="0" smtClean="0"/>
+              <a:t>Copies </a:t>
+            </a:r>
+            <a:r>
+              <a:rPr lang="en-IN" dirty="0"/>
+              <a:t>of the objects referred </a:t>
+            </a:r>
+            <a:r>
+              <a:rPr lang="en-IN" dirty="0" smtClean="0"/>
+              <a:t>to by </a:t>
+            </a:r>
+            <a:r>
+              <a:rPr lang="en-IN" dirty="0"/>
+              <a:t>those references are not made</a:t>
+            </a:r>
+            <a:r>
+              <a:rPr lang="en-IN" dirty="0" smtClean="0"/>
+              <a:t>.</a:t>
+            </a:r>
+          </a:p>
+          <a:p>
+            <a:endParaRPr lang="en-IN" dirty="0"/>
+          </a:p>
+          <a:p>
+            <a:r>
+              <a:rPr lang="en-IN" dirty="0"/>
+              <a:t>In deep cloning, the cloned object makes a copy of each of </a:t>
+            </a:r>
+            <a:r>
+              <a:rPr lang="en-IN" dirty="0" smtClean="0"/>
+              <a:t>its object’s </a:t>
+            </a:r>
+            <a:r>
+              <a:rPr lang="en-IN" dirty="0"/>
+              <a:t>fields, </a:t>
+            </a:r>
+            <a:r>
+              <a:rPr lang="en-IN" dirty="0" err="1"/>
+              <a:t>recursing</a:t>
+            </a:r>
+            <a:r>
+              <a:rPr lang="en-IN" dirty="0"/>
+              <a:t> through all other objects referenced </a:t>
+            </a:r>
+            <a:r>
+              <a:rPr lang="en-IN" dirty="0" smtClean="0"/>
+              <a:t>by it</a:t>
+            </a:r>
+            <a:r>
+              <a:rPr lang="en-IN" dirty="0"/>
+              <a:t>. </a:t>
+            </a:r>
+            <a:endParaRPr lang="en-IN" dirty="0" smtClean="0"/>
+          </a:p>
+          <a:p>
+            <a:r>
+              <a:rPr lang="en-IN" dirty="0" smtClean="0"/>
+              <a:t>A </a:t>
+            </a:r>
+            <a:r>
+              <a:rPr lang="en-IN" dirty="0"/>
+              <a:t>deep-clone method must be defined by the programmer, </a:t>
+            </a:r>
+            <a:r>
+              <a:rPr lang="en-IN" dirty="0" smtClean="0"/>
+              <a:t>as the </a:t>
+            </a:r>
+            <a:r>
+              <a:rPr lang="en-IN" dirty="0"/>
+              <a:t>Java API does not provide one. </a:t>
+            </a:r>
+            <a:endParaRPr lang="en-IN" dirty="0" smtClean="0"/>
+          </a:p>
+          <a:p>
+            <a:r>
+              <a:rPr lang="en-IN" dirty="0" smtClean="0"/>
+              <a:t>Alternatives </a:t>
+            </a:r>
+            <a:r>
+              <a:rPr lang="en-IN" dirty="0"/>
+              <a:t>to deep </a:t>
+            </a:r>
+            <a:r>
+              <a:rPr lang="en-IN" dirty="0" smtClean="0"/>
+              <a:t>cloning are </a:t>
+            </a:r>
+            <a:r>
+              <a:rPr lang="en-IN" dirty="0"/>
+              <a:t>serialization and copy constructors. (Copy constructors </a:t>
+            </a:r>
+            <a:r>
+              <a:rPr lang="en-IN" dirty="0" smtClean="0"/>
+              <a:t>are often </a:t>
+            </a:r>
+            <a:r>
+              <a:rPr lang="en-IN" dirty="0"/>
+              <a:t>preferred over serialization.)</a:t>
+            </a:r>
+            <a:endParaRPr lang="en-IN" dirty="0" smtClean="0"/>
+          </a:p>
+          <a:p>
+            <a:endParaRPr lang="en-IN" dirty="0"/>
+          </a:p>
+          <a:p>
+            <a:endParaRPr lang="en-IN" dirty="0"/>
+          </a:p>
+        </p:txBody>
+      </p:sp>
+    </p:spTree>
+    <p:extLst>
+      <p:ext uri="{BB962C8B-B14F-4D97-AF65-F5344CB8AC3E}">
+        <p14:creationId xmlns:p14="http://schemas.microsoft.com/office/powerpoint/2010/main" val="1265410328"/>
+      </p:ext>
+    </p:extLst>
+  </p:cSld>
+  <p:clrMapOvr>
+    <a:masterClrMapping/>
+  </p:clrMapOvr>
+</p:sld>
+</file>
+
+<file path=ppt/slides/slide62.xml><?xml version="1.0" encoding="utf-8"?>
+<p:sld xmlns:a="http://schemas.openxmlformats.org/drawingml/2006/main" xmlns:r="http://schemas.openxmlformats.org/officeDocument/2006/relationships" xmlns:p="http://schemas.openxmlformats.org/presentationml/2006/main">
+  <p:cSld>
+    <p:spTree>
+      <p:nvGrpSpPr>
+        <p:cNvPr id="1" name=""/>
+        <p:cNvGrpSpPr/>
+        <p:nvPr/>
+      </p:nvGrpSpPr>
+      <p:grpSpPr>
+        <a:xfrm>
+          <a:off x="0" y="0"/>
+          <a:ext cx="0" cy="0"/>
+          <a:chOff x="0" y="0"/>
+          <a:chExt cx="0" cy="0"/>
+        </a:xfrm>
+      </p:grpSpPr>
+      <p:sp>
+        <p:nvSpPr>
+          <p:cNvPr id="2" name="Title 1"/>
+          <p:cNvSpPr>
+            <a:spLocks noGrp="1"/>
+          </p:cNvSpPr>
+          <p:nvPr>
+            <p:ph type="title"/>
+          </p:nvPr>
+        </p:nvSpPr>
+        <p:spPr/>
+        <p:txBody>
+          <a:bodyPr/>
+          <a:lstStyle/>
+          <a:p>
+            <a:r>
+              <a:rPr lang="en-IN" dirty="0" smtClean="0"/>
+              <a:t>Continued…</a:t>
+            </a:r>
+            <a:endParaRPr lang="en-IN" dirty="0"/>
+          </a:p>
+        </p:txBody>
+      </p:sp>
+      <p:sp>
+        <p:nvSpPr>
+          <p:cNvPr id="3" name="Content Placeholder 2"/>
+          <p:cNvSpPr>
+            <a:spLocks noGrp="1"/>
+          </p:cNvSpPr>
+          <p:nvPr>
+            <p:ph idx="1"/>
+          </p:nvPr>
+        </p:nvSpPr>
+        <p:spPr>
+          <a:xfrm>
+            <a:off x="838200" y="1249250"/>
+            <a:ext cx="10515600" cy="5473521"/>
+          </a:xfrm>
+        </p:spPr>
+        <p:txBody>
+          <a:bodyPr>
+            <a:noAutofit/>
+          </a:bodyPr>
+          <a:lstStyle/>
+          <a:p>
+            <a:pPr marL="0" indent="0">
+              <a:buNone/>
+            </a:pPr>
+            <a:r>
+              <a:rPr lang="en-IN" sz="1800" dirty="0"/>
+              <a:t>Class Song {</a:t>
+            </a:r>
+          </a:p>
+          <a:p>
+            <a:pPr marL="457200" lvl="1" indent="0">
+              <a:buNone/>
+            </a:pPr>
+            <a:r>
+              <a:rPr lang="en-IN" sz="1800" dirty="0"/>
+              <a:t>String title;</a:t>
+            </a:r>
+          </a:p>
+          <a:p>
+            <a:pPr marL="457200" lvl="1" indent="0">
+              <a:buNone/>
+            </a:pPr>
+            <a:r>
+              <a:rPr lang="en-IN" sz="1800" dirty="0"/>
+              <a:t>Artist </a:t>
+            </a:r>
+            <a:r>
+              <a:rPr lang="en-IN" sz="1800" dirty="0" err="1"/>
+              <a:t>artist</a:t>
+            </a:r>
+            <a:r>
+              <a:rPr lang="en-IN" sz="1800" dirty="0"/>
+              <a:t>;</a:t>
+            </a:r>
+          </a:p>
+          <a:p>
+            <a:pPr marL="457200" lvl="1" indent="0">
+              <a:buNone/>
+            </a:pPr>
+            <a:r>
+              <a:rPr lang="en-IN" sz="1800" b="1" dirty="0"/>
+              <a:t>float </a:t>
+            </a:r>
+            <a:r>
+              <a:rPr lang="en-IN" sz="1800" dirty="0"/>
+              <a:t>length;</a:t>
+            </a:r>
+          </a:p>
+          <a:p>
+            <a:pPr marL="457200" lvl="1" indent="0">
+              <a:buNone/>
+            </a:pPr>
+            <a:r>
+              <a:rPr lang="en-IN" sz="1800" b="1" dirty="0" err="1"/>
+              <a:t>int</a:t>
+            </a:r>
+            <a:r>
+              <a:rPr lang="en-IN" sz="1800" b="1" dirty="0"/>
+              <a:t> </a:t>
+            </a:r>
+            <a:r>
+              <a:rPr lang="en-IN" sz="1800" dirty="0"/>
+              <a:t>year;</a:t>
+            </a:r>
+          </a:p>
+          <a:p>
+            <a:pPr marL="457200" lvl="1" indent="0">
+              <a:buNone/>
+            </a:pPr>
+            <a:r>
+              <a:rPr lang="en-IN" sz="1800" b="1" dirty="0"/>
+              <a:t>void </a:t>
+            </a:r>
+            <a:r>
+              <a:rPr lang="en-IN" sz="1800" dirty="0" err="1"/>
+              <a:t>setData</a:t>
+            </a:r>
+            <a:r>
+              <a:rPr lang="en-IN" sz="1800" dirty="0"/>
+              <a:t>() {...}</a:t>
+            </a:r>
+          </a:p>
+          <a:p>
+            <a:pPr marL="457200" lvl="1" indent="0">
+              <a:buNone/>
+            </a:pPr>
+            <a:r>
+              <a:rPr lang="en-IN" sz="1800" dirty="0" smtClean="0"/>
+              <a:t>public static void main(String </a:t>
+            </a:r>
+            <a:r>
+              <a:rPr lang="en-IN" sz="1800" dirty="0" err="1" smtClean="0"/>
+              <a:t>args</a:t>
+            </a:r>
+            <a:r>
+              <a:rPr lang="en-IN" sz="1800" dirty="0" smtClean="0"/>
+              <a:t>[]) {</a:t>
+            </a:r>
+            <a:endParaRPr lang="en-IN" sz="1800" dirty="0"/>
+          </a:p>
+          <a:p>
+            <a:pPr marL="914400" lvl="2" indent="0">
+              <a:buNone/>
+            </a:pPr>
+            <a:r>
+              <a:rPr lang="en-IN" sz="1800" dirty="0"/>
+              <a:t>Song </a:t>
+            </a:r>
+            <a:r>
+              <a:rPr lang="en-IN" sz="1800" dirty="0" err="1"/>
+              <a:t>firstSong</a:t>
+            </a:r>
+            <a:r>
+              <a:rPr lang="en-IN" sz="1800" dirty="0"/>
+              <a:t> = </a:t>
+            </a:r>
+            <a:r>
+              <a:rPr lang="en-IN" sz="1800" b="1" dirty="0"/>
+              <a:t>new </a:t>
+            </a:r>
+            <a:r>
+              <a:rPr lang="en-IN" sz="1800" dirty="0"/>
+              <a:t>Song();</a:t>
+            </a:r>
+          </a:p>
+          <a:p>
+            <a:pPr marL="914400" lvl="2" indent="0">
+              <a:buNone/>
+            </a:pPr>
+            <a:r>
+              <a:rPr lang="en-IN" sz="1800" b="1" dirty="0"/>
+              <a:t>try </a:t>
+            </a:r>
+            <a:r>
+              <a:rPr lang="en-IN" sz="1800" dirty="0"/>
+              <a:t>{</a:t>
+            </a:r>
+          </a:p>
+          <a:p>
+            <a:pPr marL="914400" lvl="2" indent="0">
+              <a:buNone/>
+            </a:pPr>
+            <a:r>
+              <a:rPr lang="en-IN" sz="1800" i="1" dirty="0" smtClean="0"/>
+              <a:t>	// </a:t>
+            </a:r>
+            <a:r>
+              <a:rPr lang="en-IN" sz="1800" i="1" dirty="0"/>
+              <a:t>Make an actual copy by cloning</a:t>
+            </a:r>
+          </a:p>
+          <a:p>
+            <a:pPr marL="914400" lvl="2" indent="0">
+              <a:buNone/>
+            </a:pPr>
+            <a:r>
+              <a:rPr lang="en-IN" sz="1800" dirty="0" smtClean="0"/>
+              <a:t>	Song </a:t>
+            </a:r>
+            <a:r>
+              <a:rPr lang="en-IN" sz="1800" dirty="0" err="1"/>
+              <a:t>leadingSong</a:t>
+            </a:r>
+            <a:r>
+              <a:rPr lang="en-IN" sz="1800" dirty="0"/>
+              <a:t> = (Song)</a:t>
+            </a:r>
+            <a:r>
+              <a:rPr lang="en-IN" sz="1800" dirty="0" err="1"/>
+              <a:t>firstSong.clone</a:t>
+            </a:r>
+            <a:r>
+              <a:rPr lang="en-IN" sz="1800" dirty="0"/>
+              <a:t>();</a:t>
+            </a:r>
+          </a:p>
+          <a:p>
+            <a:pPr marL="914400" lvl="2" indent="0">
+              <a:buNone/>
+            </a:pPr>
+            <a:r>
+              <a:rPr lang="en-IN" sz="1800" dirty="0"/>
+              <a:t>} </a:t>
+            </a:r>
+            <a:r>
+              <a:rPr lang="en-IN" sz="1800" b="1" dirty="0"/>
+              <a:t>catch </a:t>
+            </a:r>
+            <a:r>
+              <a:rPr lang="en-IN" sz="1800" dirty="0"/>
+              <a:t>(</a:t>
+            </a:r>
+            <a:r>
+              <a:rPr lang="en-IN" sz="1800" dirty="0" err="1"/>
+              <a:t>CloneNotSupportedException</a:t>
+            </a:r>
+            <a:r>
+              <a:rPr lang="en-IN" sz="1800" dirty="0"/>
+              <a:t> </a:t>
+            </a:r>
+            <a:r>
+              <a:rPr lang="en-IN" sz="1800" dirty="0" err="1"/>
+              <a:t>cnse</a:t>
+            </a:r>
+            <a:r>
+              <a:rPr lang="en-IN" sz="1800" dirty="0"/>
+              <a:t>) {</a:t>
+            </a:r>
+          </a:p>
+          <a:p>
+            <a:pPr marL="914400" lvl="2" indent="0">
+              <a:buNone/>
+            </a:pPr>
+            <a:r>
+              <a:rPr lang="en-IN" sz="1800" dirty="0" smtClean="0"/>
+              <a:t>	</a:t>
+            </a:r>
+            <a:r>
+              <a:rPr lang="en-IN" sz="1800" dirty="0" err="1" smtClean="0"/>
+              <a:t>cnse.printStackTrace</a:t>
+            </a:r>
+            <a:r>
+              <a:rPr lang="en-IN" sz="1800" dirty="0" smtClean="0"/>
+              <a:t>();</a:t>
+            </a:r>
+          </a:p>
+          <a:p>
+            <a:pPr marL="914400" lvl="2" indent="0">
+              <a:buNone/>
+            </a:pPr>
+            <a:r>
+              <a:rPr lang="en-IN" sz="1800" dirty="0" smtClean="0"/>
+              <a:t>}</a:t>
+            </a:r>
+          </a:p>
+          <a:p>
+            <a:pPr marL="457200" lvl="1" indent="0">
+              <a:buNone/>
+            </a:pPr>
+            <a:r>
+              <a:rPr lang="en-IN" sz="1800" dirty="0"/>
+              <a:t>}</a:t>
+            </a:r>
+            <a:endParaRPr lang="en-IN" sz="1800" dirty="0"/>
+          </a:p>
+          <a:p>
+            <a:pPr marL="0" indent="0">
+              <a:buNone/>
+            </a:pPr>
+            <a:r>
+              <a:rPr lang="en-IN" sz="1800" dirty="0"/>
+              <a:t>} </a:t>
+            </a:r>
+            <a:r>
+              <a:rPr lang="en-IN" sz="1800" i="1" dirty="0"/>
+              <a:t>// end</a:t>
+            </a:r>
+            <a:endParaRPr lang="en-IN" sz="1800" dirty="0"/>
+          </a:p>
+        </p:txBody>
+      </p:sp>
+    </p:spTree>
+    <p:extLst>
+      <p:ext uri="{BB962C8B-B14F-4D97-AF65-F5344CB8AC3E}">
+        <p14:creationId xmlns:p14="http://schemas.microsoft.com/office/powerpoint/2010/main" val="549990186"/>
+      </p:ext>
+    </p:extLst>
+  </p:cSld>
+  <p:clrMapOvr>
+    <a:masterClrMapping/>
+  </p:clrMapOvr>
+</p:sld>
+</file>
+
+<file path=ppt/slides/slide63.xml><?xml version="1.0" encoding="utf-8"?>
+<p:sld xmlns:a="http://schemas.openxmlformats.org/drawingml/2006/main" xmlns:r="http://schemas.openxmlformats.org/officeDocument/2006/relationships" xmlns:p="http://schemas.openxmlformats.org/presentationml/2006/main">
+  <p:cSld>
+    <p:spTree>
+      <p:nvGrpSpPr>
+        <p:cNvPr id="1" name=""/>
+        <p:cNvGrpSpPr/>
+        <p:nvPr/>
+      </p:nvGrpSpPr>
+      <p:grpSpPr>
+        <a:xfrm>
+          <a:off x="0" y="0"/>
+          <a:ext cx="0" cy="0"/>
+          <a:chOff x="0" y="0"/>
+          <a:chExt cx="0" cy="0"/>
+        </a:xfrm>
+      </p:grpSpPr>
+      <p:sp>
+        <p:nvSpPr>
+          <p:cNvPr id="2" name="Title 1"/>
+          <p:cNvSpPr>
+            <a:spLocks noGrp="1"/>
+          </p:cNvSpPr>
+          <p:nvPr>
+            <p:ph type="title"/>
+          </p:nvPr>
+        </p:nvSpPr>
+        <p:spPr/>
+        <p:txBody>
+          <a:bodyPr/>
+          <a:lstStyle/>
+          <a:p>
+            <a:r>
+              <a:rPr lang="en-IN" dirty="0"/>
+              <a:t>Classes and Objects</a:t>
+            </a:r>
+            <a:endParaRPr lang="en-IN" dirty="0"/>
+          </a:p>
+        </p:txBody>
+      </p:sp>
+      <p:sp>
+        <p:nvSpPr>
+          <p:cNvPr id="3" name="Content Placeholder 2"/>
+          <p:cNvSpPr>
+            <a:spLocks noGrp="1"/>
+          </p:cNvSpPr>
+          <p:nvPr>
+            <p:ph idx="1"/>
+          </p:nvPr>
+        </p:nvSpPr>
+        <p:spPr/>
+        <p:txBody>
+          <a:bodyPr>
+            <a:normAutofit fontScale="92500"/>
+          </a:bodyPr>
+          <a:lstStyle/>
+          <a:p>
+            <a:r>
+              <a:rPr lang="en-IN" b="1" i="1" dirty="0"/>
+              <a:t>Classes</a:t>
+            </a:r>
+            <a:r>
+              <a:rPr lang="en-IN" i="1" dirty="0"/>
+              <a:t> </a:t>
+            </a:r>
+            <a:r>
+              <a:rPr lang="en-IN" dirty="0"/>
+              <a:t>define entities that usually represent something in the </a:t>
+            </a:r>
+            <a:r>
+              <a:rPr lang="en-IN" dirty="0" smtClean="0"/>
+              <a:t>real world</a:t>
+            </a:r>
+            <a:r>
+              <a:rPr lang="en-IN" dirty="0"/>
+              <a:t>. They consist of a set of values that holds data and a set </a:t>
+            </a:r>
+            <a:r>
+              <a:rPr lang="en-IN" dirty="0" smtClean="0"/>
+              <a:t>of methods </a:t>
+            </a:r>
+            <a:r>
+              <a:rPr lang="en-IN" dirty="0"/>
+              <a:t>that operates on the data.</a:t>
+            </a:r>
+          </a:p>
+          <a:p>
+            <a:r>
+              <a:rPr lang="en-IN" dirty="0"/>
+              <a:t>An instance of a class is called an </a:t>
+            </a:r>
+            <a:r>
+              <a:rPr lang="en-IN" b="1" i="1" dirty="0"/>
+              <a:t>object</a:t>
+            </a:r>
+            <a:r>
+              <a:rPr lang="en-IN" dirty="0"/>
+              <a:t>, and it is allocated memory</a:t>
+            </a:r>
+            <a:r>
+              <a:rPr lang="en-IN" dirty="0" smtClean="0"/>
+              <a:t>. There </a:t>
+            </a:r>
+            <a:r>
+              <a:rPr lang="en-IN" dirty="0"/>
+              <a:t>can be multiple instances of a class.</a:t>
+            </a:r>
+          </a:p>
+          <a:p>
+            <a:r>
+              <a:rPr lang="en-IN" dirty="0"/>
+              <a:t>Classes can inherit data members and methods from </a:t>
+            </a:r>
+            <a:r>
+              <a:rPr lang="en-IN" dirty="0" smtClean="0"/>
+              <a:t>other classes</a:t>
+            </a:r>
+            <a:r>
+              <a:rPr lang="en-IN" dirty="0"/>
+              <a:t>. A class can directly inherit from only one class—the </a:t>
+            </a:r>
+            <a:r>
+              <a:rPr lang="en-IN" b="1" i="1" dirty="0"/>
+              <a:t>superclass</a:t>
+            </a:r>
+            <a:r>
+              <a:rPr lang="en-IN" dirty="0"/>
+              <a:t>.</a:t>
+            </a:r>
+          </a:p>
+          <a:p>
+            <a:r>
+              <a:rPr lang="en-IN" dirty="0"/>
+              <a:t>A class can have only one direct superclass. This </a:t>
+            </a:r>
+            <a:r>
+              <a:rPr lang="en-IN" dirty="0" smtClean="0"/>
+              <a:t>is called </a:t>
+            </a:r>
+            <a:r>
+              <a:rPr lang="en-IN" b="1" i="1" dirty="0"/>
+              <a:t>inheritance</a:t>
+            </a:r>
+            <a:r>
+              <a:rPr lang="en-IN" dirty="0"/>
+              <a:t>.</a:t>
+            </a:r>
+          </a:p>
+          <a:p>
+            <a:r>
+              <a:rPr lang="en-IN" dirty="0"/>
+              <a:t>When implementing a class, the inner details of the class </a:t>
+            </a:r>
+            <a:r>
+              <a:rPr lang="en-IN" dirty="0" smtClean="0"/>
+              <a:t>should be </a:t>
+            </a:r>
+            <a:r>
+              <a:rPr lang="en-IN" dirty="0"/>
+              <a:t>private and accessible only through public interfaces. This </a:t>
+            </a:r>
+            <a:r>
+              <a:rPr lang="en-IN" dirty="0" smtClean="0"/>
+              <a:t>is called </a:t>
+            </a:r>
+            <a:r>
+              <a:rPr lang="en-IN" b="1" i="1" dirty="0"/>
+              <a:t>encapsulation</a:t>
+            </a:r>
+            <a:r>
+              <a:rPr lang="en-IN" dirty="0"/>
+              <a:t>.</a:t>
+            </a:r>
+            <a:endParaRPr lang="en-IN" dirty="0"/>
+          </a:p>
+        </p:txBody>
+      </p:sp>
+    </p:spTree>
+    <p:extLst>
+      <p:ext uri="{BB962C8B-B14F-4D97-AF65-F5344CB8AC3E}">
+        <p14:creationId xmlns:p14="http://schemas.microsoft.com/office/powerpoint/2010/main" val="2126522128"/>
+      </p:ext>
+    </p:extLst>
+  </p:cSld>
+  <p:clrMapOvr>
+    <a:masterClrMapping/>
+  </p:clrMapOvr>
+</p:sld>
+</file>
+
+<file path=ppt/slides/slide64.xml><?xml version="1.0" encoding="utf-8"?>
+<p:sld xmlns:a="http://schemas.openxmlformats.org/drawingml/2006/main" xmlns:r="http://schemas.openxmlformats.org/officeDocument/2006/relationships" xmlns:p="http://schemas.openxmlformats.org/presentationml/2006/main">
+  <p:cSld>
+    <p:spTree>
+      <p:nvGrpSpPr>
+        <p:cNvPr id="1" name=""/>
+        <p:cNvGrpSpPr/>
+        <p:nvPr/>
+      </p:nvGrpSpPr>
+      <p:grpSpPr>
+        <a:xfrm>
+          <a:off x="0" y="0"/>
+          <a:ext cx="0" cy="0"/>
+          <a:chOff x="0" y="0"/>
+          <a:chExt cx="0" cy="0"/>
+        </a:xfrm>
+      </p:grpSpPr>
+      <p:sp>
+        <p:nvSpPr>
+          <p:cNvPr id="2" name="Title 1"/>
+          <p:cNvSpPr>
+            <a:spLocks noGrp="1"/>
+          </p:cNvSpPr>
+          <p:nvPr>
+            <p:ph type="title"/>
+          </p:nvPr>
+        </p:nvSpPr>
+        <p:spPr/>
+        <p:txBody>
+          <a:bodyPr/>
+          <a:lstStyle/>
+          <a:p>
+            <a:r>
+              <a:rPr lang="en-IN" dirty="0"/>
+              <a:t>Class Syntax</a:t>
+            </a:r>
+            <a:endParaRPr lang="en-IN" dirty="0"/>
+          </a:p>
+        </p:txBody>
+      </p:sp>
+      <p:sp>
+        <p:nvSpPr>
+          <p:cNvPr id="3" name="Content Placeholder 2"/>
+          <p:cNvSpPr>
+            <a:spLocks noGrp="1"/>
+          </p:cNvSpPr>
+          <p:nvPr>
+            <p:ph idx="1"/>
+          </p:nvPr>
+        </p:nvSpPr>
+        <p:spPr/>
+        <p:txBody>
+          <a:bodyPr>
+            <a:normAutofit/>
+          </a:bodyPr>
+          <a:lstStyle/>
+          <a:p>
+            <a:pPr marL="0" indent="0">
+              <a:buNone/>
+            </a:pPr>
+            <a:r>
+              <a:rPr lang="en-IN" dirty="0"/>
+              <a:t>A class has a class signature, optional constructors, data members</a:t>
+            </a:r>
+            <a:r>
+              <a:rPr lang="en-IN" dirty="0" smtClean="0"/>
+              <a:t>, and </a:t>
+            </a:r>
+            <a:r>
+              <a:rPr lang="en-IN" dirty="0"/>
+              <a:t>methods</a:t>
+            </a:r>
+            <a:r>
+              <a:rPr lang="en-IN" dirty="0" smtClean="0"/>
+              <a:t>:</a:t>
+            </a:r>
+          </a:p>
+          <a:p>
+            <a:pPr marL="0" indent="0">
+              <a:buNone/>
+            </a:pPr>
+            <a:endParaRPr lang="en-IN" dirty="0"/>
+          </a:p>
+          <a:p>
+            <a:pPr marL="457200" lvl="1" indent="0">
+              <a:buNone/>
+            </a:pPr>
+            <a:r>
+              <a:rPr lang="en-IN" sz="2800" dirty="0"/>
+              <a:t>[</a:t>
+            </a:r>
+            <a:r>
+              <a:rPr lang="en-IN" sz="2800" i="1" dirty="0" err="1"/>
+              <a:t>javaModifiers</a:t>
+            </a:r>
+            <a:r>
+              <a:rPr lang="en-IN" sz="2800" dirty="0"/>
+              <a:t>] </a:t>
+            </a:r>
+            <a:r>
+              <a:rPr lang="en-IN" sz="2800" b="1" dirty="0"/>
+              <a:t>class </a:t>
+            </a:r>
+            <a:r>
+              <a:rPr lang="en-IN" sz="2800" i="1" dirty="0" err="1" smtClean="0"/>
+              <a:t>className</a:t>
+            </a:r>
+            <a:r>
+              <a:rPr lang="en-IN" sz="2800" i="1" dirty="0" smtClean="0"/>
+              <a:t> </a:t>
+            </a:r>
+            <a:r>
+              <a:rPr lang="en-IN" sz="2800" dirty="0" smtClean="0"/>
+              <a:t>[</a:t>
+            </a:r>
+            <a:r>
+              <a:rPr lang="en-IN" sz="2800" b="1" dirty="0"/>
+              <a:t>extends </a:t>
+            </a:r>
+            <a:r>
+              <a:rPr lang="en-IN" sz="2800" i="1" dirty="0" err="1"/>
+              <a:t>someSuperClass</a:t>
+            </a:r>
+            <a:r>
+              <a:rPr lang="en-IN" sz="2800" dirty="0"/>
+              <a:t>]</a:t>
+            </a:r>
+          </a:p>
+          <a:p>
+            <a:pPr marL="914400" lvl="2" indent="0">
+              <a:buNone/>
+            </a:pPr>
+            <a:r>
+              <a:rPr lang="en-IN" sz="2800" dirty="0"/>
+              <a:t>[</a:t>
+            </a:r>
+            <a:r>
+              <a:rPr lang="en-IN" sz="2800" b="1" dirty="0"/>
+              <a:t>implements </a:t>
+            </a:r>
+            <a:r>
+              <a:rPr lang="en-IN" sz="2800" i="1" dirty="0" err="1"/>
+              <a:t>someInterfaces</a:t>
+            </a:r>
+            <a:r>
+              <a:rPr lang="en-IN" sz="2800" i="1" dirty="0"/>
+              <a:t> separated by commas</a:t>
+            </a:r>
+            <a:r>
+              <a:rPr lang="en-IN" sz="2800" dirty="0"/>
+              <a:t>] {</a:t>
+            </a:r>
+          </a:p>
+          <a:p>
+            <a:pPr marL="914400" lvl="2" indent="0">
+              <a:buNone/>
+            </a:pPr>
+            <a:r>
+              <a:rPr lang="en-IN" sz="2800" i="1" dirty="0"/>
+              <a:t>// Data member(s)</a:t>
+            </a:r>
+          </a:p>
+          <a:p>
+            <a:pPr marL="914400" lvl="2" indent="0">
+              <a:buNone/>
+            </a:pPr>
+            <a:r>
+              <a:rPr lang="en-IN" sz="2800" i="1" dirty="0"/>
+              <a:t>// Constructor(s)</a:t>
+            </a:r>
+          </a:p>
+          <a:p>
+            <a:pPr marL="914400" lvl="2" indent="0">
+              <a:buNone/>
+            </a:pPr>
+            <a:r>
+              <a:rPr lang="en-IN" sz="2800" i="1" dirty="0"/>
+              <a:t>// Method(s)</a:t>
+            </a:r>
+          </a:p>
+          <a:p>
+            <a:pPr marL="457200" lvl="1" indent="0">
+              <a:buNone/>
+            </a:pPr>
+            <a:r>
+              <a:rPr lang="en-IN" sz="2800" dirty="0" smtClean="0"/>
+              <a:t>}</a:t>
+            </a:r>
+            <a:endParaRPr lang="en-IN" sz="2800" dirty="0"/>
+          </a:p>
+        </p:txBody>
+      </p:sp>
+    </p:spTree>
+    <p:extLst>
+      <p:ext uri="{BB962C8B-B14F-4D97-AF65-F5344CB8AC3E}">
+        <p14:creationId xmlns:p14="http://schemas.microsoft.com/office/powerpoint/2010/main" val="132531005"/>
+      </p:ext>
+    </p:extLst>
+  </p:cSld>
+  <p:clrMapOvr>
+    <a:masterClrMapping/>
+  </p:clrMapOvr>
+</p:sld>
+</file>
+
+<file path=ppt/slides/slide65.xml><?xml version="1.0" encoding="utf-8"?>
+<p:sld xmlns:a="http://schemas.openxmlformats.org/drawingml/2006/main" xmlns:r="http://schemas.openxmlformats.org/officeDocument/2006/relationships" xmlns:p="http://schemas.openxmlformats.org/presentationml/2006/main">
+  <p:cSld>
+    <p:spTree>
+      <p:nvGrpSpPr>
+        <p:cNvPr id="1" name=""/>
+        <p:cNvGrpSpPr/>
+        <p:nvPr/>
+      </p:nvGrpSpPr>
+      <p:grpSpPr>
+        <a:xfrm>
+          <a:off x="0" y="0"/>
+          <a:ext cx="0" cy="0"/>
+          <a:chOff x="0" y="0"/>
+          <a:chExt cx="0" cy="0"/>
+        </a:xfrm>
+      </p:grpSpPr>
+      <p:sp>
+        <p:nvSpPr>
+          <p:cNvPr id="2" name="Title 1"/>
+          <p:cNvSpPr>
+            <a:spLocks noGrp="1"/>
+          </p:cNvSpPr>
+          <p:nvPr>
+            <p:ph type="title"/>
+          </p:nvPr>
+        </p:nvSpPr>
+        <p:spPr/>
+        <p:txBody>
+          <a:bodyPr/>
+          <a:lstStyle/>
+          <a:p>
+            <a:r>
+              <a:rPr lang="en-IN" dirty="0"/>
+              <a:t>Instantiating a Class (Creating an Object)</a:t>
+            </a:r>
+            <a:endParaRPr lang="en-IN" dirty="0"/>
+          </a:p>
+        </p:txBody>
+      </p:sp>
+      <p:sp>
+        <p:nvSpPr>
+          <p:cNvPr id="3" name="Content Placeholder 2"/>
+          <p:cNvSpPr>
+            <a:spLocks noGrp="1"/>
+          </p:cNvSpPr>
+          <p:nvPr>
+            <p:ph idx="1"/>
+          </p:nvPr>
+        </p:nvSpPr>
+        <p:spPr/>
+        <p:txBody>
+          <a:bodyPr>
+            <a:normAutofit fontScale="92500" lnSpcReduction="10000"/>
+          </a:bodyPr>
+          <a:lstStyle/>
+          <a:p>
+            <a:pPr marL="0" indent="0">
+              <a:buNone/>
+            </a:pPr>
+            <a:r>
+              <a:rPr lang="en-IN" dirty="0"/>
+              <a:t>An object is an instance of a class. Once instantiated, objects </a:t>
+            </a:r>
+            <a:r>
+              <a:rPr lang="en-IN" dirty="0" smtClean="0"/>
+              <a:t>have their </a:t>
+            </a:r>
+            <a:r>
+              <a:rPr lang="en-IN" dirty="0"/>
+              <a:t>own set of data members and methods</a:t>
+            </a:r>
+            <a:r>
+              <a:rPr lang="en-IN" dirty="0" smtClean="0"/>
+              <a:t>:</a:t>
+            </a:r>
+          </a:p>
+          <a:p>
+            <a:pPr marL="0" indent="0">
+              <a:buNone/>
+            </a:pPr>
+            <a:endParaRPr lang="en-IN" dirty="0"/>
+          </a:p>
+          <a:p>
+            <a:pPr marL="457200" lvl="1" indent="0">
+              <a:buNone/>
+            </a:pPr>
+            <a:r>
+              <a:rPr lang="en-IN" i="1" dirty="0"/>
+              <a:t>// Sample class definitions</a:t>
+            </a:r>
+          </a:p>
+          <a:p>
+            <a:pPr marL="457200" lvl="1" indent="0">
+              <a:buNone/>
+            </a:pPr>
+            <a:r>
+              <a:rPr lang="en-IN" b="1" dirty="0"/>
+              <a:t>public class Candidate </a:t>
+            </a:r>
+            <a:r>
+              <a:rPr lang="en-IN" dirty="0"/>
+              <a:t>{...}</a:t>
+            </a:r>
+          </a:p>
+          <a:p>
+            <a:pPr marL="457200" lvl="1" indent="0">
+              <a:buNone/>
+            </a:pPr>
+            <a:r>
+              <a:rPr lang="en-IN" b="1" dirty="0"/>
+              <a:t>class Stats extends </a:t>
+            </a:r>
+            <a:r>
+              <a:rPr lang="en-IN" dirty="0" err="1"/>
+              <a:t>ToolSet</a:t>
+            </a:r>
+            <a:r>
+              <a:rPr lang="en-IN" dirty="0"/>
+              <a:t> {...}</a:t>
+            </a:r>
+          </a:p>
+          <a:p>
+            <a:pPr marL="457200" lvl="1" indent="0">
+              <a:buNone/>
+            </a:pPr>
+            <a:r>
+              <a:rPr lang="en-IN" b="1" dirty="0"/>
+              <a:t>public class Report </a:t>
+            </a:r>
+            <a:r>
+              <a:rPr lang="en-IN" b="1" dirty="0" smtClean="0"/>
+              <a:t>extends </a:t>
+            </a:r>
+            <a:r>
+              <a:rPr lang="en-IN" dirty="0" err="1" smtClean="0"/>
+              <a:t>ToolSet</a:t>
+            </a:r>
+            <a:r>
+              <a:rPr lang="en-IN" dirty="0" smtClean="0"/>
+              <a:t> </a:t>
+            </a:r>
+            <a:r>
+              <a:rPr lang="en-IN" b="1" dirty="0" smtClean="0"/>
+              <a:t>implements </a:t>
+            </a:r>
+            <a:r>
+              <a:rPr lang="en-IN" dirty="0"/>
+              <a:t>Runnable </a:t>
+            </a:r>
+            <a:r>
+              <a:rPr lang="en-IN" dirty="0" smtClean="0"/>
+              <a:t>{...}</a:t>
+            </a:r>
+          </a:p>
+          <a:p>
+            <a:pPr marL="457200" lvl="1" indent="0">
+              <a:buNone/>
+            </a:pPr>
+            <a:endParaRPr lang="en-IN" dirty="0"/>
+          </a:p>
+          <a:p>
+            <a:pPr marL="0" indent="0">
+              <a:buNone/>
+            </a:pPr>
+            <a:r>
+              <a:rPr lang="en-IN" dirty="0"/>
+              <a:t>Separate objects of class </a:t>
+            </a:r>
+            <a:r>
+              <a:rPr lang="en-IN" sz="2400" b="1" dirty="0"/>
+              <a:t>Candidate</a:t>
+            </a:r>
+            <a:r>
+              <a:rPr lang="en-IN" sz="2400" dirty="0"/>
+              <a:t> </a:t>
+            </a:r>
+            <a:r>
+              <a:rPr lang="en-IN" dirty="0"/>
+              <a:t>are created (instantiated) </a:t>
+            </a:r>
+            <a:r>
+              <a:rPr lang="en-IN" dirty="0" smtClean="0"/>
+              <a:t>using the  keyword </a:t>
+            </a:r>
+            <a:r>
+              <a:rPr lang="en-IN" sz="2400" b="1" dirty="0" smtClean="0"/>
+              <a:t>new</a:t>
+            </a:r>
+            <a:r>
+              <a:rPr lang="en-IN" dirty="0" smtClean="0"/>
+              <a:t>:</a:t>
+            </a:r>
+            <a:endParaRPr lang="en-IN" dirty="0"/>
+          </a:p>
+          <a:p>
+            <a:pPr marL="457200" lvl="1" indent="0">
+              <a:buNone/>
+            </a:pPr>
+            <a:r>
+              <a:rPr lang="en-IN" dirty="0"/>
+              <a:t>Candidate candidate1 = </a:t>
+            </a:r>
+            <a:r>
+              <a:rPr lang="en-IN" b="1" dirty="0"/>
+              <a:t>new </a:t>
+            </a:r>
+            <a:r>
+              <a:rPr lang="en-IN" dirty="0"/>
+              <a:t>Candidate();</a:t>
+            </a:r>
+          </a:p>
+          <a:p>
+            <a:pPr marL="457200" lvl="1" indent="0">
+              <a:buNone/>
+            </a:pPr>
+            <a:r>
+              <a:rPr lang="en-IN" dirty="0"/>
+              <a:t>Candidate candidate2 = </a:t>
+            </a:r>
+            <a:r>
+              <a:rPr lang="en-IN" b="1" dirty="0"/>
+              <a:t>new </a:t>
+            </a:r>
+            <a:r>
+              <a:rPr lang="en-IN" dirty="0"/>
+              <a:t>Candidate();</a:t>
+            </a:r>
+            <a:endParaRPr lang="en-IN" dirty="0"/>
+          </a:p>
+        </p:txBody>
+      </p:sp>
+    </p:spTree>
+    <p:extLst>
+      <p:ext uri="{BB962C8B-B14F-4D97-AF65-F5344CB8AC3E}">
+        <p14:creationId xmlns:p14="http://schemas.microsoft.com/office/powerpoint/2010/main" val="1498155406"/>
+      </p:ext>
+    </p:extLst>
+  </p:cSld>
+  <p:clrMapOvr>
+    <a:masterClrMapping/>
+  </p:clrMapOvr>
+</p:sld>
+</file>
+
+<file path=ppt/slides/slide66.xml><?xml version="1.0" encoding="utf-8"?>
+<p:sld xmlns:a="http://schemas.openxmlformats.org/drawingml/2006/main" xmlns:r="http://schemas.openxmlformats.org/officeDocument/2006/relationships" xmlns:p="http://schemas.openxmlformats.org/presentationml/2006/main">
+  <p:cSld>
+    <p:spTree>
+      <p:nvGrpSpPr>
+        <p:cNvPr id="1" name=""/>
+        <p:cNvGrpSpPr/>
+        <p:nvPr/>
+      </p:nvGrpSpPr>
+      <p:grpSpPr>
+        <a:xfrm>
+          <a:off x="0" y="0"/>
+          <a:ext cx="0" cy="0"/>
+          <a:chOff x="0" y="0"/>
+          <a:chExt cx="0" cy="0"/>
+        </a:xfrm>
+      </p:grpSpPr>
+      <p:sp>
+        <p:nvSpPr>
+          <p:cNvPr id="2" name="Title 1"/>
+          <p:cNvSpPr>
+            <a:spLocks noGrp="1"/>
+          </p:cNvSpPr>
+          <p:nvPr>
+            <p:ph type="title"/>
+          </p:nvPr>
+        </p:nvSpPr>
+        <p:spPr/>
+        <p:txBody>
+          <a:bodyPr/>
+          <a:lstStyle/>
+          <a:p>
+            <a:r>
+              <a:rPr lang="en-IN" dirty="0"/>
+              <a:t>Data Members and Methods</a:t>
+            </a:r>
+            <a:endParaRPr lang="en-IN" dirty="0"/>
+          </a:p>
+        </p:txBody>
+      </p:sp>
+      <p:sp>
+        <p:nvSpPr>
+          <p:cNvPr id="3" name="Content Placeholder 2"/>
+          <p:cNvSpPr>
+            <a:spLocks noGrp="1"/>
+          </p:cNvSpPr>
+          <p:nvPr>
+            <p:ph idx="1"/>
+          </p:nvPr>
+        </p:nvSpPr>
+        <p:spPr/>
+        <p:txBody>
+          <a:bodyPr>
+            <a:normAutofit/>
+          </a:bodyPr>
+          <a:lstStyle/>
+          <a:p>
+            <a:pPr marL="0" indent="0">
+              <a:buNone/>
+            </a:pPr>
+            <a:r>
+              <a:rPr lang="en-IN" dirty="0"/>
+              <a:t>Data members, also known as fields, hold data about a class. </a:t>
+            </a:r>
+            <a:r>
+              <a:rPr lang="en-IN" dirty="0" smtClean="0"/>
+              <a:t>Data members </a:t>
+            </a:r>
+            <a:r>
+              <a:rPr lang="en-IN" dirty="0"/>
+              <a:t>that are </a:t>
+            </a:r>
+            <a:r>
+              <a:rPr lang="en-IN" dirty="0" smtClean="0"/>
+              <a:t>non-static </a:t>
+            </a:r>
+            <a:r>
+              <a:rPr lang="en-IN" dirty="0"/>
+              <a:t>are also called instance variables:</a:t>
+            </a:r>
+          </a:p>
+          <a:p>
+            <a:pPr marL="0" indent="0">
+              <a:buNone/>
+            </a:pPr>
+            <a:r>
+              <a:rPr lang="en-IN" dirty="0" smtClean="0"/>
+              <a:t>	[</a:t>
+            </a:r>
+            <a:r>
+              <a:rPr lang="en-IN" i="1" dirty="0" err="1"/>
+              <a:t>javaModifier</a:t>
+            </a:r>
+            <a:r>
+              <a:rPr lang="en-IN" i="1" dirty="0"/>
+              <a:t>] type </a:t>
+            </a:r>
+            <a:r>
+              <a:rPr lang="en-IN" i="1" dirty="0" err="1" smtClean="0"/>
+              <a:t>dataMemberName</a:t>
+            </a:r>
+            <a:endParaRPr lang="en-IN" i="1" dirty="0" smtClean="0"/>
+          </a:p>
+          <a:p>
+            <a:pPr marL="0" indent="0">
+              <a:buNone/>
+            </a:pPr>
+            <a:endParaRPr lang="en-IN" i="1" dirty="0"/>
+          </a:p>
+          <a:p>
+            <a:pPr marL="0" indent="0">
+              <a:buNone/>
+            </a:pPr>
+            <a:r>
+              <a:rPr lang="en-IN" dirty="0"/>
+              <a:t>Methods operate on class data</a:t>
+            </a:r>
+            <a:r>
+              <a:rPr lang="en-IN" dirty="0" smtClean="0"/>
+              <a:t>:</a:t>
+            </a:r>
+          </a:p>
+          <a:p>
+            <a:pPr marL="0" indent="0">
+              <a:buNone/>
+            </a:pPr>
+            <a:r>
+              <a:rPr lang="en-IN" dirty="0"/>
+              <a:t>	</a:t>
+            </a:r>
+            <a:r>
+              <a:rPr lang="en-IN" dirty="0"/>
+              <a:t>[</a:t>
+            </a:r>
+            <a:r>
+              <a:rPr lang="en-IN" i="1" dirty="0" err="1"/>
+              <a:t>javaModifiers</a:t>
+            </a:r>
+            <a:r>
+              <a:rPr lang="en-IN" i="1" dirty="0"/>
+              <a:t>] type </a:t>
+            </a:r>
+            <a:r>
+              <a:rPr lang="en-IN" i="1" dirty="0" err="1"/>
+              <a:t>methodName</a:t>
+            </a:r>
+            <a:r>
+              <a:rPr lang="en-IN" i="1" dirty="0"/>
+              <a:t> (</a:t>
+            </a:r>
+            <a:r>
+              <a:rPr lang="en-IN" i="1" dirty="0" err="1"/>
+              <a:t>parameterList</a:t>
+            </a:r>
+            <a:r>
+              <a:rPr lang="en-IN" dirty="0"/>
+              <a:t>)</a:t>
+            </a:r>
+          </a:p>
+          <a:p>
+            <a:pPr marL="914400" lvl="2" indent="0">
+              <a:buNone/>
+            </a:pPr>
+            <a:r>
+              <a:rPr lang="en-IN" sz="2800" dirty="0" smtClean="0"/>
+              <a:t>	[</a:t>
+            </a:r>
+            <a:r>
+              <a:rPr lang="en-IN" sz="2800" b="1" dirty="0"/>
+              <a:t>throws </a:t>
+            </a:r>
+            <a:r>
+              <a:rPr lang="en-IN" sz="2800" i="1" dirty="0" err="1"/>
+              <a:t>listOfExceptionsSeparatedByCommas</a:t>
+            </a:r>
+            <a:r>
+              <a:rPr lang="en-IN" sz="2800" dirty="0"/>
+              <a:t>] {</a:t>
+            </a:r>
+          </a:p>
+          <a:p>
+            <a:pPr marL="914400" lvl="2" indent="0">
+              <a:buNone/>
+            </a:pPr>
+            <a:r>
+              <a:rPr lang="en-IN" sz="2800" i="1" dirty="0" smtClean="0"/>
+              <a:t>	// </a:t>
+            </a:r>
+            <a:r>
+              <a:rPr lang="en-IN" sz="2800" i="1" dirty="0"/>
+              <a:t>Method body</a:t>
+            </a:r>
+          </a:p>
+          <a:p>
+            <a:pPr marL="914400" lvl="2" indent="0">
+              <a:buNone/>
+            </a:pPr>
+            <a:r>
+              <a:rPr lang="en-IN" sz="2800" dirty="0"/>
+              <a:t>}</a:t>
+            </a:r>
+            <a:endParaRPr lang="en-IN" sz="2800" dirty="0"/>
+          </a:p>
+        </p:txBody>
+      </p:sp>
+    </p:spTree>
+    <p:extLst>
+      <p:ext uri="{BB962C8B-B14F-4D97-AF65-F5344CB8AC3E}">
+        <p14:creationId xmlns:p14="http://schemas.microsoft.com/office/powerpoint/2010/main" val="759053114"/>
+      </p:ext>
+    </p:extLst>
+  </p:cSld>
+  <p:clrMapOvr>
+    <a:masterClrMapping/>
+  </p:clrMapOvr>
+</p:sld>
+</file>
+
+<file path=ppt/slides/slide67.xml><?xml version="1.0" encoding="utf-8"?>
+<p:sld xmlns:a="http://schemas.openxmlformats.org/drawingml/2006/main" xmlns:r="http://schemas.openxmlformats.org/officeDocument/2006/relationships" xmlns:p="http://schemas.openxmlformats.org/presentationml/2006/main">
+  <p:cSld>
+    <p:spTree>
+      <p:nvGrpSpPr>
+        <p:cNvPr id="1" name=""/>
+        <p:cNvGrpSpPr/>
+        <p:nvPr/>
+      </p:nvGrpSpPr>
+      <p:grpSpPr>
+        <a:xfrm>
+          <a:off x="0" y="0"/>
+          <a:ext cx="0" cy="0"/>
+          <a:chOff x="0" y="0"/>
+          <a:chExt cx="0" cy="0"/>
+        </a:xfrm>
+      </p:grpSpPr>
+      <p:sp>
+        <p:nvSpPr>
+          <p:cNvPr id="2" name="Title 1"/>
+          <p:cNvSpPr>
+            <a:spLocks noGrp="1"/>
+          </p:cNvSpPr>
+          <p:nvPr>
+            <p:ph type="title"/>
+          </p:nvPr>
+        </p:nvSpPr>
+        <p:spPr/>
+        <p:txBody>
+          <a:bodyPr/>
+          <a:lstStyle/>
+          <a:p>
+            <a:r>
+              <a:rPr lang="en-IN" dirty="0" smtClean="0"/>
+              <a:t>Continued…</a:t>
+            </a:r>
+            <a:endParaRPr lang="en-IN" dirty="0"/>
+          </a:p>
+        </p:txBody>
+      </p:sp>
+      <p:sp>
+        <p:nvSpPr>
+          <p:cNvPr id="3" name="Content Placeholder 2"/>
+          <p:cNvSpPr>
+            <a:spLocks noGrp="1"/>
+          </p:cNvSpPr>
+          <p:nvPr>
+            <p:ph idx="1"/>
+          </p:nvPr>
+        </p:nvSpPr>
+        <p:spPr/>
+        <p:txBody>
+          <a:bodyPr>
+            <a:normAutofit lnSpcReduction="10000"/>
+          </a:bodyPr>
+          <a:lstStyle/>
+          <a:p>
+            <a:pPr marL="0" indent="0">
+              <a:buNone/>
+            </a:pPr>
+            <a:r>
+              <a:rPr lang="en-IN" b="1" dirty="0"/>
+              <a:t>public class Candidate </a:t>
+            </a:r>
+            <a:r>
+              <a:rPr lang="en-IN" dirty="0"/>
+              <a:t>{</a:t>
+            </a:r>
+          </a:p>
+          <a:p>
+            <a:pPr marL="457200" lvl="1" indent="0">
+              <a:buNone/>
+            </a:pPr>
+            <a:r>
+              <a:rPr lang="en-IN" sz="2800" i="1" dirty="0"/>
+              <a:t>// Data members or fields</a:t>
+            </a:r>
+          </a:p>
+          <a:p>
+            <a:pPr marL="457200" lvl="1" indent="0">
+              <a:buNone/>
+            </a:pPr>
+            <a:r>
+              <a:rPr lang="en-IN" sz="2800" b="1" dirty="0"/>
+              <a:t>private </a:t>
+            </a:r>
+            <a:r>
+              <a:rPr lang="en-IN" sz="2800" dirty="0"/>
+              <a:t>String </a:t>
+            </a:r>
+            <a:r>
+              <a:rPr lang="en-IN" sz="2800" dirty="0" err="1"/>
+              <a:t>firstName</a:t>
+            </a:r>
+            <a:r>
+              <a:rPr lang="en-IN" sz="2800" dirty="0"/>
+              <a:t>;</a:t>
+            </a:r>
+          </a:p>
+          <a:p>
+            <a:pPr marL="457200" lvl="1" indent="0">
+              <a:buNone/>
+            </a:pPr>
+            <a:r>
+              <a:rPr lang="en-IN" sz="2800" b="1" dirty="0"/>
+              <a:t>private </a:t>
+            </a:r>
+            <a:r>
+              <a:rPr lang="en-IN" sz="2800" dirty="0"/>
+              <a:t>String </a:t>
+            </a:r>
+            <a:r>
+              <a:rPr lang="en-IN" sz="2800" dirty="0" err="1"/>
+              <a:t>lastName</a:t>
+            </a:r>
+            <a:r>
+              <a:rPr lang="en-IN" sz="2800" dirty="0"/>
+              <a:t>;</a:t>
+            </a:r>
+          </a:p>
+          <a:p>
+            <a:pPr marL="457200" lvl="1" indent="0">
+              <a:buNone/>
+            </a:pPr>
+            <a:r>
+              <a:rPr lang="en-IN" sz="2800" b="1" dirty="0"/>
+              <a:t>private </a:t>
+            </a:r>
+            <a:r>
+              <a:rPr lang="en-IN" sz="2800" b="1" dirty="0" err="1"/>
+              <a:t>int</a:t>
+            </a:r>
+            <a:r>
+              <a:rPr lang="en-IN" sz="2800" b="1" dirty="0"/>
+              <a:t> </a:t>
+            </a:r>
+            <a:r>
+              <a:rPr lang="en-IN" sz="2800" dirty="0"/>
+              <a:t>year</a:t>
+            </a:r>
+            <a:r>
+              <a:rPr lang="en-IN" sz="2800" dirty="0" smtClean="0"/>
+              <a:t>;</a:t>
+            </a:r>
+          </a:p>
+          <a:p>
+            <a:pPr marL="457200" lvl="1" indent="0">
+              <a:buNone/>
+            </a:pPr>
+            <a:endParaRPr lang="en-IN" sz="2800" dirty="0"/>
+          </a:p>
+          <a:p>
+            <a:pPr marL="457200" lvl="1" indent="0">
+              <a:buNone/>
+            </a:pPr>
+            <a:r>
+              <a:rPr lang="en-IN" sz="2800" i="1" dirty="0"/>
+              <a:t>// Methods</a:t>
+            </a:r>
+          </a:p>
+          <a:p>
+            <a:pPr marL="457200" lvl="1" indent="0">
+              <a:buNone/>
+            </a:pPr>
+            <a:r>
+              <a:rPr lang="en-IN" sz="2800" b="1" dirty="0"/>
+              <a:t>public void </a:t>
+            </a:r>
+            <a:r>
+              <a:rPr lang="en-IN" sz="2800" dirty="0" err="1"/>
+              <a:t>setYear</a:t>
+            </a:r>
+            <a:r>
+              <a:rPr lang="en-IN" sz="2800" dirty="0"/>
+              <a:t> (</a:t>
+            </a:r>
+            <a:r>
+              <a:rPr lang="en-IN" sz="2800" b="1" dirty="0" err="1"/>
+              <a:t>int</a:t>
+            </a:r>
+            <a:r>
+              <a:rPr lang="en-IN" sz="2800" b="1" dirty="0"/>
+              <a:t> </a:t>
+            </a:r>
+            <a:r>
+              <a:rPr lang="en-IN" sz="2800" dirty="0"/>
+              <a:t>y) { year = y; }</a:t>
+            </a:r>
+          </a:p>
+          <a:p>
+            <a:pPr marL="457200" lvl="1" indent="0">
+              <a:buNone/>
+            </a:pPr>
+            <a:r>
+              <a:rPr lang="en-IN" sz="2800" b="1" dirty="0"/>
+              <a:t>public </a:t>
+            </a:r>
+            <a:r>
+              <a:rPr lang="en-IN" sz="2800" dirty="0"/>
+              <a:t>String </a:t>
+            </a:r>
+            <a:r>
+              <a:rPr lang="en-IN" sz="2800" dirty="0" err="1"/>
+              <a:t>getLastName</a:t>
+            </a:r>
+            <a:r>
+              <a:rPr lang="en-IN" sz="2800" dirty="0"/>
+              <a:t>() {</a:t>
+            </a:r>
+            <a:r>
+              <a:rPr lang="en-IN" sz="2800" b="1" dirty="0"/>
+              <a:t>return </a:t>
+            </a:r>
+            <a:r>
+              <a:rPr lang="en-IN" sz="2800" dirty="0" err="1"/>
+              <a:t>lastName</a:t>
+            </a:r>
+            <a:r>
+              <a:rPr lang="en-IN" sz="2800" dirty="0"/>
+              <a:t>;}</a:t>
+            </a:r>
+          </a:p>
+          <a:p>
+            <a:pPr marL="0" indent="0">
+              <a:buNone/>
+            </a:pPr>
+            <a:r>
+              <a:rPr lang="en-IN" dirty="0"/>
+              <a:t>} </a:t>
+            </a:r>
+            <a:r>
+              <a:rPr lang="en-IN" i="1" dirty="0"/>
+              <a:t>// End class Candidate</a:t>
+            </a:r>
+            <a:endParaRPr lang="en-IN" dirty="0"/>
+          </a:p>
+        </p:txBody>
+      </p:sp>
+    </p:spTree>
+    <p:extLst>
+      <p:ext uri="{BB962C8B-B14F-4D97-AF65-F5344CB8AC3E}">
+        <p14:creationId xmlns:p14="http://schemas.microsoft.com/office/powerpoint/2010/main" val="2832709475"/>
+      </p:ext>
+    </p:extLst>
+  </p:cSld>
+  <p:clrMapOvr>
+    <a:masterClrMapping/>
+  </p:clrMapOvr>
+</p:sld>
+</file>
+
+<file path=ppt/slides/slide68.xml><?xml version="1.0" encoding="utf-8"?>
+<p:sld xmlns:a="http://schemas.openxmlformats.org/drawingml/2006/main" xmlns:r="http://schemas.openxmlformats.org/officeDocument/2006/relationships" xmlns:p="http://schemas.openxmlformats.org/presentationml/2006/main">
+  <p:cSld>
+    <p:spTree>
+      <p:nvGrpSpPr>
+        <p:cNvPr id="1" name=""/>
+        <p:cNvGrpSpPr/>
+        <p:nvPr/>
+      </p:nvGrpSpPr>
+      <p:grpSpPr>
+        <a:xfrm>
+          <a:off x="0" y="0"/>
+          <a:ext cx="0" cy="0"/>
+          <a:chOff x="0" y="0"/>
+          <a:chExt cx="0" cy="0"/>
+        </a:xfrm>
+      </p:grpSpPr>
+      <p:sp>
+        <p:nvSpPr>
+          <p:cNvPr id="2" name="Title 1"/>
+          <p:cNvSpPr>
+            <a:spLocks noGrp="1"/>
+          </p:cNvSpPr>
+          <p:nvPr>
+            <p:ph type="title"/>
+          </p:nvPr>
+        </p:nvSpPr>
+        <p:spPr/>
+        <p:txBody>
+          <a:bodyPr/>
+          <a:lstStyle/>
+          <a:p>
+            <a:r>
+              <a:rPr lang="en-IN" dirty="0"/>
+              <a:t>Accessing Data Members and Methods in Objects</a:t>
+            </a:r>
+            <a:endParaRPr lang="en-IN" dirty="0"/>
+          </a:p>
+        </p:txBody>
+      </p:sp>
+      <p:sp>
+        <p:nvSpPr>
+          <p:cNvPr id="3" name="Content Placeholder 2"/>
+          <p:cNvSpPr>
+            <a:spLocks noGrp="1"/>
+          </p:cNvSpPr>
+          <p:nvPr>
+            <p:ph idx="1"/>
+          </p:nvPr>
+        </p:nvSpPr>
+        <p:spPr/>
+        <p:txBody>
+          <a:bodyPr/>
+          <a:lstStyle/>
+          <a:p>
+            <a:pPr marL="0" indent="0">
+              <a:buNone/>
+            </a:pPr>
+            <a:r>
+              <a:rPr lang="en-IN" dirty="0"/>
+              <a:t>The dot operator (.) is used to access data members and </a:t>
+            </a:r>
+            <a:r>
+              <a:rPr lang="en-IN" dirty="0" smtClean="0"/>
+              <a:t>methods in </a:t>
+            </a:r>
+            <a:r>
+              <a:rPr lang="en-IN" dirty="0"/>
+              <a:t>objects. It is not necessary to use the dot operator when </a:t>
+            </a:r>
+            <a:r>
+              <a:rPr lang="en-IN" dirty="0" smtClean="0"/>
+              <a:t>accessing data </a:t>
+            </a:r>
+            <a:r>
+              <a:rPr lang="en-IN" dirty="0"/>
+              <a:t>members or methods from within an object:</a:t>
+            </a:r>
+          </a:p>
+          <a:p>
+            <a:pPr marL="457200" lvl="1" indent="0">
+              <a:buNone/>
+            </a:pPr>
+            <a:endParaRPr lang="en-IN" dirty="0" smtClean="0"/>
+          </a:p>
+          <a:p>
+            <a:pPr marL="457200" lvl="1" indent="0">
+              <a:buNone/>
+            </a:pPr>
+            <a:r>
+              <a:rPr lang="en-IN" sz="2800" dirty="0" smtClean="0"/>
+              <a:t>candidate1.setYear(2016</a:t>
+            </a:r>
+            <a:r>
+              <a:rPr lang="en-IN" sz="2800" dirty="0"/>
+              <a:t>);</a:t>
+            </a:r>
+          </a:p>
+          <a:p>
+            <a:pPr marL="457200" lvl="1" indent="0">
+              <a:buNone/>
+            </a:pPr>
+            <a:r>
+              <a:rPr lang="en-IN" sz="2800" dirty="0"/>
+              <a:t>String name = </a:t>
+            </a:r>
+            <a:r>
+              <a:rPr lang="en-IN" sz="2800" dirty="0" err="1"/>
+              <a:t>getFirstName</a:t>
+            </a:r>
+            <a:r>
+              <a:rPr lang="en-IN" sz="2800" dirty="0"/>
+              <a:t>() + </a:t>
+            </a:r>
+            <a:r>
+              <a:rPr lang="en-IN" sz="2800" dirty="0" err="1"/>
+              <a:t>getLastName</a:t>
+            </a:r>
+            <a:r>
+              <a:rPr lang="en-IN" sz="2800" dirty="0"/>
+              <a:t>();</a:t>
+            </a:r>
+            <a:endParaRPr lang="en-IN" sz="2800" dirty="0"/>
+          </a:p>
+        </p:txBody>
+      </p:sp>
+    </p:spTree>
+    <p:extLst>
+      <p:ext uri="{BB962C8B-B14F-4D97-AF65-F5344CB8AC3E}">
+        <p14:creationId xmlns:p14="http://schemas.microsoft.com/office/powerpoint/2010/main" val="3842928219"/>
+      </p:ext>
+    </p:extLst>
+  </p:cSld>
+  <p:clrMapOvr>
+    <a:masterClrMapping/>
+  </p:clrMapOvr>
+</p:sld>
+</file>
+
+<file path=ppt/slides/slide69.xml><?xml version="1.0" encoding="utf-8"?>
+<p:sld xmlns:a="http://schemas.openxmlformats.org/drawingml/2006/main" xmlns:r="http://schemas.openxmlformats.org/officeDocument/2006/relationships" xmlns:p="http://schemas.openxmlformats.org/presentationml/2006/main">
+  <p:cSld>
+    <p:spTree>
+      <p:nvGrpSpPr>
+        <p:cNvPr id="1" name=""/>
+        <p:cNvGrpSpPr/>
+        <p:nvPr/>
+      </p:nvGrpSpPr>
+      <p:grpSpPr>
+        <a:xfrm>
+          <a:off x="0" y="0"/>
+          <a:ext cx="0" cy="0"/>
+          <a:chOff x="0" y="0"/>
+          <a:chExt cx="0" cy="0"/>
+        </a:xfrm>
+      </p:grpSpPr>
+      <p:sp>
+        <p:nvSpPr>
+          <p:cNvPr id="2" name="Title 1"/>
+          <p:cNvSpPr>
+            <a:spLocks noGrp="1"/>
+          </p:cNvSpPr>
+          <p:nvPr>
+            <p:ph type="title"/>
+          </p:nvPr>
+        </p:nvSpPr>
+        <p:spPr/>
+        <p:txBody>
+          <a:bodyPr/>
+          <a:lstStyle/>
+          <a:p>
+            <a:r>
+              <a:rPr lang="en-IN" dirty="0"/>
+              <a:t>Overloading</a:t>
+            </a:r>
+            <a:endParaRPr lang="en-IN" dirty="0"/>
+          </a:p>
+        </p:txBody>
+      </p:sp>
+      <p:sp>
+        <p:nvSpPr>
+          <p:cNvPr id="3" name="Content Placeholder 2"/>
+          <p:cNvSpPr>
+            <a:spLocks noGrp="1"/>
+          </p:cNvSpPr>
+          <p:nvPr>
+            <p:ph idx="1"/>
+          </p:nvPr>
+        </p:nvSpPr>
+        <p:spPr>
+          <a:xfrm>
+            <a:off x="838200" y="1352282"/>
+            <a:ext cx="10515600" cy="5306095"/>
+          </a:xfrm>
+        </p:spPr>
+        <p:txBody>
+          <a:bodyPr>
+            <a:normAutofit fontScale="92500" lnSpcReduction="10000"/>
+          </a:bodyPr>
+          <a:lstStyle/>
+          <a:p>
+            <a:pPr marL="0" indent="0">
+              <a:buNone/>
+            </a:pPr>
+            <a:r>
+              <a:rPr lang="en-IN" dirty="0"/>
+              <a:t>Methods, including constructors, can be overloaded. </a:t>
+            </a:r>
+            <a:r>
+              <a:rPr lang="en-IN" dirty="0" smtClean="0"/>
+              <a:t>Overloading means </a:t>
+            </a:r>
+            <a:r>
+              <a:rPr lang="en-IN" dirty="0"/>
+              <a:t>that two or more methods have the same name </a:t>
+            </a:r>
+            <a:r>
+              <a:rPr lang="en-IN" dirty="0" smtClean="0"/>
+              <a:t>but different </a:t>
+            </a:r>
+            <a:r>
+              <a:rPr lang="en-IN" dirty="0"/>
+              <a:t>signatures (parameters and return values</a:t>
+            </a:r>
+            <a:r>
+              <a:rPr lang="en-IN" dirty="0" smtClean="0"/>
+              <a:t>).</a:t>
+            </a:r>
+          </a:p>
+          <a:p>
+            <a:pPr marL="0" indent="0">
+              <a:buNone/>
+            </a:pPr>
+            <a:endParaRPr lang="en-IN" dirty="0" smtClean="0"/>
+          </a:p>
+          <a:p>
+            <a:pPr marL="0" indent="0">
+              <a:buNone/>
+            </a:pPr>
+            <a:r>
+              <a:rPr lang="en-IN" dirty="0" smtClean="0"/>
+              <a:t>Note that overloaded </a:t>
+            </a:r>
+            <a:r>
+              <a:rPr lang="en-IN" dirty="0"/>
+              <a:t>methods must have different parameters, and </a:t>
+            </a:r>
+            <a:r>
+              <a:rPr lang="en-IN" dirty="0" smtClean="0"/>
+              <a:t>they may </a:t>
+            </a:r>
+            <a:r>
+              <a:rPr lang="en-IN" dirty="0"/>
+              <a:t>have different return types; but having only different </a:t>
+            </a:r>
+            <a:r>
+              <a:rPr lang="en-IN" dirty="0" smtClean="0"/>
+              <a:t>return types </a:t>
+            </a:r>
+            <a:r>
+              <a:rPr lang="en-IN" dirty="0"/>
+              <a:t>is not overloading. The access modifiers of </a:t>
+            </a:r>
+            <a:r>
+              <a:rPr lang="en-IN" dirty="0" smtClean="0"/>
+              <a:t>overloaded methods </a:t>
+            </a:r>
+            <a:r>
+              <a:rPr lang="en-IN" dirty="0"/>
+              <a:t>can be different</a:t>
+            </a:r>
+            <a:r>
+              <a:rPr lang="en-IN" dirty="0" smtClean="0"/>
+              <a:t>:</a:t>
+            </a:r>
+          </a:p>
+          <a:p>
+            <a:pPr marL="0" indent="0">
+              <a:buNone/>
+            </a:pPr>
+            <a:endParaRPr lang="en-IN" dirty="0" smtClean="0"/>
+          </a:p>
+          <a:p>
+            <a:pPr marL="914400" lvl="2" indent="0">
+              <a:buNone/>
+            </a:pPr>
+            <a:r>
+              <a:rPr lang="en-IN" sz="3000" b="1" dirty="0"/>
+              <a:t>public class </a:t>
+            </a:r>
+            <a:r>
+              <a:rPr lang="en-IN" sz="3000" b="1" dirty="0" err="1"/>
+              <a:t>VotingMachine</a:t>
+            </a:r>
+            <a:r>
+              <a:rPr lang="en-IN" sz="3000" b="1" dirty="0"/>
+              <a:t> </a:t>
+            </a:r>
+            <a:r>
+              <a:rPr lang="en-IN" sz="3000" dirty="0"/>
+              <a:t>{</a:t>
+            </a:r>
+          </a:p>
+          <a:p>
+            <a:pPr marL="914400" lvl="2" indent="0">
+              <a:buNone/>
+            </a:pPr>
+            <a:r>
+              <a:rPr lang="en-IN" sz="3000" dirty="0"/>
+              <a:t>...</a:t>
+            </a:r>
+          </a:p>
+          <a:p>
+            <a:pPr marL="914400" lvl="2" indent="0">
+              <a:buNone/>
+            </a:pPr>
+            <a:r>
+              <a:rPr lang="en-IN" sz="3000" b="1" dirty="0"/>
+              <a:t>public void </a:t>
+            </a:r>
+            <a:r>
+              <a:rPr lang="en-IN" sz="3000" dirty="0" err="1"/>
+              <a:t>startUp</a:t>
+            </a:r>
+            <a:r>
+              <a:rPr lang="en-IN" sz="3000" dirty="0"/>
+              <a:t>() {...}</a:t>
+            </a:r>
+          </a:p>
+          <a:p>
+            <a:pPr marL="914400" lvl="2" indent="0">
+              <a:buNone/>
+            </a:pPr>
+            <a:r>
+              <a:rPr lang="en-IN" sz="3000" b="1" dirty="0"/>
+              <a:t>private void </a:t>
+            </a:r>
+            <a:r>
+              <a:rPr lang="en-IN" sz="3000" dirty="0" err="1"/>
+              <a:t>startUp</a:t>
+            </a:r>
+            <a:r>
+              <a:rPr lang="en-IN" sz="3000" dirty="0"/>
+              <a:t>(</a:t>
+            </a:r>
+            <a:r>
+              <a:rPr lang="en-IN" sz="3000" b="1" dirty="0" err="1"/>
+              <a:t>int</a:t>
+            </a:r>
+            <a:r>
+              <a:rPr lang="en-IN" sz="3000" b="1" dirty="0"/>
+              <a:t> </a:t>
+            </a:r>
+            <a:r>
+              <a:rPr lang="en-IN" sz="3000" dirty="0"/>
+              <a:t>delay) {...}</a:t>
+            </a:r>
+          </a:p>
+          <a:p>
+            <a:pPr marL="914400" lvl="2" indent="0">
+              <a:buNone/>
+            </a:pPr>
+            <a:r>
+              <a:rPr lang="en-IN" sz="3000" dirty="0"/>
+              <a:t>}</a:t>
+            </a:r>
+            <a:endParaRPr lang="en-IN" sz="3000" dirty="0"/>
+          </a:p>
+        </p:txBody>
+      </p:sp>
+    </p:spTree>
+    <p:extLst>
+      <p:ext uri="{BB962C8B-B14F-4D97-AF65-F5344CB8AC3E}">
+        <p14:creationId xmlns:p14="http://schemas.microsoft.com/office/powerpoint/2010/main" val="3240160941"/>
+      </p:ext>
+    </p:extLst>
+  </p:cSld>
+  <p:clrMapOvr>
+    <a:masterClrMapping/>
+  </p:clrMapOvr>
+</p:sld>
+</file>
+
 <file path=ppt/slides/slide7.xml><?xml version="1.0" encoding="utf-8"?>
 <p:sld xmlns:a="http://schemas.openxmlformats.org/drawingml/2006/main" xmlns:r="http://schemas.openxmlformats.org/officeDocument/2006/relationships" xmlns:p="http://schemas.openxmlformats.org/presentationml/2006/main">
   <p:cSld>
@@ -8697,6 +14802,959 @@
     <p:extLst>
       <p:ext uri="{BB962C8B-B14F-4D97-AF65-F5344CB8AC3E}">
         <p14:creationId xmlns:p14="http://schemas.microsoft.com/office/powerpoint/2010/main" val="771650423"/>
+      </p:ext>
+    </p:extLst>
+  </p:cSld>
+  <p:clrMapOvr>
+    <a:masterClrMapping/>
+  </p:clrMapOvr>
+</p:sld>
+</file>
+
+<file path=ppt/slides/slide70.xml><?xml version="1.0" encoding="utf-8"?>
+<p:sld xmlns:a="http://schemas.openxmlformats.org/drawingml/2006/main" xmlns:r="http://schemas.openxmlformats.org/officeDocument/2006/relationships" xmlns:p="http://schemas.openxmlformats.org/presentationml/2006/main">
+  <p:cSld>
+    <p:spTree>
+      <p:nvGrpSpPr>
+        <p:cNvPr id="1" name=""/>
+        <p:cNvGrpSpPr/>
+        <p:nvPr/>
+      </p:nvGrpSpPr>
+      <p:grpSpPr>
+        <a:xfrm>
+          <a:off x="0" y="0"/>
+          <a:ext cx="0" cy="0"/>
+          <a:chOff x="0" y="0"/>
+          <a:chExt cx="0" cy="0"/>
+        </a:xfrm>
+      </p:grpSpPr>
+      <p:sp>
+        <p:nvSpPr>
+          <p:cNvPr id="2" name="Title 1"/>
+          <p:cNvSpPr>
+            <a:spLocks noGrp="1"/>
+          </p:cNvSpPr>
+          <p:nvPr>
+            <p:ph type="title"/>
+          </p:nvPr>
+        </p:nvSpPr>
+        <p:spPr/>
+        <p:txBody>
+          <a:bodyPr/>
+          <a:lstStyle/>
+          <a:p>
+            <a:r>
+              <a:rPr lang="en-IN" dirty="0" smtClean="0"/>
+              <a:t>Continued…</a:t>
+            </a:r>
+            <a:endParaRPr lang="en-IN" dirty="0"/>
+          </a:p>
+        </p:txBody>
+      </p:sp>
+      <p:sp>
+        <p:nvSpPr>
+          <p:cNvPr id="3" name="Content Placeholder 2"/>
+          <p:cNvSpPr>
+            <a:spLocks noGrp="1"/>
+          </p:cNvSpPr>
+          <p:nvPr>
+            <p:ph idx="1"/>
+          </p:nvPr>
+        </p:nvSpPr>
+        <p:spPr/>
+        <p:txBody>
+          <a:bodyPr/>
+          <a:lstStyle/>
+          <a:p>
+            <a:pPr marL="0" indent="0">
+              <a:buNone/>
+            </a:pPr>
+            <a:r>
+              <a:rPr lang="en-IN" dirty="0"/>
+              <a:t>When a method is overloaded, it is permissible for each of </a:t>
+            </a:r>
+            <a:r>
+              <a:rPr lang="en-IN" dirty="0" smtClean="0"/>
+              <a:t>its signatures </a:t>
+            </a:r>
+            <a:r>
+              <a:rPr lang="en-IN" dirty="0"/>
+              <a:t>to throw different checked exceptions</a:t>
+            </a:r>
+            <a:r>
+              <a:rPr lang="en-IN" dirty="0" smtClean="0"/>
+              <a:t>:</a:t>
+            </a:r>
+          </a:p>
+          <a:p>
+            <a:pPr marL="0" indent="0">
+              <a:buNone/>
+            </a:pPr>
+            <a:endParaRPr lang="en-IN" dirty="0"/>
+          </a:p>
+          <a:p>
+            <a:pPr marL="0" indent="0">
+              <a:buNone/>
+            </a:pPr>
+            <a:r>
+              <a:rPr lang="en-IN" b="1" dirty="0"/>
+              <a:t>private </a:t>
+            </a:r>
+            <a:r>
+              <a:rPr lang="en-IN" dirty="0"/>
+              <a:t>String </a:t>
+            </a:r>
+            <a:r>
+              <a:rPr lang="en-IN" dirty="0" err="1"/>
+              <a:t>startUp</a:t>
+            </a:r>
+            <a:r>
+              <a:rPr lang="en-IN" dirty="0"/>
+              <a:t>(District d) </a:t>
+            </a:r>
+            <a:r>
+              <a:rPr lang="en-IN" b="1" dirty="0"/>
+              <a:t>throws new</a:t>
+            </a:r>
+          </a:p>
+          <a:p>
+            <a:pPr marL="0" indent="0">
+              <a:buNone/>
+            </a:pPr>
+            <a:r>
+              <a:rPr lang="en-IN" dirty="0" err="1"/>
+              <a:t>IOException</a:t>
+            </a:r>
+            <a:r>
+              <a:rPr lang="en-IN" dirty="0"/>
+              <a:t> {...}</a:t>
+            </a:r>
+            <a:endParaRPr lang="en-IN" dirty="0"/>
+          </a:p>
+        </p:txBody>
+      </p:sp>
+    </p:spTree>
+    <p:extLst>
+      <p:ext uri="{BB962C8B-B14F-4D97-AF65-F5344CB8AC3E}">
+        <p14:creationId xmlns:p14="http://schemas.microsoft.com/office/powerpoint/2010/main" val="2642322785"/>
+      </p:ext>
+    </p:extLst>
+  </p:cSld>
+  <p:clrMapOvr>
+    <a:masterClrMapping/>
+  </p:clrMapOvr>
+</p:sld>
+</file>
+
+<file path=ppt/slides/slide71.xml><?xml version="1.0" encoding="utf-8"?>
+<p:sld xmlns:a="http://schemas.openxmlformats.org/drawingml/2006/main" xmlns:r="http://schemas.openxmlformats.org/officeDocument/2006/relationships" xmlns:p="http://schemas.openxmlformats.org/presentationml/2006/main">
+  <p:cSld>
+    <p:spTree>
+      <p:nvGrpSpPr>
+        <p:cNvPr id="1" name=""/>
+        <p:cNvGrpSpPr/>
+        <p:nvPr/>
+      </p:nvGrpSpPr>
+      <p:grpSpPr>
+        <a:xfrm>
+          <a:off x="0" y="0"/>
+          <a:ext cx="0" cy="0"/>
+          <a:chOff x="0" y="0"/>
+          <a:chExt cx="0" cy="0"/>
+        </a:xfrm>
+      </p:grpSpPr>
+      <p:sp>
+        <p:nvSpPr>
+          <p:cNvPr id="2" name="Title 1"/>
+          <p:cNvSpPr>
+            <a:spLocks noGrp="1"/>
+          </p:cNvSpPr>
+          <p:nvPr>
+            <p:ph type="title"/>
+          </p:nvPr>
+        </p:nvSpPr>
+        <p:spPr/>
+        <p:txBody>
+          <a:bodyPr/>
+          <a:lstStyle/>
+          <a:p>
+            <a:r>
+              <a:rPr lang="en-IN" dirty="0"/>
+              <a:t>Overriding</a:t>
+            </a:r>
+            <a:endParaRPr lang="en-IN" dirty="0"/>
+          </a:p>
+        </p:txBody>
+      </p:sp>
+      <p:sp>
+        <p:nvSpPr>
+          <p:cNvPr id="3" name="Content Placeholder 2"/>
+          <p:cNvSpPr>
+            <a:spLocks noGrp="1"/>
+          </p:cNvSpPr>
+          <p:nvPr>
+            <p:ph idx="1"/>
+          </p:nvPr>
+        </p:nvSpPr>
+        <p:spPr/>
+        <p:txBody>
+          <a:bodyPr>
+            <a:normAutofit fontScale="70000" lnSpcReduction="20000"/>
+          </a:bodyPr>
+          <a:lstStyle/>
+          <a:p>
+            <a:pPr marL="0" indent="0">
+              <a:buNone/>
+            </a:pPr>
+            <a:r>
+              <a:rPr lang="en-IN" dirty="0"/>
+              <a:t>A subclass can override the methods it inherits. When overridden</a:t>
+            </a:r>
+            <a:r>
+              <a:rPr lang="en-IN" dirty="0" smtClean="0"/>
+              <a:t>, a </a:t>
+            </a:r>
+            <a:r>
+              <a:rPr lang="en-IN" dirty="0"/>
+              <a:t>method contains the same signature (name and parameters</a:t>
+            </a:r>
+            <a:r>
+              <a:rPr lang="en-IN" dirty="0" smtClean="0"/>
+              <a:t>) as </a:t>
+            </a:r>
+            <a:r>
+              <a:rPr lang="en-IN" dirty="0"/>
+              <a:t>a method in its superclass, but it has different </a:t>
+            </a:r>
+            <a:r>
+              <a:rPr lang="en-IN" dirty="0" smtClean="0"/>
+              <a:t>implementation details</a:t>
+            </a:r>
+            <a:r>
+              <a:rPr lang="en-IN" dirty="0"/>
+              <a:t>.</a:t>
+            </a:r>
+          </a:p>
+          <a:p>
+            <a:pPr marL="0" indent="0">
+              <a:buNone/>
+            </a:pPr>
+            <a:r>
+              <a:rPr lang="en-IN" dirty="0"/>
+              <a:t>The method </a:t>
+            </a:r>
+            <a:r>
+              <a:rPr lang="en-IN" dirty="0" err="1"/>
+              <a:t>startUp</a:t>
+            </a:r>
+            <a:r>
+              <a:rPr lang="en-IN" dirty="0"/>
+              <a:t>() in superclass Display is overridden </a:t>
+            </a:r>
+            <a:r>
+              <a:rPr lang="en-IN" dirty="0" smtClean="0"/>
+              <a:t>in class </a:t>
+            </a:r>
+            <a:r>
+              <a:rPr lang="en-IN" dirty="0" err="1"/>
+              <a:t>TouchScreenDisplay</a:t>
+            </a:r>
+            <a:r>
+              <a:rPr lang="en-IN" dirty="0" smtClean="0"/>
+              <a:t>:</a:t>
+            </a:r>
+          </a:p>
+          <a:p>
+            <a:pPr marL="0" indent="0">
+              <a:buNone/>
+            </a:pPr>
+            <a:endParaRPr lang="en-IN" dirty="0"/>
+          </a:p>
+          <a:p>
+            <a:pPr marL="0" indent="0">
+              <a:buNone/>
+            </a:pPr>
+            <a:r>
+              <a:rPr lang="en-IN" sz="2600" b="1" dirty="0"/>
+              <a:t>public class Display </a:t>
+            </a:r>
+            <a:r>
+              <a:rPr lang="en-IN" sz="2600" dirty="0"/>
+              <a:t>{</a:t>
+            </a:r>
+          </a:p>
+          <a:p>
+            <a:pPr marL="457200" lvl="1" indent="0">
+              <a:buNone/>
+            </a:pPr>
+            <a:r>
+              <a:rPr lang="en-IN" sz="2600" b="1" dirty="0"/>
+              <a:t>void </a:t>
+            </a:r>
+            <a:r>
+              <a:rPr lang="en-IN" sz="2600" dirty="0" err="1"/>
+              <a:t>startUp</a:t>
+            </a:r>
+            <a:r>
+              <a:rPr lang="en-IN" sz="2600" dirty="0"/>
+              <a:t>(){</a:t>
+            </a:r>
+          </a:p>
+          <a:p>
+            <a:pPr marL="457200" lvl="1" indent="0">
+              <a:buNone/>
+            </a:pPr>
+            <a:r>
+              <a:rPr lang="en-IN" sz="2600" dirty="0" smtClean="0"/>
+              <a:t>	</a:t>
+            </a:r>
+            <a:r>
+              <a:rPr lang="en-IN" sz="2600" dirty="0" err="1" smtClean="0"/>
+              <a:t>System.out.println</a:t>
+            </a:r>
+            <a:r>
+              <a:rPr lang="en-IN" sz="2600" dirty="0"/>
+              <a:t>("Using base display.");</a:t>
+            </a:r>
+          </a:p>
+          <a:p>
+            <a:pPr marL="457200" lvl="1" indent="0">
+              <a:buNone/>
+            </a:pPr>
+            <a:r>
+              <a:rPr lang="en-IN" sz="2600" dirty="0" smtClean="0"/>
+              <a:t>}</a:t>
+            </a:r>
+            <a:endParaRPr lang="en-IN" sz="2600" dirty="0"/>
+          </a:p>
+          <a:p>
+            <a:pPr marL="0" indent="0">
+              <a:buNone/>
+            </a:pPr>
+            <a:r>
+              <a:rPr lang="en-IN" sz="2600" dirty="0" smtClean="0"/>
+              <a:t>}</a:t>
+            </a:r>
+          </a:p>
+          <a:p>
+            <a:pPr marL="0" indent="0">
+              <a:buNone/>
+            </a:pPr>
+            <a:r>
+              <a:rPr lang="en-IN" sz="2600" b="1" dirty="0" smtClean="0"/>
+              <a:t>public </a:t>
+            </a:r>
+            <a:r>
+              <a:rPr lang="en-IN" sz="2600" b="1" dirty="0"/>
+              <a:t>class </a:t>
+            </a:r>
+            <a:r>
+              <a:rPr lang="en-IN" sz="2600" b="1" dirty="0" err="1"/>
+              <a:t>TouchScreenDisplay</a:t>
+            </a:r>
+            <a:r>
+              <a:rPr lang="en-IN" sz="2600" b="1" dirty="0"/>
+              <a:t> extends </a:t>
+            </a:r>
+            <a:r>
+              <a:rPr lang="en-IN" sz="2600" dirty="0"/>
+              <a:t>Display {</a:t>
+            </a:r>
+          </a:p>
+          <a:p>
+            <a:pPr marL="457200" lvl="1" indent="0">
+              <a:buNone/>
+            </a:pPr>
+            <a:r>
+              <a:rPr lang="en-IN" sz="2600" b="1" dirty="0" smtClean="0"/>
+              <a:t>void </a:t>
+            </a:r>
+            <a:r>
+              <a:rPr lang="en-IN" sz="2600" dirty="0" err="1"/>
+              <a:t>startUp</a:t>
+            </a:r>
+            <a:r>
+              <a:rPr lang="en-IN" sz="2600" dirty="0"/>
+              <a:t>() {</a:t>
+            </a:r>
+          </a:p>
+          <a:p>
+            <a:pPr marL="457200" lvl="1" indent="0">
+              <a:buNone/>
+            </a:pPr>
+            <a:r>
+              <a:rPr lang="en-IN" sz="2600" dirty="0" smtClean="0"/>
+              <a:t>	</a:t>
+            </a:r>
+            <a:r>
+              <a:rPr lang="en-IN" sz="2600" dirty="0" err="1" smtClean="0"/>
+              <a:t>System.out.println</a:t>
+            </a:r>
+            <a:r>
+              <a:rPr lang="en-IN" sz="2600" dirty="0"/>
+              <a:t>("Using new display</a:t>
+            </a:r>
+            <a:r>
+              <a:rPr lang="en-IN" sz="2600" dirty="0" smtClean="0"/>
+              <a:t>.");	</a:t>
+            </a:r>
+          </a:p>
+          <a:p>
+            <a:pPr marL="457200" lvl="1" indent="0">
+              <a:buNone/>
+            </a:pPr>
+            <a:r>
+              <a:rPr lang="en-IN" sz="2600" dirty="0"/>
+              <a:t>}</a:t>
+            </a:r>
+            <a:endParaRPr lang="en-IN" sz="2600" dirty="0"/>
+          </a:p>
+          <a:p>
+            <a:pPr marL="0" indent="0">
+              <a:buNone/>
+            </a:pPr>
+            <a:r>
+              <a:rPr lang="en-IN" sz="2600" dirty="0"/>
+              <a:t>}</a:t>
+            </a:r>
+            <a:endParaRPr lang="en-IN" sz="2600" dirty="0"/>
+          </a:p>
+        </p:txBody>
+      </p:sp>
+    </p:spTree>
+    <p:extLst>
+      <p:ext uri="{BB962C8B-B14F-4D97-AF65-F5344CB8AC3E}">
+        <p14:creationId xmlns:p14="http://schemas.microsoft.com/office/powerpoint/2010/main" val="2147826998"/>
+      </p:ext>
+    </p:extLst>
+  </p:cSld>
+  <p:clrMapOvr>
+    <a:masterClrMapping/>
+  </p:clrMapOvr>
+</p:sld>
+</file>
+
+<file path=ppt/slides/slide72.xml><?xml version="1.0" encoding="utf-8"?>
+<p:sld xmlns:a="http://schemas.openxmlformats.org/drawingml/2006/main" xmlns:r="http://schemas.openxmlformats.org/officeDocument/2006/relationships" xmlns:p="http://schemas.openxmlformats.org/presentationml/2006/main">
+  <p:cSld>
+    <p:spTree>
+      <p:nvGrpSpPr>
+        <p:cNvPr id="1" name=""/>
+        <p:cNvGrpSpPr/>
+        <p:nvPr/>
+      </p:nvGrpSpPr>
+      <p:grpSpPr>
+        <a:xfrm>
+          <a:off x="0" y="0"/>
+          <a:ext cx="0" cy="0"/>
+          <a:chOff x="0" y="0"/>
+          <a:chExt cx="0" cy="0"/>
+        </a:xfrm>
+      </p:grpSpPr>
+      <p:sp>
+        <p:nvSpPr>
+          <p:cNvPr id="2" name="Title 1"/>
+          <p:cNvSpPr>
+            <a:spLocks noGrp="1"/>
+          </p:cNvSpPr>
+          <p:nvPr>
+            <p:ph type="title"/>
+          </p:nvPr>
+        </p:nvSpPr>
+        <p:spPr/>
+        <p:txBody>
+          <a:bodyPr/>
+          <a:lstStyle/>
+          <a:p>
+            <a:r>
+              <a:rPr lang="en-IN" dirty="0" smtClean="0"/>
+              <a:t>Continued…</a:t>
+            </a:r>
+            <a:endParaRPr lang="en-IN" dirty="0"/>
+          </a:p>
+        </p:txBody>
+      </p:sp>
+      <p:sp>
+        <p:nvSpPr>
+          <p:cNvPr id="3" name="Content Placeholder 2"/>
+          <p:cNvSpPr>
+            <a:spLocks noGrp="1"/>
+          </p:cNvSpPr>
+          <p:nvPr>
+            <p:ph idx="1"/>
+          </p:nvPr>
+        </p:nvSpPr>
+        <p:spPr/>
+        <p:txBody>
+          <a:bodyPr>
+            <a:normAutofit/>
+          </a:bodyPr>
+          <a:lstStyle/>
+          <a:p>
+            <a:pPr marL="0" indent="0">
+              <a:buNone/>
+            </a:pPr>
+            <a:r>
+              <a:rPr lang="en-IN" dirty="0"/>
+              <a:t>Rules regarding overriding methods include the following:</a:t>
+            </a:r>
+          </a:p>
+          <a:p>
+            <a:r>
+              <a:rPr lang="en-IN" dirty="0" smtClean="0"/>
+              <a:t>Methods </a:t>
+            </a:r>
+            <a:r>
+              <a:rPr lang="en-IN" dirty="0"/>
+              <a:t>that are not final, private, or static can </a:t>
+            </a:r>
+            <a:r>
+              <a:rPr lang="en-IN" dirty="0" smtClean="0"/>
+              <a:t>be overridden</a:t>
+            </a:r>
+            <a:r>
+              <a:rPr lang="en-IN" dirty="0"/>
+              <a:t>.</a:t>
+            </a:r>
+          </a:p>
+          <a:p>
+            <a:r>
+              <a:rPr lang="en-IN" dirty="0" smtClean="0"/>
+              <a:t>Protected </a:t>
+            </a:r>
+            <a:r>
+              <a:rPr lang="en-IN" dirty="0"/>
+              <a:t>methods can override methods that do not </a:t>
+            </a:r>
+            <a:r>
+              <a:rPr lang="en-IN" dirty="0" smtClean="0"/>
+              <a:t>have access </a:t>
+            </a:r>
+            <a:r>
+              <a:rPr lang="en-IN" dirty="0"/>
+              <a:t>modifiers.</a:t>
+            </a:r>
+          </a:p>
+          <a:p>
+            <a:r>
+              <a:rPr lang="en-IN" dirty="0" smtClean="0"/>
+              <a:t>The </a:t>
+            </a:r>
+            <a:r>
+              <a:rPr lang="en-IN" dirty="0"/>
+              <a:t>overriding method cannot have a more restrictive </a:t>
+            </a:r>
+            <a:r>
+              <a:rPr lang="en-IN" dirty="0" smtClean="0"/>
+              <a:t>access modifier </a:t>
+            </a:r>
+            <a:r>
+              <a:rPr lang="en-IN" dirty="0"/>
+              <a:t>(i.e., package, public, private, </a:t>
+            </a:r>
+            <a:r>
+              <a:rPr lang="en-IN" dirty="0" smtClean="0"/>
+              <a:t>protected</a:t>
+            </a:r>
+            <a:r>
+              <a:rPr lang="en-IN" dirty="0"/>
+              <a:t>) than the original method.</a:t>
+            </a:r>
+          </a:p>
+          <a:p>
+            <a:r>
+              <a:rPr lang="en-IN" dirty="0" smtClean="0"/>
+              <a:t>The </a:t>
+            </a:r>
+            <a:r>
+              <a:rPr lang="en-IN" dirty="0"/>
+              <a:t>overriding method cannot throw any new checked exceptions.</a:t>
+            </a:r>
+            <a:endParaRPr lang="en-IN" dirty="0"/>
+          </a:p>
+        </p:txBody>
+      </p:sp>
+    </p:spTree>
+    <p:extLst>
+      <p:ext uri="{BB962C8B-B14F-4D97-AF65-F5344CB8AC3E}">
+        <p14:creationId xmlns:p14="http://schemas.microsoft.com/office/powerpoint/2010/main" val="3743970449"/>
+      </p:ext>
+    </p:extLst>
+  </p:cSld>
+  <p:clrMapOvr>
+    <a:masterClrMapping/>
+  </p:clrMapOvr>
+</p:sld>
+</file>
+
+<file path=ppt/slides/slide73.xml><?xml version="1.0" encoding="utf-8"?>
+<p:sld xmlns:a="http://schemas.openxmlformats.org/drawingml/2006/main" xmlns:r="http://schemas.openxmlformats.org/officeDocument/2006/relationships" xmlns:p="http://schemas.openxmlformats.org/presentationml/2006/main">
+  <p:cSld>
+    <p:spTree>
+      <p:nvGrpSpPr>
+        <p:cNvPr id="1" name=""/>
+        <p:cNvGrpSpPr/>
+        <p:nvPr/>
+      </p:nvGrpSpPr>
+      <p:grpSpPr>
+        <a:xfrm>
+          <a:off x="0" y="0"/>
+          <a:ext cx="0" cy="0"/>
+          <a:chOff x="0" y="0"/>
+          <a:chExt cx="0" cy="0"/>
+        </a:xfrm>
+      </p:grpSpPr>
+      <p:sp>
+        <p:nvSpPr>
+          <p:cNvPr id="2" name="Title 1"/>
+          <p:cNvSpPr>
+            <a:spLocks noGrp="1"/>
+          </p:cNvSpPr>
+          <p:nvPr>
+            <p:ph type="title"/>
+          </p:nvPr>
+        </p:nvSpPr>
+        <p:spPr>
+          <a:xfrm>
+            <a:off x="838200" y="-15875"/>
+            <a:ext cx="10515600" cy="1325563"/>
+          </a:xfrm>
+        </p:spPr>
+        <p:txBody>
+          <a:bodyPr/>
+          <a:lstStyle/>
+          <a:p>
+            <a:r>
+              <a:rPr lang="en-IN" dirty="0"/>
+              <a:t>Constructors</a:t>
+            </a:r>
+            <a:endParaRPr lang="en-IN" dirty="0"/>
+          </a:p>
+        </p:txBody>
+      </p:sp>
+      <p:sp>
+        <p:nvSpPr>
+          <p:cNvPr id="3" name="Content Placeholder 2"/>
+          <p:cNvSpPr>
+            <a:spLocks noGrp="1"/>
+          </p:cNvSpPr>
+          <p:nvPr>
+            <p:ph idx="1"/>
+          </p:nvPr>
+        </p:nvSpPr>
+        <p:spPr>
+          <a:xfrm>
+            <a:off x="838200" y="888643"/>
+            <a:ext cx="10515600" cy="5969358"/>
+          </a:xfrm>
+        </p:spPr>
+        <p:txBody>
+          <a:bodyPr>
+            <a:noAutofit/>
+          </a:bodyPr>
+          <a:lstStyle/>
+          <a:p>
+            <a:pPr marL="0" indent="0">
+              <a:buNone/>
+            </a:pPr>
+            <a:r>
+              <a:rPr lang="en-IN" sz="1800" dirty="0"/>
+              <a:t>Constructors are called upon object creation and are used to </a:t>
+            </a:r>
+            <a:r>
+              <a:rPr lang="en-IN" sz="1800" dirty="0" smtClean="0"/>
+              <a:t>initialize data </a:t>
+            </a:r>
+            <a:r>
+              <a:rPr lang="en-IN" sz="1800" dirty="0"/>
+              <a:t>in the newly created object. Constructors are optional</a:t>
+            </a:r>
+            <a:r>
+              <a:rPr lang="en-IN" sz="1800" dirty="0" smtClean="0"/>
+              <a:t>, have </a:t>
+            </a:r>
+            <a:r>
+              <a:rPr lang="en-IN" sz="1800" dirty="0"/>
+              <a:t>exactly the same name as the class, and they do </a:t>
+            </a:r>
+            <a:r>
+              <a:rPr lang="en-IN" sz="1800" dirty="0" smtClean="0"/>
+              <a:t>not have </a:t>
+            </a:r>
+            <a:r>
+              <a:rPr lang="en-IN" sz="1800" dirty="0"/>
+              <a:t>a return in the body (as methods do).</a:t>
+            </a:r>
+          </a:p>
+          <a:p>
+            <a:pPr marL="0" indent="0">
+              <a:buNone/>
+            </a:pPr>
+            <a:r>
+              <a:rPr lang="en-IN" sz="1800" dirty="0"/>
+              <a:t>A class can have multiple constructors. The constructor that </a:t>
+            </a:r>
+            <a:r>
+              <a:rPr lang="en-IN" sz="1800" dirty="0" smtClean="0"/>
+              <a:t>is called </a:t>
+            </a:r>
+            <a:r>
+              <a:rPr lang="en-IN" sz="1800" dirty="0"/>
+              <a:t>when a new object is created is the one that has a </a:t>
+            </a:r>
+            <a:r>
+              <a:rPr lang="en-IN" sz="1800" dirty="0" smtClean="0"/>
+              <a:t>matching signature</a:t>
+            </a:r>
+            <a:r>
+              <a:rPr lang="en-IN" sz="1800" dirty="0"/>
+              <a:t>:</a:t>
+            </a:r>
+          </a:p>
+          <a:p>
+            <a:pPr marL="0" indent="0">
+              <a:buNone/>
+            </a:pPr>
+            <a:r>
+              <a:rPr lang="en-IN" sz="1800" b="1" dirty="0"/>
+              <a:t>public class Candidate </a:t>
+            </a:r>
+            <a:r>
+              <a:rPr lang="en-IN" sz="1800" dirty="0" smtClean="0"/>
+              <a:t>{</a:t>
+            </a:r>
+            <a:endParaRPr lang="en-IN" sz="1800" dirty="0"/>
+          </a:p>
+          <a:p>
+            <a:pPr marL="457200" lvl="1" indent="0">
+              <a:buNone/>
+            </a:pPr>
+            <a:r>
+              <a:rPr lang="en-IN" sz="1800" dirty="0"/>
+              <a:t>Candidate(</a:t>
+            </a:r>
+            <a:r>
+              <a:rPr lang="en-IN" sz="1800" b="1" dirty="0" err="1"/>
+              <a:t>int</a:t>
+            </a:r>
+            <a:r>
+              <a:rPr lang="en-IN" sz="1800" b="1" dirty="0"/>
+              <a:t> </a:t>
+            </a:r>
+            <a:r>
+              <a:rPr lang="en-IN" sz="1800" dirty="0"/>
+              <a:t>id) {</a:t>
+            </a:r>
+          </a:p>
+          <a:p>
+            <a:pPr marL="457200" lvl="1" indent="0">
+              <a:buNone/>
+            </a:pPr>
+            <a:r>
+              <a:rPr lang="en-IN" sz="1800" b="1" dirty="0" smtClean="0"/>
+              <a:t>	</a:t>
+            </a:r>
+            <a:r>
+              <a:rPr lang="en-IN" sz="1800" b="1" dirty="0" err="1" smtClean="0"/>
+              <a:t>this</a:t>
+            </a:r>
+            <a:r>
+              <a:rPr lang="en-IN" sz="1800" dirty="0" err="1" smtClean="0"/>
+              <a:t>.identification</a:t>
+            </a:r>
+            <a:r>
+              <a:rPr lang="en-IN" sz="1800" dirty="0" smtClean="0"/>
+              <a:t> </a:t>
+            </a:r>
+            <a:r>
+              <a:rPr lang="en-IN" sz="1800" dirty="0"/>
+              <a:t>= id;</a:t>
+            </a:r>
+          </a:p>
+          <a:p>
+            <a:pPr marL="457200" lvl="1" indent="0">
+              <a:buNone/>
+            </a:pPr>
+            <a:r>
+              <a:rPr lang="en-IN" sz="1800" dirty="0"/>
+              <a:t>}</a:t>
+            </a:r>
+          </a:p>
+          <a:p>
+            <a:pPr marL="457200" lvl="1" indent="0">
+              <a:buNone/>
+            </a:pPr>
+            <a:r>
+              <a:rPr lang="en-IN" sz="1800" dirty="0"/>
+              <a:t>Candidate(</a:t>
+            </a:r>
+            <a:r>
+              <a:rPr lang="en-IN" sz="1800" b="1" dirty="0" err="1"/>
+              <a:t>int</a:t>
+            </a:r>
+            <a:r>
+              <a:rPr lang="en-IN" sz="1800" b="1" dirty="0"/>
+              <a:t> </a:t>
+            </a:r>
+            <a:r>
+              <a:rPr lang="en-IN" sz="1800" dirty="0"/>
+              <a:t>id, </a:t>
+            </a:r>
+            <a:r>
+              <a:rPr lang="en-IN" sz="1800" b="1" dirty="0" err="1"/>
+              <a:t>int</a:t>
+            </a:r>
+            <a:r>
+              <a:rPr lang="en-IN" sz="1800" b="1" dirty="0"/>
+              <a:t> </a:t>
+            </a:r>
+            <a:r>
+              <a:rPr lang="en-IN" sz="1800" dirty="0"/>
+              <a:t>age) {</a:t>
+            </a:r>
+          </a:p>
+          <a:p>
+            <a:pPr marL="457200" lvl="1" indent="0">
+              <a:buNone/>
+            </a:pPr>
+            <a:r>
+              <a:rPr lang="en-IN" sz="1800" b="1" dirty="0" smtClean="0"/>
+              <a:t>	</a:t>
+            </a:r>
+            <a:r>
+              <a:rPr lang="en-IN" sz="1800" b="1" dirty="0" err="1" smtClean="0"/>
+              <a:t>this</a:t>
+            </a:r>
+            <a:r>
+              <a:rPr lang="en-IN" sz="1800" dirty="0" err="1" smtClean="0"/>
+              <a:t>.identification</a:t>
+            </a:r>
+            <a:r>
+              <a:rPr lang="en-IN" sz="1800" dirty="0" smtClean="0"/>
+              <a:t> </a:t>
+            </a:r>
+            <a:r>
+              <a:rPr lang="en-IN" sz="1800" dirty="0"/>
+              <a:t>= id;</a:t>
+            </a:r>
+          </a:p>
+          <a:p>
+            <a:pPr marL="457200" lvl="1" indent="0">
+              <a:buNone/>
+            </a:pPr>
+            <a:r>
+              <a:rPr lang="en-IN" sz="1800" b="1" dirty="0" smtClean="0"/>
+              <a:t>	</a:t>
+            </a:r>
+            <a:r>
+              <a:rPr lang="en-IN" sz="1800" b="1" dirty="0" err="1" smtClean="0"/>
+              <a:t>this</a:t>
+            </a:r>
+            <a:r>
+              <a:rPr lang="en-IN" sz="1800" dirty="0" err="1" smtClean="0"/>
+              <a:t>.age</a:t>
+            </a:r>
+            <a:r>
+              <a:rPr lang="en-IN" sz="1800" dirty="0" smtClean="0"/>
+              <a:t> </a:t>
+            </a:r>
+            <a:r>
+              <a:rPr lang="en-IN" sz="1800" dirty="0"/>
+              <a:t>= age;</a:t>
+            </a:r>
+          </a:p>
+          <a:p>
+            <a:pPr marL="457200" lvl="1" indent="0">
+              <a:buNone/>
+            </a:pPr>
+            <a:r>
+              <a:rPr lang="en-IN" sz="1800" dirty="0"/>
+              <a:t>}</a:t>
+            </a:r>
+          </a:p>
+          <a:p>
+            <a:pPr marL="0" indent="0">
+              <a:buNone/>
+            </a:pPr>
+            <a:r>
+              <a:rPr lang="en-IN" sz="1800" dirty="0"/>
+              <a:t>}</a:t>
+            </a:r>
+          </a:p>
+          <a:p>
+            <a:pPr marL="0" indent="0">
+              <a:buNone/>
+            </a:pPr>
+            <a:r>
+              <a:rPr lang="en-IN" sz="1800" i="1" dirty="0"/>
+              <a:t>// Create a new Candidate and call its constructor</a:t>
+            </a:r>
+          </a:p>
+          <a:p>
+            <a:pPr marL="0" indent="0">
+              <a:buNone/>
+            </a:pPr>
+            <a:r>
+              <a:rPr lang="en-IN" sz="1800" dirty="0"/>
+              <a:t>Candidate </a:t>
+            </a:r>
+            <a:r>
+              <a:rPr lang="en-IN" sz="1800" dirty="0" err="1"/>
+              <a:t>candidate</a:t>
+            </a:r>
+            <a:r>
+              <a:rPr lang="en-IN" sz="1800" dirty="0"/>
+              <a:t> = </a:t>
+            </a:r>
+            <a:r>
+              <a:rPr lang="en-IN" sz="1800" b="1" dirty="0"/>
+              <a:t>new </a:t>
+            </a:r>
+            <a:r>
+              <a:rPr lang="en-IN" sz="1800" dirty="0"/>
+              <a:t>Candidate(id);</a:t>
+            </a:r>
+          </a:p>
+          <a:p>
+            <a:pPr marL="0" indent="0">
+              <a:buNone/>
+            </a:pPr>
+            <a:r>
+              <a:rPr lang="en-IN" sz="1800" dirty="0"/>
+              <a:t>Classes implicitly have a no-argument constructor if no </a:t>
+            </a:r>
+            <a:r>
+              <a:rPr lang="en-IN" sz="1800" dirty="0" smtClean="0"/>
+              <a:t>explicit constructor </a:t>
+            </a:r>
+            <a:r>
+              <a:rPr lang="en-IN" sz="1800" dirty="0"/>
+              <a:t>is present. Note that if a constructor with </a:t>
+            </a:r>
+            <a:r>
+              <a:rPr lang="en-IN" sz="1800" dirty="0" smtClean="0"/>
+              <a:t>arguments is </a:t>
+            </a:r>
+            <a:r>
+              <a:rPr lang="en-IN" sz="1800" dirty="0"/>
+              <a:t>added, there will be no no-argument constructor unless it </a:t>
+            </a:r>
+            <a:r>
+              <a:rPr lang="en-IN" sz="1800" dirty="0" smtClean="0"/>
+              <a:t>is manually </a:t>
+            </a:r>
+            <a:r>
+              <a:rPr lang="en-IN" sz="1800" dirty="0"/>
+              <a:t>added.</a:t>
+            </a:r>
+            <a:endParaRPr lang="en-IN" sz="1800" dirty="0"/>
+          </a:p>
+        </p:txBody>
+      </p:sp>
+    </p:spTree>
+    <p:extLst>
+      <p:ext uri="{BB962C8B-B14F-4D97-AF65-F5344CB8AC3E}">
+        <p14:creationId xmlns:p14="http://schemas.microsoft.com/office/powerpoint/2010/main" val="2978216691"/>
       </p:ext>
     </p:extLst>
   </p:cSld>

--- a/Java Basics.pptx
+++ b/Java Basics.pptx
@@ -78,6 +78,46 @@
     <p:sldId id="326" r:id="rId72"/>
     <p:sldId id="327" r:id="rId73"/>
     <p:sldId id="328" r:id="rId74"/>
+    <p:sldId id="329" r:id="rId75"/>
+    <p:sldId id="330" r:id="rId76"/>
+    <p:sldId id="331" r:id="rId77"/>
+    <p:sldId id="332" r:id="rId78"/>
+    <p:sldId id="333" r:id="rId79"/>
+    <p:sldId id="334" r:id="rId80"/>
+    <p:sldId id="335" r:id="rId81"/>
+    <p:sldId id="336" r:id="rId82"/>
+    <p:sldId id="337" r:id="rId83"/>
+    <p:sldId id="338" r:id="rId84"/>
+    <p:sldId id="339" r:id="rId85"/>
+    <p:sldId id="340" r:id="rId86"/>
+    <p:sldId id="341" r:id="rId87"/>
+    <p:sldId id="342" r:id="rId88"/>
+    <p:sldId id="343" r:id="rId89"/>
+    <p:sldId id="344" r:id="rId90"/>
+    <p:sldId id="345" r:id="rId91"/>
+    <p:sldId id="346" r:id="rId92"/>
+    <p:sldId id="347" r:id="rId93"/>
+    <p:sldId id="348" r:id="rId94"/>
+    <p:sldId id="349" r:id="rId95"/>
+    <p:sldId id="350" r:id="rId96"/>
+    <p:sldId id="351" r:id="rId97"/>
+    <p:sldId id="352" r:id="rId98"/>
+    <p:sldId id="353" r:id="rId99"/>
+    <p:sldId id="354" r:id="rId100"/>
+    <p:sldId id="355" r:id="rId101"/>
+    <p:sldId id="356" r:id="rId102"/>
+    <p:sldId id="357" r:id="rId103"/>
+    <p:sldId id="358" r:id="rId104"/>
+    <p:sldId id="360" r:id="rId105"/>
+    <p:sldId id="361" r:id="rId106"/>
+    <p:sldId id="362" r:id="rId107"/>
+    <p:sldId id="359" r:id="rId108"/>
+    <p:sldId id="363" r:id="rId109"/>
+    <p:sldId id="364" r:id="rId110"/>
+    <p:sldId id="365" r:id="rId111"/>
+    <p:sldId id="366" r:id="rId112"/>
+    <p:sldId id="367" r:id="rId113"/>
+    <p:sldId id="368" r:id="rId114"/>
   </p:sldIdLst>
   <p:sldSz cx="12192000" cy="6858000"/>
   <p:notesSz cx="6858000" cy="9144000"/>
@@ -315,7 +355,7 @@
           <a:p>
             <a:fld id="{E51FF4B1-7B73-4B47-A9A6-628B29C473A2}" type="datetimeFigureOut">
               <a:rPr lang="en-IN" smtClean="0"/>
-              <a:t>03-05-2018</a:t>
+              <a:t>04-05-2018</a:t>
             </a:fld>
             <a:endParaRPr lang="en-IN"/>
           </a:p>
@@ -485,7 +525,7 @@
           <a:p>
             <a:fld id="{E51FF4B1-7B73-4B47-A9A6-628B29C473A2}" type="datetimeFigureOut">
               <a:rPr lang="en-IN" smtClean="0"/>
-              <a:t>03-05-2018</a:t>
+              <a:t>04-05-2018</a:t>
             </a:fld>
             <a:endParaRPr lang="en-IN"/>
           </a:p>
@@ -665,7 +705,7 @@
           <a:p>
             <a:fld id="{E51FF4B1-7B73-4B47-A9A6-628B29C473A2}" type="datetimeFigureOut">
               <a:rPr lang="en-IN" smtClean="0"/>
-              <a:t>03-05-2018</a:t>
+              <a:t>04-05-2018</a:t>
             </a:fld>
             <a:endParaRPr lang="en-IN"/>
           </a:p>
@@ -835,7 +875,7 @@
           <a:p>
             <a:fld id="{E51FF4B1-7B73-4B47-A9A6-628B29C473A2}" type="datetimeFigureOut">
               <a:rPr lang="en-IN" smtClean="0"/>
-              <a:t>03-05-2018</a:t>
+              <a:t>04-05-2018</a:t>
             </a:fld>
             <a:endParaRPr lang="en-IN"/>
           </a:p>
@@ -1081,7 +1121,7 @@
           <a:p>
             <a:fld id="{E51FF4B1-7B73-4B47-A9A6-628B29C473A2}" type="datetimeFigureOut">
               <a:rPr lang="en-IN" smtClean="0"/>
-              <a:t>03-05-2018</a:t>
+              <a:t>04-05-2018</a:t>
             </a:fld>
             <a:endParaRPr lang="en-IN"/>
           </a:p>
@@ -1313,7 +1353,7 @@
           <a:p>
             <a:fld id="{E51FF4B1-7B73-4B47-A9A6-628B29C473A2}" type="datetimeFigureOut">
               <a:rPr lang="en-IN" smtClean="0"/>
-              <a:t>03-05-2018</a:t>
+              <a:t>04-05-2018</a:t>
             </a:fld>
             <a:endParaRPr lang="en-IN"/>
           </a:p>
@@ -1680,7 +1720,7 @@
           <a:p>
             <a:fld id="{E51FF4B1-7B73-4B47-A9A6-628B29C473A2}" type="datetimeFigureOut">
               <a:rPr lang="en-IN" smtClean="0"/>
-              <a:t>03-05-2018</a:t>
+              <a:t>04-05-2018</a:t>
             </a:fld>
             <a:endParaRPr lang="en-IN"/>
           </a:p>
@@ -1798,7 +1838,7 @@
           <a:p>
             <a:fld id="{E51FF4B1-7B73-4B47-A9A6-628B29C473A2}" type="datetimeFigureOut">
               <a:rPr lang="en-IN" smtClean="0"/>
-              <a:t>03-05-2018</a:t>
+              <a:t>04-05-2018</a:t>
             </a:fld>
             <a:endParaRPr lang="en-IN"/>
           </a:p>
@@ -1893,7 +1933,7 @@
           <a:p>
             <a:fld id="{E51FF4B1-7B73-4B47-A9A6-628B29C473A2}" type="datetimeFigureOut">
               <a:rPr lang="en-IN" smtClean="0"/>
-              <a:t>03-05-2018</a:t>
+              <a:t>04-05-2018</a:t>
             </a:fld>
             <a:endParaRPr lang="en-IN"/>
           </a:p>
@@ -2170,7 +2210,7 @@
           <a:p>
             <a:fld id="{E51FF4B1-7B73-4B47-A9A6-628B29C473A2}" type="datetimeFigureOut">
               <a:rPr lang="en-IN" smtClean="0"/>
-              <a:t>03-05-2018</a:t>
+              <a:t>04-05-2018</a:t>
             </a:fld>
             <a:endParaRPr lang="en-IN"/>
           </a:p>
@@ -2423,7 +2463,7 @@
           <a:p>
             <a:fld id="{E51FF4B1-7B73-4B47-A9A6-628B29C473A2}" type="datetimeFigureOut">
               <a:rPr lang="en-IN" smtClean="0"/>
-              <a:t>03-05-2018</a:t>
+              <a:t>04-05-2018</a:t>
             </a:fld>
             <a:endParaRPr lang="en-IN"/>
           </a:p>
@@ -2636,7 +2676,7 @@
           <a:p>
             <a:fld id="{E51FF4B1-7B73-4B47-A9A6-628B29C473A2}" type="datetimeFigureOut">
               <a:rPr lang="en-IN" smtClean="0"/>
-              <a:t>03-05-2018</a:t>
+              <a:t>04-05-2018</a:t>
             </a:fld>
             <a:endParaRPr lang="en-IN"/>
           </a:p>
@@ -3273,6 +3313,2445 @@
 </p:sld>
 </file>
 
+<file path=ppt/slides/slide100.xml><?xml version="1.0" encoding="utf-8"?>
+<p:sld xmlns:a="http://schemas.openxmlformats.org/drawingml/2006/main" xmlns:r="http://schemas.openxmlformats.org/officeDocument/2006/relationships" xmlns:p="http://schemas.openxmlformats.org/presentationml/2006/main">
+  <p:cSld>
+    <p:spTree>
+      <p:nvGrpSpPr>
+        <p:cNvPr id="1" name=""/>
+        <p:cNvGrpSpPr/>
+        <p:nvPr/>
+      </p:nvGrpSpPr>
+      <p:grpSpPr>
+        <a:xfrm>
+          <a:off x="0" y="0"/>
+          <a:ext cx="0" cy="0"/>
+          <a:chOff x="0" y="0"/>
+          <a:chExt cx="0" cy="0"/>
+        </a:xfrm>
+      </p:grpSpPr>
+      <p:sp>
+        <p:nvSpPr>
+          <p:cNvPr id="2" name="Title 1"/>
+          <p:cNvSpPr>
+            <a:spLocks noGrp="1"/>
+          </p:cNvSpPr>
+          <p:nvPr>
+            <p:ph type="title"/>
+          </p:nvPr>
+        </p:nvSpPr>
+        <p:spPr/>
+        <p:txBody>
+          <a:bodyPr/>
+          <a:lstStyle/>
+          <a:p>
+            <a:r>
+              <a:rPr lang="en-IN" dirty="0"/>
+              <a:t>The throw </a:t>
+            </a:r>
+            <a:r>
+              <a:rPr lang="en-IN" dirty="0" smtClean="0"/>
+              <a:t>Keyword</a:t>
+            </a:r>
+            <a:endParaRPr lang="en-IN" dirty="0"/>
+          </a:p>
+        </p:txBody>
+      </p:sp>
+      <p:sp>
+        <p:nvSpPr>
+          <p:cNvPr id="3" name="Content Placeholder 2"/>
+          <p:cNvSpPr>
+            <a:spLocks noGrp="1"/>
+          </p:cNvSpPr>
+          <p:nvPr>
+            <p:ph idx="1"/>
+          </p:nvPr>
+        </p:nvSpPr>
+        <p:spPr/>
+        <p:txBody>
+          <a:bodyPr>
+            <a:normAutofit/>
+          </a:bodyPr>
+          <a:lstStyle/>
+          <a:p>
+            <a:pPr marL="0" indent="0">
+              <a:buNone/>
+            </a:pPr>
+            <a:r>
+              <a:rPr lang="en-IN" sz="2000" dirty="0"/>
+              <a:t>To throw an exception, use the keyword throw. Any checked</a:t>
+            </a:r>
+            <a:r>
+              <a:rPr lang="en-IN" sz="2000" dirty="0" smtClean="0"/>
+              <a:t>/ unchecked </a:t>
+            </a:r>
+            <a:r>
+              <a:rPr lang="en-IN" sz="2000" dirty="0"/>
+              <a:t>exception and error can be thrown</a:t>
+            </a:r>
+            <a:r>
+              <a:rPr lang="en-IN" sz="2000" dirty="0" smtClean="0"/>
+              <a:t>:</a:t>
+            </a:r>
+          </a:p>
+          <a:p>
+            <a:pPr marL="0" indent="0">
+              <a:buNone/>
+            </a:pPr>
+            <a:endParaRPr lang="en-IN" sz="2000" dirty="0"/>
+          </a:p>
+          <a:p>
+            <a:pPr marL="0" indent="0">
+              <a:buNone/>
+            </a:pPr>
+            <a:r>
+              <a:rPr lang="en-IN" sz="2000" b="1" dirty="0"/>
+              <a:t>if </a:t>
+            </a:r>
+            <a:r>
+              <a:rPr lang="en-IN" sz="2000" dirty="0"/>
+              <a:t>(n == -1)</a:t>
+            </a:r>
+          </a:p>
+          <a:p>
+            <a:pPr marL="0" indent="0">
+              <a:buNone/>
+            </a:pPr>
+            <a:r>
+              <a:rPr lang="en-IN" sz="2000" b="1" dirty="0"/>
+              <a:t>throw new </a:t>
+            </a:r>
+            <a:r>
+              <a:rPr lang="en-IN" sz="2000" dirty="0" err="1"/>
+              <a:t>EOFException</a:t>
+            </a:r>
+            <a:r>
+              <a:rPr lang="en-IN" sz="2000" dirty="0"/>
+              <a:t>();</a:t>
+            </a:r>
+            <a:endParaRPr lang="en-IN" sz="2000" dirty="0"/>
+          </a:p>
+        </p:txBody>
+      </p:sp>
+    </p:spTree>
+    <p:extLst>
+      <p:ext uri="{BB962C8B-B14F-4D97-AF65-F5344CB8AC3E}">
+        <p14:creationId xmlns:p14="http://schemas.microsoft.com/office/powerpoint/2010/main" val="2137899451"/>
+      </p:ext>
+    </p:extLst>
+  </p:cSld>
+  <p:clrMapOvr>
+    <a:masterClrMapping/>
+  </p:clrMapOvr>
+</p:sld>
+</file>
+
+<file path=ppt/slides/slide101.xml><?xml version="1.0" encoding="utf-8"?>
+<p:sld xmlns:a="http://schemas.openxmlformats.org/drawingml/2006/main" xmlns:r="http://schemas.openxmlformats.org/officeDocument/2006/relationships" xmlns:p="http://schemas.openxmlformats.org/presentationml/2006/main">
+  <p:cSld>
+    <p:spTree>
+      <p:nvGrpSpPr>
+        <p:cNvPr id="1" name=""/>
+        <p:cNvGrpSpPr/>
+        <p:nvPr/>
+      </p:nvGrpSpPr>
+      <p:grpSpPr>
+        <a:xfrm>
+          <a:off x="0" y="0"/>
+          <a:ext cx="0" cy="0"/>
+          <a:chOff x="0" y="0"/>
+          <a:chExt cx="0" cy="0"/>
+        </a:xfrm>
+      </p:grpSpPr>
+      <p:sp>
+        <p:nvSpPr>
+          <p:cNvPr id="2" name="Title 1"/>
+          <p:cNvSpPr>
+            <a:spLocks noGrp="1"/>
+          </p:cNvSpPr>
+          <p:nvPr>
+            <p:ph type="title"/>
+          </p:nvPr>
+        </p:nvSpPr>
+        <p:spPr/>
+        <p:txBody>
+          <a:bodyPr/>
+          <a:lstStyle/>
+          <a:p>
+            <a:r>
+              <a:rPr lang="en-IN" dirty="0"/>
+              <a:t>The try/catch/finally Keywords</a:t>
+            </a:r>
+            <a:endParaRPr lang="en-IN" dirty="0"/>
+          </a:p>
+        </p:txBody>
+      </p:sp>
+      <p:sp>
+        <p:nvSpPr>
+          <p:cNvPr id="3" name="Content Placeholder 2"/>
+          <p:cNvSpPr>
+            <a:spLocks noGrp="1"/>
+          </p:cNvSpPr>
+          <p:nvPr>
+            <p:ph idx="1"/>
+          </p:nvPr>
+        </p:nvSpPr>
+        <p:spPr>
+          <a:xfrm>
+            <a:off x="838200" y="1313644"/>
+            <a:ext cx="10515600" cy="5383369"/>
+          </a:xfrm>
+        </p:spPr>
+        <p:txBody>
+          <a:bodyPr>
+            <a:noAutofit/>
+          </a:bodyPr>
+          <a:lstStyle/>
+          <a:p>
+            <a:pPr marL="0" indent="0">
+              <a:buNone/>
+            </a:pPr>
+            <a:r>
+              <a:rPr lang="en-IN" sz="2000" dirty="0"/>
+              <a:t>Thrown exceptions are handled by </a:t>
+            </a:r>
+            <a:r>
+              <a:rPr lang="en-IN" sz="2000" b="1" dirty="0" smtClean="0"/>
+              <a:t>try</a:t>
+            </a:r>
+            <a:r>
+              <a:rPr lang="en-IN" sz="2000" b="1" dirty="0"/>
+              <a:t>, catch, </a:t>
+            </a:r>
+            <a:r>
+              <a:rPr lang="en-IN" sz="2000" b="1" dirty="0" smtClean="0"/>
+              <a:t>finally block</a:t>
+            </a:r>
+            <a:r>
+              <a:rPr lang="en-IN" sz="2000" dirty="0"/>
+              <a:t>. The Java interpreter looks for code to handle the exception</a:t>
+            </a:r>
+            <a:r>
+              <a:rPr lang="en-IN" sz="2000" dirty="0" smtClean="0"/>
+              <a:t>, first </a:t>
+            </a:r>
+            <a:r>
+              <a:rPr lang="en-IN" sz="2000" dirty="0"/>
+              <a:t>looking in the enclosed block of code, and then </a:t>
+            </a:r>
+            <a:r>
+              <a:rPr lang="en-IN" sz="2000" dirty="0" smtClean="0"/>
+              <a:t>propagating up </a:t>
+            </a:r>
+            <a:r>
+              <a:rPr lang="en-IN" sz="2000" dirty="0"/>
+              <a:t>the call stack to main() if necessary. If the exception is </a:t>
+            </a:r>
+            <a:r>
+              <a:rPr lang="en-IN" sz="2000" dirty="0" smtClean="0"/>
+              <a:t>not handled </a:t>
+            </a:r>
+            <a:r>
+              <a:rPr lang="en-IN" sz="2000" dirty="0"/>
+              <a:t>on the main thread (i.e., not the </a:t>
+            </a:r>
+            <a:r>
+              <a:rPr lang="en-IN" sz="2000" i="1" dirty="0"/>
+              <a:t>Event </a:t>
+            </a:r>
+            <a:r>
+              <a:rPr lang="en-IN" sz="2000" i="1" dirty="0" smtClean="0"/>
+              <a:t>Dispatch Thread </a:t>
+            </a:r>
+            <a:r>
+              <a:rPr lang="en-IN" sz="2000" dirty="0"/>
+              <a:t>[EDT]), the program exits and a stack trace is printed</a:t>
+            </a:r>
+            <a:r>
+              <a:rPr lang="en-IN" sz="2000" dirty="0" smtClean="0"/>
+              <a:t>:</a:t>
+            </a:r>
+          </a:p>
+          <a:p>
+            <a:pPr marL="0" indent="0">
+              <a:buNone/>
+            </a:pPr>
+            <a:endParaRPr lang="en-IN" sz="2000" dirty="0"/>
+          </a:p>
+          <a:p>
+            <a:pPr marL="457200" lvl="1" indent="0">
+              <a:buNone/>
+            </a:pPr>
+            <a:r>
+              <a:rPr lang="en-IN" b="1" dirty="0"/>
+              <a:t>try </a:t>
+            </a:r>
+            <a:r>
+              <a:rPr lang="en-IN" dirty="0"/>
+              <a:t>{</a:t>
+            </a:r>
+          </a:p>
+          <a:p>
+            <a:pPr marL="457200" lvl="1" indent="0">
+              <a:buNone/>
+            </a:pPr>
+            <a:r>
+              <a:rPr lang="en-IN" dirty="0" smtClean="0"/>
+              <a:t>	method</a:t>
+            </a:r>
+            <a:r>
+              <a:rPr lang="en-IN" dirty="0"/>
+              <a:t>();</a:t>
+            </a:r>
+          </a:p>
+          <a:p>
+            <a:pPr marL="457200" lvl="1" indent="0">
+              <a:buNone/>
+            </a:pPr>
+            <a:r>
+              <a:rPr lang="en-IN" dirty="0"/>
+              <a:t>} </a:t>
+            </a:r>
+            <a:r>
+              <a:rPr lang="en-IN" b="1" dirty="0"/>
+              <a:t>catch </a:t>
+            </a:r>
+            <a:r>
+              <a:rPr lang="en-IN" dirty="0"/>
+              <a:t>(</a:t>
+            </a:r>
+            <a:r>
+              <a:rPr lang="en-IN" dirty="0" err="1"/>
+              <a:t>EOFException</a:t>
+            </a:r>
+            <a:r>
+              <a:rPr lang="en-IN" dirty="0"/>
+              <a:t> </a:t>
+            </a:r>
+            <a:r>
+              <a:rPr lang="en-IN" dirty="0" err="1"/>
+              <a:t>eofe</a:t>
+            </a:r>
+            <a:r>
+              <a:rPr lang="en-IN" dirty="0"/>
+              <a:t>) {</a:t>
+            </a:r>
+          </a:p>
+          <a:p>
+            <a:pPr marL="457200" lvl="1" indent="0">
+              <a:buNone/>
+            </a:pPr>
+            <a:r>
+              <a:rPr lang="en-IN" dirty="0" smtClean="0"/>
+              <a:t>	</a:t>
+            </a:r>
+            <a:r>
+              <a:rPr lang="en-IN" dirty="0" err="1" smtClean="0"/>
+              <a:t>eofe.printStackTrace</a:t>
+            </a:r>
+            <a:r>
+              <a:rPr lang="en-IN" dirty="0"/>
+              <a:t>();</a:t>
+            </a:r>
+          </a:p>
+          <a:p>
+            <a:pPr marL="457200" lvl="1" indent="0">
+              <a:buNone/>
+            </a:pPr>
+            <a:r>
+              <a:rPr lang="en-IN" dirty="0"/>
+              <a:t>} </a:t>
+            </a:r>
+            <a:r>
+              <a:rPr lang="en-IN" b="1" dirty="0"/>
+              <a:t>catch </a:t>
+            </a:r>
+            <a:r>
+              <a:rPr lang="en-IN" dirty="0"/>
+              <a:t>(</a:t>
+            </a:r>
+            <a:r>
+              <a:rPr lang="en-IN" dirty="0" err="1"/>
+              <a:t>IOException</a:t>
+            </a:r>
+            <a:r>
+              <a:rPr lang="en-IN" dirty="0"/>
+              <a:t> </a:t>
+            </a:r>
+            <a:r>
+              <a:rPr lang="en-IN" dirty="0" err="1"/>
+              <a:t>ioe</a:t>
+            </a:r>
+            <a:r>
+              <a:rPr lang="en-IN" dirty="0"/>
+              <a:t>) {</a:t>
+            </a:r>
+          </a:p>
+          <a:p>
+            <a:pPr marL="457200" lvl="1" indent="0">
+              <a:buNone/>
+            </a:pPr>
+            <a:r>
+              <a:rPr lang="en-IN" dirty="0" smtClean="0"/>
+              <a:t>	</a:t>
+            </a:r>
+            <a:r>
+              <a:rPr lang="en-IN" dirty="0" err="1" smtClean="0"/>
+              <a:t>ioe.printStackTrace</a:t>
+            </a:r>
+            <a:r>
+              <a:rPr lang="en-IN" dirty="0"/>
+              <a:t>();</a:t>
+            </a:r>
+          </a:p>
+          <a:p>
+            <a:pPr marL="457200" lvl="1" indent="0">
+              <a:buNone/>
+            </a:pPr>
+            <a:r>
+              <a:rPr lang="en-IN" dirty="0"/>
+              <a:t>} </a:t>
+            </a:r>
+            <a:r>
+              <a:rPr lang="en-IN" b="1" dirty="0"/>
+              <a:t>finally </a:t>
+            </a:r>
+            <a:r>
+              <a:rPr lang="en-IN" dirty="0"/>
+              <a:t>{</a:t>
+            </a:r>
+          </a:p>
+          <a:p>
+            <a:pPr marL="457200" lvl="1" indent="0">
+              <a:buNone/>
+            </a:pPr>
+            <a:r>
+              <a:rPr lang="en-IN" i="1" dirty="0" smtClean="0"/>
+              <a:t>	// </a:t>
+            </a:r>
+            <a:r>
+              <a:rPr lang="en-IN" i="1" dirty="0" err="1"/>
+              <a:t>cleanup</a:t>
+            </a:r>
+            <a:endParaRPr lang="en-IN" i="1" dirty="0"/>
+          </a:p>
+          <a:p>
+            <a:pPr marL="457200" lvl="1" indent="0">
+              <a:buNone/>
+            </a:pPr>
+            <a:r>
+              <a:rPr lang="en-IN" dirty="0"/>
+              <a:t>}</a:t>
+            </a:r>
+            <a:endParaRPr lang="en-IN" dirty="0"/>
+          </a:p>
+        </p:txBody>
+      </p:sp>
+    </p:spTree>
+    <p:extLst>
+      <p:ext uri="{BB962C8B-B14F-4D97-AF65-F5344CB8AC3E}">
+        <p14:creationId xmlns:p14="http://schemas.microsoft.com/office/powerpoint/2010/main" val="2089942395"/>
+      </p:ext>
+    </p:extLst>
+  </p:cSld>
+  <p:clrMapOvr>
+    <a:masterClrMapping/>
+  </p:clrMapOvr>
+</p:sld>
+</file>
+
+<file path=ppt/slides/slide102.xml><?xml version="1.0" encoding="utf-8"?>
+<p:sld xmlns:a="http://schemas.openxmlformats.org/drawingml/2006/main" xmlns:r="http://schemas.openxmlformats.org/officeDocument/2006/relationships" xmlns:p="http://schemas.openxmlformats.org/presentationml/2006/main">
+  <p:cSld>
+    <p:spTree>
+      <p:nvGrpSpPr>
+        <p:cNvPr id="1" name=""/>
+        <p:cNvGrpSpPr/>
+        <p:nvPr/>
+      </p:nvGrpSpPr>
+      <p:grpSpPr>
+        <a:xfrm>
+          <a:off x="0" y="0"/>
+          <a:ext cx="0" cy="0"/>
+          <a:chOff x="0" y="0"/>
+          <a:chExt cx="0" cy="0"/>
+        </a:xfrm>
+      </p:grpSpPr>
+      <p:sp>
+        <p:nvSpPr>
+          <p:cNvPr id="2" name="Title 1"/>
+          <p:cNvSpPr>
+            <a:spLocks noGrp="1"/>
+          </p:cNvSpPr>
+          <p:nvPr>
+            <p:ph type="title"/>
+          </p:nvPr>
+        </p:nvSpPr>
+        <p:spPr/>
+        <p:txBody>
+          <a:bodyPr/>
+          <a:lstStyle/>
+          <a:p>
+            <a:r>
+              <a:rPr lang="en-IN" dirty="0"/>
+              <a:t>The try-catch Statement</a:t>
+            </a:r>
+            <a:endParaRPr lang="en-IN" dirty="0"/>
+          </a:p>
+        </p:txBody>
+      </p:sp>
+      <p:sp>
+        <p:nvSpPr>
+          <p:cNvPr id="3" name="Content Placeholder 2"/>
+          <p:cNvSpPr>
+            <a:spLocks noGrp="1"/>
+          </p:cNvSpPr>
+          <p:nvPr>
+            <p:ph idx="1"/>
+          </p:nvPr>
+        </p:nvSpPr>
+        <p:spPr/>
+        <p:txBody>
+          <a:bodyPr>
+            <a:normAutofit/>
+          </a:bodyPr>
+          <a:lstStyle/>
+          <a:p>
+            <a:pPr marL="0" indent="0">
+              <a:buNone/>
+            </a:pPr>
+            <a:r>
+              <a:rPr lang="en-IN" sz="2200" dirty="0" smtClean="0"/>
+              <a:t>The try block contains code that may throw exceptions. </a:t>
+            </a:r>
+          </a:p>
+          <a:p>
+            <a:pPr marL="0" indent="0">
+              <a:buNone/>
+            </a:pPr>
+            <a:r>
+              <a:rPr lang="en-IN" sz="2200" dirty="0" smtClean="0"/>
+              <a:t>All checked exceptions that may be thrown must have a catch block to handle the exception. </a:t>
+            </a:r>
+          </a:p>
+          <a:p>
+            <a:pPr marL="0" indent="0">
+              <a:buNone/>
+            </a:pPr>
+            <a:r>
+              <a:rPr lang="en-IN" sz="2200" dirty="0" smtClean="0"/>
+              <a:t>If no exceptions are thrown, the try block terminates normally. </a:t>
+            </a:r>
+          </a:p>
+          <a:p>
+            <a:pPr marL="0" indent="0">
+              <a:buNone/>
+            </a:pPr>
+            <a:r>
+              <a:rPr lang="en-IN" sz="2200" dirty="0" smtClean="0"/>
+              <a:t>A try block may have zero or more catch clauses to handle the exceptions.</a:t>
+            </a:r>
+          </a:p>
+          <a:p>
+            <a:pPr marL="0" indent="0">
+              <a:buNone/>
+            </a:pPr>
+            <a:endParaRPr lang="en-IN" sz="2200" dirty="0" smtClean="0"/>
+          </a:p>
+          <a:p>
+            <a:r>
+              <a:rPr lang="en-IN" sz="2200" dirty="0" smtClean="0"/>
+              <a:t>A try block must have at least one catch or finally block associated with it.</a:t>
+            </a:r>
+          </a:p>
+          <a:p>
+            <a:r>
+              <a:rPr lang="en-IN" sz="2200" dirty="0" smtClean="0"/>
+              <a:t>There cannot be any code between the try block and any of the catch blocks or the finally block.</a:t>
+            </a:r>
+            <a:endParaRPr lang="en-IN" sz="2200" dirty="0"/>
+          </a:p>
+        </p:txBody>
+      </p:sp>
+    </p:spTree>
+    <p:extLst>
+      <p:ext uri="{BB962C8B-B14F-4D97-AF65-F5344CB8AC3E}">
+        <p14:creationId xmlns:p14="http://schemas.microsoft.com/office/powerpoint/2010/main" val="402984785"/>
+      </p:ext>
+    </p:extLst>
+  </p:cSld>
+  <p:clrMapOvr>
+    <a:masterClrMapping/>
+  </p:clrMapOvr>
+</p:sld>
+</file>
+
+<file path=ppt/slides/slide103.xml><?xml version="1.0" encoding="utf-8"?>
+<p:sld xmlns:a="http://schemas.openxmlformats.org/drawingml/2006/main" xmlns:r="http://schemas.openxmlformats.org/officeDocument/2006/relationships" xmlns:p="http://schemas.openxmlformats.org/presentationml/2006/main">
+  <p:cSld>
+    <p:spTree>
+      <p:nvGrpSpPr>
+        <p:cNvPr id="1" name=""/>
+        <p:cNvGrpSpPr/>
+        <p:nvPr/>
+      </p:nvGrpSpPr>
+      <p:grpSpPr>
+        <a:xfrm>
+          <a:off x="0" y="0"/>
+          <a:ext cx="0" cy="0"/>
+          <a:chOff x="0" y="0"/>
+          <a:chExt cx="0" cy="0"/>
+        </a:xfrm>
+      </p:grpSpPr>
+      <p:sp>
+        <p:nvSpPr>
+          <p:cNvPr id="2" name="Title 1"/>
+          <p:cNvSpPr>
+            <a:spLocks noGrp="1"/>
+          </p:cNvSpPr>
+          <p:nvPr>
+            <p:ph type="title"/>
+          </p:nvPr>
+        </p:nvSpPr>
+        <p:spPr/>
+        <p:txBody>
+          <a:bodyPr/>
+          <a:lstStyle/>
+          <a:p>
+            <a:r>
+              <a:rPr lang="en-IN" dirty="0" smtClean="0"/>
+              <a:t>Continued…</a:t>
+            </a:r>
+            <a:endParaRPr lang="en-IN" dirty="0"/>
+          </a:p>
+        </p:txBody>
+      </p:sp>
+      <p:sp>
+        <p:nvSpPr>
+          <p:cNvPr id="3" name="Content Placeholder 2"/>
+          <p:cNvSpPr>
+            <a:spLocks noGrp="1"/>
+          </p:cNvSpPr>
+          <p:nvPr>
+            <p:ph idx="1"/>
+          </p:nvPr>
+        </p:nvSpPr>
+        <p:spPr>
+          <a:xfrm>
+            <a:off x="838200" y="1326524"/>
+            <a:ext cx="10515600" cy="5396248"/>
+          </a:xfrm>
+        </p:spPr>
+        <p:txBody>
+          <a:bodyPr>
+            <a:noAutofit/>
+          </a:bodyPr>
+          <a:lstStyle/>
+          <a:p>
+            <a:pPr marL="0" indent="0">
+              <a:buNone/>
+            </a:pPr>
+            <a:r>
+              <a:rPr lang="en-IN" sz="2200" dirty="0"/>
+              <a:t>The catch block(s) contain code to handle thrown exceptions</a:t>
+            </a:r>
+            <a:r>
+              <a:rPr lang="en-IN" sz="2200" dirty="0" smtClean="0"/>
+              <a:t>, including </a:t>
+            </a:r>
+            <a:r>
+              <a:rPr lang="en-IN" sz="2200" dirty="0"/>
+              <a:t>printing information about the exception to a file, </a:t>
+            </a:r>
+            <a:r>
+              <a:rPr lang="en-IN" sz="2200" dirty="0" smtClean="0"/>
+              <a:t>giving users </a:t>
+            </a:r>
+            <a:r>
+              <a:rPr lang="en-IN" sz="2200" dirty="0"/>
+              <a:t>an opportunity to input correct information. </a:t>
+            </a:r>
+            <a:endParaRPr lang="en-IN" sz="2200" dirty="0" smtClean="0"/>
+          </a:p>
+          <a:p>
+            <a:pPr marL="0" indent="0">
+              <a:buNone/>
+            </a:pPr>
+            <a:r>
+              <a:rPr lang="en-IN" sz="2200" dirty="0" smtClean="0"/>
+              <a:t>Note that catch </a:t>
+            </a:r>
+            <a:r>
+              <a:rPr lang="en-IN" sz="2200" dirty="0"/>
+              <a:t>blocks </a:t>
+            </a:r>
+            <a:r>
+              <a:rPr lang="en-IN" sz="2200" b="1" i="1" dirty="0"/>
+              <a:t>should never be empty</a:t>
+            </a:r>
+            <a:r>
+              <a:rPr lang="en-IN" sz="2200" dirty="0"/>
+              <a:t> because such </a:t>
+            </a:r>
+            <a:r>
+              <a:rPr lang="en-IN" sz="2200" b="1" i="1" dirty="0"/>
+              <a:t>“silencing”</a:t>
+            </a:r>
+            <a:r>
+              <a:rPr lang="en-IN" sz="2200" dirty="0"/>
+              <a:t> </a:t>
+            </a:r>
+            <a:r>
+              <a:rPr lang="en-IN" sz="2200" dirty="0" smtClean="0"/>
+              <a:t>results in </a:t>
+            </a:r>
+            <a:r>
+              <a:rPr lang="en-IN" sz="2200" dirty="0"/>
+              <a:t>exceptions being hidden, which makes errors harder </a:t>
+            </a:r>
+            <a:r>
+              <a:rPr lang="en-IN" sz="2200" dirty="0" smtClean="0"/>
+              <a:t>to debug. </a:t>
+            </a:r>
+          </a:p>
+          <a:p>
+            <a:pPr marL="0" indent="0">
+              <a:buNone/>
+            </a:pPr>
+            <a:r>
+              <a:rPr lang="en-IN" sz="2200" dirty="0" smtClean="0"/>
+              <a:t>A </a:t>
+            </a:r>
+            <a:r>
+              <a:rPr lang="en-IN" sz="2200" dirty="0"/>
+              <a:t>common convention for naming the parameter in the </a:t>
+            </a:r>
+            <a:r>
+              <a:rPr lang="en-IN" sz="2200" dirty="0" smtClean="0"/>
+              <a:t>catch clause </a:t>
+            </a:r>
+            <a:r>
+              <a:rPr lang="en-IN" sz="2200" dirty="0"/>
+              <a:t>is a set of letters representing each of the words in the </a:t>
+            </a:r>
+            <a:r>
+              <a:rPr lang="en-IN" sz="2200" dirty="0" smtClean="0"/>
+              <a:t>name of </a:t>
+            </a:r>
+            <a:r>
+              <a:rPr lang="en-IN" sz="2200" dirty="0"/>
+              <a:t>the </a:t>
+            </a:r>
+            <a:r>
+              <a:rPr lang="en-IN" sz="2200" dirty="0" smtClean="0"/>
+              <a:t>exception</a:t>
+            </a:r>
+            <a:r>
+              <a:rPr lang="en-IN" sz="2200" dirty="0"/>
+              <a:t>.</a:t>
+            </a:r>
+            <a:endParaRPr lang="en-IN" sz="2200" dirty="0" smtClean="0"/>
+          </a:p>
+          <a:p>
+            <a:pPr marL="0" indent="0">
+              <a:buNone/>
+            </a:pPr>
+            <a:endParaRPr lang="en-IN" sz="2200" dirty="0"/>
+          </a:p>
+          <a:p>
+            <a:pPr marL="0" indent="0">
+              <a:buNone/>
+            </a:pPr>
+            <a:r>
+              <a:rPr lang="en-IN" sz="2200" b="1" dirty="0"/>
+              <a:t>catch </a:t>
+            </a:r>
+            <a:r>
+              <a:rPr lang="en-IN" sz="2200" dirty="0"/>
+              <a:t>(</a:t>
+            </a:r>
+            <a:r>
+              <a:rPr lang="en-IN" sz="2200" dirty="0" err="1"/>
+              <a:t>ArrayIndexOutOfBoundsException</a:t>
+            </a:r>
+            <a:r>
+              <a:rPr lang="en-IN" sz="2200" dirty="0"/>
+              <a:t> </a:t>
+            </a:r>
+            <a:r>
+              <a:rPr lang="en-IN" sz="2200" dirty="0" err="1"/>
+              <a:t>aioobe</a:t>
+            </a:r>
+            <a:r>
+              <a:rPr lang="en-IN" sz="2200" dirty="0"/>
+              <a:t>) {</a:t>
+            </a:r>
+          </a:p>
+          <a:p>
+            <a:pPr marL="0" indent="0">
+              <a:buNone/>
+            </a:pPr>
+            <a:r>
+              <a:rPr lang="en-IN" sz="2200" dirty="0" err="1"/>
+              <a:t>aioobe.printStackStrace</a:t>
+            </a:r>
+            <a:r>
+              <a:rPr lang="en-IN" sz="2200" dirty="0"/>
+              <a:t>();</a:t>
+            </a:r>
+          </a:p>
+          <a:p>
+            <a:pPr marL="0" indent="0">
+              <a:buNone/>
+            </a:pPr>
+            <a:r>
+              <a:rPr lang="en-IN" sz="2200" dirty="0"/>
+              <a:t>}</a:t>
+            </a:r>
+          </a:p>
+          <a:p>
+            <a:r>
+              <a:rPr lang="en-IN" sz="2000" i="1" dirty="0"/>
+              <a:t>Within a catch clause, a new exception may also be thrown </a:t>
+            </a:r>
+            <a:r>
+              <a:rPr lang="en-IN" sz="2000" i="1" dirty="0" smtClean="0"/>
+              <a:t>if necessary.</a:t>
+            </a:r>
+          </a:p>
+          <a:p>
+            <a:r>
+              <a:rPr lang="en-IN" sz="2000" i="1" dirty="0"/>
+              <a:t>The order of the catch clauses in a try/catch block defines </a:t>
+            </a:r>
+            <a:r>
+              <a:rPr lang="en-IN" sz="2000" i="1" dirty="0" smtClean="0"/>
+              <a:t>the precedence </a:t>
+            </a:r>
+            <a:r>
+              <a:rPr lang="en-IN" sz="2000" i="1" dirty="0"/>
+              <a:t>for catching exceptions. Always begin with the </a:t>
+            </a:r>
+            <a:r>
+              <a:rPr lang="en-IN" sz="2000" i="1" dirty="0" smtClean="0"/>
+              <a:t>most specific </a:t>
+            </a:r>
+            <a:r>
+              <a:rPr lang="en-IN" sz="2000" i="1" dirty="0"/>
+              <a:t>exception that may be thrown and end with the </a:t>
+            </a:r>
+            <a:r>
+              <a:rPr lang="en-IN" sz="2000" i="1" dirty="0" smtClean="0"/>
+              <a:t>most general</a:t>
+            </a:r>
+            <a:r>
+              <a:rPr lang="en-IN" sz="2000" i="1" dirty="0"/>
+              <a:t>.</a:t>
+            </a:r>
+            <a:endParaRPr lang="en-IN" sz="2000" i="1" dirty="0"/>
+          </a:p>
+        </p:txBody>
+      </p:sp>
+    </p:spTree>
+    <p:extLst>
+      <p:ext uri="{BB962C8B-B14F-4D97-AF65-F5344CB8AC3E}">
+        <p14:creationId xmlns:p14="http://schemas.microsoft.com/office/powerpoint/2010/main" val="3598321368"/>
+      </p:ext>
+    </p:extLst>
+  </p:cSld>
+  <p:clrMapOvr>
+    <a:masterClrMapping/>
+  </p:clrMapOvr>
+</p:sld>
+</file>
+
+<file path=ppt/slides/slide104.xml><?xml version="1.0" encoding="utf-8"?>
+<p:sld xmlns:a="http://schemas.openxmlformats.org/drawingml/2006/main" xmlns:r="http://schemas.openxmlformats.org/officeDocument/2006/relationships" xmlns:p="http://schemas.openxmlformats.org/presentationml/2006/main">
+  <p:cSld>
+    <p:spTree>
+      <p:nvGrpSpPr>
+        <p:cNvPr id="1" name=""/>
+        <p:cNvGrpSpPr/>
+        <p:nvPr/>
+      </p:nvGrpSpPr>
+      <p:grpSpPr>
+        <a:xfrm>
+          <a:off x="0" y="0"/>
+          <a:ext cx="0" cy="0"/>
+          <a:chOff x="0" y="0"/>
+          <a:chExt cx="0" cy="0"/>
+        </a:xfrm>
+      </p:grpSpPr>
+      <p:sp>
+        <p:nvSpPr>
+          <p:cNvPr id="2" name="Title 1"/>
+          <p:cNvSpPr>
+            <a:spLocks noGrp="1"/>
+          </p:cNvSpPr>
+          <p:nvPr>
+            <p:ph type="title"/>
+          </p:nvPr>
+        </p:nvSpPr>
+        <p:spPr/>
+        <p:txBody>
+          <a:bodyPr/>
+          <a:lstStyle/>
+          <a:p>
+            <a:r>
+              <a:rPr lang="en-IN" dirty="0"/>
+              <a:t>The try-finally Statement</a:t>
+            </a:r>
+            <a:endParaRPr lang="en-IN" dirty="0"/>
+          </a:p>
+        </p:txBody>
+      </p:sp>
+      <p:sp>
+        <p:nvSpPr>
+          <p:cNvPr id="3" name="Content Placeholder 2"/>
+          <p:cNvSpPr>
+            <a:spLocks noGrp="1"/>
+          </p:cNvSpPr>
+          <p:nvPr>
+            <p:ph idx="1"/>
+          </p:nvPr>
+        </p:nvSpPr>
+        <p:spPr>
+          <a:xfrm>
+            <a:off x="838200" y="1352282"/>
+            <a:ext cx="10515600" cy="4824681"/>
+          </a:xfrm>
+        </p:spPr>
+        <p:txBody>
+          <a:bodyPr>
+            <a:normAutofit fontScale="92500" lnSpcReduction="10000"/>
+          </a:bodyPr>
+          <a:lstStyle/>
+          <a:p>
+            <a:pPr marL="0" indent="0">
+              <a:buNone/>
+            </a:pPr>
+            <a:r>
+              <a:rPr lang="en-IN" sz="2200" dirty="0"/>
+              <a:t>The try-finally statement includes one try and one </a:t>
+            </a:r>
+            <a:r>
+              <a:rPr lang="en-IN" sz="2200" dirty="0" smtClean="0"/>
+              <a:t>finally block.</a:t>
+            </a:r>
+          </a:p>
+          <a:p>
+            <a:pPr marL="0" indent="0">
+              <a:buNone/>
+            </a:pPr>
+            <a:r>
+              <a:rPr lang="en-IN" sz="2200" dirty="0"/>
+              <a:t>The finally block is used for releasing resources when necessary</a:t>
+            </a:r>
+            <a:r>
+              <a:rPr lang="en-IN" sz="2200" dirty="0" smtClean="0"/>
+              <a:t>:</a:t>
+            </a:r>
+          </a:p>
+          <a:p>
+            <a:pPr marL="0" indent="0">
+              <a:buNone/>
+            </a:pPr>
+            <a:endParaRPr lang="en-IN" sz="2200" dirty="0"/>
+          </a:p>
+          <a:p>
+            <a:pPr marL="457200" lvl="1" indent="0">
+              <a:buNone/>
+            </a:pPr>
+            <a:r>
+              <a:rPr lang="en-IN" sz="2200" dirty="0"/>
+              <a:t>public void </a:t>
+            </a:r>
+            <a:r>
+              <a:rPr lang="en-IN" sz="2200" dirty="0" err="1"/>
+              <a:t>testMethod</a:t>
+            </a:r>
+            <a:r>
+              <a:rPr lang="en-IN" sz="2200" dirty="0"/>
+              <a:t>() throws </a:t>
+            </a:r>
+            <a:r>
+              <a:rPr lang="en-IN" sz="2200" dirty="0" err="1"/>
+              <a:t>IOException</a:t>
+            </a:r>
+            <a:r>
+              <a:rPr lang="en-IN" sz="2200" dirty="0"/>
+              <a:t> {</a:t>
+            </a:r>
+          </a:p>
+          <a:p>
+            <a:pPr marL="914400" lvl="2" indent="0">
+              <a:buNone/>
+            </a:pPr>
+            <a:r>
+              <a:rPr lang="en-IN" sz="2200" dirty="0" err="1"/>
+              <a:t>FileWriter</a:t>
+            </a:r>
+            <a:r>
+              <a:rPr lang="en-IN" sz="2200" dirty="0"/>
+              <a:t> </a:t>
+            </a:r>
+            <a:r>
+              <a:rPr lang="en-IN" sz="2200" dirty="0" err="1"/>
+              <a:t>fileWriter</a:t>
+            </a:r>
+            <a:r>
+              <a:rPr lang="en-IN" sz="2200" dirty="0"/>
+              <a:t> </a:t>
+            </a:r>
+            <a:r>
+              <a:rPr lang="en-IN" sz="2200" dirty="0" smtClean="0"/>
+              <a:t>= new </a:t>
+            </a:r>
+            <a:r>
+              <a:rPr lang="en-IN" sz="2200" dirty="0" err="1"/>
+              <a:t>FileWriter</a:t>
+            </a:r>
+            <a:r>
+              <a:rPr lang="en-IN" sz="2200" dirty="0"/>
+              <a:t>("\\data.txt");</a:t>
+            </a:r>
+          </a:p>
+          <a:p>
+            <a:pPr marL="914400" lvl="2" indent="0">
+              <a:buNone/>
+            </a:pPr>
+            <a:r>
+              <a:rPr lang="en-IN" sz="2200" dirty="0"/>
+              <a:t>try {</a:t>
+            </a:r>
+          </a:p>
+          <a:p>
+            <a:pPr marL="914400" lvl="2" indent="0">
+              <a:buNone/>
+            </a:pPr>
+            <a:r>
+              <a:rPr lang="en-IN" sz="2200" dirty="0" smtClean="0"/>
+              <a:t>	</a:t>
+            </a:r>
+            <a:r>
+              <a:rPr lang="en-IN" sz="2200" dirty="0" err="1" smtClean="0"/>
+              <a:t>fileWriter.write</a:t>
+            </a:r>
+            <a:r>
+              <a:rPr lang="en-IN" sz="2200" dirty="0"/>
+              <a:t>("Information...");</a:t>
+            </a:r>
+          </a:p>
+          <a:p>
+            <a:pPr marL="914400" lvl="2" indent="0">
+              <a:buNone/>
+            </a:pPr>
+            <a:r>
+              <a:rPr lang="en-IN" sz="2200" dirty="0"/>
+              <a:t>} finally {</a:t>
+            </a:r>
+          </a:p>
+          <a:p>
+            <a:pPr marL="914400" lvl="2" indent="0">
+              <a:buNone/>
+            </a:pPr>
+            <a:r>
+              <a:rPr lang="en-IN" sz="2200" dirty="0" smtClean="0"/>
+              <a:t>	</a:t>
+            </a:r>
+            <a:r>
+              <a:rPr lang="en-IN" sz="2200" dirty="0" err="1" smtClean="0"/>
+              <a:t>fileWriter.close</a:t>
+            </a:r>
+            <a:r>
+              <a:rPr lang="en-IN" sz="2200" dirty="0"/>
+              <a:t>();</a:t>
+            </a:r>
+          </a:p>
+          <a:p>
+            <a:pPr marL="457200" lvl="1" indent="0">
+              <a:buNone/>
+            </a:pPr>
+            <a:r>
+              <a:rPr lang="en-IN" sz="2200" dirty="0"/>
+              <a:t> </a:t>
+            </a:r>
+            <a:r>
+              <a:rPr lang="en-IN" sz="2200" dirty="0" smtClean="0"/>
+              <a:t>     }</a:t>
+            </a:r>
+            <a:endParaRPr lang="en-IN" sz="2200" dirty="0"/>
+          </a:p>
+          <a:p>
+            <a:pPr marL="457200" lvl="1" indent="0">
+              <a:buNone/>
+            </a:pPr>
+            <a:r>
+              <a:rPr lang="en-IN" sz="2200" dirty="0" smtClean="0"/>
+              <a:t>}</a:t>
+            </a:r>
+          </a:p>
+          <a:p>
+            <a:pPr marL="457200" lvl="1" indent="0">
+              <a:buNone/>
+            </a:pPr>
+            <a:endParaRPr lang="en-IN" sz="2200" dirty="0" smtClean="0"/>
+          </a:p>
+          <a:p>
+            <a:pPr marL="0" indent="0">
+              <a:buNone/>
+            </a:pPr>
+            <a:r>
+              <a:rPr lang="en-IN" sz="2200" i="1" dirty="0"/>
+              <a:t>This block is optional and is only used where needed. When used</a:t>
+            </a:r>
+            <a:r>
+              <a:rPr lang="en-IN" sz="2200" i="1" dirty="0" smtClean="0"/>
+              <a:t>, it </a:t>
+            </a:r>
+            <a:r>
+              <a:rPr lang="en-IN" sz="2200" i="1" dirty="0"/>
+              <a:t>is executed last in a try-finally block and will always be executed</a:t>
+            </a:r>
+            <a:r>
+              <a:rPr lang="en-IN" sz="2200" i="1" dirty="0" smtClean="0"/>
+              <a:t>, whether </a:t>
+            </a:r>
+            <a:r>
+              <a:rPr lang="en-IN" sz="2200" i="1" dirty="0"/>
+              <a:t>or not the try block terminates normally. If </a:t>
+            </a:r>
+            <a:r>
+              <a:rPr lang="en-IN" sz="2200" i="1" dirty="0" smtClean="0"/>
+              <a:t>the finally </a:t>
+            </a:r>
+            <a:r>
+              <a:rPr lang="en-IN" sz="2200" i="1" dirty="0"/>
+              <a:t>block throws an exception, it must be handled.</a:t>
+            </a:r>
+            <a:endParaRPr lang="en-IN" sz="2200" i="1" dirty="0" smtClean="0"/>
+          </a:p>
+        </p:txBody>
+      </p:sp>
+    </p:spTree>
+    <p:extLst>
+      <p:ext uri="{BB962C8B-B14F-4D97-AF65-F5344CB8AC3E}">
+        <p14:creationId xmlns:p14="http://schemas.microsoft.com/office/powerpoint/2010/main" val="3115382980"/>
+      </p:ext>
+    </p:extLst>
+  </p:cSld>
+  <p:clrMapOvr>
+    <a:masterClrMapping/>
+  </p:clrMapOvr>
+</p:sld>
+</file>
+
+<file path=ppt/slides/slide105.xml><?xml version="1.0" encoding="utf-8"?>
+<p:sld xmlns:a="http://schemas.openxmlformats.org/drawingml/2006/main" xmlns:r="http://schemas.openxmlformats.org/officeDocument/2006/relationships" xmlns:p="http://schemas.openxmlformats.org/presentationml/2006/main">
+  <p:cSld>
+    <p:spTree>
+      <p:nvGrpSpPr>
+        <p:cNvPr id="1" name=""/>
+        <p:cNvGrpSpPr/>
+        <p:nvPr/>
+      </p:nvGrpSpPr>
+      <p:grpSpPr>
+        <a:xfrm>
+          <a:off x="0" y="0"/>
+          <a:ext cx="0" cy="0"/>
+          <a:chOff x="0" y="0"/>
+          <a:chExt cx="0" cy="0"/>
+        </a:xfrm>
+      </p:grpSpPr>
+      <p:sp>
+        <p:nvSpPr>
+          <p:cNvPr id="2" name="Title 1"/>
+          <p:cNvSpPr>
+            <a:spLocks noGrp="1"/>
+          </p:cNvSpPr>
+          <p:nvPr>
+            <p:ph type="title"/>
+          </p:nvPr>
+        </p:nvSpPr>
+        <p:spPr>
+          <a:xfrm>
+            <a:off x="838200" y="-15875"/>
+            <a:ext cx="10515600" cy="1325563"/>
+          </a:xfrm>
+        </p:spPr>
+        <p:txBody>
+          <a:bodyPr/>
+          <a:lstStyle/>
+          <a:p>
+            <a:r>
+              <a:rPr lang="en-IN" dirty="0"/>
+              <a:t>The try-catch-finally Statement</a:t>
+            </a:r>
+            <a:endParaRPr lang="en-IN" dirty="0"/>
+          </a:p>
+        </p:txBody>
+      </p:sp>
+      <p:sp>
+        <p:nvSpPr>
+          <p:cNvPr id="3" name="Content Placeholder 2"/>
+          <p:cNvSpPr>
+            <a:spLocks noGrp="1"/>
+          </p:cNvSpPr>
+          <p:nvPr>
+            <p:ph idx="1"/>
+          </p:nvPr>
+        </p:nvSpPr>
+        <p:spPr>
+          <a:xfrm>
+            <a:off x="838200" y="1389130"/>
+            <a:ext cx="10515600" cy="5396247"/>
+          </a:xfrm>
+        </p:spPr>
+        <p:txBody>
+          <a:bodyPr>
+            <a:noAutofit/>
+          </a:bodyPr>
+          <a:lstStyle/>
+          <a:p>
+            <a:pPr marL="0" indent="0">
+              <a:buNone/>
+            </a:pPr>
+            <a:r>
+              <a:rPr lang="en-IN" sz="1800" dirty="0"/>
+              <a:t>The try-catch-finally statement includes one try, one or </a:t>
+            </a:r>
+            <a:r>
+              <a:rPr lang="en-IN" sz="1800" dirty="0" smtClean="0"/>
+              <a:t>more catch </a:t>
+            </a:r>
+            <a:r>
+              <a:rPr lang="en-IN" sz="1800" dirty="0"/>
+              <a:t>blocks, and one finally block</a:t>
+            </a:r>
+            <a:r>
+              <a:rPr lang="en-IN" sz="1800" dirty="0" smtClean="0"/>
+              <a:t>. For </a:t>
+            </a:r>
+            <a:r>
+              <a:rPr lang="en-IN" sz="1800" dirty="0"/>
+              <a:t>this statement, the finally block is also used for </a:t>
+            </a:r>
+            <a:r>
+              <a:rPr lang="en-IN" sz="1800" dirty="0" err="1"/>
+              <a:t>cleanup</a:t>
+            </a:r>
+            <a:r>
+              <a:rPr lang="en-IN" sz="1800" dirty="0"/>
+              <a:t> </a:t>
+            </a:r>
+            <a:r>
+              <a:rPr lang="en-IN" sz="1800" dirty="0" smtClean="0"/>
+              <a:t>and releasing </a:t>
+            </a:r>
+            <a:r>
+              <a:rPr lang="en-IN" sz="1800" dirty="0"/>
+              <a:t>resources:</a:t>
+            </a:r>
+          </a:p>
+          <a:p>
+            <a:pPr marL="0" indent="0">
+              <a:buNone/>
+            </a:pPr>
+            <a:r>
+              <a:rPr lang="en-IN" sz="1600" b="1" dirty="0"/>
+              <a:t>public void </a:t>
+            </a:r>
+            <a:r>
+              <a:rPr lang="en-IN" sz="1600" dirty="0" err="1"/>
+              <a:t>testMethod</a:t>
+            </a:r>
+            <a:r>
+              <a:rPr lang="en-IN" sz="1600" dirty="0"/>
+              <a:t>() {</a:t>
+            </a:r>
+          </a:p>
+          <a:p>
+            <a:pPr marL="457200" lvl="1" indent="0">
+              <a:buNone/>
+            </a:pPr>
+            <a:r>
+              <a:rPr lang="en-IN" sz="1600" dirty="0" err="1"/>
+              <a:t>FileWriter</a:t>
+            </a:r>
+            <a:r>
+              <a:rPr lang="en-IN" sz="1600" dirty="0"/>
+              <a:t> </a:t>
+            </a:r>
+            <a:r>
+              <a:rPr lang="en-IN" sz="1600" dirty="0" err="1"/>
+              <a:t>fileWriter</a:t>
+            </a:r>
+            <a:r>
+              <a:rPr lang="en-IN" sz="1600" dirty="0"/>
+              <a:t> = </a:t>
+            </a:r>
+            <a:r>
+              <a:rPr lang="en-IN" sz="1600" b="1" dirty="0"/>
+              <a:t>null</a:t>
+            </a:r>
+            <a:r>
+              <a:rPr lang="en-IN" sz="1600" dirty="0"/>
+              <a:t>;</a:t>
+            </a:r>
+          </a:p>
+          <a:p>
+            <a:pPr marL="457200" lvl="1" indent="0">
+              <a:buNone/>
+            </a:pPr>
+            <a:r>
+              <a:rPr lang="en-IN" sz="1600" b="1" dirty="0"/>
+              <a:t>try </a:t>
+            </a:r>
+            <a:r>
+              <a:rPr lang="en-IN" sz="1600" dirty="0"/>
+              <a:t>{</a:t>
+            </a:r>
+          </a:p>
+          <a:p>
+            <a:pPr marL="914400" lvl="2" indent="0">
+              <a:buNone/>
+            </a:pPr>
+            <a:r>
+              <a:rPr lang="en-IN" sz="1600" dirty="0" err="1"/>
+              <a:t>fileWriter</a:t>
+            </a:r>
+            <a:r>
+              <a:rPr lang="en-IN" sz="1600" dirty="0"/>
+              <a:t> = </a:t>
+            </a:r>
+            <a:r>
+              <a:rPr lang="en-IN" sz="1600" b="1" dirty="0"/>
+              <a:t>new </a:t>
+            </a:r>
+            <a:r>
+              <a:rPr lang="en-IN" sz="1600" dirty="0" err="1"/>
+              <a:t>FileWriter</a:t>
+            </a:r>
+            <a:r>
+              <a:rPr lang="en-IN" sz="1600" dirty="0"/>
+              <a:t>("\\data.txt");</a:t>
+            </a:r>
+          </a:p>
+          <a:p>
+            <a:pPr marL="914400" lvl="2" indent="0">
+              <a:buNone/>
+            </a:pPr>
+            <a:r>
+              <a:rPr lang="en-IN" sz="1600" dirty="0" err="1"/>
+              <a:t>fileWriter.write</a:t>
+            </a:r>
+            <a:r>
+              <a:rPr lang="en-IN" sz="1600" dirty="0"/>
+              <a:t>("Information...");</a:t>
+            </a:r>
+          </a:p>
+          <a:p>
+            <a:pPr marL="457200" lvl="1" indent="0">
+              <a:buNone/>
+            </a:pPr>
+            <a:r>
+              <a:rPr lang="en-IN" sz="1600" dirty="0"/>
+              <a:t>} </a:t>
+            </a:r>
+            <a:r>
+              <a:rPr lang="en-IN" sz="1600" b="1" dirty="0"/>
+              <a:t>catch </a:t>
+            </a:r>
+            <a:r>
+              <a:rPr lang="en-IN" sz="1600" dirty="0"/>
+              <a:t>(</a:t>
+            </a:r>
+            <a:r>
+              <a:rPr lang="en-IN" sz="1600" dirty="0" err="1"/>
+              <a:t>IOException</a:t>
+            </a:r>
+            <a:r>
+              <a:rPr lang="en-IN" sz="1600" dirty="0"/>
+              <a:t> ex) {</a:t>
+            </a:r>
+          </a:p>
+          <a:p>
+            <a:pPr marL="457200" lvl="1" indent="0">
+              <a:buNone/>
+            </a:pPr>
+            <a:r>
+              <a:rPr lang="en-IN" sz="1600" dirty="0" smtClean="0"/>
+              <a:t>	</a:t>
+            </a:r>
+            <a:r>
+              <a:rPr lang="en-IN" sz="1600" dirty="0" err="1" smtClean="0"/>
+              <a:t>ex.printStackTrace</a:t>
+            </a:r>
+            <a:r>
+              <a:rPr lang="en-IN" sz="1600" dirty="0"/>
+              <a:t>();</a:t>
+            </a:r>
+          </a:p>
+          <a:p>
+            <a:pPr marL="457200" lvl="1" indent="0">
+              <a:buNone/>
+            </a:pPr>
+            <a:r>
+              <a:rPr lang="en-IN" sz="1600" dirty="0"/>
+              <a:t>} </a:t>
+            </a:r>
+            <a:r>
+              <a:rPr lang="en-IN" sz="1600" b="1" dirty="0"/>
+              <a:t>finally </a:t>
+            </a:r>
+            <a:r>
+              <a:rPr lang="en-IN" sz="1600" dirty="0"/>
+              <a:t>{</a:t>
+            </a:r>
+          </a:p>
+          <a:p>
+            <a:pPr marL="457200" lvl="1" indent="0">
+              <a:buNone/>
+            </a:pPr>
+            <a:r>
+              <a:rPr lang="en-IN" sz="1600" b="1" dirty="0" smtClean="0"/>
+              <a:t>	try </a:t>
+            </a:r>
+            <a:r>
+              <a:rPr lang="en-IN" sz="1600" dirty="0"/>
+              <a:t>{</a:t>
+            </a:r>
+          </a:p>
+          <a:p>
+            <a:pPr marL="457200" lvl="1" indent="0">
+              <a:buNone/>
+            </a:pPr>
+            <a:r>
+              <a:rPr lang="en-IN" sz="1600" dirty="0" smtClean="0"/>
+              <a:t>		</a:t>
+            </a:r>
+            <a:r>
+              <a:rPr lang="en-IN" sz="1600" dirty="0" err="1" smtClean="0"/>
+              <a:t>fileWriter.close</a:t>
+            </a:r>
+            <a:r>
+              <a:rPr lang="en-IN" sz="1600" dirty="0"/>
+              <a:t>();</a:t>
+            </a:r>
+          </a:p>
+          <a:p>
+            <a:pPr marL="457200" lvl="1" indent="0">
+              <a:buNone/>
+            </a:pPr>
+            <a:r>
+              <a:rPr lang="en-IN" sz="1600" dirty="0" smtClean="0"/>
+              <a:t>	} </a:t>
+            </a:r>
+            <a:r>
+              <a:rPr lang="en-IN" sz="1600" b="1" dirty="0"/>
+              <a:t>catch </a:t>
+            </a:r>
+            <a:r>
+              <a:rPr lang="en-IN" sz="1600" dirty="0"/>
+              <a:t>(Exception e) {</a:t>
+            </a:r>
+          </a:p>
+          <a:p>
+            <a:pPr marL="457200" lvl="1" indent="0">
+              <a:buNone/>
+            </a:pPr>
+            <a:r>
+              <a:rPr lang="en-IN" sz="1600" dirty="0" smtClean="0"/>
+              <a:t>		</a:t>
+            </a:r>
+            <a:r>
+              <a:rPr lang="en-IN" sz="1600" dirty="0" err="1" smtClean="0"/>
+              <a:t>e.printStackTrace</a:t>
+            </a:r>
+            <a:r>
+              <a:rPr lang="en-IN" sz="1600" dirty="0"/>
+              <a:t>();</a:t>
+            </a:r>
+          </a:p>
+          <a:p>
+            <a:pPr marL="457200" lvl="1" indent="0">
+              <a:buNone/>
+            </a:pPr>
+            <a:r>
+              <a:rPr lang="en-IN" sz="1600" dirty="0" smtClean="0"/>
+              <a:t>	}</a:t>
+            </a:r>
+            <a:endParaRPr lang="en-IN" sz="1600" dirty="0"/>
+          </a:p>
+          <a:p>
+            <a:pPr marL="457200" lvl="1" indent="0">
+              <a:buNone/>
+            </a:pPr>
+            <a:r>
+              <a:rPr lang="en-IN" sz="1600" dirty="0"/>
+              <a:t>}</a:t>
+            </a:r>
+          </a:p>
+          <a:p>
+            <a:pPr marL="0" indent="0">
+              <a:buNone/>
+            </a:pPr>
+            <a:r>
+              <a:rPr lang="en-IN" sz="1600" dirty="0"/>
+              <a:t>}</a:t>
+            </a:r>
+            <a:endParaRPr lang="en-IN" sz="1600" dirty="0"/>
+          </a:p>
+        </p:txBody>
+      </p:sp>
+    </p:spTree>
+    <p:extLst>
+      <p:ext uri="{BB962C8B-B14F-4D97-AF65-F5344CB8AC3E}">
+        <p14:creationId xmlns:p14="http://schemas.microsoft.com/office/powerpoint/2010/main" val="3892672646"/>
+      </p:ext>
+    </p:extLst>
+  </p:cSld>
+  <p:clrMapOvr>
+    <a:masterClrMapping/>
+  </p:clrMapOvr>
+</p:sld>
+</file>
+
+<file path=ppt/slides/slide106.xml><?xml version="1.0" encoding="utf-8"?>
+<p:sld xmlns:a="http://schemas.openxmlformats.org/drawingml/2006/main" xmlns:r="http://schemas.openxmlformats.org/officeDocument/2006/relationships" xmlns:p="http://schemas.openxmlformats.org/presentationml/2006/main">
+  <p:cSld>
+    <p:spTree>
+      <p:nvGrpSpPr>
+        <p:cNvPr id="1" name=""/>
+        <p:cNvGrpSpPr/>
+        <p:nvPr/>
+      </p:nvGrpSpPr>
+      <p:grpSpPr>
+        <a:xfrm>
+          <a:off x="0" y="0"/>
+          <a:ext cx="0" cy="0"/>
+          <a:chOff x="0" y="0"/>
+          <a:chExt cx="0" cy="0"/>
+        </a:xfrm>
+      </p:grpSpPr>
+      <p:sp>
+        <p:nvSpPr>
+          <p:cNvPr id="2" name="Title 1"/>
+          <p:cNvSpPr>
+            <a:spLocks noGrp="1"/>
+          </p:cNvSpPr>
+          <p:nvPr>
+            <p:ph type="title"/>
+          </p:nvPr>
+        </p:nvSpPr>
+        <p:spPr/>
+        <p:txBody>
+          <a:bodyPr/>
+          <a:lstStyle/>
+          <a:p>
+            <a:r>
+              <a:rPr lang="en-IN" dirty="0"/>
+              <a:t>The try-with-resources Statement</a:t>
+            </a:r>
+            <a:endParaRPr lang="en-IN" dirty="0"/>
+          </a:p>
+        </p:txBody>
+      </p:sp>
+      <p:sp>
+        <p:nvSpPr>
+          <p:cNvPr id="3" name="Content Placeholder 2"/>
+          <p:cNvSpPr>
+            <a:spLocks noGrp="1"/>
+          </p:cNvSpPr>
+          <p:nvPr>
+            <p:ph idx="1"/>
+          </p:nvPr>
+        </p:nvSpPr>
+        <p:spPr/>
+        <p:txBody>
+          <a:bodyPr>
+            <a:normAutofit/>
+          </a:bodyPr>
+          <a:lstStyle/>
+          <a:p>
+            <a:pPr marL="0" indent="0">
+              <a:buNone/>
+            </a:pPr>
+            <a:r>
+              <a:rPr lang="en-IN" sz="2200" dirty="0"/>
+              <a:t>The try-with-resources statement is used for declaring </a:t>
+            </a:r>
+            <a:r>
+              <a:rPr lang="en-IN" sz="2200" dirty="0" smtClean="0"/>
+              <a:t>resources that </a:t>
+            </a:r>
+            <a:r>
+              <a:rPr lang="en-IN" sz="2200" dirty="0"/>
+              <a:t>must be closed when they are no longer needed. These </a:t>
+            </a:r>
+            <a:r>
+              <a:rPr lang="en-IN" sz="2200" dirty="0" smtClean="0"/>
+              <a:t>resources are </a:t>
+            </a:r>
+            <a:r>
+              <a:rPr lang="en-IN" sz="2200" dirty="0"/>
+              <a:t>declared in the try block</a:t>
+            </a:r>
+            <a:r>
+              <a:rPr lang="en-IN" sz="2200" dirty="0" smtClean="0"/>
+              <a:t>:</a:t>
+            </a:r>
+          </a:p>
+          <a:p>
+            <a:pPr marL="0" indent="0">
+              <a:buNone/>
+            </a:pPr>
+            <a:endParaRPr lang="en-IN" sz="2200" dirty="0"/>
+          </a:p>
+          <a:p>
+            <a:pPr marL="457200" lvl="1" indent="0">
+              <a:buNone/>
+            </a:pPr>
+            <a:r>
+              <a:rPr lang="en-IN" b="1" dirty="0"/>
+              <a:t>public void </a:t>
+            </a:r>
+            <a:r>
+              <a:rPr lang="en-IN" dirty="0" err="1"/>
+              <a:t>testMethod</a:t>
+            </a:r>
+            <a:r>
+              <a:rPr lang="en-IN" dirty="0"/>
+              <a:t>() </a:t>
+            </a:r>
+            <a:r>
+              <a:rPr lang="en-IN" b="1" dirty="0"/>
+              <a:t>throws </a:t>
+            </a:r>
+            <a:r>
+              <a:rPr lang="en-IN" dirty="0" err="1"/>
+              <a:t>IOException</a:t>
+            </a:r>
+            <a:r>
+              <a:rPr lang="en-IN" dirty="0"/>
+              <a:t> {</a:t>
+            </a:r>
+          </a:p>
+          <a:p>
+            <a:pPr marL="914400" lvl="2" indent="0">
+              <a:buNone/>
+            </a:pPr>
+            <a:r>
+              <a:rPr lang="en-IN" sz="2400" b="1" dirty="0"/>
+              <a:t>try </a:t>
+            </a:r>
+            <a:r>
+              <a:rPr lang="en-IN" sz="2400" dirty="0"/>
+              <a:t>(</a:t>
+            </a:r>
+            <a:r>
+              <a:rPr lang="en-IN" sz="2400" dirty="0" err="1"/>
+              <a:t>FileWriter</a:t>
+            </a:r>
+            <a:r>
+              <a:rPr lang="en-IN" sz="2400" dirty="0"/>
+              <a:t> </a:t>
+            </a:r>
+            <a:r>
+              <a:rPr lang="en-IN" sz="2400" dirty="0" err="1"/>
+              <a:t>fw</a:t>
+            </a:r>
+            <a:r>
+              <a:rPr lang="en-IN" sz="2400" dirty="0"/>
+              <a:t> = </a:t>
+            </a:r>
+            <a:r>
+              <a:rPr lang="en-IN" sz="2400" b="1" dirty="0"/>
+              <a:t>new </a:t>
+            </a:r>
+            <a:r>
+              <a:rPr lang="en-IN" sz="2400" dirty="0" err="1"/>
+              <a:t>FileWriter</a:t>
+            </a:r>
+            <a:r>
+              <a:rPr lang="en-IN" sz="2400" dirty="0"/>
+              <a:t>("\\data.txt</a:t>
+            </a:r>
+            <a:r>
+              <a:rPr lang="en-IN" sz="2400" dirty="0" smtClean="0"/>
+              <a:t>"))  {</a:t>
+            </a:r>
+            <a:endParaRPr lang="en-IN" sz="2400" dirty="0"/>
+          </a:p>
+          <a:p>
+            <a:pPr marL="914400" lvl="2" indent="0">
+              <a:buNone/>
+            </a:pPr>
+            <a:r>
+              <a:rPr lang="en-IN" sz="2400" dirty="0" smtClean="0"/>
+              <a:t>	</a:t>
+            </a:r>
+            <a:r>
+              <a:rPr lang="en-IN" sz="2400" dirty="0" err="1" smtClean="0"/>
+              <a:t>fw.write</a:t>
+            </a:r>
+            <a:r>
+              <a:rPr lang="en-IN" sz="2400" dirty="0"/>
+              <a:t>("Information...");</a:t>
+            </a:r>
+          </a:p>
+          <a:p>
+            <a:pPr marL="914400" lvl="2" indent="0">
+              <a:buNone/>
+            </a:pPr>
+            <a:r>
+              <a:rPr lang="en-IN" sz="2400" dirty="0"/>
+              <a:t>}</a:t>
+            </a:r>
+          </a:p>
+          <a:p>
+            <a:pPr marL="457200" lvl="1" indent="0">
+              <a:buNone/>
+            </a:pPr>
+            <a:r>
+              <a:rPr lang="en-IN" dirty="0" smtClean="0"/>
+              <a:t>}</a:t>
+            </a:r>
+          </a:p>
+          <a:p>
+            <a:pPr marL="0" indent="0">
+              <a:buNone/>
+            </a:pPr>
+            <a:endParaRPr lang="en-IN" sz="2200" dirty="0"/>
+          </a:p>
+          <a:p>
+            <a:pPr marL="0" indent="0">
+              <a:buNone/>
+            </a:pPr>
+            <a:r>
+              <a:rPr lang="en-IN" sz="2200" i="1" dirty="0"/>
+              <a:t>Any resource that implements the </a:t>
+            </a:r>
+            <a:r>
+              <a:rPr lang="en-IN" sz="2200" i="1" dirty="0" err="1"/>
+              <a:t>AutoClosable</a:t>
+            </a:r>
+            <a:r>
+              <a:rPr lang="en-IN" sz="2200" i="1" dirty="0"/>
+              <a:t> interface may </a:t>
+            </a:r>
+            <a:r>
+              <a:rPr lang="en-IN" sz="2200" i="1" dirty="0" smtClean="0"/>
+              <a:t>be used </a:t>
+            </a:r>
+            <a:r>
+              <a:rPr lang="en-IN" sz="2200" i="1" dirty="0"/>
+              <a:t>with the try-with-resources statement.</a:t>
+            </a:r>
+            <a:endParaRPr lang="en-IN" sz="2200" i="1" dirty="0"/>
+          </a:p>
+        </p:txBody>
+      </p:sp>
+    </p:spTree>
+    <p:extLst>
+      <p:ext uri="{BB962C8B-B14F-4D97-AF65-F5344CB8AC3E}">
+        <p14:creationId xmlns:p14="http://schemas.microsoft.com/office/powerpoint/2010/main" val="626468455"/>
+      </p:ext>
+    </p:extLst>
+  </p:cSld>
+  <p:clrMapOvr>
+    <a:masterClrMapping/>
+  </p:clrMapOvr>
+</p:sld>
+</file>
+
+<file path=ppt/slides/slide107.xml><?xml version="1.0" encoding="utf-8"?>
+<p:sld xmlns:a="http://schemas.openxmlformats.org/drawingml/2006/main" xmlns:r="http://schemas.openxmlformats.org/officeDocument/2006/relationships" xmlns:p="http://schemas.openxmlformats.org/presentationml/2006/main">
+  <p:cSld>
+    <p:spTree>
+      <p:nvGrpSpPr>
+        <p:cNvPr id="1" name=""/>
+        <p:cNvGrpSpPr/>
+        <p:nvPr/>
+      </p:nvGrpSpPr>
+      <p:grpSpPr>
+        <a:xfrm>
+          <a:off x="0" y="0"/>
+          <a:ext cx="0" cy="0"/>
+          <a:chOff x="0" y="0"/>
+          <a:chExt cx="0" cy="0"/>
+        </a:xfrm>
+      </p:grpSpPr>
+      <p:sp>
+        <p:nvSpPr>
+          <p:cNvPr id="2" name="Title 1"/>
+          <p:cNvSpPr>
+            <a:spLocks noGrp="1"/>
+          </p:cNvSpPr>
+          <p:nvPr>
+            <p:ph type="title"/>
+          </p:nvPr>
+        </p:nvSpPr>
+        <p:spPr/>
+        <p:txBody>
+          <a:bodyPr/>
+          <a:lstStyle/>
+          <a:p>
+            <a:r>
+              <a:rPr lang="en-IN" dirty="0"/>
+              <a:t>The multi-catch </a:t>
+            </a:r>
+            <a:r>
+              <a:rPr lang="en-IN" dirty="0" smtClean="0"/>
+              <a:t>Clause</a:t>
+            </a:r>
+            <a:endParaRPr lang="en-IN" dirty="0"/>
+          </a:p>
+        </p:txBody>
+      </p:sp>
+      <p:sp>
+        <p:nvSpPr>
+          <p:cNvPr id="3" name="Content Placeholder 2"/>
+          <p:cNvSpPr>
+            <a:spLocks noGrp="1"/>
+          </p:cNvSpPr>
+          <p:nvPr>
+            <p:ph idx="1"/>
+          </p:nvPr>
+        </p:nvSpPr>
+        <p:spPr>
+          <a:xfrm>
+            <a:off x="838200" y="1365161"/>
+            <a:ext cx="10515600" cy="5254580"/>
+          </a:xfrm>
+        </p:spPr>
+        <p:txBody>
+          <a:bodyPr>
+            <a:noAutofit/>
+          </a:bodyPr>
+          <a:lstStyle/>
+          <a:p>
+            <a:pPr marL="0" indent="0">
+              <a:buNone/>
+            </a:pPr>
+            <a:r>
+              <a:rPr lang="en-IN" sz="2200" dirty="0" smtClean="0"/>
+              <a:t>The </a:t>
+            </a:r>
+            <a:r>
+              <a:rPr lang="en-IN" sz="2200" dirty="0"/>
+              <a:t>multi-catch clause is used to allow for multiple </a:t>
+            </a:r>
+            <a:r>
+              <a:rPr lang="en-IN" sz="2200" dirty="0" smtClean="0"/>
+              <a:t>exception arguments </a:t>
+            </a:r>
+            <a:r>
+              <a:rPr lang="en-IN" sz="2200" dirty="0"/>
+              <a:t>in one catch clause</a:t>
+            </a:r>
+            <a:r>
+              <a:rPr lang="en-IN" sz="2200" dirty="0" smtClean="0"/>
+              <a:t>:</a:t>
+            </a:r>
+            <a:endParaRPr lang="en-IN" sz="2200" dirty="0"/>
+          </a:p>
+          <a:p>
+            <a:pPr marL="0" indent="0">
+              <a:buNone/>
+            </a:pPr>
+            <a:r>
+              <a:rPr lang="en-IN" sz="2200" b="1" dirty="0" err="1"/>
+              <a:t>boolean</a:t>
+            </a:r>
+            <a:r>
+              <a:rPr lang="en-IN" sz="2200" b="1" dirty="0"/>
+              <a:t> </a:t>
+            </a:r>
+            <a:r>
+              <a:rPr lang="en-IN" sz="2200" dirty="0" err="1"/>
+              <a:t>isTest</a:t>
+            </a:r>
+            <a:r>
+              <a:rPr lang="en-IN" sz="2200" dirty="0"/>
+              <a:t> = </a:t>
+            </a:r>
+            <a:r>
+              <a:rPr lang="en-IN" sz="2200" b="1" dirty="0"/>
+              <a:t>false</a:t>
+            </a:r>
+            <a:r>
+              <a:rPr lang="en-IN" sz="2200" dirty="0"/>
+              <a:t>;</a:t>
+            </a:r>
+          </a:p>
+          <a:p>
+            <a:pPr marL="0" indent="0">
+              <a:buNone/>
+            </a:pPr>
+            <a:r>
+              <a:rPr lang="en-IN" sz="2200" b="1" dirty="0"/>
+              <a:t>public void </a:t>
+            </a:r>
+            <a:r>
+              <a:rPr lang="en-IN" sz="2200" dirty="0" err="1"/>
+              <a:t>testMethod</a:t>
+            </a:r>
+            <a:r>
+              <a:rPr lang="en-IN" sz="2200" dirty="0"/>
+              <a:t>() {</a:t>
+            </a:r>
+          </a:p>
+          <a:p>
+            <a:pPr marL="457200" lvl="1" indent="0">
+              <a:buNone/>
+            </a:pPr>
+            <a:r>
+              <a:rPr lang="en-IN" sz="2200" b="1" dirty="0"/>
+              <a:t>try </a:t>
+            </a:r>
+            <a:r>
+              <a:rPr lang="en-IN" sz="2200" dirty="0"/>
+              <a:t>{</a:t>
+            </a:r>
+          </a:p>
+          <a:p>
+            <a:pPr marL="914400" lvl="2" indent="0">
+              <a:buNone/>
+            </a:pPr>
+            <a:r>
+              <a:rPr lang="en-IN" sz="2200" b="1" dirty="0"/>
+              <a:t>if </a:t>
+            </a:r>
+            <a:r>
+              <a:rPr lang="en-IN" sz="2200" dirty="0"/>
+              <a:t>(</a:t>
+            </a:r>
+            <a:r>
+              <a:rPr lang="en-IN" sz="2200" dirty="0" err="1"/>
+              <a:t>isTest</a:t>
+            </a:r>
+            <a:r>
+              <a:rPr lang="en-IN" sz="2200" dirty="0"/>
+              <a:t>) {</a:t>
+            </a:r>
+          </a:p>
+          <a:p>
+            <a:pPr marL="914400" lvl="2" indent="0">
+              <a:buNone/>
+            </a:pPr>
+            <a:r>
+              <a:rPr lang="en-IN" sz="2200" b="1" dirty="0" smtClean="0"/>
+              <a:t>	throw </a:t>
+            </a:r>
+            <a:r>
+              <a:rPr lang="en-IN" sz="2200" b="1" dirty="0"/>
+              <a:t>new </a:t>
+            </a:r>
+            <a:r>
+              <a:rPr lang="en-IN" sz="2200" dirty="0" err="1"/>
+              <a:t>IOException</a:t>
+            </a:r>
+            <a:r>
+              <a:rPr lang="en-IN" sz="2200" dirty="0"/>
+              <a:t>();</a:t>
+            </a:r>
+          </a:p>
+          <a:p>
+            <a:pPr marL="914400" lvl="2" indent="0">
+              <a:buNone/>
+            </a:pPr>
+            <a:r>
+              <a:rPr lang="en-IN" sz="2200" dirty="0"/>
+              <a:t>} </a:t>
+            </a:r>
+            <a:r>
+              <a:rPr lang="en-IN" sz="2200" b="1" dirty="0"/>
+              <a:t>else </a:t>
+            </a:r>
+            <a:r>
+              <a:rPr lang="en-IN" sz="2200" dirty="0"/>
+              <a:t>{</a:t>
+            </a:r>
+          </a:p>
+          <a:p>
+            <a:pPr marL="914400" lvl="2" indent="0">
+              <a:buNone/>
+            </a:pPr>
+            <a:r>
+              <a:rPr lang="en-IN" sz="2200" b="1" dirty="0" smtClean="0"/>
+              <a:t>	throw </a:t>
+            </a:r>
+            <a:r>
+              <a:rPr lang="en-IN" sz="2200" b="1" dirty="0"/>
+              <a:t>new </a:t>
+            </a:r>
+            <a:r>
+              <a:rPr lang="en-IN" sz="2200" dirty="0" err="1"/>
+              <a:t>SQLException</a:t>
+            </a:r>
+            <a:r>
+              <a:rPr lang="en-IN" sz="2200" dirty="0"/>
+              <a:t>();</a:t>
+            </a:r>
+          </a:p>
+          <a:p>
+            <a:pPr marL="914400" lvl="2" indent="0">
+              <a:buNone/>
+            </a:pPr>
+            <a:r>
+              <a:rPr lang="en-IN" sz="2200" dirty="0"/>
+              <a:t>}</a:t>
+            </a:r>
+          </a:p>
+          <a:p>
+            <a:pPr marL="457200" lvl="1" indent="0">
+              <a:buNone/>
+            </a:pPr>
+            <a:r>
+              <a:rPr lang="en-IN" sz="2200" dirty="0"/>
+              <a:t>} </a:t>
+            </a:r>
+            <a:r>
+              <a:rPr lang="en-IN" sz="2200" b="1" dirty="0"/>
+              <a:t>catch </a:t>
+            </a:r>
+            <a:r>
+              <a:rPr lang="en-IN" sz="2200" dirty="0"/>
+              <a:t>(</a:t>
+            </a:r>
+            <a:r>
+              <a:rPr lang="en-IN" sz="2200" dirty="0" err="1"/>
+              <a:t>IOException</a:t>
+            </a:r>
+            <a:r>
+              <a:rPr lang="en-IN" sz="2200" dirty="0"/>
+              <a:t> | </a:t>
+            </a:r>
+            <a:r>
+              <a:rPr lang="en-IN" sz="2200" dirty="0" err="1"/>
+              <a:t>SQLException</a:t>
+            </a:r>
+            <a:r>
+              <a:rPr lang="en-IN" sz="2200" dirty="0"/>
+              <a:t> e) {</a:t>
+            </a:r>
+          </a:p>
+          <a:p>
+            <a:pPr marL="457200" lvl="1" indent="0">
+              <a:buNone/>
+            </a:pPr>
+            <a:r>
+              <a:rPr lang="en-IN" sz="2200" dirty="0" smtClean="0"/>
+              <a:t>	</a:t>
+            </a:r>
+            <a:r>
+              <a:rPr lang="en-IN" sz="2200" dirty="0" err="1" smtClean="0"/>
+              <a:t>e.printStackTrace</a:t>
+            </a:r>
+            <a:r>
+              <a:rPr lang="en-IN" sz="2200" dirty="0"/>
+              <a:t>();</a:t>
+            </a:r>
+          </a:p>
+          <a:p>
+            <a:pPr marL="457200" lvl="1" indent="0">
+              <a:buNone/>
+            </a:pPr>
+            <a:r>
+              <a:rPr lang="en-IN" sz="2200" dirty="0"/>
+              <a:t>}</a:t>
+            </a:r>
+          </a:p>
+          <a:p>
+            <a:pPr marL="0" indent="0">
+              <a:buNone/>
+            </a:pPr>
+            <a:r>
+              <a:rPr lang="en-IN" sz="2200" dirty="0"/>
+              <a:t>}</a:t>
+            </a:r>
+            <a:endParaRPr lang="en-IN" sz="2200" dirty="0"/>
+          </a:p>
+        </p:txBody>
+      </p:sp>
+    </p:spTree>
+    <p:extLst>
+      <p:ext uri="{BB962C8B-B14F-4D97-AF65-F5344CB8AC3E}">
+        <p14:creationId xmlns:p14="http://schemas.microsoft.com/office/powerpoint/2010/main" val="2324471275"/>
+      </p:ext>
+    </p:extLst>
+  </p:cSld>
+  <p:clrMapOvr>
+    <a:masterClrMapping/>
+  </p:clrMapOvr>
+</p:sld>
+</file>
+
+<file path=ppt/slides/slide108.xml><?xml version="1.0" encoding="utf-8"?>
+<p:sld xmlns:a="http://schemas.openxmlformats.org/drawingml/2006/main" xmlns:r="http://schemas.openxmlformats.org/officeDocument/2006/relationships" xmlns:p="http://schemas.openxmlformats.org/presentationml/2006/main">
+  <p:cSld>
+    <p:spTree>
+      <p:nvGrpSpPr>
+        <p:cNvPr id="1" name=""/>
+        <p:cNvGrpSpPr/>
+        <p:nvPr/>
+      </p:nvGrpSpPr>
+      <p:grpSpPr>
+        <a:xfrm>
+          <a:off x="0" y="0"/>
+          <a:ext cx="0" cy="0"/>
+          <a:chOff x="0" y="0"/>
+          <a:chExt cx="0" cy="0"/>
+        </a:xfrm>
+      </p:grpSpPr>
+      <p:sp>
+        <p:nvSpPr>
+          <p:cNvPr id="2" name="Title 1"/>
+          <p:cNvSpPr>
+            <a:spLocks noGrp="1"/>
+          </p:cNvSpPr>
+          <p:nvPr>
+            <p:ph type="title"/>
+          </p:nvPr>
+        </p:nvSpPr>
+        <p:spPr/>
+        <p:txBody>
+          <a:bodyPr/>
+          <a:lstStyle/>
+          <a:p>
+            <a:r>
+              <a:rPr lang="en-IN" dirty="0"/>
+              <a:t>The Exception Handling Process</a:t>
+            </a:r>
+            <a:endParaRPr lang="en-IN" dirty="0"/>
+          </a:p>
+        </p:txBody>
+      </p:sp>
+      <p:sp>
+        <p:nvSpPr>
+          <p:cNvPr id="3" name="Content Placeholder 2"/>
+          <p:cNvSpPr>
+            <a:spLocks noGrp="1"/>
+          </p:cNvSpPr>
+          <p:nvPr>
+            <p:ph idx="1"/>
+          </p:nvPr>
+        </p:nvSpPr>
+        <p:spPr/>
+        <p:txBody>
+          <a:bodyPr>
+            <a:normAutofit/>
+          </a:bodyPr>
+          <a:lstStyle/>
+          <a:p>
+            <a:pPr marL="0" indent="0">
+              <a:buNone/>
+            </a:pPr>
+            <a:r>
+              <a:rPr lang="en-IN" sz="2200" dirty="0"/>
+              <a:t>Here are the steps to the exception handling process</a:t>
+            </a:r>
+            <a:r>
+              <a:rPr lang="en-IN" sz="2200" dirty="0" smtClean="0"/>
+              <a:t>:</a:t>
+            </a:r>
+          </a:p>
+          <a:p>
+            <a:r>
+              <a:rPr lang="en-IN" sz="2200" dirty="0" smtClean="0"/>
+              <a:t>An </a:t>
+            </a:r>
+            <a:r>
+              <a:rPr lang="en-IN" sz="2200" dirty="0"/>
+              <a:t>exception is encountered, which results in an </a:t>
+            </a:r>
+            <a:r>
+              <a:rPr lang="en-IN" sz="2200" dirty="0" smtClean="0"/>
+              <a:t>exception object </a:t>
+            </a:r>
+            <a:r>
+              <a:rPr lang="en-IN" sz="2200" dirty="0"/>
+              <a:t>being created.</a:t>
+            </a:r>
+          </a:p>
+          <a:p>
+            <a:r>
+              <a:rPr lang="en-IN" sz="2200" dirty="0" smtClean="0"/>
+              <a:t>A </a:t>
+            </a:r>
+            <a:r>
+              <a:rPr lang="en-IN" sz="2200" dirty="0"/>
+              <a:t>new exception object is </a:t>
+            </a:r>
+            <a:r>
+              <a:rPr lang="en-IN" sz="2200" dirty="0" smtClean="0"/>
+              <a:t>thrown.</a:t>
+            </a:r>
+          </a:p>
+          <a:p>
+            <a:r>
+              <a:rPr lang="en-IN" sz="2200" dirty="0" smtClean="0"/>
+              <a:t>The </a:t>
+            </a:r>
+            <a:r>
+              <a:rPr lang="en-IN" sz="2200" dirty="0"/>
+              <a:t>runtime system looks for code to handle the exception</a:t>
+            </a:r>
+            <a:r>
+              <a:rPr lang="en-IN" sz="2200" dirty="0" smtClean="0"/>
+              <a:t>, beginning </a:t>
+            </a:r>
+            <a:r>
+              <a:rPr lang="en-IN" sz="2200" dirty="0"/>
+              <a:t>with the method in which the exception </a:t>
+            </a:r>
+            <a:r>
+              <a:rPr lang="en-IN" sz="2200" dirty="0" smtClean="0"/>
+              <a:t>object was </a:t>
+            </a:r>
+            <a:r>
+              <a:rPr lang="en-IN" sz="2200" dirty="0"/>
+              <a:t>created. If no handler is found, the runtime </a:t>
+            </a:r>
+            <a:r>
+              <a:rPr lang="en-IN" sz="2200" dirty="0" smtClean="0"/>
+              <a:t>environment </a:t>
+            </a:r>
+            <a:r>
+              <a:rPr lang="en-IN" sz="2200" dirty="0" err="1" smtClean="0"/>
+              <a:t>raverses</a:t>
+            </a:r>
+            <a:r>
+              <a:rPr lang="en-IN" sz="2200" dirty="0" smtClean="0"/>
+              <a:t> </a:t>
+            </a:r>
+            <a:r>
+              <a:rPr lang="en-IN" sz="2200" dirty="0"/>
+              <a:t>the call stack (the ordered list of methods</a:t>
+            </a:r>
+            <a:r>
+              <a:rPr lang="en-IN" sz="2200" dirty="0" smtClean="0"/>
+              <a:t>) in </a:t>
+            </a:r>
+            <a:r>
+              <a:rPr lang="en-IN" sz="2200" dirty="0"/>
+              <a:t>reverse looking for an exception handler. If the </a:t>
+            </a:r>
+            <a:r>
+              <a:rPr lang="en-IN" sz="2200" dirty="0" smtClean="0"/>
+              <a:t>exception is </a:t>
+            </a:r>
+            <a:r>
+              <a:rPr lang="en-IN" sz="2200" dirty="0"/>
+              <a:t>not handled, the program exits and a stack trace is </a:t>
+            </a:r>
+            <a:r>
+              <a:rPr lang="en-IN" sz="2200" dirty="0" smtClean="0"/>
+              <a:t>automatically output</a:t>
+            </a:r>
+            <a:r>
+              <a:rPr lang="en-IN" sz="2200" dirty="0"/>
+              <a:t>.</a:t>
+            </a:r>
+          </a:p>
+          <a:p>
+            <a:r>
+              <a:rPr lang="en-IN" sz="2200" dirty="0" smtClean="0"/>
+              <a:t>The </a:t>
+            </a:r>
+            <a:r>
+              <a:rPr lang="en-IN" sz="2200" dirty="0"/>
+              <a:t>runtime system hands the exception object off to </a:t>
+            </a:r>
+            <a:r>
+              <a:rPr lang="en-IN" sz="2200" dirty="0" smtClean="0"/>
+              <a:t>an exception </a:t>
+            </a:r>
+            <a:r>
+              <a:rPr lang="en-IN" sz="2200" dirty="0"/>
+              <a:t>handler to handle (catch) the exception.</a:t>
+            </a:r>
+            <a:endParaRPr lang="en-IN" sz="2200" dirty="0"/>
+          </a:p>
+        </p:txBody>
+      </p:sp>
+    </p:spTree>
+    <p:extLst>
+      <p:ext uri="{BB962C8B-B14F-4D97-AF65-F5344CB8AC3E}">
+        <p14:creationId xmlns:p14="http://schemas.microsoft.com/office/powerpoint/2010/main" val="3795861336"/>
+      </p:ext>
+    </p:extLst>
+  </p:cSld>
+  <p:clrMapOvr>
+    <a:masterClrMapping/>
+  </p:clrMapOvr>
+</p:sld>
+</file>
+
+<file path=ppt/slides/slide109.xml><?xml version="1.0" encoding="utf-8"?>
+<p:sld xmlns:a="http://schemas.openxmlformats.org/drawingml/2006/main" xmlns:r="http://schemas.openxmlformats.org/officeDocument/2006/relationships" xmlns:p="http://schemas.openxmlformats.org/presentationml/2006/main">
+  <p:cSld>
+    <p:spTree>
+      <p:nvGrpSpPr>
+        <p:cNvPr id="1" name=""/>
+        <p:cNvGrpSpPr/>
+        <p:nvPr/>
+      </p:nvGrpSpPr>
+      <p:grpSpPr>
+        <a:xfrm>
+          <a:off x="0" y="0"/>
+          <a:ext cx="0" cy="0"/>
+          <a:chOff x="0" y="0"/>
+          <a:chExt cx="0" cy="0"/>
+        </a:xfrm>
+      </p:grpSpPr>
+      <p:sp>
+        <p:nvSpPr>
+          <p:cNvPr id="2" name="Title 1"/>
+          <p:cNvSpPr>
+            <a:spLocks noGrp="1"/>
+          </p:cNvSpPr>
+          <p:nvPr>
+            <p:ph type="title"/>
+          </p:nvPr>
+        </p:nvSpPr>
+        <p:spPr/>
+        <p:txBody>
+          <a:bodyPr/>
+          <a:lstStyle/>
+          <a:p>
+            <a:r>
+              <a:rPr lang="en-IN" dirty="0"/>
+              <a:t>Defining Your Own Exception Class</a:t>
+            </a:r>
+            <a:endParaRPr lang="en-IN" dirty="0"/>
+          </a:p>
+        </p:txBody>
+      </p:sp>
+      <p:sp>
+        <p:nvSpPr>
+          <p:cNvPr id="3" name="Content Placeholder 2"/>
+          <p:cNvSpPr>
+            <a:spLocks noGrp="1"/>
+          </p:cNvSpPr>
+          <p:nvPr>
+            <p:ph idx="1"/>
+          </p:nvPr>
+        </p:nvSpPr>
+        <p:spPr/>
+        <p:txBody>
+          <a:bodyPr>
+            <a:normAutofit/>
+          </a:bodyPr>
+          <a:lstStyle/>
+          <a:p>
+            <a:pPr marL="0" indent="0">
+              <a:buNone/>
+            </a:pPr>
+            <a:r>
+              <a:rPr lang="en-IN" sz="2200" dirty="0"/>
+              <a:t>Programmer-defined exceptions should be created when </a:t>
+            </a:r>
+            <a:r>
+              <a:rPr lang="en-IN" sz="2200" dirty="0" smtClean="0"/>
+              <a:t>those other </a:t>
+            </a:r>
+            <a:r>
+              <a:rPr lang="en-IN" sz="2200" dirty="0"/>
+              <a:t>than the existing Java exceptions are necessary. In general</a:t>
+            </a:r>
+            <a:r>
+              <a:rPr lang="en-IN" sz="2200" dirty="0" smtClean="0"/>
+              <a:t>, the </a:t>
+            </a:r>
+            <a:r>
+              <a:rPr lang="en-IN" sz="2200" dirty="0"/>
+              <a:t>Java exceptions should be reused wherever possible:</a:t>
+            </a:r>
+          </a:p>
+          <a:p>
+            <a:r>
+              <a:rPr lang="en-IN" sz="2200" dirty="0" smtClean="0"/>
+              <a:t>To </a:t>
+            </a:r>
+            <a:r>
+              <a:rPr lang="en-IN" sz="2200" dirty="0"/>
+              <a:t>define a checked exception, the new exception </a:t>
+            </a:r>
+            <a:r>
+              <a:rPr lang="en-IN" sz="2200" dirty="0" smtClean="0"/>
+              <a:t>class must </a:t>
+            </a:r>
+            <a:r>
+              <a:rPr lang="en-IN" sz="2200" dirty="0"/>
+              <a:t>extend the Exception class, directly or indirectly.</a:t>
+            </a:r>
+          </a:p>
+          <a:p>
+            <a:r>
+              <a:rPr lang="en-IN" sz="2200" dirty="0" smtClean="0"/>
+              <a:t>To </a:t>
+            </a:r>
+            <a:r>
+              <a:rPr lang="en-IN" sz="2200" dirty="0"/>
+              <a:t>define an unchecked exception, the new exception </a:t>
+            </a:r>
+            <a:r>
+              <a:rPr lang="en-IN" sz="2200" dirty="0" smtClean="0"/>
+              <a:t>class must </a:t>
+            </a:r>
+            <a:r>
+              <a:rPr lang="en-IN" sz="2200" dirty="0"/>
+              <a:t>extend the </a:t>
+            </a:r>
+            <a:r>
+              <a:rPr lang="en-IN" sz="2200" dirty="0" err="1"/>
+              <a:t>RuntimeException</a:t>
+            </a:r>
+            <a:r>
+              <a:rPr lang="en-IN" sz="2200" dirty="0"/>
+              <a:t> class, directly or indirectly.</a:t>
+            </a:r>
+          </a:p>
+          <a:p>
+            <a:r>
+              <a:rPr lang="en-IN" sz="2200" dirty="0" smtClean="0"/>
+              <a:t>To </a:t>
+            </a:r>
+            <a:r>
+              <a:rPr lang="en-IN" sz="2200" dirty="0"/>
+              <a:t>define an unchecked error, the new error class must </a:t>
+            </a:r>
+            <a:r>
+              <a:rPr lang="en-IN" sz="2200" dirty="0" smtClean="0"/>
+              <a:t>extend the </a:t>
+            </a:r>
+            <a:r>
+              <a:rPr lang="en-IN" sz="2200" dirty="0"/>
+              <a:t>Error class</a:t>
+            </a:r>
+            <a:r>
+              <a:rPr lang="en-IN" sz="2200" dirty="0" smtClean="0"/>
+              <a:t>.</a:t>
+            </a:r>
+            <a:endParaRPr lang="en-IN" sz="2200" dirty="0"/>
+          </a:p>
+        </p:txBody>
+      </p:sp>
+    </p:spTree>
+    <p:extLst>
+      <p:ext uri="{BB962C8B-B14F-4D97-AF65-F5344CB8AC3E}">
+        <p14:creationId xmlns:p14="http://schemas.microsoft.com/office/powerpoint/2010/main" val="1290436620"/>
+      </p:ext>
+    </p:extLst>
+  </p:cSld>
+  <p:clrMapOvr>
+    <a:masterClrMapping/>
+  </p:clrMapOvr>
+</p:sld>
+</file>
+
 <file path=ppt/slides/slide11.xml><?xml version="1.0" encoding="utf-8"?>
 <p:sld xmlns:a="http://schemas.openxmlformats.org/drawingml/2006/main" xmlns:r="http://schemas.openxmlformats.org/officeDocument/2006/relationships" xmlns:p="http://schemas.openxmlformats.org/presentationml/2006/main">
   <p:cSld>
@@ -3436,6 +5915,918 @@
     <p:extLst>
       <p:ext uri="{BB962C8B-B14F-4D97-AF65-F5344CB8AC3E}">
         <p14:creationId xmlns:p14="http://schemas.microsoft.com/office/powerpoint/2010/main" val="337272252"/>
+      </p:ext>
+    </p:extLst>
+  </p:cSld>
+  <p:clrMapOvr>
+    <a:masterClrMapping/>
+  </p:clrMapOvr>
+</p:sld>
+</file>
+
+<file path=ppt/slides/slide110.xml><?xml version="1.0" encoding="utf-8"?>
+<p:sld xmlns:a="http://schemas.openxmlformats.org/drawingml/2006/main" xmlns:r="http://schemas.openxmlformats.org/officeDocument/2006/relationships" xmlns:p="http://schemas.openxmlformats.org/presentationml/2006/main">
+  <p:cSld>
+    <p:spTree>
+      <p:nvGrpSpPr>
+        <p:cNvPr id="1" name=""/>
+        <p:cNvGrpSpPr/>
+        <p:nvPr/>
+      </p:nvGrpSpPr>
+      <p:grpSpPr>
+        <a:xfrm>
+          <a:off x="0" y="0"/>
+          <a:ext cx="0" cy="0"/>
+          <a:chOff x="0" y="0"/>
+          <a:chExt cx="0" cy="0"/>
+        </a:xfrm>
+      </p:grpSpPr>
+      <p:sp>
+        <p:nvSpPr>
+          <p:cNvPr id="2" name="Title 1"/>
+          <p:cNvSpPr>
+            <a:spLocks noGrp="1"/>
+          </p:cNvSpPr>
+          <p:nvPr>
+            <p:ph type="title"/>
+          </p:nvPr>
+        </p:nvSpPr>
+        <p:spPr/>
+        <p:txBody>
+          <a:bodyPr/>
+          <a:lstStyle/>
+          <a:p>
+            <a:r>
+              <a:rPr lang="en-IN" dirty="0" smtClean="0"/>
+              <a:t>Continued…</a:t>
+            </a:r>
+            <a:endParaRPr lang="en-IN" dirty="0"/>
+          </a:p>
+        </p:txBody>
+      </p:sp>
+      <p:sp>
+        <p:nvSpPr>
+          <p:cNvPr id="3" name="Content Placeholder 2"/>
+          <p:cNvSpPr>
+            <a:spLocks noGrp="1"/>
+          </p:cNvSpPr>
+          <p:nvPr>
+            <p:ph idx="1"/>
+          </p:nvPr>
+        </p:nvSpPr>
+        <p:spPr/>
+        <p:txBody>
+          <a:bodyPr>
+            <a:normAutofit/>
+          </a:bodyPr>
+          <a:lstStyle/>
+          <a:p>
+            <a:pPr marL="0" indent="0">
+              <a:buNone/>
+            </a:pPr>
+            <a:r>
+              <a:rPr lang="en-IN" sz="2200" dirty="0" smtClean="0"/>
+              <a:t>User-defined exceptions should have at least two constructors— a constructor that does not accept any arguments and a constructor that does:</a:t>
+            </a:r>
+          </a:p>
+          <a:p>
+            <a:pPr marL="0" indent="0">
+              <a:buNone/>
+            </a:pPr>
+            <a:r>
+              <a:rPr lang="en-IN" sz="2200" b="1" dirty="0" smtClean="0"/>
+              <a:t>public class </a:t>
+            </a:r>
+            <a:r>
+              <a:rPr lang="en-IN" sz="2200" b="1" dirty="0" err="1" smtClean="0"/>
+              <a:t>ReportException</a:t>
+            </a:r>
+            <a:r>
+              <a:rPr lang="en-IN" sz="2200" b="1" dirty="0" smtClean="0"/>
+              <a:t> extends </a:t>
+            </a:r>
+            <a:r>
+              <a:rPr lang="en-IN" sz="2200" dirty="0" smtClean="0"/>
+              <a:t>Exception {</a:t>
+            </a:r>
+          </a:p>
+          <a:p>
+            <a:pPr marL="457200" lvl="1" indent="0">
+              <a:buNone/>
+            </a:pPr>
+            <a:r>
+              <a:rPr lang="en-IN" sz="2200" b="1" dirty="0" smtClean="0"/>
+              <a:t>public </a:t>
+            </a:r>
+            <a:r>
+              <a:rPr lang="en-IN" sz="2200" dirty="0" err="1" smtClean="0"/>
+              <a:t>ReportException</a:t>
+            </a:r>
+            <a:r>
+              <a:rPr lang="en-IN" sz="2200" dirty="0" smtClean="0"/>
+              <a:t> () {}</a:t>
+            </a:r>
+          </a:p>
+          <a:p>
+            <a:pPr marL="457200" lvl="1" indent="0">
+              <a:buNone/>
+            </a:pPr>
+            <a:r>
+              <a:rPr lang="en-IN" sz="2200" b="1" dirty="0" smtClean="0"/>
+              <a:t>public </a:t>
+            </a:r>
+            <a:r>
+              <a:rPr lang="en-IN" sz="2200" dirty="0" err="1" smtClean="0"/>
+              <a:t>ReportException</a:t>
+            </a:r>
+            <a:r>
+              <a:rPr lang="en-IN" sz="2200" dirty="0" smtClean="0"/>
+              <a:t> (String message, </a:t>
+            </a:r>
+            <a:r>
+              <a:rPr lang="en-IN" sz="2200" b="1" dirty="0" err="1" smtClean="0"/>
+              <a:t>int</a:t>
+            </a:r>
+            <a:r>
+              <a:rPr lang="en-IN" sz="2200" b="1" dirty="0" smtClean="0"/>
+              <a:t> </a:t>
+            </a:r>
+            <a:r>
+              <a:rPr lang="en-IN" sz="2200" dirty="0" err="1" smtClean="0"/>
+              <a:t>reportId</a:t>
+            </a:r>
+            <a:r>
+              <a:rPr lang="en-IN" sz="2200" dirty="0" smtClean="0"/>
+              <a:t>) {</a:t>
+            </a:r>
+          </a:p>
+          <a:p>
+            <a:pPr marL="457200" lvl="1" indent="0">
+              <a:buNone/>
+            </a:pPr>
+            <a:r>
+              <a:rPr lang="en-IN" sz="2200" dirty="0" smtClean="0"/>
+              <a:t>	...</a:t>
+            </a:r>
+          </a:p>
+          <a:p>
+            <a:pPr marL="457200" lvl="1" indent="0">
+              <a:buNone/>
+            </a:pPr>
+            <a:r>
+              <a:rPr lang="en-IN" sz="2200" dirty="0" smtClean="0"/>
+              <a:t>}</a:t>
+            </a:r>
+          </a:p>
+          <a:p>
+            <a:pPr marL="0" indent="0">
+              <a:buNone/>
+            </a:pPr>
+            <a:r>
+              <a:rPr lang="en-IN" sz="2200" dirty="0" smtClean="0"/>
+              <a:t>}</a:t>
+            </a:r>
+            <a:endParaRPr lang="en-IN" sz="2200" dirty="0"/>
+          </a:p>
+        </p:txBody>
+      </p:sp>
+    </p:spTree>
+    <p:extLst>
+      <p:ext uri="{BB962C8B-B14F-4D97-AF65-F5344CB8AC3E}">
+        <p14:creationId xmlns:p14="http://schemas.microsoft.com/office/powerpoint/2010/main" val="910994303"/>
+      </p:ext>
+    </p:extLst>
+  </p:cSld>
+  <p:clrMapOvr>
+    <a:masterClrMapping/>
+  </p:clrMapOvr>
+</p:sld>
+</file>
+
+<file path=ppt/slides/slide111.xml><?xml version="1.0" encoding="utf-8"?>
+<p:sld xmlns:a="http://schemas.openxmlformats.org/drawingml/2006/main" xmlns:r="http://schemas.openxmlformats.org/officeDocument/2006/relationships" xmlns:p="http://schemas.openxmlformats.org/presentationml/2006/main">
+  <p:cSld>
+    <p:spTree>
+      <p:nvGrpSpPr>
+        <p:cNvPr id="1" name=""/>
+        <p:cNvGrpSpPr/>
+        <p:nvPr/>
+      </p:nvGrpSpPr>
+      <p:grpSpPr>
+        <a:xfrm>
+          <a:off x="0" y="0"/>
+          <a:ext cx="0" cy="0"/>
+          <a:chOff x="0" y="0"/>
+          <a:chExt cx="0" cy="0"/>
+        </a:xfrm>
+      </p:grpSpPr>
+      <p:sp>
+        <p:nvSpPr>
+          <p:cNvPr id="2" name="Title 1"/>
+          <p:cNvSpPr>
+            <a:spLocks noGrp="1"/>
+          </p:cNvSpPr>
+          <p:nvPr>
+            <p:ph type="title"/>
+          </p:nvPr>
+        </p:nvSpPr>
+        <p:spPr/>
+        <p:txBody>
+          <a:bodyPr/>
+          <a:lstStyle/>
+          <a:p>
+            <a:r>
+              <a:rPr lang="en-IN" dirty="0"/>
+              <a:t>Printing Information About Exceptions</a:t>
+            </a:r>
+            <a:endParaRPr lang="en-IN" dirty="0"/>
+          </a:p>
+        </p:txBody>
+      </p:sp>
+      <p:sp>
+        <p:nvSpPr>
+          <p:cNvPr id="3" name="Content Placeholder 2"/>
+          <p:cNvSpPr>
+            <a:spLocks noGrp="1"/>
+          </p:cNvSpPr>
+          <p:nvPr>
+            <p:ph idx="1"/>
+          </p:nvPr>
+        </p:nvSpPr>
+        <p:spPr/>
+        <p:txBody>
+          <a:bodyPr>
+            <a:noAutofit/>
+          </a:bodyPr>
+          <a:lstStyle/>
+          <a:p>
+            <a:pPr marL="0" indent="0">
+              <a:buNone/>
+            </a:pPr>
+            <a:r>
+              <a:rPr lang="en-IN" sz="2000" dirty="0"/>
+              <a:t>The methods in the </a:t>
+            </a:r>
+            <a:r>
+              <a:rPr lang="en-IN" sz="2000" dirty="0" err="1"/>
+              <a:t>Throwable</a:t>
+            </a:r>
+            <a:r>
+              <a:rPr lang="en-IN" sz="2000" dirty="0"/>
+              <a:t> class that provide </a:t>
+            </a:r>
+            <a:r>
+              <a:rPr lang="en-IN" sz="2000" dirty="0" smtClean="0"/>
+              <a:t>information about </a:t>
+            </a:r>
+            <a:r>
+              <a:rPr lang="en-IN" sz="2000" dirty="0"/>
+              <a:t>thrown exceptions are </a:t>
+            </a:r>
+            <a:r>
+              <a:rPr lang="en-IN" sz="2000" b="1" dirty="0" err="1"/>
+              <a:t>getMessage</a:t>
+            </a:r>
+            <a:r>
+              <a:rPr lang="en-IN" sz="2000" b="1" dirty="0"/>
+              <a:t>(), </a:t>
+            </a:r>
+            <a:r>
+              <a:rPr lang="en-IN" sz="2000" b="1" dirty="0" err="1"/>
+              <a:t>toString</a:t>
+            </a:r>
+            <a:r>
+              <a:rPr lang="en-IN" sz="2000" b="1" dirty="0"/>
+              <a:t>, and </a:t>
+            </a:r>
+            <a:r>
+              <a:rPr lang="en-IN" sz="2000" b="1" dirty="0" err="1" smtClean="0"/>
+              <a:t>printStackTrace</a:t>
+            </a:r>
+            <a:r>
+              <a:rPr lang="en-IN" sz="2000" b="1" dirty="0"/>
+              <a:t>()</a:t>
+            </a:r>
+            <a:r>
+              <a:rPr lang="en-IN" sz="2000" dirty="0"/>
+              <a:t>. In general, one of these methods should be </a:t>
+            </a:r>
+            <a:r>
+              <a:rPr lang="en-IN" sz="2000" dirty="0" smtClean="0"/>
+              <a:t>called in </a:t>
+            </a:r>
+            <a:r>
+              <a:rPr lang="en-IN" sz="2000" dirty="0"/>
+              <a:t>the catch clause handling the exception. Programmers can </a:t>
+            </a:r>
+            <a:r>
+              <a:rPr lang="en-IN" sz="2000" dirty="0" smtClean="0"/>
+              <a:t>also write </a:t>
+            </a:r>
+            <a:r>
+              <a:rPr lang="en-IN" sz="2000" dirty="0"/>
+              <a:t>code to obtain additional useful information when an </a:t>
+            </a:r>
+            <a:r>
+              <a:rPr lang="en-IN" sz="2000" dirty="0" smtClean="0"/>
+              <a:t>exception occurs </a:t>
+            </a:r>
+            <a:r>
+              <a:rPr lang="en-IN" sz="2000" dirty="0"/>
+              <a:t>(i.e., the name of the file that was not found</a:t>
+            </a:r>
+            <a:r>
+              <a:rPr lang="en-IN" sz="2000" dirty="0" smtClean="0"/>
+              <a:t>).</a:t>
+            </a:r>
+          </a:p>
+          <a:p>
+            <a:pPr marL="0" indent="0">
+              <a:buNone/>
+            </a:pPr>
+            <a:endParaRPr lang="en-IN" sz="2000" dirty="0"/>
+          </a:p>
+          <a:p>
+            <a:pPr marL="0" indent="0">
+              <a:buNone/>
+            </a:pPr>
+            <a:r>
+              <a:rPr lang="en-IN" sz="2000" b="1" dirty="0"/>
+              <a:t>The </a:t>
+            </a:r>
+            <a:r>
+              <a:rPr lang="en-IN" sz="2000" b="1" dirty="0" err="1"/>
+              <a:t>getMessage</a:t>
+            </a:r>
+            <a:r>
+              <a:rPr lang="en-IN" sz="2000" b="1" dirty="0"/>
+              <a:t>() Method</a:t>
+            </a:r>
+          </a:p>
+          <a:p>
+            <a:pPr marL="0" indent="0">
+              <a:buNone/>
+            </a:pPr>
+            <a:r>
+              <a:rPr lang="en-IN" sz="2000" dirty="0"/>
+              <a:t>The </a:t>
+            </a:r>
+            <a:r>
+              <a:rPr lang="en-IN" sz="2000" dirty="0" err="1"/>
+              <a:t>getMessage</a:t>
+            </a:r>
+            <a:r>
+              <a:rPr lang="en-IN" sz="2000" dirty="0"/>
+              <a:t>() method returns a detailed message </a:t>
+            </a:r>
+            <a:r>
+              <a:rPr lang="en-IN" sz="2000" dirty="0" smtClean="0"/>
+              <a:t>string about </a:t>
+            </a:r>
+            <a:r>
+              <a:rPr lang="en-IN" sz="2000" dirty="0"/>
+              <a:t>the exception:</a:t>
+            </a:r>
+          </a:p>
+          <a:p>
+            <a:pPr marL="457200" lvl="1" indent="0">
+              <a:buNone/>
+            </a:pPr>
+            <a:r>
+              <a:rPr lang="en-IN" sz="2000" b="1" dirty="0"/>
+              <a:t>try </a:t>
+            </a:r>
+            <a:r>
+              <a:rPr lang="en-IN" sz="2000" dirty="0"/>
+              <a:t>{</a:t>
+            </a:r>
+          </a:p>
+          <a:p>
+            <a:pPr marL="457200" lvl="1" indent="0">
+              <a:buNone/>
+            </a:pPr>
+            <a:r>
+              <a:rPr lang="en-IN" sz="2000" b="1" dirty="0" smtClean="0"/>
+              <a:t>	new </a:t>
+            </a:r>
+            <a:r>
+              <a:rPr lang="en-IN" sz="2000" dirty="0" err="1"/>
+              <a:t>FileReader</a:t>
+            </a:r>
+            <a:r>
+              <a:rPr lang="en-IN" sz="2000" dirty="0"/>
+              <a:t>("file.js");</a:t>
+            </a:r>
+          </a:p>
+          <a:p>
+            <a:pPr marL="457200" lvl="1" indent="0">
+              <a:buNone/>
+            </a:pPr>
+            <a:r>
+              <a:rPr lang="en-IN" sz="2000" dirty="0"/>
+              <a:t>} </a:t>
+            </a:r>
+            <a:r>
+              <a:rPr lang="en-IN" sz="2000" b="1" dirty="0"/>
+              <a:t>catch </a:t>
+            </a:r>
+            <a:r>
+              <a:rPr lang="en-IN" sz="2000" dirty="0"/>
+              <a:t>(</a:t>
+            </a:r>
+            <a:r>
+              <a:rPr lang="en-IN" sz="2000" dirty="0" err="1"/>
+              <a:t>FileNotFoundException</a:t>
+            </a:r>
+            <a:r>
+              <a:rPr lang="en-IN" sz="2000" dirty="0"/>
+              <a:t> </a:t>
+            </a:r>
+            <a:r>
+              <a:rPr lang="en-IN" sz="2000" dirty="0" err="1"/>
+              <a:t>fnfe</a:t>
+            </a:r>
+            <a:r>
+              <a:rPr lang="en-IN" sz="2000" dirty="0"/>
+              <a:t>) {</a:t>
+            </a:r>
+          </a:p>
+          <a:p>
+            <a:pPr marL="457200" lvl="1" indent="0">
+              <a:buNone/>
+            </a:pPr>
+            <a:r>
+              <a:rPr lang="en-IN" sz="2000" dirty="0" smtClean="0"/>
+              <a:t>	</a:t>
+            </a:r>
+            <a:r>
+              <a:rPr lang="en-IN" sz="2000" dirty="0" err="1" smtClean="0"/>
+              <a:t>System.err.println</a:t>
+            </a:r>
+            <a:r>
+              <a:rPr lang="en-IN" sz="2000" dirty="0" smtClean="0"/>
+              <a:t>(</a:t>
+            </a:r>
+            <a:r>
+              <a:rPr lang="en-IN" sz="2000" dirty="0" err="1" smtClean="0"/>
+              <a:t>fnfe.getMessage</a:t>
+            </a:r>
+            <a:r>
+              <a:rPr lang="en-IN" sz="2000" dirty="0"/>
+              <a:t>());</a:t>
+            </a:r>
+          </a:p>
+          <a:p>
+            <a:pPr marL="457200" lvl="1" indent="0">
+              <a:buNone/>
+            </a:pPr>
+            <a:r>
+              <a:rPr lang="en-IN" sz="2000" dirty="0"/>
+              <a:t>}</a:t>
+            </a:r>
+            <a:endParaRPr lang="en-IN" sz="2000" dirty="0"/>
+          </a:p>
+        </p:txBody>
+      </p:sp>
+    </p:spTree>
+    <p:extLst>
+      <p:ext uri="{BB962C8B-B14F-4D97-AF65-F5344CB8AC3E}">
+        <p14:creationId xmlns:p14="http://schemas.microsoft.com/office/powerpoint/2010/main" val="2237390759"/>
+      </p:ext>
+    </p:extLst>
+  </p:cSld>
+  <p:clrMapOvr>
+    <a:masterClrMapping/>
+  </p:clrMapOvr>
+</p:sld>
+</file>
+
+<file path=ppt/slides/slide112.xml><?xml version="1.0" encoding="utf-8"?>
+<p:sld xmlns:a="http://schemas.openxmlformats.org/drawingml/2006/main" xmlns:r="http://schemas.openxmlformats.org/officeDocument/2006/relationships" xmlns:p="http://schemas.openxmlformats.org/presentationml/2006/main">
+  <p:cSld>
+    <p:spTree>
+      <p:nvGrpSpPr>
+        <p:cNvPr id="1" name=""/>
+        <p:cNvGrpSpPr/>
+        <p:nvPr/>
+      </p:nvGrpSpPr>
+      <p:grpSpPr>
+        <a:xfrm>
+          <a:off x="0" y="0"/>
+          <a:ext cx="0" cy="0"/>
+          <a:chOff x="0" y="0"/>
+          <a:chExt cx="0" cy="0"/>
+        </a:xfrm>
+      </p:grpSpPr>
+      <p:sp>
+        <p:nvSpPr>
+          <p:cNvPr id="2" name="Title 1"/>
+          <p:cNvSpPr>
+            <a:spLocks noGrp="1"/>
+          </p:cNvSpPr>
+          <p:nvPr>
+            <p:ph type="title"/>
+          </p:nvPr>
+        </p:nvSpPr>
+        <p:spPr/>
+        <p:txBody>
+          <a:bodyPr/>
+          <a:lstStyle/>
+          <a:p>
+            <a:r>
+              <a:rPr lang="en-IN" dirty="0" smtClean="0"/>
+              <a:t>Continued…</a:t>
+            </a:r>
+            <a:endParaRPr lang="en-IN" dirty="0"/>
+          </a:p>
+        </p:txBody>
+      </p:sp>
+      <p:sp>
+        <p:nvSpPr>
+          <p:cNvPr id="3" name="Content Placeholder 2"/>
+          <p:cNvSpPr>
+            <a:spLocks noGrp="1"/>
+          </p:cNvSpPr>
+          <p:nvPr>
+            <p:ph idx="1"/>
+          </p:nvPr>
+        </p:nvSpPr>
+        <p:spPr/>
+        <p:txBody>
+          <a:bodyPr>
+            <a:normAutofit/>
+          </a:bodyPr>
+          <a:lstStyle/>
+          <a:p>
+            <a:pPr marL="0" indent="0">
+              <a:buNone/>
+            </a:pPr>
+            <a:r>
+              <a:rPr lang="en-IN" sz="2200" b="1" dirty="0"/>
+              <a:t>The </a:t>
+            </a:r>
+            <a:r>
+              <a:rPr lang="en-IN" sz="2200" b="1" dirty="0" err="1"/>
+              <a:t>toString</a:t>
+            </a:r>
+            <a:r>
+              <a:rPr lang="en-IN" sz="2200" b="1" dirty="0"/>
+              <a:t>() Method</a:t>
+            </a:r>
+          </a:p>
+          <a:p>
+            <a:pPr marL="0" indent="0">
+              <a:buNone/>
+            </a:pPr>
+            <a:r>
+              <a:rPr lang="en-IN" sz="2200" dirty="0"/>
+              <a:t>This </a:t>
+            </a:r>
+            <a:r>
+              <a:rPr lang="en-IN" sz="2200" dirty="0" err="1"/>
+              <a:t>toString</a:t>
+            </a:r>
+            <a:r>
+              <a:rPr lang="en-IN" sz="2200" dirty="0"/>
+              <a:t>() method returns a detailed message string </a:t>
+            </a:r>
+            <a:r>
+              <a:rPr lang="en-IN" sz="2200" dirty="0" smtClean="0"/>
+              <a:t>about the </a:t>
+            </a:r>
+            <a:r>
+              <a:rPr lang="en-IN" sz="2200" dirty="0"/>
+              <a:t>exception, including its class name</a:t>
+            </a:r>
+            <a:r>
+              <a:rPr lang="en-IN" sz="2200" dirty="0" smtClean="0"/>
+              <a:t>:</a:t>
+            </a:r>
+          </a:p>
+          <a:p>
+            <a:pPr marL="0" indent="0">
+              <a:buNone/>
+            </a:pPr>
+            <a:endParaRPr lang="en-IN" sz="2200" dirty="0"/>
+          </a:p>
+          <a:p>
+            <a:pPr marL="457200" lvl="1" indent="0">
+              <a:buNone/>
+            </a:pPr>
+            <a:r>
+              <a:rPr lang="en-IN" sz="2200" b="1" dirty="0"/>
+              <a:t>try </a:t>
+            </a:r>
+            <a:r>
+              <a:rPr lang="en-IN" sz="2200" dirty="0"/>
+              <a:t>{</a:t>
+            </a:r>
+          </a:p>
+          <a:p>
+            <a:pPr marL="457200" lvl="1" indent="0">
+              <a:buNone/>
+            </a:pPr>
+            <a:r>
+              <a:rPr lang="en-IN" sz="2200" b="1" dirty="0" smtClean="0"/>
+              <a:t>	new </a:t>
+            </a:r>
+            <a:r>
+              <a:rPr lang="en-IN" sz="2200" dirty="0" err="1"/>
+              <a:t>FileReader</a:t>
+            </a:r>
+            <a:r>
+              <a:rPr lang="en-IN" sz="2200" dirty="0"/>
+              <a:t>("file.js");</a:t>
+            </a:r>
+          </a:p>
+          <a:p>
+            <a:pPr marL="457200" lvl="1" indent="0">
+              <a:buNone/>
+            </a:pPr>
+            <a:r>
+              <a:rPr lang="en-IN" sz="2200" dirty="0"/>
+              <a:t>} </a:t>
+            </a:r>
+            <a:r>
+              <a:rPr lang="en-IN" sz="2200" b="1" dirty="0"/>
+              <a:t>catch </a:t>
+            </a:r>
+            <a:r>
+              <a:rPr lang="en-IN" sz="2200" dirty="0"/>
+              <a:t>(</a:t>
+            </a:r>
+            <a:r>
+              <a:rPr lang="en-IN" sz="2200" dirty="0" err="1"/>
+              <a:t>FileNotFoundException</a:t>
+            </a:r>
+            <a:r>
+              <a:rPr lang="en-IN" sz="2200" dirty="0"/>
+              <a:t> </a:t>
+            </a:r>
+            <a:r>
+              <a:rPr lang="en-IN" sz="2200" dirty="0" err="1"/>
+              <a:t>fnfe</a:t>
+            </a:r>
+            <a:r>
+              <a:rPr lang="en-IN" sz="2200" dirty="0"/>
+              <a:t>) {</a:t>
+            </a:r>
+          </a:p>
+          <a:p>
+            <a:pPr marL="457200" lvl="1" indent="0">
+              <a:buNone/>
+            </a:pPr>
+            <a:r>
+              <a:rPr lang="en-IN" sz="2200" dirty="0" smtClean="0"/>
+              <a:t>	</a:t>
+            </a:r>
+            <a:r>
+              <a:rPr lang="en-IN" sz="2200" dirty="0" err="1" smtClean="0"/>
+              <a:t>System.err.println</a:t>
+            </a:r>
+            <a:r>
+              <a:rPr lang="en-IN" sz="2200" dirty="0" smtClean="0"/>
+              <a:t>(</a:t>
+            </a:r>
+            <a:r>
+              <a:rPr lang="en-IN" sz="2200" dirty="0" err="1" smtClean="0"/>
+              <a:t>fnfe.toString</a:t>
+            </a:r>
+            <a:r>
+              <a:rPr lang="en-IN" sz="2200" dirty="0"/>
+              <a:t>());</a:t>
+            </a:r>
+          </a:p>
+          <a:p>
+            <a:pPr marL="457200" lvl="1" indent="0">
+              <a:buNone/>
+            </a:pPr>
+            <a:r>
+              <a:rPr lang="en-IN" sz="2200" dirty="0" smtClean="0"/>
+              <a:t>}</a:t>
+            </a:r>
+            <a:endParaRPr lang="en-IN" sz="2200" dirty="0"/>
+          </a:p>
+        </p:txBody>
+      </p:sp>
+    </p:spTree>
+    <p:extLst>
+      <p:ext uri="{BB962C8B-B14F-4D97-AF65-F5344CB8AC3E}">
+        <p14:creationId xmlns:p14="http://schemas.microsoft.com/office/powerpoint/2010/main" val="3068389228"/>
+      </p:ext>
+    </p:extLst>
+  </p:cSld>
+  <p:clrMapOvr>
+    <a:masterClrMapping/>
+  </p:clrMapOvr>
+</p:sld>
+</file>
+
+<file path=ppt/slides/slide113.xml><?xml version="1.0" encoding="utf-8"?>
+<p:sld xmlns:a="http://schemas.openxmlformats.org/drawingml/2006/main" xmlns:r="http://schemas.openxmlformats.org/officeDocument/2006/relationships" xmlns:p="http://schemas.openxmlformats.org/presentationml/2006/main">
+  <p:cSld>
+    <p:spTree>
+      <p:nvGrpSpPr>
+        <p:cNvPr id="1" name=""/>
+        <p:cNvGrpSpPr/>
+        <p:nvPr/>
+      </p:nvGrpSpPr>
+      <p:grpSpPr>
+        <a:xfrm>
+          <a:off x="0" y="0"/>
+          <a:ext cx="0" cy="0"/>
+          <a:chOff x="0" y="0"/>
+          <a:chExt cx="0" cy="0"/>
+        </a:xfrm>
+      </p:grpSpPr>
+      <p:sp>
+        <p:nvSpPr>
+          <p:cNvPr id="2" name="Title 1"/>
+          <p:cNvSpPr>
+            <a:spLocks noGrp="1"/>
+          </p:cNvSpPr>
+          <p:nvPr>
+            <p:ph type="title"/>
+          </p:nvPr>
+        </p:nvSpPr>
+        <p:spPr/>
+        <p:txBody>
+          <a:bodyPr/>
+          <a:lstStyle/>
+          <a:p>
+            <a:r>
+              <a:rPr lang="en-IN" dirty="0" smtClean="0"/>
+              <a:t>Continued…</a:t>
+            </a:r>
+            <a:endParaRPr lang="en-IN" dirty="0"/>
+          </a:p>
+        </p:txBody>
+      </p:sp>
+      <p:sp>
+        <p:nvSpPr>
+          <p:cNvPr id="3" name="Content Placeholder 2"/>
+          <p:cNvSpPr>
+            <a:spLocks noGrp="1"/>
+          </p:cNvSpPr>
+          <p:nvPr>
+            <p:ph idx="1"/>
+          </p:nvPr>
+        </p:nvSpPr>
+        <p:spPr/>
+        <p:txBody>
+          <a:bodyPr>
+            <a:noAutofit/>
+          </a:bodyPr>
+          <a:lstStyle/>
+          <a:p>
+            <a:pPr marL="0" indent="0">
+              <a:buNone/>
+            </a:pPr>
+            <a:r>
+              <a:rPr lang="en-IN" sz="2200" b="1" dirty="0" smtClean="0"/>
+              <a:t>The </a:t>
+            </a:r>
+            <a:r>
+              <a:rPr lang="en-IN" sz="2200" b="1" dirty="0" err="1" smtClean="0"/>
+              <a:t>printStackTrace</a:t>
+            </a:r>
+            <a:r>
+              <a:rPr lang="en-IN" sz="2200" b="1" dirty="0" smtClean="0"/>
+              <a:t>() Method</a:t>
+            </a:r>
+          </a:p>
+          <a:p>
+            <a:pPr marL="0" indent="0">
+              <a:buNone/>
+            </a:pPr>
+            <a:r>
+              <a:rPr lang="en-IN" sz="2200" dirty="0" smtClean="0"/>
+              <a:t>This </a:t>
+            </a:r>
+            <a:r>
+              <a:rPr lang="en-IN" sz="2200" dirty="0" err="1" smtClean="0"/>
+              <a:t>printStackTrace</a:t>
+            </a:r>
+            <a:r>
+              <a:rPr lang="en-IN" sz="2200" dirty="0" smtClean="0"/>
+              <a:t>() method returns a </a:t>
+            </a:r>
+            <a:r>
+              <a:rPr lang="en-IN" sz="2200" b="1" dirty="0" smtClean="0"/>
+              <a:t>detailed message string about the exception</a:t>
+            </a:r>
+            <a:r>
+              <a:rPr lang="en-IN" sz="2200" dirty="0" smtClean="0"/>
+              <a:t>, including its class name and a stack trace from where the error was caught, all the way back to where it was thrown:</a:t>
+            </a:r>
+          </a:p>
+          <a:p>
+            <a:pPr marL="0" indent="0">
+              <a:buNone/>
+            </a:pPr>
+            <a:endParaRPr lang="en-IN" sz="2200" b="1" dirty="0" smtClean="0"/>
+          </a:p>
+          <a:p>
+            <a:pPr marL="457200" lvl="1" indent="0">
+              <a:buNone/>
+            </a:pPr>
+            <a:r>
+              <a:rPr lang="en-IN" sz="2200" b="1" dirty="0" smtClean="0"/>
+              <a:t>try </a:t>
+            </a:r>
+            <a:r>
+              <a:rPr lang="en-IN" sz="2200" dirty="0" smtClean="0"/>
+              <a:t>{</a:t>
+            </a:r>
+          </a:p>
+          <a:p>
+            <a:pPr marL="457200" lvl="1" indent="0">
+              <a:buNone/>
+            </a:pPr>
+            <a:r>
+              <a:rPr lang="en-IN" sz="2200" b="1" dirty="0" smtClean="0"/>
+              <a:t>	new </a:t>
+            </a:r>
+            <a:r>
+              <a:rPr lang="en-IN" sz="2200" dirty="0" err="1" smtClean="0"/>
+              <a:t>FileReader</a:t>
+            </a:r>
+            <a:r>
+              <a:rPr lang="en-IN" sz="2200" dirty="0" smtClean="0"/>
+              <a:t>("file.js");</a:t>
+            </a:r>
+          </a:p>
+          <a:p>
+            <a:pPr marL="457200" lvl="1" indent="0">
+              <a:buNone/>
+            </a:pPr>
+            <a:r>
+              <a:rPr lang="en-IN" sz="2200" dirty="0" smtClean="0"/>
+              <a:t>} </a:t>
+            </a:r>
+            <a:r>
+              <a:rPr lang="en-IN" sz="2200" b="1" dirty="0" smtClean="0"/>
+              <a:t>catch </a:t>
+            </a:r>
+            <a:r>
+              <a:rPr lang="en-IN" sz="2200" dirty="0" smtClean="0"/>
+              <a:t>(</a:t>
+            </a:r>
+            <a:r>
+              <a:rPr lang="en-IN" sz="2200" dirty="0" err="1" smtClean="0"/>
+              <a:t>FileNotFoundException</a:t>
+            </a:r>
+            <a:r>
+              <a:rPr lang="en-IN" sz="2200" dirty="0" smtClean="0"/>
+              <a:t> </a:t>
+            </a:r>
+            <a:r>
+              <a:rPr lang="en-IN" sz="2200" dirty="0" err="1" smtClean="0"/>
+              <a:t>fnfe</a:t>
+            </a:r>
+            <a:r>
+              <a:rPr lang="en-IN" sz="2200" dirty="0" smtClean="0"/>
+              <a:t>) {</a:t>
+            </a:r>
+          </a:p>
+          <a:p>
+            <a:pPr marL="457200" lvl="1" indent="0">
+              <a:buNone/>
+            </a:pPr>
+            <a:r>
+              <a:rPr lang="en-IN" sz="2200" dirty="0" smtClean="0"/>
+              <a:t>	</a:t>
+            </a:r>
+            <a:r>
+              <a:rPr lang="en-IN" sz="2200" dirty="0" err="1" smtClean="0"/>
+              <a:t>fnfe.printStackTrace</a:t>
+            </a:r>
+            <a:r>
+              <a:rPr lang="en-IN" sz="2200" dirty="0" smtClean="0"/>
+              <a:t>();</a:t>
+            </a:r>
+          </a:p>
+          <a:p>
+            <a:pPr marL="457200" lvl="1" indent="0">
+              <a:buNone/>
+            </a:pPr>
+            <a:r>
+              <a:rPr lang="en-IN" sz="2200" dirty="0" smtClean="0"/>
+              <a:t>}</a:t>
+            </a:r>
+          </a:p>
+          <a:p>
+            <a:pPr marL="0" indent="0">
+              <a:buNone/>
+            </a:pPr>
+            <a:endParaRPr lang="en-IN" sz="2200" dirty="0"/>
+          </a:p>
+        </p:txBody>
+      </p:sp>
+    </p:spTree>
+    <p:extLst>
+      <p:ext uri="{BB962C8B-B14F-4D97-AF65-F5344CB8AC3E}">
+        <p14:creationId xmlns:p14="http://schemas.microsoft.com/office/powerpoint/2010/main" val="1706876192"/>
       </p:ext>
     </p:extLst>
   </p:cSld>
@@ -8179,7 +11570,6 @@
               <a:rPr lang="en-IN" dirty="0"/>
               <a:t>Binary Numeric Promotion</a:t>
             </a:r>
-            <a:endParaRPr lang="en-IN" dirty="0"/>
           </a:p>
         </p:txBody>
       </p:sp>
@@ -8299,7 +11689,6 @@
               <a:rPr lang="en-IN" dirty="0"/>
               <a:t>Otherwise, both operands are converted to int.</a:t>
             </a:r>
-            <a:endParaRPr lang="en-IN" dirty="0"/>
           </a:p>
         </p:txBody>
       </p:sp>
@@ -8352,7 +11741,6 @@
               <a:rPr lang="en-IN" dirty="0"/>
               <a:t>Wrapper Classes</a:t>
             </a:r>
-            <a:endParaRPr lang="en-IN" dirty="0"/>
           </a:p>
         </p:txBody>
       </p:sp>
@@ -8553,7 +11941,6 @@
               <a:rPr lang="en-IN" dirty="0"/>
               <a:t> and Unboxing</a:t>
             </a:r>
-            <a:endParaRPr lang="en-IN" dirty="0"/>
           </a:p>
         </p:txBody>
       </p:sp>
@@ -9007,7 +12394,6 @@
               <a:rPr lang="en-IN" b="1" dirty="0"/>
               <a:t> = new Integer (5);</a:t>
             </a:r>
-            <a:endParaRPr lang="en-IN" b="1" dirty="0"/>
           </a:p>
         </p:txBody>
       </p:sp>
@@ -9060,7 +12446,6 @@
               <a:rPr lang="en-IN" dirty="0"/>
               <a:t>Unboxing</a:t>
             </a:r>
-            <a:endParaRPr lang="en-IN" dirty="0"/>
           </a:p>
         </p:txBody>
       </p:sp>
@@ -9276,7 +12661,6 @@
               <a:rPr lang="en-IN" dirty="0"/>
               <a:t>Reference Types</a:t>
             </a:r>
-            <a:endParaRPr lang="en-IN" dirty="0"/>
           </a:p>
         </p:txBody>
       </p:sp>
@@ -9443,7 +12827,6 @@
               <a:rPr lang="en-IN" dirty="0"/>
               <a:t>Conversion of Reference Types</a:t>
             </a:r>
-            <a:endParaRPr lang="en-IN" dirty="0"/>
           </a:p>
         </p:txBody>
       </p:sp>
@@ -9754,7 +13137,6 @@
               <a:rPr lang="en-IN" dirty="0"/>
               <a:t>Narrowing Conversions</a:t>
             </a:r>
-            <a:endParaRPr lang="en-IN" dirty="0"/>
           </a:p>
         </p:txBody>
       </p:sp>
@@ -9994,7 +13376,6 @@
               <a:rPr lang="en-IN" dirty="0"/>
               <a:t>Passing Reference Types into Methods</a:t>
             </a:r>
-            <a:endParaRPr lang="en-IN" dirty="0"/>
           </a:p>
         </p:txBody>
       </p:sp>
@@ -10118,7 +13499,6 @@
               <a:rPr lang="en-IN" sz="2800" dirty="0"/>
               <a:t>it can change the contents of the object.</a:t>
             </a:r>
-            <a:endParaRPr lang="en-IN" sz="2800" dirty="0"/>
           </a:p>
         </p:txBody>
       </p:sp>
@@ -10510,7 +13890,6 @@
               <a:rPr lang="en-IN" dirty="0"/>
               <a:t>Comparing Reference Types</a:t>
             </a:r>
-            <a:endParaRPr lang="en-IN" dirty="0"/>
           </a:p>
         </p:txBody>
       </p:sp>
@@ -10720,7 +14099,6 @@
               <a:rPr lang="en-IN" dirty="0"/>
               <a:t>("They are not equal")</a:t>
             </a:r>
-            <a:endParaRPr lang="en-IN" dirty="0"/>
           </a:p>
         </p:txBody>
       </p:sp>
@@ -10773,7 +14151,6 @@
               <a:rPr lang="en-IN" dirty="0"/>
               <a:t>Using the equals() Method</a:t>
             </a:r>
-            <a:endParaRPr lang="en-IN" dirty="0"/>
           </a:p>
         </p:txBody>
       </p:sp>
@@ -10967,7 +14344,6 @@
               <a:rPr lang="en-IN" dirty="0"/>
               <a:t>Comparing Strings</a:t>
             </a:r>
-            <a:endParaRPr lang="en-IN" dirty="0"/>
           </a:p>
         </p:txBody>
       </p:sp>
@@ -11137,7 +14513,6 @@
               <a:rPr lang="en-IN" b="1" dirty="0"/>
               <a:t> classes are mutable.</a:t>
             </a:r>
-            <a:endParaRPr lang="en-IN" b="1" dirty="0"/>
           </a:p>
         </p:txBody>
       </p:sp>
@@ -11682,7 +15057,6 @@
               <a:rPr lang="en-IN" dirty="0"/>
               <a:t>Comparing Enumerations</a:t>
             </a:r>
-            <a:endParaRPr lang="en-IN" dirty="0"/>
           </a:p>
         </p:txBody>
       </p:sp>
@@ -11796,7 +15170,6 @@
               <a:rPr lang="en-IN" dirty="0"/>
               <a:t>Copying Reference Types</a:t>
             </a:r>
-            <a:endParaRPr lang="en-IN" dirty="0"/>
           </a:p>
         </p:txBody>
       </p:sp>
@@ -11846,7 +15219,6 @@
               <a:rPr lang="en-IN" dirty="0"/>
               <a:t>in Java.</a:t>
             </a:r>
-            <a:endParaRPr lang="en-IN" dirty="0"/>
           </a:p>
         </p:txBody>
       </p:sp>
@@ -11899,7 +15271,6 @@
               <a:rPr lang="en-IN" dirty="0"/>
               <a:t>Copying a Reference to an Object</a:t>
             </a:r>
-            <a:endParaRPr lang="en-IN" dirty="0"/>
           </a:p>
         </p:txBody>
       </p:sp>
@@ -12049,7 +15420,6 @@
               <a:rPr lang="en-IN" dirty="0"/>
               <a:t>;</a:t>
             </a:r>
-            <a:endParaRPr lang="en-IN" dirty="0"/>
           </a:p>
         </p:txBody>
       </p:sp>
@@ -12381,7 +15751,6 @@
               <a:rPr lang="en-IN" dirty="0"/>
               <a:t>Cloning Objects</a:t>
             </a:r>
-            <a:endParaRPr lang="en-IN" dirty="0"/>
           </a:p>
         </p:txBody>
       </p:sp>
@@ -12621,7 +15990,6 @@
               <a:rPr lang="en-IN" dirty="0"/>
               <a:t>Shallow and deep cloning</a:t>
             </a:r>
-            <a:endParaRPr lang="en-IN" dirty="0"/>
           </a:p>
         </p:txBody>
       </p:sp>
@@ -13089,7 +16457,6 @@
               <a:rPr lang="en-IN" sz="1800" dirty="0"/>
               <a:t>}</a:t>
             </a:r>
-            <a:endParaRPr lang="en-IN" sz="1800" dirty="0"/>
           </a:p>
           <a:p>
             <a:pPr marL="0" indent="0">
@@ -13156,7 +16523,6 @@
               <a:rPr lang="en-IN" dirty="0"/>
               <a:t>Classes and Objects</a:t>
             </a:r>
-            <a:endParaRPr lang="en-IN" dirty="0"/>
           </a:p>
         </p:txBody>
       </p:sp>
@@ -13293,7 +16659,6 @@
               <a:rPr lang="en-IN" dirty="0"/>
               <a:t>.</a:t>
             </a:r>
-            <a:endParaRPr lang="en-IN" dirty="0"/>
           </a:p>
         </p:txBody>
       </p:sp>
@@ -13346,7 +16711,6 @@
               <a:rPr lang="en-IN" dirty="0"/>
               <a:t>Class Syntax</a:t>
             </a:r>
-            <a:endParaRPr lang="en-IN" dirty="0"/>
           </a:p>
         </p:txBody>
       </p:sp>
@@ -13551,7 +16915,6 @@
               <a:rPr lang="en-IN" dirty="0"/>
               <a:t>Instantiating a Class (Creating an Object)</a:t>
             </a:r>
-            <a:endParaRPr lang="en-IN" dirty="0"/>
           </a:p>
         </p:txBody>
       </p:sp>
@@ -13743,7 +17106,6 @@
               <a:rPr lang="en-IN" dirty="0"/>
               <a:t>Candidate();</a:t>
             </a:r>
-            <a:endParaRPr lang="en-IN" dirty="0"/>
           </a:p>
         </p:txBody>
       </p:sp>
@@ -13796,7 +17158,6 @@
               <a:rPr lang="en-IN" dirty="0"/>
               <a:t>Data Members and Methods</a:t>
             </a:r>
-            <a:endParaRPr lang="en-IN" dirty="0"/>
           </a:p>
         </p:txBody>
       </p:sp>
@@ -13888,11 +17249,7 @@
             </a:pPr>
             <a:r>
               <a:rPr lang="en-IN" dirty="0"/>
-              <a:t>	</a:t>
-            </a:r>
-            <a:r>
-              <a:rPr lang="en-IN" dirty="0"/>
-              <a:t>[</a:t>
+              <a:t>	[</a:t>
             </a:r>
             <a:r>
               <a:rPr lang="en-IN" i="1" dirty="0" err="1"/>
@@ -13961,7 +17318,6 @@
               <a:rPr lang="en-IN" sz="2800" dirty="0"/>
               <a:t>}</a:t>
             </a:r>
-            <a:endParaRPr lang="en-IN" sz="2800" dirty="0"/>
           </a:p>
         </p:txBody>
       </p:sp>
@@ -14265,7 +17621,6 @@
               <a:rPr lang="en-IN" dirty="0"/>
               <a:t>Accessing Data Members and Methods in Objects</a:t>
             </a:r>
-            <a:endParaRPr lang="en-IN" dirty="0"/>
           </a:p>
         </p:txBody>
       </p:sp>
@@ -14351,7 +17706,6 @@
               <a:rPr lang="en-IN" sz="2800" dirty="0"/>
               <a:t>();</a:t>
             </a:r>
-            <a:endParaRPr lang="en-IN" sz="2800" dirty="0"/>
           </a:p>
         </p:txBody>
       </p:sp>
@@ -14404,7 +17758,6 @@
               <a:rPr lang="en-IN" dirty="0"/>
               <a:t>Overloading</a:t>
             </a:r>
-            <a:endParaRPr lang="en-IN" dirty="0"/>
           </a:p>
         </p:txBody>
       </p:sp>
@@ -14595,7 +17948,6 @@
               <a:rPr lang="en-IN" sz="3000" dirty="0"/>
               <a:t>}</a:t>
             </a:r>
-            <a:endParaRPr lang="en-IN" sz="3000" dirty="0"/>
           </a:p>
         </p:txBody>
       </p:sp>
@@ -14929,7 +18281,6 @@
               <a:rPr lang="en-IN" dirty="0"/>
               <a:t> {...}</a:t>
             </a:r>
-            <a:endParaRPr lang="en-IN" dirty="0"/>
           </a:p>
         </p:txBody>
       </p:sp>
@@ -14982,7 +18333,6 @@
               <a:rPr lang="en-IN" dirty="0"/>
               <a:t>Overriding</a:t>
             </a:r>
-            <a:endParaRPr lang="en-IN" dirty="0"/>
           </a:p>
         </p:txBody>
       </p:sp>
@@ -15207,7 +18557,6 @@
               <a:rPr lang="en-IN" sz="2600" dirty="0"/>
               <a:t>}</a:t>
             </a:r>
-            <a:endParaRPr lang="en-IN" sz="2600" dirty="0"/>
           </a:p>
           <a:p>
             <a:pPr marL="0" indent="0">
@@ -15217,7 +18566,6 @@
               <a:rPr lang="en-IN" sz="2600" dirty="0"/>
               <a:t>}</a:t>
             </a:r>
-            <a:endParaRPr lang="en-IN" sz="2600" dirty="0"/>
           </a:p>
         </p:txBody>
       </p:sp>
@@ -15370,7 +18718,6 @@
               <a:rPr lang="en-IN" dirty="0"/>
               <a:t>overriding method cannot throw any new checked exceptions.</a:t>
             </a:r>
-            <a:endParaRPr lang="en-IN" dirty="0"/>
           </a:p>
         </p:txBody>
       </p:sp>
@@ -15428,7 +18775,6 @@
               <a:rPr lang="en-IN" dirty="0"/>
               <a:t>Constructors</a:t>
             </a:r>
-            <a:endParaRPr lang="en-IN" dirty="0"/>
           </a:p>
         </p:txBody>
       </p:sp>
@@ -15747,7 +19093,6 @@
               <a:rPr lang="en-IN" sz="1800" dirty="0"/>
               <a:t>added.</a:t>
             </a:r>
-            <a:endParaRPr lang="en-IN" sz="1800" dirty="0"/>
           </a:p>
         </p:txBody>
       </p:sp>
@@ -15755,6 +19100,1384 @@
     <p:extLst>
       <p:ext uri="{BB962C8B-B14F-4D97-AF65-F5344CB8AC3E}">
         <p14:creationId xmlns:p14="http://schemas.microsoft.com/office/powerpoint/2010/main" val="2978216691"/>
+      </p:ext>
+    </p:extLst>
+  </p:cSld>
+  <p:clrMapOvr>
+    <a:masterClrMapping/>
+  </p:clrMapOvr>
+</p:sld>
+</file>
+
+<file path=ppt/slides/slide74.xml><?xml version="1.0" encoding="utf-8"?>
+<p:sld xmlns:a="http://schemas.openxmlformats.org/drawingml/2006/main" xmlns:r="http://schemas.openxmlformats.org/officeDocument/2006/relationships" xmlns:p="http://schemas.openxmlformats.org/presentationml/2006/main">
+  <p:cSld>
+    <p:spTree>
+      <p:nvGrpSpPr>
+        <p:cNvPr id="1" name=""/>
+        <p:cNvGrpSpPr/>
+        <p:nvPr/>
+      </p:nvGrpSpPr>
+      <p:grpSpPr>
+        <a:xfrm>
+          <a:off x="0" y="0"/>
+          <a:ext cx="0" cy="0"/>
+          <a:chOff x="0" y="0"/>
+          <a:chExt cx="0" cy="0"/>
+        </a:xfrm>
+      </p:grpSpPr>
+      <p:sp>
+        <p:nvSpPr>
+          <p:cNvPr id="2" name="Title 1"/>
+          <p:cNvSpPr>
+            <a:spLocks noGrp="1"/>
+          </p:cNvSpPr>
+          <p:nvPr>
+            <p:ph type="title"/>
+          </p:nvPr>
+        </p:nvSpPr>
+        <p:spPr/>
+        <p:txBody>
+          <a:bodyPr/>
+          <a:lstStyle/>
+          <a:p>
+            <a:r>
+              <a:rPr lang="en-IN" dirty="0"/>
+              <a:t>The this Keyword</a:t>
+            </a:r>
+            <a:endParaRPr lang="en-IN" dirty="0"/>
+          </a:p>
+        </p:txBody>
+      </p:sp>
+      <p:sp>
+        <p:nvSpPr>
+          <p:cNvPr id="3" name="Content Placeholder 2"/>
+          <p:cNvSpPr>
+            <a:spLocks noGrp="1"/>
+          </p:cNvSpPr>
+          <p:nvPr>
+            <p:ph idx="1"/>
+          </p:nvPr>
+        </p:nvSpPr>
+        <p:spPr>
+          <a:xfrm>
+            <a:off x="838200" y="1300766"/>
+            <a:ext cx="10515600" cy="5357611"/>
+          </a:xfrm>
+        </p:spPr>
+        <p:txBody>
+          <a:bodyPr>
+            <a:noAutofit/>
+          </a:bodyPr>
+          <a:lstStyle/>
+          <a:p>
+            <a:pPr marL="0" indent="0">
+              <a:buNone/>
+            </a:pPr>
+            <a:r>
+              <a:rPr lang="en-IN" sz="2200" dirty="0"/>
+              <a:t>The three common uses of the this keyword are to refer to </a:t>
+            </a:r>
+            <a:r>
+              <a:rPr lang="en-IN" sz="2200" dirty="0" smtClean="0"/>
+              <a:t>the current </a:t>
+            </a:r>
+            <a:r>
+              <a:rPr lang="en-IN" sz="2200" dirty="0"/>
+              <a:t>object, to call a constructor from within another </a:t>
+            </a:r>
+            <a:r>
+              <a:rPr lang="en-IN" sz="2200" dirty="0" smtClean="0"/>
+              <a:t>constructor in </a:t>
+            </a:r>
+            <a:r>
+              <a:rPr lang="en-IN" sz="2200" dirty="0"/>
+              <a:t>the same class, and to pass a reference of the </a:t>
+            </a:r>
+            <a:r>
+              <a:rPr lang="en-IN" sz="2200" dirty="0" smtClean="0"/>
+              <a:t>current object </a:t>
+            </a:r>
+            <a:r>
+              <a:rPr lang="en-IN" sz="2200" dirty="0"/>
+              <a:t>to another object</a:t>
+            </a:r>
+            <a:r>
+              <a:rPr lang="en-IN" sz="2200" dirty="0" smtClean="0"/>
+              <a:t>. To </a:t>
+            </a:r>
+            <a:r>
+              <a:rPr lang="en-IN" sz="2200" dirty="0"/>
+              <a:t>assign a parameter variable to an instance variable of the </a:t>
+            </a:r>
+            <a:r>
+              <a:rPr lang="en-IN" sz="2200" dirty="0" smtClean="0"/>
+              <a:t>current object</a:t>
+            </a:r>
+            <a:r>
+              <a:rPr lang="en-IN" sz="2200" dirty="0"/>
+              <a:t>:</a:t>
+            </a:r>
+          </a:p>
+          <a:p>
+            <a:pPr marL="457200" lvl="1" indent="0">
+              <a:buNone/>
+            </a:pPr>
+            <a:r>
+              <a:rPr lang="en-IN" sz="2200" b="1" dirty="0"/>
+              <a:t>public class Curtain extends </a:t>
+            </a:r>
+            <a:r>
+              <a:rPr lang="en-IN" sz="2200" dirty="0" err="1"/>
+              <a:t>PrivacyWall</a:t>
+            </a:r>
+            <a:r>
+              <a:rPr lang="en-IN" sz="2200" dirty="0"/>
+              <a:t> {</a:t>
+            </a:r>
+          </a:p>
+          <a:p>
+            <a:pPr marL="914400" lvl="2" indent="0">
+              <a:buNone/>
+            </a:pPr>
+            <a:r>
+              <a:rPr lang="en-IN" sz="2200" dirty="0"/>
+              <a:t>String </a:t>
+            </a:r>
+            <a:r>
+              <a:rPr lang="en-IN" sz="2200" dirty="0" err="1"/>
+              <a:t>color</a:t>
+            </a:r>
+            <a:r>
+              <a:rPr lang="en-IN" sz="2200" dirty="0"/>
+              <a:t>;</a:t>
+            </a:r>
+          </a:p>
+          <a:p>
+            <a:pPr marL="914400" lvl="2" indent="0">
+              <a:buNone/>
+            </a:pPr>
+            <a:r>
+              <a:rPr lang="en-IN" sz="2200" b="1" dirty="0"/>
+              <a:t>public void </a:t>
+            </a:r>
+            <a:r>
+              <a:rPr lang="en-IN" sz="2200" dirty="0" err="1"/>
+              <a:t>setColor</a:t>
+            </a:r>
+            <a:r>
+              <a:rPr lang="en-IN" sz="2200" dirty="0"/>
+              <a:t>(String </a:t>
+            </a:r>
+            <a:r>
+              <a:rPr lang="en-IN" sz="2200" dirty="0" err="1"/>
+              <a:t>color</a:t>
+            </a:r>
+            <a:r>
+              <a:rPr lang="en-IN" sz="2200" dirty="0"/>
+              <a:t>) {</a:t>
+            </a:r>
+          </a:p>
+          <a:p>
+            <a:pPr marL="914400" lvl="2" indent="0">
+              <a:buNone/>
+            </a:pPr>
+            <a:r>
+              <a:rPr lang="en-IN" sz="2200" b="1" dirty="0" err="1"/>
+              <a:t>this</a:t>
+            </a:r>
+            <a:r>
+              <a:rPr lang="en-IN" sz="2200" dirty="0" err="1"/>
+              <a:t>.color</a:t>
+            </a:r>
+            <a:r>
+              <a:rPr lang="en-IN" sz="2200" dirty="0"/>
+              <a:t> = </a:t>
+            </a:r>
+            <a:r>
+              <a:rPr lang="en-IN" sz="2200" dirty="0" err="1"/>
+              <a:t>color</a:t>
+            </a:r>
+            <a:r>
+              <a:rPr lang="en-IN" sz="2200" dirty="0"/>
+              <a:t>;</a:t>
+            </a:r>
+          </a:p>
+          <a:p>
+            <a:pPr marL="914400" lvl="2" indent="0">
+              <a:buNone/>
+            </a:pPr>
+            <a:r>
+              <a:rPr lang="en-IN" sz="2200" dirty="0"/>
+              <a:t>}</a:t>
+            </a:r>
+          </a:p>
+          <a:p>
+            <a:pPr marL="457200" lvl="1" indent="0">
+              <a:buNone/>
+            </a:pPr>
+            <a:r>
+              <a:rPr lang="en-IN" sz="2200" dirty="0"/>
+              <a:t>}</a:t>
+            </a:r>
+          </a:p>
+          <a:p>
+            <a:pPr marL="0" indent="0">
+              <a:buNone/>
+            </a:pPr>
+            <a:r>
+              <a:rPr lang="en-IN" sz="2200" dirty="0"/>
+              <a:t>To call a constructor from another constructor in the same class:</a:t>
+            </a:r>
+          </a:p>
+          <a:p>
+            <a:pPr marL="457200" lvl="1" indent="0">
+              <a:buNone/>
+            </a:pPr>
+            <a:r>
+              <a:rPr lang="en-IN" sz="2200" b="1" dirty="0"/>
+              <a:t>public class Curtain extends </a:t>
+            </a:r>
+            <a:r>
+              <a:rPr lang="en-IN" sz="2200" dirty="0" err="1"/>
+              <a:t>PrivacyWall</a:t>
+            </a:r>
+            <a:r>
+              <a:rPr lang="en-IN" sz="2200" dirty="0"/>
+              <a:t> {</a:t>
+            </a:r>
+          </a:p>
+          <a:p>
+            <a:pPr marL="914400" lvl="2" indent="0">
+              <a:buNone/>
+            </a:pPr>
+            <a:r>
+              <a:rPr lang="en-IN" sz="2200" b="1" dirty="0"/>
+              <a:t>public </a:t>
+            </a:r>
+            <a:r>
+              <a:rPr lang="en-IN" sz="2200" dirty="0"/>
+              <a:t>Curtain(</a:t>
+            </a:r>
+            <a:r>
+              <a:rPr lang="en-IN" sz="2200" b="1" dirty="0" err="1"/>
+              <a:t>int</a:t>
+            </a:r>
+            <a:r>
+              <a:rPr lang="en-IN" sz="2200" b="1" dirty="0"/>
+              <a:t> </a:t>
+            </a:r>
+            <a:r>
+              <a:rPr lang="en-IN" sz="2200" dirty="0"/>
+              <a:t>length, </a:t>
+            </a:r>
+            <a:r>
+              <a:rPr lang="en-IN" sz="2200" b="1" dirty="0" err="1"/>
+              <a:t>int</a:t>
+            </a:r>
+            <a:r>
+              <a:rPr lang="en-IN" sz="2200" b="1" dirty="0"/>
+              <a:t> </a:t>
+            </a:r>
+            <a:r>
+              <a:rPr lang="en-IN" sz="2200" dirty="0"/>
+              <a:t>width) {}</a:t>
+            </a:r>
+          </a:p>
+          <a:p>
+            <a:pPr marL="914400" lvl="2" indent="0">
+              <a:buNone/>
+            </a:pPr>
+            <a:r>
+              <a:rPr lang="en-IN" sz="2200" b="1" dirty="0"/>
+              <a:t>public </a:t>
+            </a:r>
+            <a:r>
+              <a:rPr lang="en-IN" sz="2200" dirty="0"/>
+              <a:t>Curtain() {</a:t>
+            </a:r>
+            <a:r>
+              <a:rPr lang="en-IN" sz="2200" b="1" dirty="0"/>
+              <a:t>this</a:t>
+            </a:r>
+            <a:r>
+              <a:rPr lang="en-IN" sz="2200" dirty="0"/>
+              <a:t>(10, 9);}</a:t>
+            </a:r>
+          </a:p>
+          <a:p>
+            <a:pPr marL="457200" lvl="1" indent="0">
+              <a:buNone/>
+            </a:pPr>
+            <a:r>
+              <a:rPr lang="en-IN" sz="2200" dirty="0" smtClean="0"/>
+              <a:t>}</a:t>
+            </a:r>
+            <a:endParaRPr lang="en-IN" sz="2200" dirty="0"/>
+          </a:p>
+        </p:txBody>
+      </p:sp>
+    </p:spTree>
+    <p:extLst>
+      <p:ext uri="{BB962C8B-B14F-4D97-AF65-F5344CB8AC3E}">
+        <p14:creationId xmlns:p14="http://schemas.microsoft.com/office/powerpoint/2010/main" val="2171481117"/>
+      </p:ext>
+    </p:extLst>
+  </p:cSld>
+  <p:clrMapOvr>
+    <a:masterClrMapping/>
+  </p:clrMapOvr>
+</p:sld>
+</file>
+
+<file path=ppt/slides/slide75.xml><?xml version="1.0" encoding="utf-8"?>
+<p:sld xmlns:a="http://schemas.openxmlformats.org/drawingml/2006/main" xmlns:r="http://schemas.openxmlformats.org/officeDocument/2006/relationships" xmlns:p="http://schemas.openxmlformats.org/presentationml/2006/main">
+  <p:cSld>
+    <p:spTree>
+      <p:nvGrpSpPr>
+        <p:cNvPr id="1" name=""/>
+        <p:cNvGrpSpPr/>
+        <p:nvPr/>
+      </p:nvGrpSpPr>
+      <p:grpSpPr>
+        <a:xfrm>
+          <a:off x="0" y="0"/>
+          <a:ext cx="0" cy="0"/>
+          <a:chOff x="0" y="0"/>
+          <a:chExt cx="0" cy="0"/>
+        </a:xfrm>
+      </p:grpSpPr>
+      <p:sp>
+        <p:nvSpPr>
+          <p:cNvPr id="2" name="Title 1"/>
+          <p:cNvSpPr>
+            <a:spLocks noGrp="1"/>
+          </p:cNvSpPr>
+          <p:nvPr>
+            <p:ph type="title"/>
+          </p:nvPr>
+        </p:nvSpPr>
+        <p:spPr/>
+        <p:txBody>
+          <a:bodyPr/>
+          <a:lstStyle/>
+          <a:p>
+            <a:r>
+              <a:rPr lang="en-IN" dirty="0" smtClean="0"/>
+              <a:t>Continued…</a:t>
+            </a:r>
+            <a:endParaRPr lang="en-IN" dirty="0"/>
+          </a:p>
+        </p:txBody>
+      </p:sp>
+      <p:sp>
+        <p:nvSpPr>
+          <p:cNvPr id="3" name="Content Placeholder 2"/>
+          <p:cNvSpPr>
+            <a:spLocks noGrp="1"/>
+          </p:cNvSpPr>
+          <p:nvPr>
+            <p:ph idx="1"/>
+          </p:nvPr>
+        </p:nvSpPr>
+        <p:spPr/>
+        <p:txBody>
+          <a:bodyPr>
+            <a:normAutofit/>
+          </a:bodyPr>
+          <a:lstStyle/>
+          <a:p>
+            <a:pPr marL="0" indent="0">
+              <a:buNone/>
+            </a:pPr>
+            <a:r>
+              <a:rPr lang="en-IN" sz="2200" dirty="0"/>
+              <a:t>To pass a reference of the current object to another object:</a:t>
+            </a:r>
+          </a:p>
+          <a:p>
+            <a:pPr marL="0" indent="0">
+              <a:buNone/>
+            </a:pPr>
+            <a:r>
+              <a:rPr lang="en-IN" sz="2200" i="1" dirty="0" smtClean="0"/>
+              <a:t>	// </a:t>
+            </a:r>
+            <a:r>
+              <a:rPr lang="en-IN" sz="2200" i="1" dirty="0"/>
+              <a:t>Print the contents of class curtain</a:t>
+            </a:r>
+          </a:p>
+          <a:p>
+            <a:pPr marL="457200" lvl="1" indent="0">
+              <a:buNone/>
+            </a:pPr>
+            <a:r>
+              <a:rPr lang="en-IN" sz="2200" dirty="0" smtClean="0"/>
+              <a:t>	</a:t>
+            </a:r>
+            <a:r>
+              <a:rPr lang="en-IN" sz="2200" dirty="0" err="1" smtClean="0"/>
+              <a:t>System.out.println</a:t>
+            </a:r>
+            <a:r>
+              <a:rPr lang="en-IN" sz="2200" dirty="0" smtClean="0"/>
+              <a:t>(</a:t>
+            </a:r>
+            <a:r>
+              <a:rPr lang="en-IN" sz="2200" b="1" dirty="0" smtClean="0"/>
+              <a:t>this</a:t>
+            </a:r>
+            <a:r>
+              <a:rPr lang="en-IN" sz="2200" dirty="0"/>
+              <a:t>);</a:t>
+            </a:r>
+          </a:p>
+          <a:p>
+            <a:pPr marL="0" indent="0">
+              <a:buNone/>
+            </a:pPr>
+            <a:endParaRPr lang="en-IN" sz="2200" dirty="0"/>
+          </a:p>
+        </p:txBody>
+      </p:sp>
+    </p:spTree>
+    <p:extLst>
+      <p:ext uri="{BB962C8B-B14F-4D97-AF65-F5344CB8AC3E}">
+        <p14:creationId xmlns:p14="http://schemas.microsoft.com/office/powerpoint/2010/main" val="1130998091"/>
+      </p:ext>
+    </p:extLst>
+  </p:cSld>
+  <p:clrMapOvr>
+    <a:masterClrMapping/>
+  </p:clrMapOvr>
+</p:sld>
+</file>
+
+<file path=ppt/slides/slide76.xml><?xml version="1.0" encoding="utf-8"?>
+<p:sld xmlns:a="http://schemas.openxmlformats.org/drawingml/2006/main" xmlns:r="http://schemas.openxmlformats.org/officeDocument/2006/relationships" xmlns:p="http://schemas.openxmlformats.org/presentationml/2006/main">
+  <p:cSld>
+    <p:spTree>
+      <p:nvGrpSpPr>
+        <p:cNvPr id="1" name=""/>
+        <p:cNvGrpSpPr/>
+        <p:nvPr/>
+      </p:nvGrpSpPr>
+      <p:grpSpPr>
+        <a:xfrm>
+          <a:off x="0" y="0"/>
+          <a:ext cx="0" cy="0"/>
+          <a:chOff x="0" y="0"/>
+          <a:chExt cx="0" cy="0"/>
+        </a:xfrm>
+      </p:grpSpPr>
+      <p:sp>
+        <p:nvSpPr>
+          <p:cNvPr id="2" name="Title 1"/>
+          <p:cNvSpPr>
+            <a:spLocks noGrp="1"/>
+          </p:cNvSpPr>
+          <p:nvPr>
+            <p:ph type="title"/>
+          </p:nvPr>
+        </p:nvSpPr>
+        <p:spPr/>
+        <p:txBody>
+          <a:bodyPr/>
+          <a:lstStyle/>
+          <a:p>
+            <a:r>
+              <a:rPr lang="en-IN" dirty="0"/>
+              <a:t>Variable-Length Argument Lists</a:t>
+            </a:r>
+            <a:endParaRPr lang="en-IN" dirty="0"/>
+          </a:p>
+        </p:txBody>
+      </p:sp>
+      <p:sp>
+        <p:nvSpPr>
+          <p:cNvPr id="3" name="Content Placeholder 2"/>
+          <p:cNvSpPr>
+            <a:spLocks noGrp="1"/>
+          </p:cNvSpPr>
+          <p:nvPr>
+            <p:ph idx="1"/>
+          </p:nvPr>
+        </p:nvSpPr>
+        <p:spPr/>
+        <p:txBody>
+          <a:bodyPr>
+            <a:normAutofit lnSpcReduction="10000"/>
+          </a:bodyPr>
+          <a:lstStyle/>
+          <a:p>
+            <a:pPr marL="0" indent="0">
+              <a:buNone/>
+            </a:pPr>
+            <a:r>
+              <a:rPr lang="en-IN" dirty="0"/>
+              <a:t>M</a:t>
+            </a:r>
+            <a:r>
+              <a:rPr lang="en-IN" dirty="0" smtClean="0"/>
+              <a:t>ethods </a:t>
+            </a:r>
+            <a:r>
+              <a:rPr lang="en-IN" dirty="0"/>
+              <a:t>can have a variable-length argument list</a:t>
+            </a:r>
+            <a:r>
+              <a:rPr lang="en-IN" dirty="0" smtClean="0"/>
+              <a:t>. Called </a:t>
+            </a:r>
+            <a:r>
+              <a:rPr lang="en-IN" i="1" dirty="0" err="1"/>
+              <a:t>varargs</a:t>
+            </a:r>
+            <a:r>
+              <a:rPr lang="en-IN" dirty="0"/>
+              <a:t>, these methods are declared such that the last (</a:t>
+            </a:r>
+            <a:r>
+              <a:rPr lang="en-IN" dirty="0" smtClean="0"/>
+              <a:t>and only </a:t>
+            </a:r>
+            <a:r>
+              <a:rPr lang="en-IN" dirty="0"/>
+              <a:t>the last) argument can be repeated zero or more times </a:t>
+            </a:r>
+            <a:r>
+              <a:rPr lang="en-IN" dirty="0" smtClean="0"/>
+              <a:t>when the </a:t>
+            </a:r>
+            <a:r>
+              <a:rPr lang="en-IN" dirty="0"/>
+              <a:t>method is called. </a:t>
+            </a:r>
+            <a:endParaRPr lang="en-IN" dirty="0" smtClean="0"/>
+          </a:p>
+          <a:p>
+            <a:pPr marL="0" indent="0">
+              <a:buNone/>
+            </a:pPr>
+            <a:r>
+              <a:rPr lang="en-IN" dirty="0" smtClean="0"/>
+              <a:t>The </a:t>
+            </a:r>
+            <a:r>
+              <a:rPr lang="en-IN" dirty="0" err="1"/>
+              <a:t>vararg</a:t>
+            </a:r>
+            <a:r>
+              <a:rPr lang="en-IN" dirty="0"/>
+              <a:t> parameter can be either a </a:t>
+            </a:r>
+            <a:r>
+              <a:rPr lang="en-IN" dirty="0" smtClean="0"/>
+              <a:t>primitive or </a:t>
+            </a:r>
+            <a:r>
+              <a:rPr lang="en-IN" dirty="0"/>
+              <a:t>an object</a:t>
+            </a:r>
+            <a:r>
+              <a:rPr lang="en-IN" dirty="0" smtClean="0"/>
+              <a:t>.</a:t>
+            </a:r>
+          </a:p>
+          <a:p>
+            <a:pPr marL="0" indent="0">
+              <a:buNone/>
+            </a:pPr>
+            <a:r>
+              <a:rPr lang="en-IN" i="1" dirty="0" smtClean="0"/>
+              <a:t>	</a:t>
+            </a:r>
+            <a:r>
+              <a:rPr lang="en-IN" b="1" i="1" dirty="0" smtClean="0"/>
+              <a:t>type</a:t>
+            </a:r>
+            <a:r>
+              <a:rPr lang="en-IN" b="1" i="1" dirty="0"/>
+              <a:t>... </a:t>
+            </a:r>
+            <a:r>
+              <a:rPr lang="en-IN" b="1" i="1" dirty="0" err="1" smtClean="0"/>
+              <a:t>objectOrPrimitiveName</a:t>
+            </a:r>
+            <a:endParaRPr lang="en-IN" b="1" i="1" dirty="0" smtClean="0"/>
+          </a:p>
+          <a:p>
+            <a:pPr marL="914400" lvl="2" indent="0">
+              <a:buNone/>
+            </a:pPr>
+            <a:endParaRPr lang="en-IN" sz="2400" b="1" i="1" dirty="0"/>
+          </a:p>
+          <a:p>
+            <a:pPr marL="914400" lvl="2" indent="0">
+              <a:buNone/>
+            </a:pPr>
+            <a:r>
+              <a:rPr lang="en-IN" sz="2800" b="1" dirty="0"/>
+              <a:t>public </a:t>
+            </a:r>
+            <a:r>
+              <a:rPr lang="en-IN" sz="2800" dirty="0" err="1"/>
+              <a:t>setDisplayButtons</a:t>
+            </a:r>
+            <a:r>
+              <a:rPr lang="en-IN" sz="2800" dirty="0"/>
+              <a:t>(</a:t>
+            </a:r>
+            <a:r>
+              <a:rPr lang="en-IN" sz="2800" b="1" dirty="0" err="1"/>
+              <a:t>int</a:t>
+            </a:r>
+            <a:r>
+              <a:rPr lang="en-IN" sz="2800" b="1" dirty="0"/>
+              <a:t> </a:t>
+            </a:r>
+            <a:r>
+              <a:rPr lang="en-IN" sz="2800" dirty="0"/>
+              <a:t>row</a:t>
+            </a:r>
+            <a:r>
+              <a:rPr lang="en-IN" sz="2800" dirty="0" smtClean="0"/>
+              <a:t>, String</a:t>
+            </a:r>
+            <a:r>
+              <a:rPr lang="en-IN" sz="2800" dirty="0"/>
+              <a:t>... names) </a:t>
+            </a:r>
+            <a:r>
+              <a:rPr lang="en-IN" sz="2800" dirty="0" smtClean="0"/>
+              <a:t>{...}</a:t>
+            </a:r>
+          </a:p>
+          <a:p>
+            <a:pPr marL="914400" lvl="2" indent="0">
+              <a:buNone/>
+            </a:pPr>
+            <a:endParaRPr lang="en-IN" sz="2800" b="1" dirty="0" smtClean="0"/>
+          </a:p>
+          <a:p>
+            <a:pPr marL="914400" lvl="2" indent="0">
+              <a:buNone/>
+            </a:pPr>
+            <a:r>
+              <a:rPr lang="en-IN" sz="2800" dirty="0" smtClean="0"/>
+              <a:t>// at compile time the above </a:t>
+            </a:r>
+            <a:r>
+              <a:rPr lang="en-IN" sz="2800" dirty="0" err="1" smtClean="0"/>
+              <a:t>varags</a:t>
+            </a:r>
+            <a:r>
+              <a:rPr lang="en-IN" sz="2800" dirty="0" smtClean="0"/>
+              <a:t> can be modified to below</a:t>
+            </a:r>
+            <a:endParaRPr lang="en-IN" sz="2800" dirty="0"/>
+          </a:p>
+          <a:p>
+            <a:pPr marL="0" indent="0">
+              <a:buNone/>
+            </a:pPr>
+            <a:r>
+              <a:rPr lang="en-IN" b="1" dirty="0" smtClean="0"/>
+              <a:t>	public </a:t>
+            </a:r>
+            <a:r>
+              <a:rPr lang="en-IN" dirty="0" err="1"/>
+              <a:t>setDisplayButtons</a:t>
+            </a:r>
+            <a:r>
+              <a:rPr lang="en-IN" dirty="0"/>
+              <a:t>(</a:t>
+            </a:r>
+            <a:r>
+              <a:rPr lang="en-IN" b="1" dirty="0" err="1"/>
+              <a:t>int</a:t>
+            </a:r>
+            <a:r>
+              <a:rPr lang="en-IN" b="1" dirty="0"/>
+              <a:t> </a:t>
+            </a:r>
+            <a:r>
+              <a:rPr lang="en-IN" dirty="0"/>
+              <a:t>row</a:t>
+            </a:r>
+            <a:r>
+              <a:rPr lang="en-IN" dirty="0" smtClean="0"/>
+              <a:t>, String </a:t>
+            </a:r>
+            <a:r>
+              <a:rPr lang="en-IN" dirty="0"/>
+              <a:t>[] names) </a:t>
+            </a:r>
+            <a:r>
+              <a:rPr lang="en-IN" dirty="0" smtClean="0"/>
+              <a:t>{...}</a:t>
+            </a:r>
+            <a:endParaRPr lang="en-IN" sz="8800" b="1" dirty="0" smtClean="0"/>
+          </a:p>
+          <a:p>
+            <a:pPr marL="0" indent="0">
+              <a:buNone/>
+            </a:pPr>
+            <a:endParaRPr lang="en-IN" dirty="0"/>
+          </a:p>
+        </p:txBody>
+      </p:sp>
+    </p:spTree>
+    <p:extLst>
+      <p:ext uri="{BB962C8B-B14F-4D97-AF65-F5344CB8AC3E}">
+        <p14:creationId xmlns:p14="http://schemas.microsoft.com/office/powerpoint/2010/main" val="2772654875"/>
+      </p:ext>
+    </p:extLst>
+  </p:cSld>
+  <p:clrMapOvr>
+    <a:masterClrMapping/>
+  </p:clrMapOvr>
+</p:sld>
+</file>
+
+<file path=ppt/slides/slide77.xml><?xml version="1.0" encoding="utf-8"?>
+<p:sld xmlns:a="http://schemas.openxmlformats.org/drawingml/2006/main" xmlns:r="http://schemas.openxmlformats.org/officeDocument/2006/relationships" xmlns:p="http://schemas.openxmlformats.org/presentationml/2006/main">
+  <p:cSld>
+    <p:spTree>
+      <p:nvGrpSpPr>
+        <p:cNvPr id="1" name=""/>
+        <p:cNvGrpSpPr/>
+        <p:nvPr/>
+      </p:nvGrpSpPr>
+      <p:grpSpPr>
+        <a:xfrm>
+          <a:off x="0" y="0"/>
+          <a:ext cx="0" cy="0"/>
+          <a:chOff x="0" y="0"/>
+          <a:chExt cx="0" cy="0"/>
+        </a:xfrm>
+      </p:grpSpPr>
+      <p:sp>
+        <p:nvSpPr>
+          <p:cNvPr id="2" name="Title 1"/>
+          <p:cNvSpPr>
+            <a:spLocks noGrp="1"/>
+          </p:cNvSpPr>
+          <p:nvPr>
+            <p:ph type="title"/>
+          </p:nvPr>
+        </p:nvSpPr>
+        <p:spPr/>
+        <p:txBody>
+          <a:bodyPr/>
+          <a:lstStyle/>
+          <a:p>
+            <a:r>
+              <a:rPr lang="en-IN" dirty="0" smtClean="0"/>
+              <a:t>Continued…</a:t>
+            </a:r>
+            <a:endParaRPr lang="en-IN" dirty="0"/>
+          </a:p>
+        </p:txBody>
+      </p:sp>
+      <p:sp>
+        <p:nvSpPr>
+          <p:cNvPr id="3" name="Content Placeholder 2"/>
+          <p:cNvSpPr>
+            <a:spLocks noGrp="1"/>
+          </p:cNvSpPr>
+          <p:nvPr>
+            <p:ph idx="1"/>
+          </p:nvPr>
+        </p:nvSpPr>
+        <p:spPr/>
+        <p:txBody>
+          <a:bodyPr>
+            <a:normAutofit/>
+          </a:bodyPr>
+          <a:lstStyle/>
+          <a:p>
+            <a:pPr marL="914400" lvl="2" indent="0">
+              <a:buNone/>
+            </a:pPr>
+            <a:r>
+              <a:rPr lang="en-IN" sz="2400" i="1" dirty="0"/>
+              <a:t>// Zero or </a:t>
+            </a:r>
+            <a:r>
+              <a:rPr lang="en-IN" sz="2400" i="1" dirty="0" smtClean="0"/>
+              <a:t>more</a:t>
+            </a:r>
+            <a:endParaRPr lang="en-IN" sz="2400" i="1" dirty="0"/>
+          </a:p>
+          <a:p>
+            <a:pPr marL="914400" lvl="2" indent="0">
+              <a:buNone/>
+            </a:pPr>
+            <a:r>
+              <a:rPr lang="en-IN" sz="2400" b="1" dirty="0"/>
+              <a:t>public void </a:t>
+            </a:r>
+            <a:r>
+              <a:rPr lang="en-IN" sz="2400" dirty="0" err="1"/>
+              <a:t>setDisplayButtons</a:t>
+            </a:r>
+            <a:r>
+              <a:rPr lang="en-IN" sz="2400" dirty="0"/>
+              <a:t> (String... names</a:t>
+            </a:r>
+            <a:r>
+              <a:rPr lang="en-IN" sz="2400" dirty="0" smtClean="0"/>
+              <a:t>) {...}</a:t>
+            </a:r>
+          </a:p>
+          <a:p>
+            <a:pPr marL="1828800" lvl="4" indent="0">
+              <a:buNone/>
+            </a:pPr>
+            <a:endParaRPr lang="en-IN" sz="2400" dirty="0"/>
+          </a:p>
+          <a:p>
+            <a:pPr marL="914400" lvl="2" indent="0">
+              <a:buNone/>
+            </a:pPr>
+            <a:r>
+              <a:rPr lang="en-IN" sz="2400" dirty="0" err="1"/>
+              <a:t>setDisplayButtons</a:t>
+            </a:r>
+            <a:r>
+              <a:rPr lang="en-IN" sz="2400" dirty="0" smtClean="0"/>
+              <a:t>(“Karan");</a:t>
+            </a:r>
+            <a:endParaRPr lang="en-IN" sz="2400" dirty="0"/>
+          </a:p>
+          <a:p>
+            <a:pPr marL="914400" lvl="2" indent="0">
+              <a:buNone/>
+            </a:pPr>
+            <a:r>
+              <a:rPr lang="en-IN" sz="2400" dirty="0" err="1"/>
+              <a:t>setDisplayButtons</a:t>
+            </a:r>
+            <a:r>
+              <a:rPr lang="en-IN" sz="2400" dirty="0" smtClean="0"/>
+              <a:t>(“Raghu", “Siva", “Sanjay");</a:t>
+            </a:r>
+            <a:endParaRPr lang="en-IN" sz="2400" dirty="0"/>
+          </a:p>
+          <a:p>
+            <a:pPr marL="914400" lvl="2" indent="0">
+              <a:buNone/>
+            </a:pPr>
+            <a:r>
+              <a:rPr lang="en-IN" sz="2400" dirty="0" err="1" smtClean="0"/>
+              <a:t>setDisplayButtons</a:t>
+            </a:r>
+            <a:r>
+              <a:rPr lang="en-IN" sz="2400" dirty="0" smtClean="0"/>
+              <a:t>(“Krishna", “</a:t>
+            </a:r>
+            <a:r>
+              <a:rPr lang="en-IN" sz="2400" dirty="0" err="1" smtClean="0"/>
+              <a:t>Meghana</a:t>
+            </a:r>
+            <a:r>
+              <a:rPr lang="en-IN" sz="2400" dirty="0" smtClean="0"/>
+              <a:t>", “</a:t>
+            </a:r>
+            <a:r>
+              <a:rPr lang="en-IN" sz="2400" dirty="0" err="1" smtClean="0"/>
+              <a:t>Venkat</a:t>
+            </a:r>
+            <a:r>
+              <a:rPr lang="en-IN" sz="2400" dirty="0" smtClean="0"/>
+              <a:t>", “Kiran");</a:t>
+            </a:r>
+          </a:p>
+          <a:p>
+            <a:pPr marL="914400" lvl="2" indent="0">
+              <a:buNone/>
+            </a:pPr>
+            <a:endParaRPr lang="en-IN" sz="2400" dirty="0"/>
+          </a:p>
+          <a:p>
+            <a:pPr marL="914400" lvl="2" indent="0">
+              <a:buNone/>
+            </a:pPr>
+            <a:r>
+              <a:rPr lang="en-IN" sz="2400" b="1" dirty="0"/>
+              <a:t>public </a:t>
+            </a:r>
+            <a:r>
+              <a:rPr lang="en-IN" sz="2400" dirty="0" err="1"/>
+              <a:t>PrintStream</a:t>
+            </a:r>
+            <a:r>
+              <a:rPr lang="en-IN" sz="2400" dirty="0"/>
+              <a:t> </a:t>
+            </a:r>
+            <a:r>
+              <a:rPr lang="en-IN" sz="2400" dirty="0" err="1"/>
+              <a:t>printf</a:t>
+            </a:r>
+            <a:r>
+              <a:rPr lang="en-IN" sz="2400" dirty="0"/>
+              <a:t>(String </a:t>
+            </a:r>
+            <a:r>
+              <a:rPr lang="en-IN" sz="2400" dirty="0" smtClean="0"/>
+              <a:t>format, Object</a:t>
+            </a:r>
+            <a:r>
+              <a:rPr lang="en-IN" sz="2400" dirty="0"/>
+              <a:t>... </a:t>
+            </a:r>
+            <a:r>
+              <a:rPr lang="en-IN" sz="2400" dirty="0" err="1"/>
+              <a:t>args</a:t>
+            </a:r>
+            <a:r>
+              <a:rPr lang="en-IN" sz="2400" dirty="0" smtClean="0"/>
+              <a:t>)</a:t>
+            </a:r>
+          </a:p>
+          <a:p>
+            <a:pPr marL="0" indent="0">
+              <a:buNone/>
+            </a:pPr>
+            <a:r>
+              <a:rPr lang="en-IN" sz="2400" dirty="0" smtClean="0"/>
+              <a:t>	</a:t>
+            </a:r>
+            <a:r>
+              <a:rPr lang="en-IN" sz="2400" dirty="0" err="1" smtClean="0"/>
+              <a:t>System.out.printf</a:t>
+            </a:r>
+            <a:r>
+              <a:rPr lang="en-IN" sz="2400" dirty="0"/>
+              <a:t>("Hello voter %</a:t>
+            </a:r>
+            <a:r>
+              <a:rPr lang="en-IN" sz="2400" dirty="0" err="1" smtClean="0"/>
+              <a:t>s%nThis</a:t>
+            </a:r>
+            <a:r>
+              <a:rPr lang="en-IN" sz="2400" dirty="0" smtClean="0"/>
+              <a:t> </a:t>
+            </a:r>
+            <a:r>
+              <a:rPr lang="en-IN" sz="2400" dirty="0"/>
+              <a:t>is machine %</a:t>
+            </a:r>
+            <a:r>
+              <a:rPr lang="en-IN" sz="2400" dirty="0" err="1"/>
+              <a:t>d%n</a:t>
+            </a:r>
+            <a:r>
+              <a:rPr lang="en-IN" sz="2400" dirty="0"/>
+              <a:t>", </a:t>
+            </a:r>
+            <a:r>
+              <a:rPr lang="en-IN" sz="2400" dirty="0" smtClean="0"/>
+              <a:t>“Ram", </a:t>
+            </a:r>
+            <a:r>
+              <a:rPr lang="en-IN" sz="2400" dirty="0"/>
+              <a:t>1);</a:t>
+            </a:r>
+            <a:endParaRPr lang="en-IN" sz="2400" dirty="0"/>
+          </a:p>
+        </p:txBody>
+      </p:sp>
+    </p:spTree>
+    <p:extLst>
+      <p:ext uri="{BB962C8B-B14F-4D97-AF65-F5344CB8AC3E}">
+        <p14:creationId xmlns:p14="http://schemas.microsoft.com/office/powerpoint/2010/main" val="809378890"/>
+      </p:ext>
+    </p:extLst>
+  </p:cSld>
+  <p:clrMapOvr>
+    <a:masterClrMapping/>
+  </p:clrMapOvr>
+</p:sld>
+</file>
+
+<file path=ppt/slides/slide78.xml><?xml version="1.0" encoding="utf-8"?>
+<p:sld xmlns:a="http://schemas.openxmlformats.org/drawingml/2006/main" xmlns:r="http://schemas.openxmlformats.org/officeDocument/2006/relationships" xmlns:p="http://schemas.openxmlformats.org/presentationml/2006/main">
+  <p:cSld>
+    <p:spTree>
+      <p:nvGrpSpPr>
+        <p:cNvPr id="1" name=""/>
+        <p:cNvGrpSpPr/>
+        <p:nvPr/>
+      </p:nvGrpSpPr>
+      <p:grpSpPr>
+        <a:xfrm>
+          <a:off x="0" y="0"/>
+          <a:ext cx="0" cy="0"/>
+          <a:chOff x="0" y="0"/>
+          <a:chExt cx="0" cy="0"/>
+        </a:xfrm>
+      </p:grpSpPr>
+      <p:sp>
+        <p:nvSpPr>
+          <p:cNvPr id="2" name="Title 1"/>
+          <p:cNvSpPr>
+            <a:spLocks noGrp="1"/>
+          </p:cNvSpPr>
+          <p:nvPr>
+            <p:ph type="title"/>
+          </p:nvPr>
+        </p:nvSpPr>
+        <p:spPr/>
+        <p:txBody>
+          <a:bodyPr/>
+          <a:lstStyle/>
+          <a:p>
+            <a:r>
+              <a:rPr lang="en-IN" dirty="0"/>
+              <a:t>Abstract Classes and Abstract Methods</a:t>
+            </a:r>
+            <a:endParaRPr lang="en-IN" dirty="0"/>
+          </a:p>
+        </p:txBody>
+      </p:sp>
+      <p:sp>
+        <p:nvSpPr>
+          <p:cNvPr id="3" name="Content Placeholder 2"/>
+          <p:cNvSpPr>
+            <a:spLocks noGrp="1"/>
+          </p:cNvSpPr>
+          <p:nvPr>
+            <p:ph idx="1"/>
+          </p:nvPr>
+        </p:nvSpPr>
+        <p:spPr/>
+        <p:txBody>
+          <a:bodyPr>
+            <a:normAutofit/>
+          </a:bodyPr>
+          <a:lstStyle/>
+          <a:p>
+            <a:pPr marL="0" indent="0">
+              <a:buNone/>
+            </a:pPr>
+            <a:r>
+              <a:rPr lang="en-IN" sz="2400" dirty="0"/>
+              <a:t>An abstract class is typically used as a base class and cannot </a:t>
+            </a:r>
+            <a:r>
+              <a:rPr lang="en-IN" sz="2400" dirty="0" smtClean="0"/>
+              <a:t>be instantiated</a:t>
+            </a:r>
+            <a:r>
+              <a:rPr lang="en-IN" sz="2400" dirty="0"/>
+              <a:t>. </a:t>
+            </a:r>
+            <a:endParaRPr lang="en-IN" sz="2400" dirty="0" smtClean="0"/>
+          </a:p>
+          <a:p>
+            <a:pPr marL="0" indent="0">
+              <a:buNone/>
+            </a:pPr>
+            <a:r>
+              <a:rPr lang="en-IN" sz="2400" dirty="0" smtClean="0"/>
+              <a:t>It </a:t>
+            </a:r>
+            <a:r>
+              <a:rPr lang="en-IN" sz="2400" dirty="0"/>
+              <a:t>can contain abstract and </a:t>
+            </a:r>
+            <a:r>
+              <a:rPr lang="en-IN" sz="2400" dirty="0" smtClean="0"/>
+              <a:t>non-abstract methods, and </a:t>
+            </a:r>
+            <a:r>
+              <a:rPr lang="en-IN" sz="2400" dirty="0"/>
+              <a:t>it can be a subclass of an abstract or a </a:t>
+            </a:r>
+            <a:r>
+              <a:rPr lang="en-IN" sz="2400" dirty="0" smtClean="0"/>
+              <a:t>non-abstract </a:t>
+            </a:r>
+            <a:r>
+              <a:rPr lang="en-IN" sz="2400" dirty="0"/>
+              <a:t>class. </a:t>
+            </a:r>
+            <a:endParaRPr lang="en-IN" sz="2400" dirty="0" smtClean="0"/>
+          </a:p>
+          <a:p>
+            <a:pPr marL="0" indent="0">
+              <a:buNone/>
+            </a:pPr>
+            <a:r>
+              <a:rPr lang="en-IN" sz="2400" dirty="0" smtClean="0"/>
+              <a:t>All of </a:t>
+            </a:r>
+            <a:r>
+              <a:rPr lang="en-IN" sz="2400" dirty="0"/>
+              <a:t>its abstract methods must be defined by the classes that inherit</a:t>
+            </a:r>
+          </a:p>
+          <a:p>
+            <a:pPr marL="0" indent="0">
+              <a:buNone/>
+            </a:pPr>
+            <a:r>
+              <a:rPr lang="en-IN" sz="2400" dirty="0"/>
+              <a:t>(extend) it unless the subclass is also </a:t>
+            </a:r>
+            <a:r>
+              <a:rPr lang="en-IN" sz="2400" dirty="0" smtClean="0"/>
+              <a:t>abstract.</a:t>
+            </a:r>
+          </a:p>
+          <a:p>
+            <a:pPr marL="0" indent="0">
+              <a:buNone/>
+            </a:pPr>
+            <a:endParaRPr lang="en-IN" sz="2400" dirty="0" smtClean="0"/>
+          </a:p>
+          <a:p>
+            <a:pPr marL="457200" lvl="1" indent="0">
+              <a:buNone/>
+            </a:pPr>
+            <a:r>
+              <a:rPr lang="en-IN" b="1" dirty="0"/>
+              <a:t>public abstract class Alarm </a:t>
+            </a:r>
+            <a:r>
+              <a:rPr lang="en-IN" dirty="0"/>
+              <a:t>{</a:t>
+            </a:r>
+          </a:p>
+          <a:p>
+            <a:pPr marL="914400" lvl="2" indent="0">
+              <a:buNone/>
+            </a:pPr>
+            <a:r>
+              <a:rPr lang="en-IN" sz="2400" b="1" dirty="0"/>
+              <a:t>public void </a:t>
+            </a:r>
+            <a:r>
+              <a:rPr lang="en-IN" sz="2400" dirty="0"/>
+              <a:t>reset() {...}</a:t>
+            </a:r>
+          </a:p>
+          <a:p>
+            <a:pPr marL="914400" lvl="2" indent="0">
+              <a:buNone/>
+            </a:pPr>
+            <a:r>
+              <a:rPr lang="en-IN" sz="2400" b="1" dirty="0"/>
+              <a:t>public abstract void </a:t>
+            </a:r>
+            <a:r>
+              <a:rPr lang="en-IN" sz="2400" dirty="0" err="1"/>
+              <a:t>renderAlarm</a:t>
+            </a:r>
+            <a:r>
+              <a:rPr lang="en-IN" sz="2400" dirty="0"/>
+              <a:t>();</a:t>
+            </a:r>
+          </a:p>
+          <a:p>
+            <a:pPr marL="457200" lvl="1" indent="0">
+              <a:buNone/>
+            </a:pPr>
+            <a:r>
+              <a:rPr lang="en-IN" dirty="0"/>
+              <a:t>}</a:t>
+            </a:r>
+            <a:endParaRPr lang="en-IN" dirty="0"/>
+          </a:p>
+        </p:txBody>
+      </p:sp>
+    </p:spTree>
+    <p:extLst>
+      <p:ext uri="{BB962C8B-B14F-4D97-AF65-F5344CB8AC3E}">
+        <p14:creationId xmlns:p14="http://schemas.microsoft.com/office/powerpoint/2010/main" val="3593765606"/>
+      </p:ext>
+    </p:extLst>
+  </p:cSld>
+  <p:clrMapOvr>
+    <a:masterClrMapping/>
+  </p:clrMapOvr>
+</p:sld>
+</file>
+
+<file path=ppt/slides/slide79.xml><?xml version="1.0" encoding="utf-8"?>
+<p:sld xmlns:a="http://schemas.openxmlformats.org/drawingml/2006/main" xmlns:r="http://schemas.openxmlformats.org/officeDocument/2006/relationships" xmlns:p="http://schemas.openxmlformats.org/presentationml/2006/main">
+  <p:cSld>
+    <p:spTree>
+      <p:nvGrpSpPr>
+        <p:cNvPr id="1" name=""/>
+        <p:cNvGrpSpPr/>
+        <p:nvPr/>
+      </p:nvGrpSpPr>
+      <p:grpSpPr>
+        <a:xfrm>
+          <a:off x="0" y="0"/>
+          <a:ext cx="0" cy="0"/>
+          <a:chOff x="0" y="0"/>
+          <a:chExt cx="0" cy="0"/>
+        </a:xfrm>
+      </p:grpSpPr>
+      <p:sp>
+        <p:nvSpPr>
+          <p:cNvPr id="2" name="Title 1"/>
+          <p:cNvSpPr>
+            <a:spLocks noGrp="1"/>
+          </p:cNvSpPr>
+          <p:nvPr>
+            <p:ph type="title"/>
+          </p:nvPr>
+        </p:nvSpPr>
+        <p:spPr/>
+        <p:txBody>
+          <a:bodyPr/>
+          <a:lstStyle/>
+          <a:p>
+            <a:r>
+              <a:rPr lang="en-IN" dirty="0" smtClean="0"/>
+              <a:t>Continued…</a:t>
+            </a:r>
+            <a:endParaRPr lang="en-IN" dirty="0"/>
+          </a:p>
+        </p:txBody>
+      </p:sp>
+      <p:sp>
+        <p:nvSpPr>
+          <p:cNvPr id="3" name="Content Placeholder 2"/>
+          <p:cNvSpPr>
+            <a:spLocks noGrp="1"/>
+          </p:cNvSpPr>
+          <p:nvPr>
+            <p:ph idx="1"/>
+          </p:nvPr>
+        </p:nvSpPr>
+        <p:spPr/>
+        <p:txBody>
+          <a:bodyPr>
+            <a:normAutofit/>
+          </a:bodyPr>
+          <a:lstStyle/>
+          <a:p>
+            <a:pPr marL="0" indent="0">
+              <a:buNone/>
+            </a:pPr>
+            <a:r>
+              <a:rPr lang="en-IN" sz="2400" dirty="0"/>
+              <a:t>An abstract method contains only the method declaration, </a:t>
+            </a:r>
+            <a:r>
+              <a:rPr lang="en-IN" sz="2400" dirty="0" smtClean="0"/>
+              <a:t>which must </a:t>
+            </a:r>
+            <a:r>
+              <a:rPr lang="en-IN" sz="2400" dirty="0"/>
+              <a:t>be defined by any </a:t>
+            </a:r>
+            <a:r>
+              <a:rPr lang="en-IN" sz="2400" dirty="0" smtClean="0"/>
+              <a:t>non-abstract </a:t>
+            </a:r>
+            <a:r>
+              <a:rPr lang="en-IN" sz="2400" dirty="0"/>
+              <a:t>class that inherits it</a:t>
+            </a:r>
+            <a:r>
+              <a:rPr lang="en-IN" sz="2400" dirty="0" smtClean="0"/>
+              <a:t>:</a:t>
+            </a:r>
+          </a:p>
+          <a:p>
+            <a:pPr marL="0" indent="0">
+              <a:buNone/>
+            </a:pPr>
+            <a:endParaRPr lang="en-IN" sz="2400" dirty="0"/>
+          </a:p>
+          <a:p>
+            <a:pPr marL="457200" lvl="1" indent="0">
+              <a:buNone/>
+            </a:pPr>
+            <a:r>
+              <a:rPr lang="en-IN" b="1" dirty="0"/>
+              <a:t>public class </a:t>
+            </a:r>
+            <a:r>
+              <a:rPr lang="en-IN" b="1" dirty="0" err="1"/>
+              <a:t>DisplayAlarm</a:t>
+            </a:r>
+            <a:r>
+              <a:rPr lang="en-IN" b="1" dirty="0"/>
+              <a:t> extends </a:t>
+            </a:r>
+            <a:r>
+              <a:rPr lang="en-IN" dirty="0"/>
+              <a:t>Alarm {</a:t>
+            </a:r>
+          </a:p>
+          <a:p>
+            <a:pPr marL="914400" lvl="2" indent="0">
+              <a:buNone/>
+            </a:pPr>
+            <a:r>
+              <a:rPr lang="en-IN" sz="2400" b="1" dirty="0"/>
+              <a:t>public void </a:t>
+            </a:r>
+            <a:r>
+              <a:rPr lang="en-IN" sz="2400" dirty="0" err="1"/>
+              <a:t>renderAlarm</a:t>
+            </a:r>
+            <a:r>
+              <a:rPr lang="en-IN" sz="2400" dirty="0"/>
+              <a:t>() {</a:t>
+            </a:r>
+          </a:p>
+          <a:p>
+            <a:pPr marL="914400" lvl="2" indent="0">
+              <a:buNone/>
+            </a:pPr>
+            <a:r>
+              <a:rPr lang="en-IN" sz="2400" dirty="0" smtClean="0"/>
+              <a:t>	</a:t>
+            </a:r>
+            <a:r>
+              <a:rPr lang="en-IN" sz="2400" dirty="0" err="1" smtClean="0"/>
+              <a:t>System.out.println</a:t>
+            </a:r>
+            <a:r>
+              <a:rPr lang="en-IN" sz="2400" dirty="0"/>
+              <a:t>("Active alarm.");</a:t>
+            </a:r>
+          </a:p>
+          <a:p>
+            <a:pPr marL="914400" lvl="2" indent="0">
+              <a:buNone/>
+            </a:pPr>
+            <a:r>
+              <a:rPr lang="en-IN" sz="2400" dirty="0"/>
+              <a:t>}</a:t>
+            </a:r>
+          </a:p>
+          <a:p>
+            <a:pPr marL="457200" lvl="1" indent="0">
+              <a:buNone/>
+            </a:pPr>
+            <a:r>
+              <a:rPr lang="en-IN" dirty="0"/>
+              <a:t>}</a:t>
+            </a:r>
+            <a:endParaRPr lang="en-IN" dirty="0"/>
+          </a:p>
+        </p:txBody>
+      </p:sp>
+    </p:spTree>
+    <p:extLst>
+      <p:ext uri="{BB962C8B-B14F-4D97-AF65-F5344CB8AC3E}">
+        <p14:creationId xmlns:p14="http://schemas.microsoft.com/office/powerpoint/2010/main" val="2753340273"/>
       </p:ext>
     </p:extLst>
   </p:cSld>
@@ -15888,6 +20611,2307 @@
 </p:sld>
 </file>
 
+<file path=ppt/slides/slide80.xml><?xml version="1.0" encoding="utf-8"?>
+<p:sld xmlns:a="http://schemas.openxmlformats.org/drawingml/2006/main" xmlns:r="http://schemas.openxmlformats.org/officeDocument/2006/relationships" xmlns:p="http://schemas.openxmlformats.org/presentationml/2006/main">
+  <p:cSld>
+    <p:spTree>
+      <p:nvGrpSpPr>
+        <p:cNvPr id="1" name=""/>
+        <p:cNvGrpSpPr/>
+        <p:nvPr/>
+      </p:nvGrpSpPr>
+      <p:grpSpPr>
+        <a:xfrm>
+          <a:off x="0" y="0"/>
+          <a:ext cx="0" cy="0"/>
+          <a:chOff x="0" y="0"/>
+          <a:chExt cx="0" cy="0"/>
+        </a:xfrm>
+      </p:grpSpPr>
+      <p:sp>
+        <p:nvSpPr>
+          <p:cNvPr id="2" name="Title 1"/>
+          <p:cNvSpPr>
+            <a:spLocks noGrp="1"/>
+          </p:cNvSpPr>
+          <p:nvPr>
+            <p:ph type="title"/>
+          </p:nvPr>
+        </p:nvSpPr>
+        <p:spPr/>
+        <p:txBody>
+          <a:bodyPr/>
+          <a:lstStyle/>
+          <a:p>
+            <a:r>
+              <a:rPr lang="en-IN" dirty="0"/>
+              <a:t>Static Data Members, Static Methods</a:t>
+            </a:r>
+            <a:r>
+              <a:rPr lang="en-IN" dirty="0" smtClean="0"/>
+              <a:t>, Static </a:t>
+            </a:r>
+            <a:r>
+              <a:rPr lang="en-IN" dirty="0"/>
+              <a:t>Constants, and Static Initializers</a:t>
+            </a:r>
+            <a:endParaRPr lang="en-IN" dirty="0"/>
+          </a:p>
+        </p:txBody>
+      </p:sp>
+      <p:sp>
+        <p:nvSpPr>
+          <p:cNvPr id="3" name="Content Placeholder 2"/>
+          <p:cNvSpPr>
+            <a:spLocks noGrp="1"/>
+          </p:cNvSpPr>
+          <p:nvPr>
+            <p:ph idx="1"/>
+          </p:nvPr>
+        </p:nvSpPr>
+        <p:spPr>
+          <a:xfrm>
+            <a:off x="838200" y="1596980"/>
+            <a:ext cx="10515600" cy="4906851"/>
+          </a:xfrm>
+        </p:spPr>
+        <p:txBody>
+          <a:bodyPr>
+            <a:normAutofit lnSpcReduction="10000"/>
+          </a:bodyPr>
+          <a:lstStyle/>
+          <a:p>
+            <a:pPr marL="0" indent="0">
+              <a:buNone/>
+            </a:pPr>
+            <a:r>
+              <a:rPr lang="en-IN" sz="2400" dirty="0"/>
+              <a:t>Static data members have the same features as static methods </a:t>
+            </a:r>
+            <a:r>
+              <a:rPr lang="en-IN" sz="2400" dirty="0" smtClean="0"/>
+              <a:t>and are </a:t>
+            </a:r>
+            <a:r>
+              <a:rPr lang="en-IN" sz="2400" dirty="0"/>
+              <a:t>stored in a single location in memory</a:t>
+            </a:r>
+            <a:r>
+              <a:rPr lang="en-IN" sz="2400" dirty="0" smtClean="0"/>
+              <a:t>. They </a:t>
+            </a:r>
+            <a:r>
+              <a:rPr lang="en-IN" sz="2400" dirty="0"/>
+              <a:t>are used when only one copy of a data member is </a:t>
+            </a:r>
+            <a:r>
+              <a:rPr lang="en-IN" sz="2400" dirty="0" smtClean="0"/>
+              <a:t>needed across </a:t>
+            </a:r>
+            <a:r>
+              <a:rPr lang="en-IN" sz="2400" dirty="0"/>
+              <a:t>all instances of a class (e.g., a counter</a:t>
+            </a:r>
+            <a:r>
+              <a:rPr lang="en-IN" sz="2400" dirty="0" smtClean="0"/>
+              <a:t>):</a:t>
+            </a:r>
+          </a:p>
+          <a:p>
+            <a:pPr marL="0" indent="0">
+              <a:buNone/>
+            </a:pPr>
+            <a:endParaRPr lang="en-IN" sz="2200" dirty="0"/>
+          </a:p>
+          <a:p>
+            <a:pPr marL="457200" lvl="1" indent="0">
+              <a:buNone/>
+            </a:pPr>
+            <a:r>
+              <a:rPr lang="en-IN" sz="2200" i="1" dirty="0"/>
+              <a:t>// Declaring a static data member</a:t>
+            </a:r>
+          </a:p>
+          <a:p>
+            <a:pPr marL="457200" lvl="1" indent="0">
+              <a:buNone/>
+            </a:pPr>
+            <a:r>
+              <a:rPr lang="en-IN" sz="2200" b="1" dirty="0"/>
+              <a:t>public class Voter </a:t>
+            </a:r>
+            <a:r>
+              <a:rPr lang="en-IN" sz="2200" dirty="0"/>
+              <a:t>{</a:t>
+            </a:r>
+          </a:p>
+          <a:p>
+            <a:pPr marL="914400" lvl="2" indent="0">
+              <a:buNone/>
+            </a:pPr>
+            <a:r>
+              <a:rPr lang="en-IN" sz="2200" b="1" dirty="0"/>
+              <a:t>static </a:t>
+            </a:r>
+            <a:r>
+              <a:rPr lang="en-IN" sz="2200" b="1" dirty="0" err="1"/>
+              <a:t>int</a:t>
+            </a:r>
+            <a:r>
+              <a:rPr lang="en-IN" sz="2200" b="1" dirty="0"/>
+              <a:t> </a:t>
+            </a:r>
+            <a:r>
+              <a:rPr lang="en-IN" sz="2200" dirty="0" err="1"/>
+              <a:t>voterCount</a:t>
+            </a:r>
+            <a:r>
+              <a:rPr lang="en-IN" sz="2200" dirty="0"/>
+              <a:t> = 0;</a:t>
+            </a:r>
+          </a:p>
+          <a:p>
+            <a:pPr marL="914400" lvl="2" indent="0">
+              <a:buNone/>
+            </a:pPr>
+            <a:r>
+              <a:rPr lang="en-IN" sz="2200" b="1" dirty="0"/>
+              <a:t>public </a:t>
+            </a:r>
+            <a:r>
+              <a:rPr lang="en-IN" sz="2200" dirty="0"/>
+              <a:t>Voter() { </a:t>
+            </a:r>
+            <a:r>
+              <a:rPr lang="en-IN" sz="2200" dirty="0" err="1"/>
+              <a:t>voterCount</a:t>
+            </a:r>
+            <a:r>
+              <a:rPr lang="en-IN" sz="2200" dirty="0"/>
+              <a:t>++;}</a:t>
+            </a:r>
+          </a:p>
+          <a:p>
+            <a:pPr marL="914400" lvl="2" indent="0">
+              <a:buNone/>
+            </a:pPr>
+            <a:r>
+              <a:rPr lang="en-IN" sz="2200" b="1" dirty="0"/>
+              <a:t>public static </a:t>
+            </a:r>
+            <a:r>
+              <a:rPr lang="en-IN" sz="2200" b="1" dirty="0" err="1"/>
+              <a:t>int</a:t>
+            </a:r>
+            <a:r>
+              <a:rPr lang="en-IN" sz="2200" b="1" dirty="0"/>
+              <a:t> </a:t>
+            </a:r>
+            <a:r>
+              <a:rPr lang="en-IN" sz="2200" dirty="0" err="1"/>
+              <a:t>getVoterCount</a:t>
+            </a:r>
+            <a:r>
+              <a:rPr lang="en-IN" sz="2200" dirty="0"/>
+              <a:t>() {</a:t>
+            </a:r>
+          </a:p>
+          <a:p>
+            <a:pPr marL="914400" lvl="2" indent="0">
+              <a:buNone/>
+            </a:pPr>
+            <a:r>
+              <a:rPr lang="en-IN" sz="2200" b="1" dirty="0" smtClean="0"/>
+              <a:t>	return </a:t>
+            </a:r>
+            <a:r>
+              <a:rPr lang="en-IN" sz="2200" dirty="0" err="1"/>
+              <a:t>voterCount</a:t>
+            </a:r>
+            <a:r>
+              <a:rPr lang="en-IN" sz="2200" dirty="0"/>
+              <a:t>;</a:t>
+            </a:r>
+          </a:p>
+          <a:p>
+            <a:pPr marL="914400" lvl="2" indent="0">
+              <a:buNone/>
+            </a:pPr>
+            <a:r>
+              <a:rPr lang="en-IN" sz="2200" dirty="0"/>
+              <a:t>}</a:t>
+            </a:r>
+          </a:p>
+          <a:p>
+            <a:pPr marL="457200" lvl="1" indent="0">
+              <a:buNone/>
+            </a:pPr>
+            <a:r>
+              <a:rPr lang="en-IN" sz="2200" dirty="0"/>
+              <a:t>}</a:t>
+            </a:r>
+          </a:p>
+          <a:p>
+            <a:pPr marL="457200" lvl="1" indent="0">
+              <a:buNone/>
+            </a:pPr>
+            <a:r>
+              <a:rPr lang="en-IN" sz="2200" dirty="0"/>
+              <a:t>...</a:t>
+            </a:r>
+          </a:p>
+          <a:p>
+            <a:pPr marL="457200" lvl="1" indent="0">
+              <a:buNone/>
+            </a:pPr>
+            <a:r>
+              <a:rPr lang="en-IN" sz="2200" b="1" dirty="0" err="1"/>
+              <a:t>int</a:t>
+            </a:r>
+            <a:r>
+              <a:rPr lang="en-IN" sz="2200" b="1" dirty="0"/>
+              <a:t> </a:t>
+            </a:r>
+            <a:r>
+              <a:rPr lang="en-IN" sz="2200" dirty="0" err="1"/>
+              <a:t>numVoters</a:t>
+            </a:r>
+            <a:r>
+              <a:rPr lang="en-IN" sz="2200" dirty="0"/>
+              <a:t> = </a:t>
+            </a:r>
+            <a:r>
+              <a:rPr lang="en-IN" sz="2200" dirty="0" err="1"/>
+              <a:t>Voter.voterCount</a:t>
+            </a:r>
+            <a:r>
+              <a:rPr lang="en-IN" sz="2200" dirty="0"/>
+              <a:t>;</a:t>
+            </a:r>
+            <a:endParaRPr lang="en-IN" sz="2200" dirty="0"/>
+          </a:p>
+        </p:txBody>
+      </p:sp>
+    </p:spTree>
+    <p:extLst>
+      <p:ext uri="{BB962C8B-B14F-4D97-AF65-F5344CB8AC3E}">
+        <p14:creationId xmlns:p14="http://schemas.microsoft.com/office/powerpoint/2010/main" val="2636036409"/>
+      </p:ext>
+    </p:extLst>
+  </p:cSld>
+  <p:clrMapOvr>
+    <a:masterClrMapping/>
+  </p:clrMapOvr>
+</p:sld>
+</file>
+
+<file path=ppt/slides/slide81.xml><?xml version="1.0" encoding="utf-8"?>
+<p:sld xmlns:a="http://schemas.openxmlformats.org/drawingml/2006/main" xmlns:r="http://schemas.openxmlformats.org/officeDocument/2006/relationships" xmlns:p="http://schemas.openxmlformats.org/presentationml/2006/main">
+  <p:cSld>
+    <p:spTree>
+      <p:nvGrpSpPr>
+        <p:cNvPr id="1" name=""/>
+        <p:cNvGrpSpPr/>
+        <p:nvPr/>
+      </p:nvGrpSpPr>
+      <p:grpSpPr>
+        <a:xfrm>
+          <a:off x="0" y="0"/>
+          <a:ext cx="0" cy="0"/>
+          <a:chOff x="0" y="0"/>
+          <a:chExt cx="0" cy="0"/>
+        </a:xfrm>
+      </p:grpSpPr>
+      <p:sp>
+        <p:nvSpPr>
+          <p:cNvPr id="2" name="Title 1"/>
+          <p:cNvSpPr>
+            <a:spLocks noGrp="1"/>
+          </p:cNvSpPr>
+          <p:nvPr>
+            <p:ph type="title"/>
+          </p:nvPr>
+        </p:nvSpPr>
+        <p:spPr/>
+        <p:txBody>
+          <a:bodyPr/>
+          <a:lstStyle/>
+          <a:p>
+            <a:r>
+              <a:rPr lang="en-IN" dirty="0" smtClean="0"/>
+              <a:t>Continued…</a:t>
+            </a:r>
+            <a:endParaRPr lang="en-IN" dirty="0"/>
+          </a:p>
+        </p:txBody>
+      </p:sp>
+      <p:sp>
+        <p:nvSpPr>
+          <p:cNvPr id="3" name="Content Placeholder 2"/>
+          <p:cNvSpPr>
+            <a:spLocks noGrp="1"/>
+          </p:cNvSpPr>
+          <p:nvPr>
+            <p:ph idx="1"/>
+          </p:nvPr>
+        </p:nvSpPr>
+        <p:spPr/>
+        <p:txBody>
+          <a:bodyPr>
+            <a:normAutofit/>
+          </a:bodyPr>
+          <a:lstStyle/>
+          <a:p>
+            <a:pPr marL="0" indent="0">
+              <a:buNone/>
+            </a:pPr>
+            <a:r>
+              <a:rPr lang="en-IN" sz="2000" dirty="0"/>
+              <a:t>Static methods have the keyword static in the method declaration:</a:t>
+            </a:r>
+          </a:p>
+          <a:p>
+            <a:pPr marL="0" indent="0">
+              <a:buNone/>
+            </a:pPr>
+            <a:r>
+              <a:rPr lang="en-IN" sz="2000" i="1" dirty="0"/>
+              <a:t>// Declaring a static method</a:t>
+            </a:r>
+          </a:p>
+          <a:p>
+            <a:pPr marL="0" indent="0">
+              <a:buNone/>
+            </a:pPr>
+            <a:r>
+              <a:rPr lang="en-IN" sz="2000" b="1" dirty="0"/>
+              <a:t>class </a:t>
+            </a:r>
+            <a:r>
+              <a:rPr lang="en-IN" sz="2000" b="1" dirty="0" err="1"/>
+              <a:t>Analyzer</a:t>
+            </a:r>
+            <a:r>
+              <a:rPr lang="en-IN" sz="2000" b="1" dirty="0"/>
+              <a:t> </a:t>
+            </a:r>
+            <a:r>
+              <a:rPr lang="en-IN" sz="2000" dirty="0"/>
+              <a:t>{</a:t>
+            </a:r>
+          </a:p>
+          <a:p>
+            <a:pPr marL="0" indent="0">
+              <a:buNone/>
+            </a:pPr>
+            <a:r>
+              <a:rPr lang="en-IN" sz="2000" b="1" dirty="0" smtClean="0"/>
+              <a:t>	public </a:t>
+            </a:r>
+            <a:r>
+              <a:rPr lang="en-IN" sz="2000" b="1" dirty="0"/>
+              <a:t>static </a:t>
+            </a:r>
+            <a:r>
+              <a:rPr lang="en-IN" sz="2000" b="1" dirty="0" err="1"/>
+              <a:t>int</a:t>
+            </a:r>
+            <a:r>
+              <a:rPr lang="en-IN" sz="2000" b="1" dirty="0"/>
+              <a:t> </a:t>
+            </a:r>
+            <a:r>
+              <a:rPr lang="en-IN" sz="2000" dirty="0" err="1"/>
+              <a:t>getVotesByAge</a:t>
+            </a:r>
+            <a:r>
+              <a:rPr lang="en-IN" sz="2000" dirty="0"/>
+              <a:t>() {...}</a:t>
+            </a:r>
+          </a:p>
+          <a:p>
+            <a:pPr marL="0" indent="0">
+              <a:buNone/>
+            </a:pPr>
+            <a:r>
+              <a:rPr lang="en-IN" sz="2000" dirty="0"/>
+              <a:t>}</a:t>
+            </a:r>
+          </a:p>
+          <a:p>
+            <a:pPr marL="0" indent="0">
+              <a:buNone/>
+            </a:pPr>
+            <a:r>
+              <a:rPr lang="en-IN" sz="2000" i="1" dirty="0"/>
+              <a:t>// Using the static method</a:t>
+            </a:r>
+          </a:p>
+          <a:p>
+            <a:pPr marL="0" indent="0">
+              <a:buNone/>
+            </a:pPr>
+            <a:r>
+              <a:rPr lang="en-IN" sz="2000" dirty="0" err="1"/>
+              <a:t>Analyzer.getVotesByAge</a:t>
+            </a:r>
+            <a:r>
+              <a:rPr lang="en-IN" sz="2000" dirty="0" smtClean="0"/>
+              <a:t>();</a:t>
+            </a:r>
+          </a:p>
+          <a:p>
+            <a:pPr marL="0" indent="0">
+              <a:buNone/>
+            </a:pPr>
+            <a:endParaRPr lang="en-IN" sz="2000" dirty="0"/>
+          </a:p>
+          <a:p>
+            <a:pPr marL="0" indent="0">
+              <a:buNone/>
+            </a:pPr>
+            <a:r>
+              <a:rPr lang="en-IN" sz="2000" dirty="0"/>
+              <a:t>Static methods cannot access </a:t>
+            </a:r>
+            <a:r>
+              <a:rPr lang="en-IN" sz="2000" dirty="0" smtClean="0"/>
+              <a:t>non-static </a:t>
+            </a:r>
+            <a:r>
+              <a:rPr lang="en-IN" sz="2000" dirty="0"/>
+              <a:t>methods or variables </a:t>
+            </a:r>
+            <a:r>
+              <a:rPr lang="en-IN" sz="2000" dirty="0" smtClean="0"/>
+              <a:t>because static </a:t>
+            </a:r>
+            <a:r>
+              <a:rPr lang="en-IN" sz="2000" dirty="0"/>
+              <a:t>methods are associated with a class, not an object.</a:t>
+            </a:r>
+            <a:endParaRPr lang="en-IN" sz="2000" dirty="0"/>
+          </a:p>
+        </p:txBody>
+      </p:sp>
+    </p:spTree>
+    <p:extLst>
+      <p:ext uri="{BB962C8B-B14F-4D97-AF65-F5344CB8AC3E}">
+        <p14:creationId xmlns:p14="http://schemas.microsoft.com/office/powerpoint/2010/main" val="1223275610"/>
+      </p:ext>
+    </p:extLst>
+  </p:cSld>
+  <p:clrMapOvr>
+    <a:masterClrMapping/>
+  </p:clrMapOvr>
+</p:sld>
+</file>
+
+<file path=ppt/slides/slide82.xml><?xml version="1.0" encoding="utf-8"?>
+<p:sld xmlns:a="http://schemas.openxmlformats.org/drawingml/2006/main" xmlns:r="http://schemas.openxmlformats.org/officeDocument/2006/relationships" xmlns:p="http://schemas.openxmlformats.org/presentationml/2006/main">
+  <p:cSld>
+    <p:spTree>
+      <p:nvGrpSpPr>
+        <p:cNvPr id="1" name=""/>
+        <p:cNvGrpSpPr/>
+        <p:nvPr/>
+      </p:nvGrpSpPr>
+      <p:grpSpPr>
+        <a:xfrm>
+          <a:off x="0" y="0"/>
+          <a:ext cx="0" cy="0"/>
+          <a:chOff x="0" y="0"/>
+          <a:chExt cx="0" cy="0"/>
+        </a:xfrm>
+      </p:grpSpPr>
+      <p:sp>
+        <p:nvSpPr>
+          <p:cNvPr id="2" name="Title 1"/>
+          <p:cNvSpPr>
+            <a:spLocks noGrp="1"/>
+          </p:cNvSpPr>
+          <p:nvPr>
+            <p:ph type="title"/>
+          </p:nvPr>
+        </p:nvSpPr>
+        <p:spPr/>
+        <p:txBody>
+          <a:bodyPr/>
+          <a:lstStyle/>
+          <a:p>
+            <a:r>
+              <a:rPr lang="en-IN" dirty="0" smtClean="0"/>
+              <a:t>Continued…</a:t>
+            </a:r>
+            <a:endParaRPr lang="en-IN" dirty="0"/>
+          </a:p>
+        </p:txBody>
+      </p:sp>
+      <p:sp>
+        <p:nvSpPr>
+          <p:cNvPr id="3" name="Content Placeholder 2"/>
+          <p:cNvSpPr>
+            <a:spLocks noGrp="1"/>
+          </p:cNvSpPr>
+          <p:nvPr>
+            <p:ph idx="1"/>
+          </p:nvPr>
+        </p:nvSpPr>
+        <p:spPr/>
+        <p:txBody>
+          <a:bodyPr>
+            <a:normAutofit/>
+          </a:bodyPr>
+          <a:lstStyle/>
+          <a:p>
+            <a:pPr marL="0" indent="0">
+              <a:buNone/>
+            </a:pPr>
+            <a:r>
+              <a:rPr lang="en-IN" sz="2200" dirty="0" smtClean="0"/>
+              <a:t>Static constants are static members declared constant. They have the keywords static and final, and a program cannot change them:</a:t>
+            </a:r>
+          </a:p>
+          <a:p>
+            <a:pPr marL="0" indent="0">
+              <a:buNone/>
+            </a:pPr>
+            <a:endParaRPr lang="en-IN" sz="2200" dirty="0" smtClean="0"/>
+          </a:p>
+          <a:p>
+            <a:pPr marL="457200" lvl="1" indent="0">
+              <a:buNone/>
+            </a:pPr>
+            <a:r>
+              <a:rPr lang="en-IN" sz="2200" i="1" dirty="0" smtClean="0"/>
+              <a:t>// Declaring a static constant</a:t>
+            </a:r>
+          </a:p>
+          <a:p>
+            <a:pPr marL="457200" lvl="1" indent="0">
+              <a:buNone/>
+            </a:pPr>
+            <a:r>
+              <a:rPr lang="en-IN" sz="2200" b="1" dirty="0" smtClean="0"/>
+              <a:t>static final </a:t>
+            </a:r>
+            <a:r>
+              <a:rPr lang="en-IN" sz="2200" b="1" dirty="0" err="1" smtClean="0"/>
+              <a:t>int</a:t>
+            </a:r>
+            <a:r>
+              <a:rPr lang="en-IN" sz="2200" b="1" dirty="0" smtClean="0"/>
+              <a:t> </a:t>
+            </a:r>
+            <a:r>
+              <a:rPr lang="en-IN" sz="2200" dirty="0" smtClean="0"/>
+              <a:t>AGE_LIMIT = 18;</a:t>
+            </a:r>
+          </a:p>
+          <a:p>
+            <a:pPr marL="457200" lvl="1" indent="0">
+              <a:buNone/>
+            </a:pPr>
+            <a:endParaRPr lang="en-IN" sz="2200" dirty="0" smtClean="0"/>
+          </a:p>
+          <a:p>
+            <a:pPr marL="457200" lvl="1" indent="0">
+              <a:buNone/>
+            </a:pPr>
+            <a:r>
+              <a:rPr lang="en-IN" sz="2200" i="1" dirty="0" smtClean="0"/>
+              <a:t>// Using a static constant</a:t>
+            </a:r>
+          </a:p>
+          <a:p>
+            <a:pPr marL="457200" lvl="1" indent="0">
+              <a:buNone/>
+            </a:pPr>
+            <a:r>
+              <a:rPr lang="en-IN" sz="2200" b="1" dirty="0" smtClean="0"/>
+              <a:t>if </a:t>
+            </a:r>
+            <a:r>
+              <a:rPr lang="en-IN" sz="2200" dirty="0" smtClean="0"/>
+              <a:t>(age == AGE_LIMIT)</a:t>
+            </a:r>
+          </a:p>
+          <a:p>
+            <a:pPr marL="457200" lvl="1" indent="0">
+              <a:buNone/>
+            </a:pPr>
+            <a:r>
+              <a:rPr lang="en-IN" sz="2200" dirty="0" smtClean="0"/>
+              <a:t>	</a:t>
+            </a:r>
+            <a:r>
+              <a:rPr lang="en-IN" sz="2200" dirty="0" err="1" smtClean="0"/>
+              <a:t>newVoter</a:t>
+            </a:r>
+            <a:r>
+              <a:rPr lang="en-IN" sz="2200" dirty="0" smtClean="0"/>
+              <a:t> = "yes";</a:t>
+            </a:r>
+            <a:endParaRPr lang="en-IN" sz="2200" dirty="0"/>
+          </a:p>
+        </p:txBody>
+      </p:sp>
+    </p:spTree>
+    <p:extLst>
+      <p:ext uri="{BB962C8B-B14F-4D97-AF65-F5344CB8AC3E}">
+        <p14:creationId xmlns:p14="http://schemas.microsoft.com/office/powerpoint/2010/main" val="1800883368"/>
+      </p:ext>
+    </p:extLst>
+  </p:cSld>
+  <p:clrMapOvr>
+    <a:masterClrMapping/>
+  </p:clrMapOvr>
+</p:sld>
+</file>
+
+<file path=ppt/slides/slide83.xml><?xml version="1.0" encoding="utf-8"?>
+<p:sld xmlns:a="http://schemas.openxmlformats.org/drawingml/2006/main" xmlns:r="http://schemas.openxmlformats.org/officeDocument/2006/relationships" xmlns:p="http://schemas.openxmlformats.org/presentationml/2006/main">
+  <p:cSld>
+    <p:spTree>
+      <p:nvGrpSpPr>
+        <p:cNvPr id="1" name=""/>
+        <p:cNvGrpSpPr/>
+        <p:nvPr/>
+      </p:nvGrpSpPr>
+      <p:grpSpPr>
+        <a:xfrm>
+          <a:off x="0" y="0"/>
+          <a:ext cx="0" cy="0"/>
+          <a:chOff x="0" y="0"/>
+          <a:chExt cx="0" cy="0"/>
+        </a:xfrm>
+      </p:grpSpPr>
+      <p:sp>
+        <p:nvSpPr>
+          <p:cNvPr id="2" name="Title 1"/>
+          <p:cNvSpPr>
+            <a:spLocks noGrp="1"/>
+          </p:cNvSpPr>
+          <p:nvPr>
+            <p:ph type="title"/>
+          </p:nvPr>
+        </p:nvSpPr>
+        <p:spPr/>
+        <p:txBody>
+          <a:bodyPr/>
+          <a:lstStyle/>
+          <a:p>
+            <a:r>
+              <a:rPr lang="en-IN" dirty="0" smtClean="0"/>
+              <a:t>Continued…</a:t>
+            </a:r>
+            <a:endParaRPr lang="en-IN" dirty="0"/>
+          </a:p>
+        </p:txBody>
+      </p:sp>
+      <p:sp>
+        <p:nvSpPr>
+          <p:cNvPr id="3" name="Content Placeholder 2"/>
+          <p:cNvSpPr>
+            <a:spLocks noGrp="1"/>
+          </p:cNvSpPr>
+          <p:nvPr>
+            <p:ph idx="1"/>
+          </p:nvPr>
+        </p:nvSpPr>
+        <p:spPr/>
+        <p:txBody>
+          <a:bodyPr>
+            <a:normAutofit/>
+          </a:bodyPr>
+          <a:lstStyle/>
+          <a:p>
+            <a:pPr marL="0" indent="0">
+              <a:buNone/>
+            </a:pPr>
+            <a:r>
+              <a:rPr lang="en-IN" sz="2200" dirty="0" smtClean="0"/>
+              <a:t>Static </a:t>
+            </a:r>
+            <a:r>
+              <a:rPr lang="en-IN" sz="2200" dirty="0"/>
+              <a:t>initializers include a block of code prefaced by the </a:t>
+            </a:r>
+            <a:r>
+              <a:rPr lang="en-IN" sz="2200" dirty="0" smtClean="0"/>
+              <a:t>keyword static.</a:t>
+            </a:r>
+          </a:p>
+          <a:p>
+            <a:pPr marL="0" indent="0">
+              <a:buNone/>
+            </a:pPr>
+            <a:r>
+              <a:rPr lang="en-IN" sz="2200" dirty="0" smtClean="0"/>
+              <a:t>A </a:t>
+            </a:r>
+            <a:r>
+              <a:rPr lang="en-IN" sz="2200" dirty="0"/>
+              <a:t>class can have any number of static initializer blocks</a:t>
+            </a:r>
+            <a:r>
+              <a:rPr lang="en-IN" sz="2200" dirty="0" smtClean="0"/>
+              <a:t>, and </a:t>
+            </a:r>
+            <a:r>
+              <a:rPr lang="en-IN" sz="2200" dirty="0"/>
+              <a:t>it is guaranteed that they will run in the order in which </a:t>
+            </a:r>
+            <a:r>
+              <a:rPr lang="en-IN" sz="2200" dirty="0" smtClean="0"/>
+              <a:t>they appear</a:t>
+            </a:r>
+            <a:r>
+              <a:rPr lang="en-IN" sz="2200" dirty="0"/>
+              <a:t>. </a:t>
+            </a:r>
+            <a:endParaRPr lang="en-IN" sz="2200" dirty="0" smtClean="0"/>
+          </a:p>
+          <a:p>
+            <a:pPr marL="0" indent="0">
+              <a:buNone/>
+            </a:pPr>
+            <a:r>
+              <a:rPr lang="en-IN" sz="2200" dirty="0" smtClean="0"/>
+              <a:t>Static </a:t>
+            </a:r>
+            <a:r>
+              <a:rPr lang="en-IN" sz="2200" dirty="0"/>
+              <a:t>initializer blocks are executed only once per </a:t>
+            </a:r>
+            <a:r>
+              <a:rPr lang="en-IN" sz="2200" dirty="0" smtClean="0"/>
+              <a:t>class initialization.</a:t>
+            </a:r>
+          </a:p>
+          <a:p>
+            <a:pPr marL="0" indent="0">
+              <a:buNone/>
+            </a:pPr>
+            <a:endParaRPr lang="en-IN" sz="2200" dirty="0"/>
+          </a:p>
+          <a:p>
+            <a:pPr marL="457200" lvl="1" indent="0">
+              <a:buNone/>
+            </a:pPr>
+            <a:r>
+              <a:rPr lang="en-IN" sz="2200" i="1" dirty="0"/>
+              <a:t>// Static Initializer</a:t>
+            </a:r>
+          </a:p>
+          <a:p>
+            <a:pPr marL="457200" lvl="1" indent="0">
+              <a:buNone/>
+            </a:pPr>
+            <a:r>
+              <a:rPr lang="en-IN" sz="2200" b="1" dirty="0"/>
+              <a:t>static </a:t>
+            </a:r>
+            <a:r>
+              <a:rPr lang="en-IN" sz="2200" dirty="0"/>
+              <a:t>{</a:t>
+            </a:r>
+          </a:p>
+          <a:p>
+            <a:pPr marL="457200" lvl="1" indent="0">
+              <a:buNone/>
+            </a:pPr>
+            <a:r>
+              <a:rPr lang="en-IN" sz="2200" dirty="0" smtClean="0"/>
+              <a:t>	</a:t>
+            </a:r>
+            <a:r>
+              <a:rPr lang="en-IN" sz="2200" dirty="0" err="1" smtClean="0"/>
+              <a:t>numberOfCandidates</a:t>
+            </a:r>
+            <a:r>
+              <a:rPr lang="en-IN" sz="2200" dirty="0" smtClean="0"/>
+              <a:t> </a:t>
+            </a:r>
+            <a:r>
+              <a:rPr lang="en-IN" sz="2200" dirty="0"/>
+              <a:t>= </a:t>
+            </a:r>
+            <a:r>
+              <a:rPr lang="en-IN" sz="2200" dirty="0" err="1"/>
+              <a:t>getNumberOfCandidates</a:t>
+            </a:r>
+            <a:r>
+              <a:rPr lang="en-IN" sz="2200" dirty="0"/>
+              <a:t>();</a:t>
+            </a:r>
+          </a:p>
+          <a:p>
+            <a:pPr marL="457200" lvl="1" indent="0">
+              <a:buNone/>
+            </a:pPr>
+            <a:r>
+              <a:rPr lang="en-IN" sz="2200" dirty="0"/>
+              <a:t>}</a:t>
+            </a:r>
+            <a:endParaRPr lang="en-IN" sz="2200" dirty="0"/>
+          </a:p>
+        </p:txBody>
+      </p:sp>
+    </p:spTree>
+    <p:extLst>
+      <p:ext uri="{BB962C8B-B14F-4D97-AF65-F5344CB8AC3E}">
+        <p14:creationId xmlns:p14="http://schemas.microsoft.com/office/powerpoint/2010/main" val="3831552959"/>
+      </p:ext>
+    </p:extLst>
+  </p:cSld>
+  <p:clrMapOvr>
+    <a:masterClrMapping/>
+  </p:clrMapOvr>
+</p:sld>
+</file>
+
+<file path=ppt/slides/slide84.xml><?xml version="1.0" encoding="utf-8"?>
+<p:sld xmlns:a="http://schemas.openxmlformats.org/drawingml/2006/main" xmlns:r="http://schemas.openxmlformats.org/officeDocument/2006/relationships" xmlns:p="http://schemas.openxmlformats.org/presentationml/2006/main">
+  <p:cSld>
+    <p:spTree>
+      <p:nvGrpSpPr>
+        <p:cNvPr id="1" name=""/>
+        <p:cNvGrpSpPr/>
+        <p:nvPr/>
+      </p:nvGrpSpPr>
+      <p:grpSpPr>
+        <a:xfrm>
+          <a:off x="0" y="0"/>
+          <a:ext cx="0" cy="0"/>
+          <a:chOff x="0" y="0"/>
+          <a:chExt cx="0" cy="0"/>
+        </a:xfrm>
+      </p:grpSpPr>
+      <p:sp>
+        <p:nvSpPr>
+          <p:cNvPr id="2" name="Title 1"/>
+          <p:cNvSpPr>
+            <a:spLocks noGrp="1"/>
+          </p:cNvSpPr>
+          <p:nvPr>
+            <p:ph type="title"/>
+          </p:nvPr>
+        </p:nvSpPr>
+        <p:spPr/>
+        <p:txBody>
+          <a:bodyPr/>
+          <a:lstStyle/>
+          <a:p>
+            <a:r>
+              <a:rPr lang="en-IN" dirty="0"/>
+              <a:t>Interfaces</a:t>
+            </a:r>
+            <a:endParaRPr lang="en-IN" dirty="0"/>
+          </a:p>
+        </p:txBody>
+      </p:sp>
+      <p:sp>
+        <p:nvSpPr>
+          <p:cNvPr id="3" name="Content Placeholder 2"/>
+          <p:cNvSpPr>
+            <a:spLocks noGrp="1"/>
+          </p:cNvSpPr>
+          <p:nvPr>
+            <p:ph idx="1"/>
+          </p:nvPr>
+        </p:nvSpPr>
+        <p:spPr/>
+        <p:txBody>
+          <a:bodyPr>
+            <a:normAutofit/>
+          </a:bodyPr>
+          <a:lstStyle/>
+          <a:p>
+            <a:pPr marL="0" indent="0">
+              <a:buNone/>
+            </a:pPr>
+            <a:r>
+              <a:rPr lang="en-IN" sz="2200" dirty="0"/>
+              <a:t>Interfaces provide a set of declared public methods that do </a:t>
+            </a:r>
+            <a:r>
+              <a:rPr lang="en-IN" sz="2200" dirty="0" smtClean="0"/>
+              <a:t>not have </a:t>
+            </a:r>
+            <a:r>
+              <a:rPr lang="en-IN" sz="2200" dirty="0"/>
+              <a:t>method bodies. </a:t>
+            </a:r>
+            <a:endParaRPr lang="en-IN" sz="2200" dirty="0" smtClean="0"/>
+          </a:p>
+          <a:p>
+            <a:pPr marL="0" indent="0">
+              <a:buNone/>
+            </a:pPr>
+            <a:r>
+              <a:rPr lang="en-IN" sz="2200" dirty="0" smtClean="0"/>
+              <a:t>A </a:t>
+            </a:r>
+            <a:r>
+              <a:rPr lang="en-IN" sz="2200" dirty="0"/>
+              <a:t>class that implements an interface </a:t>
+            </a:r>
+            <a:r>
+              <a:rPr lang="en-IN" sz="2200" dirty="0" smtClean="0"/>
+              <a:t>must provide </a:t>
+            </a:r>
+            <a:r>
+              <a:rPr lang="en-IN" sz="2200" dirty="0"/>
+              <a:t>concrete implementations of all the methods defined </a:t>
+            </a:r>
+            <a:r>
+              <a:rPr lang="en-IN" sz="2200" dirty="0" smtClean="0"/>
+              <a:t>by the </a:t>
+            </a:r>
+            <a:r>
+              <a:rPr lang="en-IN" sz="2200" dirty="0"/>
+              <a:t>interface, or it must be declared abstract</a:t>
+            </a:r>
+            <a:r>
+              <a:rPr lang="en-IN" sz="2200" dirty="0" smtClean="0"/>
+              <a:t>. </a:t>
+            </a:r>
+          </a:p>
+          <a:p>
+            <a:pPr marL="0" indent="0">
+              <a:buNone/>
+            </a:pPr>
+            <a:r>
+              <a:rPr lang="en-IN" sz="2200" dirty="0" smtClean="0"/>
+              <a:t>An </a:t>
+            </a:r>
+            <a:r>
+              <a:rPr lang="en-IN" sz="2200" dirty="0"/>
+              <a:t>interface is declared using the keyword interface, </a:t>
+            </a:r>
+            <a:r>
+              <a:rPr lang="en-IN" sz="2200" dirty="0" smtClean="0"/>
+              <a:t>followed by </a:t>
+            </a:r>
+            <a:r>
+              <a:rPr lang="en-IN" sz="2200" dirty="0"/>
+              <a:t>the name of the interface and a set of method declarations</a:t>
+            </a:r>
+            <a:r>
+              <a:rPr lang="en-IN" sz="2200" dirty="0" smtClean="0"/>
+              <a:t>.</a:t>
+            </a:r>
+          </a:p>
+          <a:p>
+            <a:pPr marL="0" indent="0">
+              <a:buNone/>
+            </a:pPr>
+            <a:endParaRPr lang="en-IN" sz="2200" dirty="0" smtClean="0"/>
+          </a:p>
+          <a:p>
+            <a:pPr marL="457200" lvl="1" indent="0">
+              <a:buNone/>
+            </a:pPr>
+            <a:r>
+              <a:rPr lang="en-IN" sz="2200" b="1" dirty="0"/>
+              <a:t>interface Reportable </a:t>
+            </a:r>
+            <a:r>
+              <a:rPr lang="en-IN" sz="2200" dirty="0"/>
+              <a:t>{</a:t>
+            </a:r>
+          </a:p>
+          <a:p>
+            <a:pPr marL="914400" lvl="2" indent="0">
+              <a:buNone/>
+            </a:pPr>
+            <a:r>
+              <a:rPr lang="en-IN" sz="2200" b="1" dirty="0"/>
+              <a:t>void </a:t>
+            </a:r>
+            <a:r>
+              <a:rPr lang="en-IN" sz="2200" dirty="0" err="1"/>
+              <a:t>genReport</a:t>
+            </a:r>
+            <a:r>
+              <a:rPr lang="en-IN" sz="2200" dirty="0"/>
+              <a:t>(String </a:t>
+            </a:r>
+            <a:r>
+              <a:rPr lang="en-IN" sz="2200" dirty="0" err="1"/>
+              <a:t>repType</a:t>
+            </a:r>
+            <a:r>
+              <a:rPr lang="en-IN" sz="2200" dirty="0"/>
+              <a:t>);</a:t>
+            </a:r>
+          </a:p>
+          <a:p>
+            <a:pPr marL="914400" lvl="2" indent="0">
+              <a:buNone/>
+            </a:pPr>
+            <a:r>
+              <a:rPr lang="en-IN" sz="2200" b="1" dirty="0" smtClean="0"/>
+              <a:t>void </a:t>
+            </a:r>
+            <a:r>
+              <a:rPr lang="en-IN" sz="2200" dirty="0" err="1"/>
+              <a:t>printReport</a:t>
+            </a:r>
+            <a:r>
+              <a:rPr lang="en-IN" sz="2200" dirty="0"/>
+              <a:t>(String </a:t>
+            </a:r>
+            <a:r>
+              <a:rPr lang="en-IN" sz="2200" dirty="0" err="1"/>
+              <a:t>repType</a:t>
+            </a:r>
+            <a:r>
+              <a:rPr lang="en-IN" sz="2200" dirty="0"/>
+              <a:t>);</a:t>
+            </a:r>
+          </a:p>
+          <a:p>
+            <a:pPr marL="457200" lvl="1" indent="0">
+              <a:buNone/>
+            </a:pPr>
+            <a:r>
+              <a:rPr lang="en-IN" sz="2200" dirty="0"/>
+              <a:t>}</a:t>
+            </a:r>
+            <a:endParaRPr lang="en-IN" sz="2200" dirty="0"/>
+          </a:p>
+        </p:txBody>
+      </p:sp>
+    </p:spTree>
+    <p:extLst>
+      <p:ext uri="{BB962C8B-B14F-4D97-AF65-F5344CB8AC3E}">
+        <p14:creationId xmlns:p14="http://schemas.microsoft.com/office/powerpoint/2010/main" val="4193223115"/>
+      </p:ext>
+    </p:extLst>
+  </p:cSld>
+  <p:clrMapOvr>
+    <a:masterClrMapping/>
+  </p:clrMapOvr>
+</p:sld>
+</file>
+
+<file path=ppt/slides/slide85.xml><?xml version="1.0" encoding="utf-8"?>
+<p:sld xmlns:a="http://schemas.openxmlformats.org/drawingml/2006/main" xmlns:r="http://schemas.openxmlformats.org/officeDocument/2006/relationships" xmlns:p="http://schemas.openxmlformats.org/presentationml/2006/main">
+  <p:cSld>
+    <p:spTree>
+      <p:nvGrpSpPr>
+        <p:cNvPr id="1" name=""/>
+        <p:cNvGrpSpPr/>
+        <p:nvPr/>
+      </p:nvGrpSpPr>
+      <p:grpSpPr>
+        <a:xfrm>
+          <a:off x="0" y="0"/>
+          <a:ext cx="0" cy="0"/>
+          <a:chOff x="0" y="0"/>
+          <a:chExt cx="0" cy="0"/>
+        </a:xfrm>
+      </p:grpSpPr>
+      <p:sp>
+        <p:nvSpPr>
+          <p:cNvPr id="2" name="Title 1"/>
+          <p:cNvSpPr>
+            <a:spLocks noGrp="1"/>
+          </p:cNvSpPr>
+          <p:nvPr>
+            <p:ph type="title"/>
+          </p:nvPr>
+        </p:nvSpPr>
+        <p:spPr/>
+        <p:txBody>
+          <a:bodyPr/>
+          <a:lstStyle/>
+          <a:p>
+            <a:r>
+              <a:rPr lang="en-IN" dirty="0" smtClean="0"/>
+              <a:t>Continued…</a:t>
+            </a:r>
+            <a:endParaRPr lang="en-IN" dirty="0"/>
+          </a:p>
+        </p:txBody>
+      </p:sp>
+      <p:sp>
+        <p:nvSpPr>
+          <p:cNvPr id="3" name="Content Placeholder 2"/>
+          <p:cNvSpPr>
+            <a:spLocks noGrp="1"/>
+          </p:cNvSpPr>
+          <p:nvPr>
+            <p:ph idx="1"/>
+          </p:nvPr>
+        </p:nvSpPr>
+        <p:spPr>
+          <a:xfrm>
+            <a:off x="838200" y="1571624"/>
+            <a:ext cx="10515600" cy="4755479"/>
+          </a:xfrm>
+        </p:spPr>
+        <p:txBody>
+          <a:bodyPr>
+            <a:noAutofit/>
+          </a:bodyPr>
+          <a:lstStyle/>
+          <a:p>
+            <a:pPr marL="0" indent="0">
+              <a:buNone/>
+            </a:pPr>
+            <a:r>
+              <a:rPr lang="en-IN" sz="2200" dirty="0"/>
+              <a:t>A class that implements an interface must indicate so in its </a:t>
+            </a:r>
+            <a:r>
+              <a:rPr lang="en-IN" sz="2200" dirty="0" smtClean="0"/>
+              <a:t>class signature </a:t>
+            </a:r>
+            <a:r>
+              <a:rPr lang="en-IN" sz="2200" dirty="0"/>
+              <a:t>with the keyword implements</a:t>
+            </a:r>
+            <a:r>
+              <a:rPr lang="en-IN" sz="2200" dirty="0" smtClean="0"/>
+              <a:t>:</a:t>
+            </a:r>
+          </a:p>
+          <a:p>
+            <a:pPr marL="0" indent="0">
+              <a:buNone/>
+            </a:pPr>
+            <a:endParaRPr lang="en-IN" sz="2200" dirty="0"/>
+          </a:p>
+          <a:p>
+            <a:pPr marL="457200" lvl="1" indent="0">
+              <a:buNone/>
+            </a:pPr>
+            <a:r>
+              <a:rPr lang="en-IN" sz="1800" b="1" dirty="0"/>
+              <a:t>class </a:t>
+            </a:r>
+            <a:r>
+              <a:rPr lang="en-IN" sz="1800" b="1" dirty="0" err="1"/>
+              <a:t>VotingMachine</a:t>
+            </a:r>
+            <a:r>
+              <a:rPr lang="en-IN" sz="1800" b="1" dirty="0"/>
+              <a:t> implements </a:t>
+            </a:r>
+            <a:r>
+              <a:rPr lang="en-IN" sz="1800" dirty="0"/>
+              <a:t>Reportable {</a:t>
+            </a:r>
+          </a:p>
+          <a:p>
+            <a:pPr marL="914400" lvl="2" indent="0">
+              <a:buNone/>
+            </a:pPr>
+            <a:r>
+              <a:rPr lang="en-IN" sz="1800" b="1" dirty="0"/>
+              <a:t>public void </a:t>
+            </a:r>
+            <a:r>
+              <a:rPr lang="en-IN" sz="1800" dirty="0" err="1"/>
+              <a:t>genReport</a:t>
+            </a:r>
+            <a:r>
+              <a:rPr lang="en-IN" sz="1800" dirty="0"/>
+              <a:t> (String </a:t>
+            </a:r>
+            <a:r>
+              <a:rPr lang="en-IN" sz="1800" dirty="0" err="1"/>
+              <a:t>repType</a:t>
+            </a:r>
+            <a:r>
+              <a:rPr lang="en-IN" sz="1800" dirty="0"/>
+              <a:t>) {</a:t>
+            </a:r>
+          </a:p>
+          <a:p>
+            <a:pPr marL="914400" lvl="2" indent="0">
+              <a:buNone/>
+            </a:pPr>
+            <a:r>
+              <a:rPr lang="en-IN" sz="1800" dirty="0"/>
+              <a:t>Report </a:t>
+            </a:r>
+            <a:r>
+              <a:rPr lang="en-IN" sz="1800" dirty="0" err="1"/>
+              <a:t>report</a:t>
+            </a:r>
+            <a:r>
+              <a:rPr lang="en-IN" sz="1800" dirty="0"/>
+              <a:t> = </a:t>
+            </a:r>
+            <a:r>
+              <a:rPr lang="en-IN" sz="1800" b="1" dirty="0"/>
+              <a:t>new </a:t>
+            </a:r>
+            <a:r>
+              <a:rPr lang="en-IN" sz="1800" dirty="0"/>
+              <a:t>Report(</a:t>
+            </a:r>
+            <a:r>
+              <a:rPr lang="en-IN" sz="1800" dirty="0" err="1"/>
+              <a:t>repType</a:t>
+            </a:r>
+            <a:r>
+              <a:rPr lang="en-IN" sz="1800" dirty="0"/>
+              <a:t>);</a:t>
+            </a:r>
+          </a:p>
+          <a:p>
+            <a:pPr marL="457200" lvl="1" indent="0">
+              <a:buNone/>
+            </a:pPr>
+            <a:r>
+              <a:rPr lang="en-IN" sz="1800" dirty="0" smtClean="0"/>
+              <a:t>}</a:t>
+            </a:r>
+          </a:p>
+          <a:p>
+            <a:pPr marL="457200" lvl="1" indent="0">
+              <a:buNone/>
+            </a:pPr>
+            <a:r>
+              <a:rPr lang="en-IN" sz="1800" b="1" dirty="0" smtClean="0"/>
+              <a:t>public </a:t>
+            </a:r>
+            <a:r>
+              <a:rPr lang="en-IN" sz="1800" b="1" dirty="0"/>
+              <a:t>void </a:t>
+            </a:r>
+            <a:r>
+              <a:rPr lang="en-IN" sz="1800" dirty="0" err="1"/>
+              <a:t>printReport</a:t>
+            </a:r>
+            <a:r>
+              <a:rPr lang="en-IN" sz="1800" dirty="0"/>
+              <a:t>(String </a:t>
+            </a:r>
+            <a:r>
+              <a:rPr lang="en-IN" sz="1800" dirty="0" err="1"/>
+              <a:t>repType</a:t>
+            </a:r>
+            <a:r>
+              <a:rPr lang="en-IN" sz="1800" dirty="0"/>
+              <a:t>) {</a:t>
+            </a:r>
+          </a:p>
+          <a:p>
+            <a:pPr marL="914400" lvl="2" indent="0">
+              <a:buNone/>
+            </a:pPr>
+            <a:r>
+              <a:rPr lang="en-IN" sz="1800" dirty="0" err="1"/>
+              <a:t>System.out.println</a:t>
+            </a:r>
+            <a:r>
+              <a:rPr lang="en-IN" sz="1800" dirty="0"/>
+              <a:t>(</a:t>
+            </a:r>
+            <a:r>
+              <a:rPr lang="en-IN" sz="1800" dirty="0" err="1"/>
+              <a:t>repType</a:t>
+            </a:r>
+            <a:r>
+              <a:rPr lang="en-IN" sz="1800" dirty="0"/>
+              <a:t>);</a:t>
+            </a:r>
+          </a:p>
+          <a:p>
+            <a:pPr marL="914400" lvl="2" indent="0">
+              <a:buNone/>
+            </a:pPr>
+            <a:r>
+              <a:rPr lang="en-IN" sz="1800" dirty="0"/>
+              <a:t>}</a:t>
+            </a:r>
+          </a:p>
+          <a:p>
+            <a:pPr marL="457200" lvl="1" indent="0">
+              <a:buNone/>
+            </a:pPr>
+            <a:r>
+              <a:rPr lang="en-IN" sz="1800" dirty="0" smtClean="0"/>
+              <a:t>}</a:t>
+            </a:r>
+          </a:p>
+          <a:p>
+            <a:pPr marL="457200" lvl="1" indent="0">
+              <a:buNone/>
+            </a:pPr>
+            <a:endParaRPr lang="en-IN" sz="1800" dirty="0"/>
+          </a:p>
+          <a:p>
+            <a:pPr marL="0" indent="0">
+              <a:buNone/>
+            </a:pPr>
+            <a:r>
+              <a:rPr lang="en-IN" sz="2400" dirty="0"/>
+              <a:t>Classes can implement multiple interfaces, and </a:t>
+            </a:r>
+            <a:r>
+              <a:rPr lang="en-IN" sz="2400" dirty="0" smtClean="0"/>
+              <a:t>interfaces can </a:t>
+            </a:r>
+            <a:r>
+              <a:rPr lang="en-IN" sz="2400" dirty="0"/>
+              <a:t>extend multiple interfaces.</a:t>
+            </a:r>
+            <a:endParaRPr lang="en-IN" sz="6000" dirty="0"/>
+          </a:p>
+        </p:txBody>
+      </p:sp>
+    </p:spTree>
+    <p:extLst>
+      <p:ext uri="{BB962C8B-B14F-4D97-AF65-F5344CB8AC3E}">
+        <p14:creationId xmlns:p14="http://schemas.microsoft.com/office/powerpoint/2010/main" val="1500136455"/>
+      </p:ext>
+    </p:extLst>
+  </p:cSld>
+  <p:clrMapOvr>
+    <a:masterClrMapping/>
+  </p:clrMapOvr>
+</p:sld>
+</file>
+
+<file path=ppt/slides/slide86.xml><?xml version="1.0" encoding="utf-8"?>
+<p:sld xmlns:a="http://schemas.openxmlformats.org/drawingml/2006/main" xmlns:r="http://schemas.openxmlformats.org/officeDocument/2006/relationships" xmlns:p="http://schemas.openxmlformats.org/presentationml/2006/main">
+  <p:cSld>
+    <p:spTree>
+      <p:nvGrpSpPr>
+        <p:cNvPr id="1" name=""/>
+        <p:cNvGrpSpPr/>
+        <p:nvPr/>
+      </p:nvGrpSpPr>
+      <p:grpSpPr>
+        <a:xfrm>
+          <a:off x="0" y="0"/>
+          <a:ext cx="0" cy="0"/>
+          <a:chOff x="0" y="0"/>
+          <a:chExt cx="0" cy="0"/>
+        </a:xfrm>
+      </p:grpSpPr>
+      <p:sp>
+        <p:nvSpPr>
+          <p:cNvPr id="2" name="Title 1"/>
+          <p:cNvSpPr>
+            <a:spLocks noGrp="1"/>
+          </p:cNvSpPr>
+          <p:nvPr>
+            <p:ph type="title"/>
+          </p:nvPr>
+        </p:nvSpPr>
+        <p:spPr/>
+        <p:txBody>
+          <a:bodyPr/>
+          <a:lstStyle/>
+          <a:p>
+            <a:r>
+              <a:rPr lang="en-IN" dirty="0"/>
+              <a:t>Enumerations</a:t>
+            </a:r>
+            <a:endParaRPr lang="en-IN" dirty="0"/>
+          </a:p>
+        </p:txBody>
+      </p:sp>
+      <p:sp>
+        <p:nvSpPr>
+          <p:cNvPr id="3" name="Content Placeholder 2"/>
+          <p:cNvSpPr>
+            <a:spLocks noGrp="1"/>
+          </p:cNvSpPr>
+          <p:nvPr>
+            <p:ph idx="1"/>
+          </p:nvPr>
+        </p:nvSpPr>
+        <p:spPr>
+          <a:xfrm>
+            <a:off x="838200" y="1339403"/>
+            <a:ext cx="10515600" cy="5318974"/>
+          </a:xfrm>
+        </p:spPr>
+        <p:txBody>
+          <a:bodyPr>
+            <a:noAutofit/>
+          </a:bodyPr>
+          <a:lstStyle/>
+          <a:p>
+            <a:pPr marL="0" indent="0">
+              <a:buNone/>
+            </a:pPr>
+            <a:r>
+              <a:rPr lang="en-IN" sz="2000" dirty="0"/>
+              <a:t>In simplest terms, enumerations are a set of objects that </a:t>
+            </a:r>
+            <a:r>
+              <a:rPr lang="en-IN" sz="2000" dirty="0" smtClean="0"/>
+              <a:t>represent a </a:t>
+            </a:r>
+            <a:r>
+              <a:rPr lang="en-IN" sz="2000" dirty="0"/>
+              <a:t>related set of choices:</a:t>
+            </a:r>
+          </a:p>
+          <a:p>
+            <a:pPr marL="457200" lvl="1" indent="0">
+              <a:buNone/>
+            </a:pPr>
+            <a:r>
+              <a:rPr lang="en-IN" sz="2000" b="1" dirty="0" err="1"/>
+              <a:t>enum</a:t>
+            </a:r>
+            <a:r>
+              <a:rPr lang="en-IN" sz="2000" b="1" dirty="0"/>
+              <a:t> </a:t>
+            </a:r>
+            <a:r>
+              <a:rPr lang="en-IN" sz="2000" dirty="0" err="1"/>
+              <a:t>DisplayButton</a:t>
+            </a:r>
+            <a:r>
+              <a:rPr lang="en-IN" sz="2000" dirty="0"/>
+              <a:t> {ROUND, SQUARE}</a:t>
+            </a:r>
+          </a:p>
+          <a:p>
+            <a:pPr marL="457200" lvl="1" indent="0">
+              <a:buNone/>
+            </a:pPr>
+            <a:r>
+              <a:rPr lang="en-IN" sz="2000" dirty="0" err="1"/>
+              <a:t>DisplayButton</a:t>
+            </a:r>
+            <a:r>
+              <a:rPr lang="en-IN" sz="2000" dirty="0"/>
+              <a:t> round = </a:t>
+            </a:r>
+            <a:r>
+              <a:rPr lang="en-IN" sz="2000" dirty="0" err="1"/>
+              <a:t>DisplayButton.ROUND</a:t>
+            </a:r>
+            <a:r>
+              <a:rPr lang="en-IN" sz="2000" dirty="0" smtClean="0"/>
+              <a:t>;</a:t>
+            </a:r>
+          </a:p>
+          <a:p>
+            <a:pPr marL="457200" lvl="1" indent="0">
+              <a:buNone/>
+            </a:pPr>
+            <a:endParaRPr lang="en-IN" sz="2000" dirty="0"/>
+          </a:p>
+          <a:p>
+            <a:pPr marL="0" indent="0">
+              <a:buNone/>
+            </a:pPr>
+            <a:r>
+              <a:rPr lang="en-IN" sz="2000" dirty="0"/>
+              <a:t>Looking beyond simplest terms, an enumeration is a class </a:t>
+            </a:r>
+            <a:r>
+              <a:rPr lang="en-IN" sz="2000" dirty="0" smtClean="0"/>
+              <a:t>of type </a:t>
+            </a:r>
+            <a:r>
+              <a:rPr lang="en-IN" sz="2000" dirty="0" err="1"/>
+              <a:t>enum</a:t>
+            </a:r>
+            <a:r>
+              <a:rPr lang="en-IN" sz="2000" dirty="0"/>
+              <a:t> and it is a singleton. </a:t>
+            </a:r>
+            <a:r>
+              <a:rPr lang="en-IN" sz="2000" dirty="0" err="1"/>
+              <a:t>Enum</a:t>
+            </a:r>
+            <a:r>
+              <a:rPr lang="en-IN" sz="2000" dirty="0"/>
+              <a:t> classes can have methods</a:t>
+            </a:r>
+            <a:r>
+              <a:rPr lang="en-IN" sz="2000" dirty="0" smtClean="0"/>
+              <a:t>, constructors</a:t>
+            </a:r>
+            <a:r>
+              <a:rPr lang="en-IN" sz="2000" dirty="0"/>
+              <a:t>, and data members</a:t>
+            </a:r>
+            <a:r>
+              <a:rPr lang="en-IN" sz="2000" dirty="0" smtClean="0"/>
+              <a:t>:</a:t>
+            </a:r>
+          </a:p>
+          <a:p>
+            <a:pPr marL="0" indent="0">
+              <a:buNone/>
+            </a:pPr>
+            <a:endParaRPr lang="en-IN" sz="2000" dirty="0"/>
+          </a:p>
+          <a:p>
+            <a:pPr marL="457200" lvl="1" indent="0">
+              <a:buNone/>
+            </a:pPr>
+            <a:r>
+              <a:rPr lang="en-IN" sz="2000" b="1" dirty="0" err="1"/>
+              <a:t>enum</a:t>
+            </a:r>
+            <a:r>
+              <a:rPr lang="en-IN" sz="2000" b="1" dirty="0"/>
+              <a:t> </a:t>
+            </a:r>
+            <a:r>
+              <a:rPr lang="en-IN" sz="2000" dirty="0" err="1"/>
+              <a:t>DisplayButton</a:t>
+            </a:r>
+            <a:r>
+              <a:rPr lang="en-IN" sz="2000" dirty="0"/>
+              <a:t> {</a:t>
+            </a:r>
+          </a:p>
+          <a:p>
+            <a:pPr marL="914400" lvl="2" indent="0">
+              <a:buNone/>
+            </a:pPr>
+            <a:r>
+              <a:rPr lang="en-IN" i="1" dirty="0"/>
+              <a:t>// Size in inches</a:t>
+            </a:r>
+          </a:p>
+          <a:p>
+            <a:pPr marL="914400" lvl="2" indent="0">
+              <a:buNone/>
+            </a:pPr>
+            <a:r>
+              <a:rPr lang="en-IN" dirty="0"/>
+              <a:t>ROUND (.50f),</a:t>
+            </a:r>
+          </a:p>
+          <a:p>
+            <a:pPr marL="914400" lvl="2" indent="0">
+              <a:buNone/>
+            </a:pPr>
+            <a:r>
+              <a:rPr lang="en-IN" dirty="0"/>
+              <a:t>SQUARE (.40f);</a:t>
+            </a:r>
+          </a:p>
+          <a:p>
+            <a:pPr marL="914400" lvl="2" indent="0">
+              <a:buNone/>
+            </a:pPr>
+            <a:r>
+              <a:rPr lang="en-IN" b="1" dirty="0"/>
+              <a:t>private final float </a:t>
+            </a:r>
+            <a:r>
+              <a:rPr lang="en-IN" dirty="0"/>
+              <a:t>size;</a:t>
+            </a:r>
+          </a:p>
+          <a:p>
+            <a:pPr marL="914400" lvl="2" indent="0">
+              <a:buNone/>
+            </a:pPr>
+            <a:r>
+              <a:rPr lang="en-IN" dirty="0" err="1"/>
+              <a:t>DisplayButton</a:t>
+            </a:r>
+            <a:r>
+              <a:rPr lang="en-IN" dirty="0"/>
+              <a:t>(</a:t>
+            </a:r>
+            <a:r>
+              <a:rPr lang="en-IN" b="1" dirty="0"/>
+              <a:t>float </a:t>
+            </a:r>
+            <a:r>
+              <a:rPr lang="en-IN" dirty="0"/>
+              <a:t>size) {</a:t>
+            </a:r>
+            <a:r>
+              <a:rPr lang="en-IN" b="1" dirty="0" err="1"/>
+              <a:t>this</a:t>
+            </a:r>
+            <a:r>
+              <a:rPr lang="en-IN" dirty="0" err="1"/>
+              <a:t>.size</a:t>
+            </a:r>
+            <a:r>
+              <a:rPr lang="en-IN" dirty="0"/>
+              <a:t> = size;}</a:t>
+            </a:r>
+          </a:p>
+          <a:p>
+            <a:pPr marL="914400" lvl="2" indent="0">
+              <a:buNone/>
+            </a:pPr>
+            <a:r>
+              <a:rPr lang="en-IN" b="1" dirty="0"/>
+              <a:t>private float </a:t>
+            </a:r>
+            <a:r>
+              <a:rPr lang="en-IN" dirty="0"/>
+              <a:t>size() { </a:t>
+            </a:r>
+            <a:r>
+              <a:rPr lang="en-IN" b="1" dirty="0"/>
+              <a:t>return </a:t>
+            </a:r>
+            <a:r>
+              <a:rPr lang="en-IN" dirty="0"/>
+              <a:t>size; }</a:t>
+            </a:r>
+          </a:p>
+          <a:p>
+            <a:pPr marL="457200" lvl="1" indent="0">
+              <a:buNone/>
+            </a:pPr>
+            <a:r>
+              <a:rPr lang="en-IN" sz="2000" dirty="0"/>
+              <a:t>}</a:t>
+            </a:r>
+            <a:endParaRPr lang="en-IN" sz="2000" dirty="0"/>
+          </a:p>
+        </p:txBody>
+      </p:sp>
+    </p:spTree>
+    <p:extLst>
+      <p:ext uri="{BB962C8B-B14F-4D97-AF65-F5344CB8AC3E}">
+        <p14:creationId xmlns:p14="http://schemas.microsoft.com/office/powerpoint/2010/main" val="2813211080"/>
+      </p:ext>
+    </p:extLst>
+  </p:cSld>
+  <p:clrMapOvr>
+    <a:masterClrMapping/>
+  </p:clrMapOvr>
+</p:sld>
+</file>
+
+<file path=ppt/slides/slide87.xml><?xml version="1.0" encoding="utf-8"?>
+<p:sld xmlns:a="http://schemas.openxmlformats.org/drawingml/2006/main" xmlns:r="http://schemas.openxmlformats.org/officeDocument/2006/relationships" xmlns:p="http://schemas.openxmlformats.org/presentationml/2006/main">
+  <p:cSld>
+    <p:spTree>
+      <p:nvGrpSpPr>
+        <p:cNvPr id="1" name=""/>
+        <p:cNvGrpSpPr/>
+        <p:nvPr/>
+      </p:nvGrpSpPr>
+      <p:grpSpPr>
+        <a:xfrm>
+          <a:off x="0" y="0"/>
+          <a:ext cx="0" cy="0"/>
+          <a:chOff x="0" y="0"/>
+          <a:chExt cx="0" cy="0"/>
+        </a:xfrm>
+      </p:grpSpPr>
+      <p:sp>
+        <p:nvSpPr>
+          <p:cNvPr id="2" name="Title 1"/>
+          <p:cNvSpPr>
+            <a:spLocks noGrp="1"/>
+          </p:cNvSpPr>
+          <p:nvPr>
+            <p:ph type="title"/>
+          </p:nvPr>
+        </p:nvSpPr>
+        <p:spPr/>
+        <p:txBody>
+          <a:bodyPr/>
+          <a:lstStyle/>
+          <a:p>
+            <a:r>
+              <a:rPr lang="en-IN" dirty="0" smtClean="0"/>
+              <a:t>Continued…</a:t>
+            </a:r>
+            <a:endParaRPr lang="en-IN" dirty="0"/>
+          </a:p>
+        </p:txBody>
+      </p:sp>
+      <p:sp>
+        <p:nvSpPr>
+          <p:cNvPr id="3" name="Content Placeholder 2"/>
+          <p:cNvSpPr>
+            <a:spLocks noGrp="1"/>
+          </p:cNvSpPr>
+          <p:nvPr>
+            <p:ph idx="1"/>
+          </p:nvPr>
+        </p:nvSpPr>
+        <p:spPr/>
+        <p:txBody>
+          <a:bodyPr>
+            <a:normAutofit/>
+          </a:bodyPr>
+          <a:lstStyle/>
+          <a:p>
+            <a:pPr marL="0" indent="0">
+              <a:buNone/>
+            </a:pPr>
+            <a:r>
+              <a:rPr lang="en-IN" sz="2000" dirty="0"/>
+              <a:t>The method values() returns an array of the ordered list of </a:t>
+            </a:r>
+            <a:r>
+              <a:rPr lang="en-IN" sz="2000" dirty="0" smtClean="0"/>
+              <a:t>objects defined </a:t>
+            </a:r>
+            <a:r>
+              <a:rPr lang="en-IN" sz="2000" dirty="0"/>
+              <a:t>for the </a:t>
+            </a:r>
+            <a:r>
+              <a:rPr lang="en-IN" sz="2000" dirty="0" err="1"/>
+              <a:t>enum</a:t>
+            </a:r>
+            <a:r>
+              <a:rPr lang="en-IN" sz="2000" dirty="0" smtClean="0"/>
+              <a:t>:</a:t>
+            </a:r>
+          </a:p>
+          <a:p>
+            <a:pPr marL="0" indent="0">
+              <a:buNone/>
+            </a:pPr>
+            <a:endParaRPr lang="en-IN" sz="2000" dirty="0"/>
+          </a:p>
+          <a:p>
+            <a:pPr marL="457200" lvl="1" indent="0">
+              <a:buNone/>
+            </a:pPr>
+            <a:r>
+              <a:rPr lang="en-IN" sz="2000" b="1" dirty="0"/>
+              <a:t>for </a:t>
+            </a:r>
+            <a:r>
+              <a:rPr lang="en-IN" sz="2000" dirty="0"/>
+              <a:t>(</a:t>
+            </a:r>
+            <a:r>
+              <a:rPr lang="en-IN" sz="2000" dirty="0" err="1"/>
+              <a:t>DisplayButton</a:t>
+            </a:r>
+            <a:r>
+              <a:rPr lang="en-IN" sz="2000" dirty="0"/>
+              <a:t> b : </a:t>
+            </a:r>
+            <a:r>
+              <a:rPr lang="en-IN" sz="2000" dirty="0" err="1"/>
+              <a:t>DisplayButton.values</a:t>
+            </a:r>
+            <a:r>
+              <a:rPr lang="en-IN" sz="2000" dirty="0"/>
+              <a:t>())</a:t>
+            </a:r>
+          </a:p>
+          <a:p>
+            <a:pPr marL="457200" lvl="1" indent="0">
+              <a:buNone/>
+            </a:pPr>
+            <a:r>
+              <a:rPr lang="en-IN" sz="2000" dirty="0" smtClean="0"/>
+              <a:t>	</a:t>
+            </a:r>
+            <a:r>
+              <a:rPr lang="en-IN" sz="2000" dirty="0" err="1" smtClean="0"/>
+              <a:t>System.out.println</a:t>
+            </a:r>
+            <a:r>
+              <a:rPr lang="en-IN" sz="2000" dirty="0"/>
+              <a:t>("Button: " + </a:t>
+            </a:r>
+            <a:r>
+              <a:rPr lang="en-IN" sz="2000" dirty="0" err="1"/>
+              <a:t>b.size</a:t>
+            </a:r>
+            <a:r>
+              <a:rPr lang="en-IN" sz="2000" dirty="0"/>
+              <a:t>());</a:t>
+            </a:r>
+            <a:endParaRPr lang="en-IN" sz="2000" dirty="0"/>
+          </a:p>
+        </p:txBody>
+      </p:sp>
+    </p:spTree>
+    <p:extLst>
+      <p:ext uri="{BB962C8B-B14F-4D97-AF65-F5344CB8AC3E}">
+        <p14:creationId xmlns:p14="http://schemas.microsoft.com/office/powerpoint/2010/main" val="1397144297"/>
+      </p:ext>
+    </p:extLst>
+  </p:cSld>
+  <p:clrMapOvr>
+    <a:masterClrMapping/>
+  </p:clrMapOvr>
+</p:sld>
+</file>
+
+<file path=ppt/slides/slide88.xml><?xml version="1.0" encoding="utf-8"?>
+<p:sld xmlns:a="http://schemas.openxmlformats.org/drawingml/2006/main" xmlns:r="http://schemas.openxmlformats.org/officeDocument/2006/relationships" xmlns:p="http://schemas.openxmlformats.org/presentationml/2006/main">
+  <p:cSld>
+    <p:spTree>
+      <p:nvGrpSpPr>
+        <p:cNvPr id="1" name=""/>
+        <p:cNvGrpSpPr/>
+        <p:nvPr/>
+      </p:nvGrpSpPr>
+      <p:grpSpPr>
+        <a:xfrm>
+          <a:off x="0" y="0"/>
+          <a:ext cx="0" cy="0"/>
+          <a:chOff x="0" y="0"/>
+          <a:chExt cx="0" cy="0"/>
+        </a:xfrm>
+      </p:grpSpPr>
+      <p:sp>
+        <p:nvSpPr>
+          <p:cNvPr id="2" name="Title 1"/>
+          <p:cNvSpPr>
+            <a:spLocks noGrp="1"/>
+          </p:cNvSpPr>
+          <p:nvPr>
+            <p:ph type="title"/>
+          </p:nvPr>
+        </p:nvSpPr>
+        <p:spPr/>
+        <p:txBody>
+          <a:bodyPr/>
+          <a:lstStyle/>
+          <a:p>
+            <a:r>
+              <a:rPr lang="en-IN" dirty="0"/>
+              <a:t>Exception Handling</a:t>
+            </a:r>
+            <a:endParaRPr lang="en-IN" dirty="0"/>
+          </a:p>
+        </p:txBody>
+      </p:sp>
+      <p:sp>
+        <p:nvSpPr>
+          <p:cNvPr id="3" name="Content Placeholder 2"/>
+          <p:cNvSpPr>
+            <a:spLocks noGrp="1"/>
+          </p:cNvSpPr>
+          <p:nvPr>
+            <p:ph idx="1"/>
+          </p:nvPr>
+        </p:nvSpPr>
+        <p:spPr>
+          <a:xfrm>
+            <a:off x="838200" y="1365161"/>
+            <a:ext cx="10515600" cy="5164428"/>
+          </a:xfrm>
+        </p:spPr>
+        <p:txBody>
+          <a:bodyPr/>
+          <a:lstStyle/>
+          <a:p>
+            <a:pPr marL="0" indent="0">
+              <a:buNone/>
+            </a:pPr>
+            <a:r>
+              <a:rPr lang="en-IN" sz="2400" dirty="0"/>
+              <a:t>An </a:t>
+            </a:r>
+            <a:r>
+              <a:rPr lang="en-IN" sz="2400" b="1" i="1" dirty="0"/>
+              <a:t>exception</a:t>
+            </a:r>
+            <a:r>
+              <a:rPr lang="en-IN" sz="2400" i="1" dirty="0"/>
+              <a:t> </a:t>
+            </a:r>
+            <a:r>
+              <a:rPr lang="en-IN" sz="2400" dirty="0"/>
+              <a:t>is an </a:t>
+            </a:r>
+            <a:r>
+              <a:rPr lang="en-IN" sz="2400" dirty="0" smtClean="0"/>
+              <a:t>anomalous (deviating from standard) </a:t>
+            </a:r>
+            <a:r>
+              <a:rPr lang="en-IN" sz="2400" dirty="0"/>
+              <a:t>condition that alters or </a:t>
+            </a:r>
+            <a:r>
+              <a:rPr lang="en-IN" sz="2400" dirty="0" smtClean="0"/>
+              <a:t>interrupts the </a:t>
+            </a:r>
+            <a:r>
+              <a:rPr lang="en-IN" sz="2400" dirty="0"/>
+              <a:t>flow of execution. Java provides built-in exception </a:t>
+            </a:r>
+            <a:r>
+              <a:rPr lang="en-IN" sz="2400" dirty="0" smtClean="0"/>
+              <a:t>handling to </a:t>
+            </a:r>
+            <a:r>
+              <a:rPr lang="en-IN" sz="2400" dirty="0"/>
+              <a:t>deal with such conditions</a:t>
+            </a:r>
+            <a:r>
+              <a:rPr lang="en-IN" sz="2400" dirty="0" smtClean="0"/>
+              <a:t>.</a:t>
+            </a:r>
+          </a:p>
+          <a:p>
+            <a:pPr marL="0" indent="0">
+              <a:buNone/>
+            </a:pPr>
+            <a:r>
+              <a:rPr lang="en-IN" sz="2400" dirty="0" smtClean="0"/>
+              <a:t>All </a:t>
+            </a:r>
+            <a:r>
+              <a:rPr lang="en-IN" sz="2400" dirty="0"/>
+              <a:t>exceptions and errors </a:t>
+            </a:r>
+            <a:r>
+              <a:rPr lang="en-IN" sz="2400" b="1" dirty="0"/>
+              <a:t>inherit</a:t>
+            </a:r>
+            <a:r>
+              <a:rPr lang="en-IN" sz="2400" dirty="0"/>
+              <a:t> </a:t>
+            </a:r>
+            <a:r>
+              <a:rPr lang="en-IN" sz="2400" dirty="0" smtClean="0"/>
+              <a:t>from the </a:t>
+            </a:r>
+            <a:r>
+              <a:rPr lang="en-IN" sz="2400" dirty="0"/>
+              <a:t>class </a:t>
+            </a:r>
+            <a:r>
+              <a:rPr lang="en-IN" sz="2400" b="1" dirty="0" err="1"/>
+              <a:t>Throwable</a:t>
+            </a:r>
+            <a:r>
+              <a:rPr lang="en-IN" sz="2400" dirty="0"/>
+              <a:t>, which inherits from the class Object</a:t>
+            </a:r>
+          </a:p>
+          <a:p>
+            <a:pPr marL="0" indent="0">
+              <a:buNone/>
+            </a:pPr>
+            <a:endParaRPr lang="en-IN" dirty="0"/>
+          </a:p>
+          <a:p>
+            <a:pPr marL="0" indent="0">
+              <a:buNone/>
+            </a:pPr>
+            <a:endParaRPr lang="en-IN" dirty="0"/>
+          </a:p>
+        </p:txBody>
+      </p:sp>
+      <p:pic>
+        <p:nvPicPr>
+          <p:cNvPr id="4" name="Picture 3"/>
+          <p:cNvPicPr>
+            <a:picLocks noChangeAspect="1"/>
+          </p:cNvPicPr>
+          <p:nvPr/>
+        </p:nvPicPr>
+        <p:blipFill>
+          <a:blip r:embed="rId2"/>
+          <a:stretch>
+            <a:fillRect/>
+          </a:stretch>
+        </p:blipFill>
+        <p:spPr>
+          <a:xfrm>
+            <a:off x="3653172" y="2958294"/>
+            <a:ext cx="3494601" cy="3448315"/>
+          </a:xfrm>
+          <a:prstGeom prst="rect">
+            <a:avLst/>
+          </a:prstGeom>
+        </p:spPr>
+      </p:pic>
+    </p:spTree>
+    <p:extLst>
+      <p:ext uri="{BB962C8B-B14F-4D97-AF65-F5344CB8AC3E}">
+        <p14:creationId xmlns:p14="http://schemas.microsoft.com/office/powerpoint/2010/main" val="905315836"/>
+      </p:ext>
+    </p:extLst>
+  </p:cSld>
+  <p:clrMapOvr>
+    <a:masterClrMapping/>
+  </p:clrMapOvr>
+</p:sld>
+</file>
+
+<file path=ppt/slides/slide89.xml><?xml version="1.0" encoding="utf-8"?>
+<p:sld xmlns:a="http://schemas.openxmlformats.org/drawingml/2006/main" xmlns:r="http://schemas.openxmlformats.org/officeDocument/2006/relationships" xmlns:p="http://schemas.openxmlformats.org/presentationml/2006/main">
+  <p:cSld>
+    <p:spTree>
+      <p:nvGrpSpPr>
+        <p:cNvPr id="1" name=""/>
+        <p:cNvGrpSpPr/>
+        <p:nvPr/>
+      </p:nvGrpSpPr>
+      <p:grpSpPr>
+        <a:xfrm>
+          <a:off x="0" y="0"/>
+          <a:ext cx="0" cy="0"/>
+          <a:chOff x="0" y="0"/>
+          <a:chExt cx="0" cy="0"/>
+        </a:xfrm>
+      </p:grpSpPr>
+      <p:sp>
+        <p:nvSpPr>
+          <p:cNvPr id="2" name="Title 1"/>
+          <p:cNvSpPr>
+            <a:spLocks noGrp="1"/>
+          </p:cNvSpPr>
+          <p:nvPr>
+            <p:ph type="title"/>
+          </p:nvPr>
+        </p:nvSpPr>
+        <p:spPr/>
+        <p:txBody>
+          <a:bodyPr/>
+          <a:lstStyle/>
+          <a:p>
+            <a:r>
+              <a:rPr lang="en-IN" dirty="0"/>
+              <a:t>Checked/Unchecked Exceptions and Errors</a:t>
+            </a:r>
+            <a:endParaRPr lang="en-IN" dirty="0"/>
+          </a:p>
+        </p:txBody>
+      </p:sp>
+      <p:sp>
+        <p:nvSpPr>
+          <p:cNvPr id="3" name="Content Placeholder 2"/>
+          <p:cNvSpPr>
+            <a:spLocks noGrp="1"/>
+          </p:cNvSpPr>
+          <p:nvPr>
+            <p:ph idx="1"/>
+          </p:nvPr>
+        </p:nvSpPr>
+        <p:spPr>
+          <a:xfrm>
+            <a:off x="838200" y="1481070"/>
+            <a:ext cx="10515600" cy="4695893"/>
+          </a:xfrm>
+        </p:spPr>
+        <p:txBody>
+          <a:bodyPr>
+            <a:normAutofit fontScale="92500" lnSpcReduction="10000"/>
+          </a:bodyPr>
+          <a:lstStyle/>
+          <a:p>
+            <a:pPr marL="0" indent="0">
+              <a:buNone/>
+            </a:pPr>
+            <a:r>
+              <a:rPr lang="en-IN" sz="2400" b="1" dirty="0"/>
+              <a:t>Checked Exceptions</a:t>
+            </a:r>
+          </a:p>
+          <a:p>
+            <a:r>
+              <a:rPr lang="en-IN" sz="2400" dirty="0" smtClean="0"/>
+              <a:t>Checked </a:t>
+            </a:r>
+            <a:r>
+              <a:rPr lang="en-IN" sz="2400" dirty="0"/>
+              <a:t>exceptions are checked by the compiler at </a:t>
+            </a:r>
+            <a:r>
+              <a:rPr lang="en-IN" sz="2400" dirty="0" smtClean="0"/>
+              <a:t>compile time</a:t>
+            </a:r>
+            <a:r>
+              <a:rPr lang="en-IN" sz="2400" dirty="0"/>
+              <a:t>.</a:t>
+            </a:r>
+          </a:p>
+          <a:p>
+            <a:r>
+              <a:rPr lang="en-IN" sz="2400" dirty="0" smtClean="0"/>
+              <a:t>Methods </a:t>
+            </a:r>
+            <a:r>
+              <a:rPr lang="en-IN" sz="2400" dirty="0"/>
+              <a:t>that throw a checked exception must indicate </a:t>
+            </a:r>
+            <a:r>
+              <a:rPr lang="en-IN" sz="2400" dirty="0" smtClean="0"/>
+              <a:t>so in </a:t>
+            </a:r>
+            <a:r>
+              <a:rPr lang="en-IN" sz="2400" dirty="0"/>
+              <a:t>the method declaration using the throws clause. </a:t>
+            </a:r>
+            <a:r>
+              <a:rPr lang="en-IN" sz="2400" dirty="0" smtClean="0"/>
+              <a:t>This must </a:t>
+            </a:r>
+            <a:r>
+              <a:rPr lang="en-IN" sz="2400" dirty="0"/>
+              <a:t>continue all the way up the calling stack until the </a:t>
+            </a:r>
+            <a:r>
+              <a:rPr lang="en-IN" sz="2400" dirty="0" smtClean="0"/>
+              <a:t>exception is </a:t>
+            </a:r>
+            <a:r>
+              <a:rPr lang="en-IN" sz="2400" dirty="0"/>
+              <a:t>handled.</a:t>
+            </a:r>
+          </a:p>
+          <a:p>
+            <a:r>
+              <a:rPr lang="en-IN" sz="2400" dirty="0" smtClean="0"/>
+              <a:t>All </a:t>
+            </a:r>
+            <a:r>
+              <a:rPr lang="en-IN" sz="2400" dirty="0"/>
+              <a:t>checked exceptions must be explicitly caught with </a:t>
+            </a:r>
+            <a:r>
+              <a:rPr lang="en-IN" sz="2400" dirty="0" smtClean="0"/>
+              <a:t>a catch </a:t>
+            </a:r>
+            <a:r>
+              <a:rPr lang="en-IN" sz="2400" dirty="0"/>
+              <a:t>block.</a:t>
+            </a:r>
+          </a:p>
+          <a:p>
+            <a:r>
+              <a:rPr lang="en-IN" sz="2400" dirty="0" smtClean="0"/>
+              <a:t>Checked </a:t>
+            </a:r>
+            <a:r>
+              <a:rPr lang="en-IN" sz="2400" dirty="0"/>
+              <a:t>exceptions include exceptions of the type </a:t>
+            </a:r>
+            <a:r>
+              <a:rPr lang="en-IN" sz="2400" dirty="0" smtClean="0"/>
+              <a:t>Exception</a:t>
+            </a:r>
+            <a:r>
+              <a:rPr lang="en-IN" sz="2400" dirty="0"/>
+              <a:t>, and all classes that are subtypes of Exception, </a:t>
+            </a:r>
+            <a:r>
+              <a:rPr lang="en-IN" sz="2400" dirty="0" smtClean="0"/>
+              <a:t>except for </a:t>
+            </a:r>
+            <a:r>
+              <a:rPr lang="en-IN" sz="2400" dirty="0" err="1"/>
+              <a:t>RuntimeException</a:t>
+            </a:r>
+            <a:r>
+              <a:rPr lang="en-IN" sz="2400" dirty="0"/>
+              <a:t> and the subtypes of </a:t>
+            </a:r>
+            <a:r>
+              <a:rPr lang="en-IN" sz="2400" dirty="0" err="1" smtClean="0"/>
+              <a:t>RuntimeException</a:t>
+            </a:r>
+            <a:r>
+              <a:rPr lang="en-IN" sz="2400" dirty="0" smtClean="0"/>
+              <a:t>.</a:t>
+            </a:r>
+          </a:p>
+          <a:p>
+            <a:endParaRPr lang="en-IN" sz="2400" dirty="0"/>
+          </a:p>
+          <a:p>
+            <a:pPr marL="914400" lvl="2" indent="0">
+              <a:buNone/>
+            </a:pPr>
+            <a:r>
+              <a:rPr lang="en-IN" sz="2100" i="1" dirty="0"/>
+              <a:t>// Method declaration that </a:t>
+            </a:r>
+            <a:r>
+              <a:rPr lang="en-IN" sz="2100" i="1" dirty="0" smtClean="0"/>
+              <a:t>throws an </a:t>
+            </a:r>
+            <a:r>
+              <a:rPr lang="en-IN" sz="2100" i="1" dirty="0" err="1"/>
+              <a:t>IOException</a:t>
+            </a:r>
+            <a:endParaRPr lang="en-IN" sz="2100" i="1" dirty="0"/>
+          </a:p>
+          <a:p>
+            <a:pPr marL="914400" lvl="2" indent="0">
+              <a:buNone/>
+            </a:pPr>
+            <a:r>
+              <a:rPr lang="en-IN" sz="2100" b="1" dirty="0"/>
+              <a:t>void </a:t>
+            </a:r>
+            <a:r>
+              <a:rPr lang="en-IN" sz="2100" dirty="0" err="1"/>
+              <a:t>readFile</a:t>
+            </a:r>
+            <a:r>
+              <a:rPr lang="en-IN" sz="2100" dirty="0"/>
+              <a:t>(String filename</a:t>
+            </a:r>
+            <a:r>
+              <a:rPr lang="en-IN" sz="2100" dirty="0" smtClean="0"/>
+              <a:t>) </a:t>
+            </a:r>
+            <a:r>
+              <a:rPr lang="en-IN" sz="2100" b="1" dirty="0" smtClean="0"/>
+              <a:t>throws </a:t>
+            </a:r>
+            <a:r>
+              <a:rPr lang="en-IN" sz="2100" dirty="0" err="1"/>
+              <a:t>IOException</a:t>
+            </a:r>
+            <a:r>
+              <a:rPr lang="en-IN" sz="2100" dirty="0"/>
+              <a:t> {</a:t>
+            </a:r>
+          </a:p>
+          <a:p>
+            <a:pPr marL="914400" lvl="2" indent="0">
+              <a:buNone/>
+            </a:pPr>
+            <a:r>
+              <a:rPr lang="en-IN" sz="2100" dirty="0"/>
+              <a:t>...</a:t>
+            </a:r>
+          </a:p>
+          <a:p>
+            <a:pPr marL="914400" lvl="2" indent="0">
+              <a:buNone/>
+            </a:pPr>
+            <a:r>
+              <a:rPr lang="en-IN" sz="2100" dirty="0"/>
+              <a:t>}</a:t>
+            </a:r>
+            <a:endParaRPr lang="en-IN" sz="2100" dirty="0"/>
+          </a:p>
+        </p:txBody>
+      </p:sp>
+    </p:spTree>
+    <p:extLst>
+      <p:ext uri="{BB962C8B-B14F-4D97-AF65-F5344CB8AC3E}">
+        <p14:creationId xmlns:p14="http://schemas.microsoft.com/office/powerpoint/2010/main" val="1055981921"/>
+      </p:ext>
+    </p:extLst>
+  </p:cSld>
+  <p:clrMapOvr>
+    <a:masterClrMapping/>
+  </p:clrMapOvr>
+</p:sld>
+</file>
+
 <file path=ppt/slides/slide9.xml><?xml version="1.0" encoding="utf-8"?>
 <p:sld xmlns:a="http://schemas.openxmlformats.org/drawingml/2006/main" xmlns:r="http://schemas.openxmlformats.org/officeDocument/2006/relationships" xmlns:p="http://schemas.openxmlformats.org/presentationml/2006/main">
   <p:cSld>
@@ -16026,6 +23050,1989 @@
     <p:extLst>
       <p:ext uri="{BB962C8B-B14F-4D97-AF65-F5344CB8AC3E}">
         <p14:creationId xmlns:p14="http://schemas.microsoft.com/office/powerpoint/2010/main" val="1153507582"/>
+      </p:ext>
+    </p:extLst>
+  </p:cSld>
+  <p:clrMapOvr>
+    <a:masterClrMapping/>
+  </p:clrMapOvr>
+</p:sld>
+</file>
+
+<file path=ppt/slides/slide90.xml><?xml version="1.0" encoding="utf-8"?>
+<p:sld xmlns:a="http://schemas.openxmlformats.org/drawingml/2006/main" xmlns:r="http://schemas.openxmlformats.org/officeDocument/2006/relationships" xmlns:p="http://schemas.openxmlformats.org/presentationml/2006/main">
+  <p:cSld>
+    <p:spTree>
+      <p:nvGrpSpPr>
+        <p:cNvPr id="1" name=""/>
+        <p:cNvGrpSpPr/>
+        <p:nvPr/>
+      </p:nvGrpSpPr>
+      <p:grpSpPr>
+        <a:xfrm>
+          <a:off x="0" y="0"/>
+          <a:ext cx="0" cy="0"/>
+          <a:chOff x="0" y="0"/>
+          <a:chExt cx="0" cy="0"/>
+        </a:xfrm>
+      </p:grpSpPr>
+      <p:sp>
+        <p:nvSpPr>
+          <p:cNvPr id="2" name="Title 1"/>
+          <p:cNvSpPr>
+            <a:spLocks noGrp="1"/>
+          </p:cNvSpPr>
+          <p:nvPr>
+            <p:ph type="title"/>
+          </p:nvPr>
+        </p:nvSpPr>
+        <p:spPr/>
+        <p:txBody>
+          <a:bodyPr/>
+          <a:lstStyle/>
+          <a:p>
+            <a:r>
+              <a:rPr lang="en-IN" dirty="0"/>
+              <a:t>Unchecked Exceptions</a:t>
+            </a:r>
+            <a:endParaRPr lang="en-IN" dirty="0"/>
+          </a:p>
+        </p:txBody>
+      </p:sp>
+      <p:sp>
+        <p:nvSpPr>
+          <p:cNvPr id="3" name="Content Placeholder 2"/>
+          <p:cNvSpPr>
+            <a:spLocks noGrp="1"/>
+          </p:cNvSpPr>
+          <p:nvPr>
+            <p:ph idx="1"/>
+          </p:nvPr>
+        </p:nvSpPr>
+        <p:spPr/>
+        <p:txBody>
+          <a:bodyPr>
+            <a:normAutofit/>
+          </a:bodyPr>
+          <a:lstStyle/>
+          <a:p>
+            <a:pPr marL="0" indent="0">
+              <a:buNone/>
+            </a:pPr>
+            <a:r>
+              <a:rPr lang="en-IN" sz="2400" dirty="0"/>
+              <a:t>The compiler does not check unchecked exceptions </a:t>
+            </a:r>
+            <a:r>
+              <a:rPr lang="en-IN" sz="2400" dirty="0" smtClean="0"/>
+              <a:t>at compile </a:t>
+            </a:r>
+            <a:r>
+              <a:rPr lang="en-IN" sz="2400" dirty="0"/>
+              <a:t>time.</a:t>
+            </a:r>
+          </a:p>
+          <a:p>
+            <a:r>
+              <a:rPr lang="en-IN" sz="2400" dirty="0" smtClean="0"/>
+              <a:t>Unchecked </a:t>
+            </a:r>
+            <a:r>
+              <a:rPr lang="en-IN" sz="2400" dirty="0"/>
+              <a:t>exceptions occur during runtime due to </a:t>
+            </a:r>
+            <a:r>
+              <a:rPr lang="en-IN" sz="2400" dirty="0" smtClean="0"/>
+              <a:t>programmer error </a:t>
+            </a:r>
+            <a:r>
+              <a:rPr lang="en-IN" sz="2400" dirty="0"/>
+              <a:t>(out-of-bounds index, divide by zero, </a:t>
+            </a:r>
+            <a:r>
+              <a:rPr lang="en-IN" sz="2400" dirty="0" smtClean="0"/>
+              <a:t>and null </a:t>
+            </a:r>
+            <a:r>
+              <a:rPr lang="en-IN" sz="2400" dirty="0"/>
+              <a:t>pointer exception) or system resource exhaustion.</a:t>
+            </a:r>
+          </a:p>
+          <a:p>
+            <a:r>
+              <a:rPr lang="en-IN" sz="2400" dirty="0" smtClean="0"/>
+              <a:t>Unchecked </a:t>
+            </a:r>
+            <a:r>
+              <a:rPr lang="en-IN" sz="2400" dirty="0"/>
+              <a:t>exceptions do not have to be caught.</a:t>
+            </a:r>
+          </a:p>
+          <a:p>
+            <a:r>
+              <a:rPr lang="en-IN" sz="2400" dirty="0" smtClean="0"/>
+              <a:t>Methods </a:t>
+            </a:r>
+            <a:r>
+              <a:rPr lang="en-IN" sz="2400" dirty="0"/>
+              <a:t>that may throw an unchecked exception do </a:t>
+            </a:r>
+            <a:r>
+              <a:rPr lang="en-IN" sz="2400" dirty="0" smtClean="0"/>
+              <a:t>not have </a:t>
+            </a:r>
+            <a:r>
+              <a:rPr lang="en-IN" sz="2400" dirty="0"/>
+              <a:t>to (but can) indicate this in the method declaration.</a:t>
+            </a:r>
+          </a:p>
+          <a:p>
+            <a:r>
+              <a:rPr lang="en-IN" sz="2400" dirty="0" smtClean="0"/>
+              <a:t>Unchecked </a:t>
+            </a:r>
+            <a:r>
+              <a:rPr lang="en-IN" sz="2400" dirty="0"/>
+              <a:t>exceptions include exceptions of the type </a:t>
+            </a:r>
+            <a:r>
+              <a:rPr lang="en-IN" sz="2400" dirty="0" err="1" smtClean="0"/>
+              <a:t>RuntimeException</a:t>
+            </a:r>
+            <a:r>
+              <a:rPr lang="en-IN" sz="2400" dirty="0" smtClean="0"/>
+              <a:t> </a:t>
+            </a:r>
+            <a:r>
+              <a:rPr lang="en-IN" sz="2400" dirty="0"/>
+              <a:t>and all subtypes of </a:t>
+            </a:r>
+            <a:r>
+              <a:rPr lang="en-IN" sz="2400" dirty="0" err="1"/>
+              <a:t>RuntimeException</a:t>
+            </a:r>
+            <a:r>
+              <a:rPr lang="en-IN" sz="2400" dirty="0"/>
+              <a:t>.</a:t>
+            </a:r>
+            <a:endParaRPr lang="en-IN" sz="2400" dirty="0"/>
+          </a:p>
+        </p:txBody>
+      </p:sp>
+    </p:spTree>
+    <p:extLst>
+      <p:ext uri="{BB962C8B-B14F-4D97-AF65-F5344CB8AC3E}">
+        <p14:creationId xmlns:p14="http://schemas.microsoft.com/office/powerpoint/2010/main" val="539173753"/>
+      </p:ext>
+    </p:extLst>
+  </p:cSld>
+  <p:clrMapOvr>
+    <a:masterClrMapping/>
+  </p:clrMapOvr>
+</p:sld>
+</file>
+
+<file path=ppt/slides/slide91.xml><?xml version="1.0" encoding="utf-8"?>
+<p:sld xmlns:a="http://schemas.openxmlformats.org/drawingml/2006/main" xmlns:r="http://schemas.openxmlformats.org/officeDocument/2006/relationships" xmlns:p="http://schemas.openxmlformats.org/presentationml/2006/main">
+  <p:cSld>
+    <p:spTree>
+      <p:nvGrpSpPr>
+        <p:cNvPr id="1" name=""/>
+        <p:cNvGrpSpPr/>
+        <p:nvPr/>
+      </p:nvGrpSpPr>
+      <p:grpSpPr>
+        <a:xfrm>
+          <a:off x="0" y="0"/>
+          <a:ext cx="0" cy="0"/>
+          <a:chOff x="0" y="0"/>
+          <a:chExt cx="0" cy="0"/>
+        </a:xfrm>
+      </p:grpSpPr>
+      <p:sp>
+        <p:nvSpPr>
+          <p:cNvPr id="2" name="Title 1"/>
+          <p:cNvSpPr>
+            <a:spLocks noGrp="1"/>
+          </p:cNvSpPr>
+          <p:nvPr>
+            <p:ph type="title"/>
+          </p:nvPr>
+        </p:nvSpPr>
+        <p:spPr/>
+        <p:txBody>
+          <a:bodyPr/>
+          <a:lstStyle/>
+          <a:p>
+            <a:r>
+              <a:rPr lang="en-IN" dirty="0" smtClean="0"/>
+              <a:t>Errors</a:t>
+            </a:r>
+            <a:endParaRPr lang="en-IN" dirty="0"/>
+          </a:p>
+        </p:txBody>
+      </p:sp>
+      <p:sp>
+        <p:nvSpPr>
+          <p:cNvPr id="3" name="Content Placeholder 2"/>
+          <p:cNvSpPr>
+            <a:spLocks noGrp="1"/>
+          </p:cNvSpPr>
+          <p:nvPr>
+            <p:ph idx="1"/>
+          </p:nvPr>
+        </p:nvSpPr>
+        <p:spPr/>
+        <p:txBody>
+          <a:bodyPr>
+            <a:normAutofit/>
+          </a:bodyPr>
+          <a:lstStyle/>
+          <a:p>
+            <a:r>
+              <a:rPr lang="en-IN" sz="2400" dirty="0" smtClean="0"/>
+              <a:t>Errors </a:t>
+            </a:r>
+            <a:r>
+              <a:rPr lang="en-IN" sz="2400" dirty="0"/>
+              <a:t>are typically unrecoverable and present serious conditions.</a:t>
+            </a:r>
+          </a:p>
+          <a:p>
+            <a:r>
+              <a:rPr lang="en-IN" sz="2400" dirty="0" smtClean="0"/>
+              <a:t>Errors </a:t>
+            </a:r>
+            <a:r>
+              <a:rPr lang="en-IN" sz="2400" dirty="0"/>
+              <a:t>are not checked at compile time and do not have </a:t>
+            </a:r>
+            <a:r>
+              <a:rPr lang="en-IN" sz="2400" dirty="0" smtClean="0"/>
+              <a:t>to be </a:t>
+            </a:r>
+            <a:r>
+              <a:rPr lang="en-IN" sz="2400" dirty="0"/>
+              <a:t>(but can be) caught/handled</a:t>
+            </a:r>
+            <a:r>
+              <a:rPr lang="en-IN" sz="2400" dirty="0" smtClean="0"/>
+              <a:t>.</a:t>
+            </a:r>
+          </a:p>
+          <a:p>
+            <a:endParaRPr lang="en-IN" sz="2400" dirty="0"/>
+          </a:p>
+          <a:p>
+            <a:endParaRPr lang="en-IN" sz="2400" dirty="0" smtClean="0"/>
+          </a:p>
+          <a:p>
+            <a:endParaRPr lang="en-IN" sz="2400" dirty="0"/>
+          </a:p>
+          <a:p>
+            <a:pPr marL="0" indent="0">
+              <a:buNone/>
+            </a:pPr>
+            <a:r>
+              <a:rPr lang="en-IN" sz="2400" dirty="0"/>
+              <a:t>Any checked exceptions, unchecked exceptions, or </a:t>
+            </a:r>
+            <a:r>
+              <a:rPr lang="en-IN" sz="2400" dirty="0" smtClean="0"/>
+              <a:t>errors can </a:t>
+            </a:r>
+            <a:r>
+              <a:rPr lang="en-IN" sz="2400" dirty="0"/>
+              <a:t>be caught.</a:t>
+            </a:r>
+            <a:endParaRPr lang="en-IN" sz="2400" dirty="0"/>
+          </a:p>
+        </p:txBody>
+      </p:sp>
+    </p:spTree>
+    <p:extLst>
+      <p:ext uri="{BB962C8B-B14F-4D97-AF65-F5344CB8AC3E}">
+        <p14:creationId xmlns:p14="http://schemas.microsoft.com/office/powerpoint/2010/main" val="2402899467"/>
+      </p:ext>
+    </p:extLst>
+  </p:cSld>
+  <p:clrMapOvr>
+    <a:masterClrMapping/>
+  </p:clrMapOvr>
+</p:sld>
+</file>
+
+<file path=ppt/slides/slide92.xml><?xml version="1.0" encoding="utf-8"?>
+<p:sld xmlns:a="http://schemas.openxmlformats.org/drawingml/2006/main" xmlns:r="http://schemas.openxmlformats.org/officeDocument/2006/relationships" xmlns:p="http://schemas.openxmlformats.org/presentationml/2006/main">
+  <p:cSld>
+    <p:spTree>
+      <p:nvGrpSpPr>
+        <p:cNvPr id="1" name=""/>
+        <p:cNvGrpSpPr/>
+        <p:nvPr/>
+      </p:nvGrpSpPr>
+      <p:grpSpPr>
+        <a:xfrm>
+          <a:off x="0" y="0"/>
+          <a:ext cx="0" cy="0"/>
+          <a:chOff x="0" y="0"/>
+          <a:chExt cx="0" cy="0"/>
+        </a:xfrm>
+      </p:grpSpPr>
+      <p:sp>
+        <p:nvSpPr>
+          <p:cNvPr id="2" name="Title 1"/>
+          <p:cNvSpPr>
+            <a:spLocks noGrp="1"/>
+          </p:cNvSpPr>
+          <p:nvPr>
+            <p:ph type="title"/>
+          </p:nvPr>
+        </p:nvSpPr>
+        <p:spPr/>
+        <p:txBody>
+          <a:bodyPr/>
+          <a:lstStyle/>
+          <a:p>
+            <a:r>
+              <a:rPr lang="en-IN" dirty="0"/>
+              <a:t>Common Checked/Unchecked </a:t>
+            </a:r>
+            <a:r>
+              <a:rPr lang="en-IN" dirty="0" smtClean="0"/>
+              <a:t>Exceptions and </a:t>
+            </a:r>
+            <a:r>
+              <a:rPr lang="en-IN" dirty="0"/>
+              <a:t>Errors</a:t>
+            </a:r>
+            <a:endParaRPr lang="en-IN" dirty="0"/>
+          </a:p>
+        </p:txBody>
+      </p:sp>
+      <p:sp>
+        <p:nvSpPr>
+          <p:cNvPr id="3" name="Content Placeholder 2"/>
+          <p:cNvSpPr>
+            <a:spLocks noGrp="1"/>
+          </p:cNvSpPr>
+          <p:nvPr>
+            <p:ph idx="1"/>
+          </p:nvPr>
+        </p:nvSpPr>
+        <p:spPr>
+          <a:xfrm>
+            <a:off x="838200" y="1825624"/>
+            <a:ext cx="10515600" cy="4781237"/>
+          </a:xfrm>
+        </p:spPr>
+        <p:txBody>
+          <a:bodyPr>
+            <a:normAutofit fontScale="70000" lnSpcReduction="20000"/>
+          </a:bodyPr>
+          <a:lstStyle/>
+          <a:p>
+            <a:pPr marL="0" indent="0">
+              <a:buNone/>
+            </a:pPr>
+            <a:r>
+              <a:rPr lang="en-IN" sz="3200" b="1" dirty="0"/>
+              <a:t>Common Checked </a:t>
+            </a:r>
+            <a:r>
+              <a:rPr lang="en-IN" sz="3200" b="1" dirty="0" smtClean="0"/>
+              <a:t>Exceptions</a:t>
+            </a:r>
+          </a:p>
+          <a:p>
+            <a:pPr marL="0" indent="0">
+              <a:buNone/>
+            </a:pPr>
+            <a:endParaRPr lang="en-IN" dirty="0"/>
+          </a:p>
+          <a:p>
+            <a:pPr marL="0" indent="0">
+              <a:buNone/>
+            </a:pPr>
+            <a:r>
+              <a:rPr lang="en-IN" b="1" i="1" dirty="0" err="1"/>
+              <a:t>ClassNotFoundException</a:t>
+            </a:r>
+            <a:endParaRPr lang="en-IN" b="1" i="1" dirty="0"/>
+          </a:p>
+          <a:p>
+            <a:pPr marL="0" indent="0">
+              <a:buNone/>
+            </a:pPr>
+            <a:r>
+              <a:rPr lang="en-IN" dirty="0"/>
+              <a:t>Thrown when a class cannot be loaded because its </a:t>
+            </a:r>
+            <a:r>
+              <a:rPr lang="en-IN" dirty="0" smtClean="0"/>
+              <a:t>definition cannot </a:t>
+            </a:r>
+            <a:r>
+              <a:rPr lang="en-IN" dirty="0"/>
+              <a:t>be found</a:t>
+            </a:r>
+            <a:r>
+              <a:rPr lang="en-IN" dirty="0" smtClean="0"/>
+              <a:t>.</a:t>
+            </a:r>
+          </a:p>
+          <a:p>
+            <a:pPr marL="0" indent="0">
+              <a:buNone/>
+            </a:pPr>
+            <a:endParaRPr lang="en-IN" dirty="0" smtClean="0"/>
+          </a:p>
+          <a:p>
+            <a:pPr marL="0" indent="0">
+              <a:buNone/>
+            </a:pPr>
+            <a:r>
+              <a:rPr lang="en-IN" b="1" i="1" dirty="0" err="1" smtClean="0"/>
+              <a:t>IOException</a:t>
+            </a:r>
+            <a:endParaRPr lang="en-IN" b="1" i="1" dirty="0"/>
+          </a:p>
+          <a:p>
+            <a:pPr marL="0" indent="0">
+              <a:buNone/>
+            </a:pPr>
+            <a:r>
+              <a:rPr lang="en-IN" dirty="0"/>
+              <a:t>Thrown when a failed or interrupted operation occurs. </a:t>
+            </a:r>
+            <a:r>
+              <a:rPr lang="en-IN" dirty="0" smtClean="0"/>
+              <a:t>Two common </a:t>
+            </a:r>
+            <a:r>
+              <a:rPr lang="en-IN" dirty="0"/>
+              <a:t>subtypes of </a:t>
+            </a:r>
+            <a:r>
+              <a:rPr lang="en-IN" dirty="0" err="1"/>
+              <a:t>IOException</a:t>
+            </a:r>
+            <a:r>
+              <a:rPr lang="en-IN" dirty="0"/>
+              <a:t> are </a:t>
+            </a:r>
+            <a:r>
+              <a:rPr lang="en-IN" dirty="0" err="1"/>
+              <a:t>EOFException</a:t>
+            </a:r>
+            <a:r>
+              <a:rPr lang="en-IN" dirty="0"/>
+              <a:t> </a:t>
+            </a:r>
+            <a:r>
+              <a:rPr lang="en-IN" dirty="0" smtClean="0"/>
+              <a:t>and </a:t>
+            </a:r>
+            <a:r>
+              <a:rPr lang="en-IN" dirty="0" err="1" smtClean="0"/>
+              <a:t>FileNotFoundException</a:t>
+            </a:r>
+            <a:r>
+              <a:rPr lang="en-IN" dirty="0" smtClean="0"/>
+              <a:t>.</a:t>
+            </a:r>
+          </a:p>
+          <a:p>
+            <a:pPr marL="0" indent="0">
+              <a:buNone/>
+            </a:pPr>
+            <a:endParaRPr lang="en-IN" dirty="0"/>
+          </a:p>
+          <a:p>
+            <a:pPr marL="0" indent="0">
+              <a:buNone/>
+            </a:pPr>
+            <a:r>
+              <a:rPr lang="en-IN" b="1" i="1" dirty="0" err="1" smtClean="0"/>
+              <a:t>FileNotFoundException</a:t>
+            </a:r>
+            <a:endParaRPr lang="en-IN" b="1" i="1" dirty="0" smtClean="0"/>
+          </a:p>
+          <a:p>
+            <a:pPr marL="0" indent="0">
+              <a:buNone/>
+            </a:pPr>
+            <a:r>
+              <a:rPr lang="en-IN" dirty="0" smtClean="0"/>
+              <a:t>Thrown </a:t>
+            </a:r>
+            <a:r>
+              <a:rPr lang="en-IN" dirty="0"/>
+              <a:t>when an attempt is made to open a file that </a:t>
+            </a:r>
+            <a:r>
+              <a:rPr lang="en-IN" dirty="0" smtClean="0"/>
+              <a:t>cannot be </a:t>
+            </a:r>
+            <a:r>
+              <a:rPr lang="en-IN" dirty="0"/>
+              <a:t>found</a:t>
+            </a:r>
+            <a:r>
+              <a:rPr lang="en-IN" dirty="0" smtClean="0"/>
+              <a:t>.</a:t>
+            </a:r>
+          </a:p>
+          <a:p>
+            <a:pPr marL="0" indent="0">
+              <a:buNone/>
+            </a:pPr>
+            <a:endParaRPr lang="en-IN" dirty="0"/>
+          </a:p>
+          <a:p>
+            <a:pPr marL="0" indent="0">
+              <a:buNone/>
+            </a:pPr>
+            <a:r>
+              <a:rPr lang="en-IN" b="1" i="1" dirty="0" err="1"/>
+              <a:t>SQLException</a:t>
+            </a:r>
+            <a:endParaRPr lang="en-IN" b="1" i="1" dirty="0"/>
+          </a:p>
+          <a:p>
+            <a:pPr marL="0" indent="0">
+              <a:buNone/>
+            </a:pPr>
+            <a:r>
+              <a:rPr lang="en-IN" dirty="0"/>
+              <a:t>Thrown when there is a database error.</a:t>
+            </a:r>
+          </a:p>
+          <a:p>
+            <a:pPr marL="0" indent="0">
+              <a:buNone/>
+            </a:pPr>
+            <a:endParaRPr lang="en-IN" dirty="0"/>
+          </a:p>
+          <a:p>
+            <a:pPr marL="0" indent="0">
+              <a:buNone/>
+            </a:pPr>
+            <a:endParaRPr lang="en-IN" dirty="0" smtClean="0"/>
+          </a:p>
+          <a:p>
+            <a:pPr marL="0" indent="0">
+              <a:buNone/>
+            </a:pPr>
+            <a:endParaRPr lang="en-IN" dirty="0"/>
+          </a:p>
+        </p:txBody>
+      </p:sp>
+    </p:spTree>
+    <p:extLst>
+      <p:ext uri="{BB962C8B-B14F-4D97-AF65-F5344CB8AC3E}">
+        <p14:creationId xmlns:p14="http://schemas.microsoft.com/office/powerpoint/2010/main" val="4107962350"/>
+      </p:ext>
+    </p:extLst>
+  </p:cSld>
+  <p:clrMapOvr>
+    <a:masterClrMapping/>
+  </p:clrMapOvr>
+</p:sld>
+</file>
+
+<file path=ppt/slides/slide93.xml><?xml version="1.0" encoding="utf-8"?>
+<p:sld xmlns:a="http://schemas.openxmlformats.org/drawingml/2006/main" xmlns:r="http://schemas.openxmlformats.org/officeDocument/2006/relationships" xmlns:p="http://schemas.openxmlformats.org/presentationml/2006/main">
+  <p:cSld>
+    <p:spTree>
+      <p:nvGrpSpPr>
+        <p:cNvPr id="1" name=""/>
+        <p:cNvGrpSpPr/>
+        <p:nvPr/>
+      </p:nvGrpSpPr>
+      <p:grpSpPr>
+        <a:xfrm>
+          <a:off x="0" y="0"/>
+          <a:ext cx="0" cy="0"/>
+          <a:chOff x="0" y="0"/>
+          <a:chExt cx="0" cy="0"/>
+        </a:xfrm>
+      </p:grpSpPr>
+      <p:sp>
+        <p:nvSpPr>
+          <p:cNvPr id="2" name="Title 1"/>
+          <p:cNvSpPr>
+            <a:spLocks noGrp="1"/>
+          </p:cNvSpPr>
+          <p:nvPr>
+            <p:ph type="title"/>
+          </p:nvPr>
+        </p:nvSpPr>
+        <p:spPr/>
+        <p:txBody>
+          <a:bodyPr/>
+          <a:lstStyle/>
+          <a:p>
+            <a:r>
+              <a:rPr lang="en-IN" dirty="0" smtClean="0"/>
+              <a:t>Continued…</a:t>
+            </a:r>
+            <a:endParaRPr lang="en-IN" dirty="0"/>
+          </a:p>
+        </p:txBody>
+      </p:sp>
+      <p:sp>
+        <p:nvSpPr>
+          <p:cNvPr id="3" name="Content Placeholder 2"/>
+          <p:cNvSpPr>
+            <a:spLocks noGrp="1"/>
+          </p:cNvSpPr>
+          <p:nvPr>
+            <p:ph idx="1"/>
+          </p:nvPr>
+        </p:nvSpPr>
+        <p:spPr/>
+        <p:txBody>
+          <a:bodyPr>
+            <a:normAutofit/>
+          </a:bodyPr>
+          <a:lstStyle/>
+          <a:p>
+            <a:pPr marL="0" indent="0">
+              <a:buNone/>
+            </a:pPr>
+            <a:r>
+              <a:rPr lang="en-IN" sz="2000" b="1" i="1" dirty="0" err="1" smtClean="0"/>
+              <a:t>InterruptedException</a:t>
+            </a:r>
+            <a:endParaRPr lang="en-IN" sz="2000" b="1" i="1" dirty="0"/>
+          </a:p>
+          <a:p>
+            <a:pPr marL="0" indent="0">
+              <a:buNone/>
+            </a:pPr>
+            <a:r>
+              <a:rPr lang="en-IN" sz="2000" dirty="0"/>
+              <a:t>Thrown when a thread is interrupted</a:t>
+            </a:r>
+            <a:r>
+              <a:rPr lang="en-IN" sz="2000" dirty="0" smtClean="0"/>
+              <a:t>.</a:t>
+            </a:r>
+          </a:p>
+          <a:p>
+            <a:pPr marL="0" indent="0">
+              <a:buNone/>
+            </a:pPr>
+            <a:endParaRPr lang="en-IN" sz="2000" dirty="0"/>
+          </a:p>
+          <a:p>
+            <a:pPr marL="0" indent="0">
+              <a:buNone/>
+            </a:pPr>
+            <a:r>
+              <a:rPr lang="en-IN" sz="2000" b="1" i="1" dirty="0" err="1" smtClean="0"/>
+              <a:t>NoSuchMethodException</a:t>
+            </a:r>
+            <a:endParaRPr lang="en-IN" sz="2000" i="1" dirty="0" smtClean="0"/>
+          </a:p>
+          <a:p>
+            <a:pPr marL="0" indent="0">
+              <a:buNone/>
+            </a:pPr>
+            <a:r>
+              <a:rPr lang="en-IN" sz="2000" dirty="0" smtClean="0"/>
+              <a:t>Thrown </a:t>
+            </a:r>
+            <a:r>
+              <a:rPr lang="en-IN" sz="2000" dirty="0"/>
+              <a:t>when a called method cannot be found</a:t>
+            </a:r>
+            <a:r>
+              <a:rPr lang="en-IN" sz="2000" dirty="0" smtClean="0"/>
+              <a:t>.</a:t>
+            </a:r>
+          </a:p>
+          <a:p>
+            <a:pPr marL="0" indent="0">
+              <a:buNone/>
+            </a:pPr>
+            <a:endParaRPr lang="en-IN" sz="2000" dirty="0"/>
+          </a:p>
+          <a:p>
+            <a:pPr marL="0" indent="0">
+              <a:buNone/>
+            </a:pPr>
+            <a:r>
+              <a:rPr lang="en-IN" sz="2000" b="1" i="1" dirty="0" err="1"/>
+              <a:t>CloneNotSupportedException</a:t>
+            </a:r>
+            <a:endParaRPr lang="en-IN" sz="2000" b="1" i="1" dirty="0"/>
+          </a:p>
+          <a:p>
+            <a:pPr marL="0" indent="0">
+              <a:buNone/>
+            </a:pPr>
+            <a:r>
+              <a:rPr lang="en-IN" sz="2000" dirty="0"/>
+              <a:t>Thrown when clone() is called by an object that is </a:t>
+            </a:r>
+            <a:r>
+              <a:rPr lang="en-IN" sz="2000" dirty="0" smtClean="0"/>
+              <a:t>not </a:t>
+            </a:r>
+            <a:r>
+              <a:rPr lang="en-IN" sz="2000" dirty="0" err="1" smtClean="0"/>
+              <a:t>cloneable</a:t>
+            </a:r>
+            <a:r>
+              <a:rPr lang="en-IN" sz="2000" dirty="0"/>
+              <a:t>.</a:t>
+            </a:r>
+            <a:endParaRPr lang="en-IN" sz="2000" dirty="0"/>
+          </a:p>
+        </p:txBody>
+      </p:sp>
+    </p:spTree>
+    <p:extLst>
+      <p:ext uri="{BB962C8B-B14F-4D97-AF65-F5344CB8AC3E}">
+        <p14:creationId xmlns:p14="http://schemas.microsoft.com/office/powerpoint/2010/main" val="3197558412"/>
+      </p:ext>
+    </p:extLst>
+  </p:cSld>
+  <p:clrMapOvr>
+    <a:masterClrMapping/>
+  </p:clrMapOvr>
+</p:sld>
+</file>
+
+<file path=ppt/slides/slide94.xml><?xml version="1.0" encoding="utf-8"?>
+<p:sld xmlns:a="http://schemas.openxmlformats.org/drawingml/2006/main" xmlns:r="http://schemas.openxmlformats.org/officeDocument/2006/relationships" xmlns:p="http://schemas.openxmlformats.org/presentationml/2006/main">
+  <p:cSld>
+    <p:spTree>
+      <p:nvGrpSpPr>
+        <p:cNvPr id="1" name=""/>
+        <p:cNvGrpSpPr/>
+        <p:nvPr/>
+      </p:nvGrpSpPr>
+      <p:grpSpPr>
+        <a:xfrm>
+          <a:off x="0" y="0"/>
+          <a:ext cx="0" cy="0"/>
+          <a:chOff x="0" y="0"/>
+          <a:chExt cx="0" cy="0"/>
+        </a:xfrm>
+      </p:grpSpPr>
+      <p:sp>
+        <p:nvSpPr>
+          <p:cNvPr id="2" name="Title 1"/>
+          <p:cNvSpPr>
+            <a:spLocks noGrp="1"/>
+          </p:cNvSpPr>
+          <p:nvPr>
+            <p:ph type="title"/>
+          </p:nvPr>
+        </p:nvSpPr>
+        <p:spPr/>
+        <p:txBody>
+          <a:bodyPr/>
+          <a:lstStyle/>
+          <a:p>
+            <a:r>
+              <a:rPr lang="en-IN" dirty="0"/>
+              <a:t>Common Unchecked Exceptions</a:t>
+            </a:r>
+            <a:endParaRPr lang="en-IN" dirty="0"/>
+          </a:p>
+        </p:txBody>
+      </p:sp>
+      <p:sp>
+        <p:nvSpPr>
+          <p:cNvPr id="3" name="Content Placeholder 2"/>
+          <p:cNvSpPr>
+            <a:spLocks noGrp="1"/>
+          </p:cNvSpPr>
+          <p:nvPr>
+            <p:ph idx="1"/>
+          </p:nvPr>
+        </p:nvSpPr>
+        <p:spPr>
+          <a:xfrm>
+            <a:off x="838200" y="1493949"/>
+            <a:ext cx="10515600" cy="4683014"/>
+          </a:xfrm>
+        </p:spPr>
+        <p:txBody>
+          <a:bodyPr>
+            <a:noAutofit/>
+          </a:bodyPr>
+          <a:lstStyle/>
+          <a:p>
+            <a:pPr marL="0" indent="0">
+              <a:buNone/>
+            </a:pPr>
+            <a:r>
+              <a:rPr lang="en-IN" sz="1800" b="1" i="1" dirty="0" err="1"/>
+              <a:t>ArithmeticException</a:t>
+            </a:r>
+            <a:endParaRPr lang="en-IN" sz="1800" b="1" i="1" dirty="0"/>
+          </a:p>
+          <a:p>
+            <a:pPr marL="0" indent="0">
+              <a:buNone/>
+            </a:pPr>
+            <a:r>
+              <a:rPr lang="en-IN" sz="1800" dirty="0"/>
+              <a:t>Thrown to indicate that an exceptional arithmetic </a:t>
+            </a:r>
+            <a:r>
+              <a:rPr lang="en-IN" sz="1800" dirty="0" smtClean="0"/>
+              <a:t>condition has </a:t>
+            </a:r>
+            <a:r>
+              <a:rPr lang="en-IN" sz="1800" dirty="0"/>
+              <a:t>occurred</a:t>
+            </a:r>
+            <a:r>
+              <a:rPr lang="en-IN" sz="1800" dirty="0" smtClean="0"/>
+              <a:t>.</a:t>
+            </a:r>
+          </a:p>
+          <a:p>
+            <a:pPr marL="0" indent="0">
+              <a:buNone/>
+            </a:pPr>
+            <a:endParaRPr lang="en-IN" sz="1800" dirty="0"/>
+          </a:p>
+          <a:p>
+            <a:pPr marL="0" indent="0">
+              <a:buNone/>
+            </a:pPr>
+            <a:r>
+              <a:rPr lang="en-IN" sz="1800" b="1" i="1" dirty="0" err="1"/>
+              <a:t>ArrayIndexOutOfBoundsException</a:t>
+            </a:r>
+            <a:endParaRPr lang="en-IN" sz="1800" b="1" i="1" dirty="0"/>
+          </a:p>
+          <a:p>
+            <a:pPr marL="0" indent="0">
+              <a:buNone/>
+            </a:pPr>
+            <a:r>
+              <a:rPr lang="en-IN" sz="1800" dirty="0"/>
+              <a:t>Thrown to indicate index out of range</a:t>
+            </a:r>
+            <a:r>
+              <a:rPr lang="en-IN" sz="1800" dirty="0" smtClean="0"/>
+              <a:t>.</a:t>
+            </a:r>
+          </a:p>
+          <a:p>
+            <a:pPr marL="0" indent="0">
+              <a:buNone/>
+            </a:pPr>
+            <a:endParaRPr lang="en-IN" sz="1800" dirty="0"/>
+          </a:p>
+          <a:p>
+            <a:pPr marL="0" indent="0">
+              <a:buNone/>
+            </a:pPr>
+            <a:r>
+              <a:rPr lang="en-IN" sz="1800" b="1" i="1" dirty="0" err="1"/>
+              <a:t>ClassCastException</a:t>
+            </a:r>
+            <a:endParaRPr lang="en-IN" sz="1800" b="1" i="1" dirty="0"/>
+          </a:p>
+          <a:p>
+            <a:pPr marL="0" indent="0">
+              <a:buNone/>
+            </a:pPr>
+            <a:r>
+              <a:rPr lang="en-IN" sz="1800" dirty="0"/>
+              <a:t>Thrown to indicate an attempt to cast an object to a </a:t>
+            </a:r>
+            <a:r>
+              <a:rPr lang="en-IN" sz="1800" dirty="0" smtClean="0"/>
+              <a:t>subclass of </a:t>
+            </a:r>
+            <a:r>
+              <a:rPr lang="en-IN" sz="1800" dirty="0"/>
+              <a:t>which it is not an instance.</a:t>
+            </a:r>
+          </a:p>
+          <a:p>
+            <a:pPr marL="0" indent="0">
+              <a:buNone/>
+            </a:pPr>
+            <a:endParaRPr lang="en-IN" sz="1800" dirty="0" smtClean="0"/>
+          </a:p>
+          <a:p>
+            <a:pPr marL="0" indent="0">
+              <a:buNone/>
+            </a:pPr>
+            <a:r>
+              <a:rPr lang="en-IN" sz="1800" b="1" i="1" dirty="0" err="1" smtClean="0"/>
+              <a:t>DateTimeException</a:t>
+            </a:r>
+            <a:endParaRPr lang="en-IN" sz="1800" b="1" i="1" dirty="0"/>
+          </a:p>
+          <a:p>
+            <a:pPr marL="0" indent="0">
+              <a:buNone/>
+            </a:pPr>
+            <a:r>
+              <a:rPr lang="en-IN" sz="1800" dirty="0"/>
+              <a:t>Thrown to indicate problems with creating, querying, </a:t>
+            </a:r>
+            <a:r>
+              <a:rPr lang="en-IN" sz="1800" dirty="0" smtClean="0"/>
+              <a:t>and manipulating </a:t>
+            </a:r>
+            <a:r>
+              <a:rPr lang="en-IN" sz="1800" dirty="0"/>
+              <a:t>date-time objects</a:t>
+            </a:r>
+            <a:r>
+              <a:rPr lang="en-IN" sz="1800" dirty="0" smtClean="0"/>
+              <a:t>.</a:t>
+            </a:r>
+          </a:p>
+        </p:txBody>
+      </p:sp>
+    </p:spTree>
+    <p:extLst>
+      <p:ext uri="{BB962C8B-B14F-4D97-AF65-F5344CB8AC3E}">
+        <p14:creationId xmlns:p14="http://schemas.microsoft.com/office/powerpoint/2010/main" val="3351664338"/>
+      </p:ext>
+    </p:extLst>
+  </p:cSld>
+  <p:clrMapOvr>
+    <a:masterClrMapping/>
+  </p:clrMapOvr>
+</p:sld>
+</file>
+
+<file path=ppt/slides/slide95.xml><?xml version="1.0" encoding="utf-8"?>
+<p:sld xmlns:a="http://schemas.openxmlformats.org/drawingml/2006/main" xmlns:r="http://schemas.openxmlformats.org/officeDocument/2006/relationships" xmlns:p="http://schemas.openxmlformats.org/presentationml/2006/main">
+  <p:cSld>
+    <p:spTree>
+      <p:nvGrpSpPr>
+        <p:cNvPr id="1" name=""/>
+        <p:cNvGrpSpPr/>
+        <p:nvPr/>
+      </p:nvGrpSpPr>
+      <p:grpSpPr>
+        <a:xfrm>
+          <a:off x="0" y="0"/>
+          <a:ext cx="0" cy="0"/>
+          <a:chOff x="0" y="0"/>
+          <a:chExt cx="0" cy="0"/>
+        </a:xfrm>
+      </p:grpSpPr>
+      <p:sp>
+        <p:nvSpPr>
+          <p:cNvPr id="2" name="Title 1"/>
+          <p:cNvSpPr>
+            <a:spLocks noGrp="1"/>
+          </p:cNvSpPr>
+          <p:nvPr>
+            <p:ph type="title"/>
+          </p:nvPr>
+        </p:nvSpPr>
+        <p:spPr/>
+        <p:txBody>
+          <a:bodyPr/>
+          <a:lstStyle/>
+          <a:p>
+            <a:r>
+              <a:rPr lang="en-IN" dirty="0" smtClean="0"/>
+              <a:t>Continued…</a:t>
+            </a:r>
+            <a:endParaRPr lang="en-IN" dirty="0"/>
+          </a:p>
+        </p:txBody>
+      </p:sp>
+      <p:sp>
+        <p:nvSpPr>
+          <p:cNvPr id="3" name="Content Placeholder 2"/>
+          <p:cNvSpPr>
+            <a:spLocks noGrp="1"/>
+          </p:cNvSpPr>
+          <p:nvPr>
+            <p:ph idx="1"/>
+          </p:nvPr>
+        </p:nvSpPr>
+        <p:spPr>
+          <a:xfrm>
+            <a:off x="838200" y="1403797"/>
+            <a:ext cx="10515600" cy="4773166"/>
+          </a:xfrm>
+        </p:spPr>
+        <p:txBody>
+          <a:bodyPr>
+            <a:normAutofit fontScale="70000" lnSpcReduction="20000"/>
+          </a:bodyPr>
+          <a:lstStyle/>
+          <a:p>
+            <a:pPr marL="0" indent="0">
+              <a:buNone/>
+            </a:pPr>
+            <a:r>
+              <a:rPr lang="en-IN" b="1" i="1" dirty="0" err="1" smtClean="0"/>
+              <a:t>IllegalArgumentException</a:t>
+            </a:r>
+            <a:endParaRPr lang="en-IN" b="1" i="1" dirty="0"/>
+          </a:p>
+          <a:p>
+            <a:pPr marL="0" indent="0">
+              <a:buNone/>
+            </a:pPr>
+            <a:r>
+              <a:rPr lang="en-IN" dirty="0"/>
+              <a:t>Thrown to indicate that an invalid argument has been passed to a method.</a:t>
+            </a:r>
+          </a:p>
+          <a:p>
+            <a:pPr marL="0" indent="0">
+              <a:buNone/>
+            </a:pPr>
+            <a:endParaRPr lang="en-IN" b="1" i="1" dirty="0" smtClean="0"/>
+          </a:p>
+          <a:p>
+            <a:pPr marL="0" indent="0">
+              <a:buNone/>
+            </a:pPr>
+            <a:r>
+              <a:rPr lang="en-IN" b="1" i="1" dirty="0" err="1" smtClean="0"/>
+              <a:t>IllegalStateException</a:t>
+            </a:r>
+            <a:endParaRPr lang="en-IN" b="1" i="1" dirty="0"/>
+          </a:p>
+          <a:p>
+            <a:pPr marL="0" indent="0">
+              <a:buNone/>
+            </a:pPr>
+            <a:r>
+              <a:rPr lang="en-IN" dirty="0"/>
+              <a:t>Thrown to indicate that a method has been called at an </a:t>
+            </a:r>
+            <a:r>
+              <a:rPr lang="en-IN" dirty="0" smtClean="0"/>
+              <a:t>inappropriate time.</a:t>
+            </a:r>
+          </a:p>
+          <a:p>
+            <a:pPr marL="0" indent="0">
+              <a:buNone/>
+            </a:pPr>
+            <a:endParaRPr lang="en-IN" dirty="0"/>
+          </a:p>
+          <a:p>
+            <a:pPr marL="0" indent="0">
+              <a:buNone/>
+            </a:pPr>
+            <a:r>
+              <a:rPr lang="en-IN" b="1" i="1" dirty="0" err="1"/>
+              <a:t>IndexOutOfBoundsException</a:t>
+            </a:r>
+            <a:endParaRPr lang="en-IN" b="1" i="1" dirty="0"/>
+          </a:p>
+          <a:p>
+            <a:pPr marL="0" indent="0">
+              <a:buNone/>
+            </a:pPr>
+            <a:r>
+              <a:rPr lang="en-IN" dirty="0"/>
+              <a:t>Thrown to indicate that an index is out of range</a:t>
+            </a:r>
+            <a:r>
+              <a:rPr lang="en-IN" dirty="0" smtClean="0"/>
+              <a:t>.</a:t>
+            </a:r>
+          </a:p>
+          <a:p>
+            <a:pPr marL="0" indent="0">
+              <a:buNone/>
+            </a:pPr>
+            <a:endParaRPr lang="en-IN" dirty="0"/>
+          </a:p>
+          <a:p>
+            <a:pPr marL="0" indent="0">
+              <a:buNone/>
+            </a:pPr>
+            <a:r>
+              <a:rPr lang="en-IN" b="1" i="1" dirty="0" err="1"/>
+              <a:t>NullPointerException</a:t>
+            </a:r>
+            <a:endParaRPr lang="en-IN" b="1" i="1" dirty="0"/>
+          </a:p>
+          <a:p>
+            <a:pPr marL="0" indent="0">
+              <a:buNone/>
+            </a:pPr>
+            <a:r>
+              <a:rPr lang="en-IN" dirty="0"/>
+              <a:t>Thrown when code references a null object but a </a:t>
+            </a:r>
+            <a:r>
+              <a:rPr lang="en-IN" dirty="0" smtClean="0"/>
+              <a:t>non-null object </a:t>
+            </a:r>
+            <a:r>
+              <a:rPr lang="en-IN" dirty="0"/>
+              <a:t>is required</a:t>
+            </a:r>
+            <a:r>
+              <a:rPr lang="en-IN" dirty="0" smtClean="0"/>
+              <a:t>.</a:t>
+            </a:r>
+          </a:p>
+          <a:p>
+            <a:pPr marL="0" indent="0">
+              <a:buNone/>
+            </a:pPr>
+            <a:endParaRPr lang="en-IN" dirty="0"/>
+          </a:p>
+          <a:p>
+            <a:pPr marL="0" indent="0">
+              <a:buNone/>
+            </a:pPr>
+            <a:r>
+              <a:rPr lang="en-IN" b="1" i="1" dirty="0" err="1"/>
+              <a:t>NumberFormatException</a:t>
+            </a:r>
+            <a:endParaRPr lang="en-IN" b="1" i="1" dirty="0"/>
+          </a:p>
+          <a:p>
+            <a:pPr marL="0" indent="0">
+              <a:buNone/>
+            </a:pPr>
+            <a:r>
+              <a:rPr lang="en-IN" dirty="0"/>
+              <a:t>Thrown to indicate an invalid attempt to convert a string </a:t>
+            </a:r>
+            <a:r>
+              <a:rPr lang="en-IN" dirty="0" smtClean="0"/>
+              <a:t>to a </a:t>
+            </a:r>
+            <a:r>
+              <a:rPr lang="en-IN" dirty="0"/>
+              <a:t>numeric type.</a:t>
+            </a:r>
+          </a:p>
+          <a:p>
+            <a:pPr marL="0" indent="0">
+              <a:buNone/>
+            </a:pPr>
+            <a:endParaRPr lang="en-IN" dirty="0"/>
+          </a:p>
+        </p:txBody>
+      </p:sp>
+    </p:spTree>
+    <p:extLst>
+      <p:ext uri="{BB962C8B-B14F-4D97-AF65-F5344CB8AC3E}">
+        <p14:creationId xmlns:p14="http://schemas.microsoft.com/office/powerpoint/2010/main" val="1541570237"/>
+      </p:ext>
+    </p:extLst>
+  </p:cSld>
+  <p:clrMapOvr>
+    <a:masterClrMapping/>
+  </p:clrMapOvr>
+</p:sld>
+</file>
+
+<file path=ppt/slides/slide96.xml><?xml version="1.0" encoding="utf-8"?>
+<p:sld xmlns:a="http://schemas.openxmlformats.org/drawingml/2006/main" xmlns:r="http://schemas.openxmlformats.org/officeDocument/2006/relationships" xmlns:p="http://schemas.openxmlformats.org/presentationml/2006/main">
+  <p:cSld>
+    <p:spTree>
+      <p:nvGrpSpPr>
+        <p:cNvPr id="1" name=""/>
+        <p:cNvGrpSpPr/>
+        <p:nvPr/>
+      </p:nvGrpSpPr>
+      <p:grpSpPr>
+        <a:xfrm>
+          <a:off x="0" y="0"/>
+          <a:ext cx="0" cy="0"/>
+          <a:chOff x="0" y="0"/>
+          <a:chExt cx="0" cy="0"/>
+        </a:xfrm>
+      </p:grpSpPr>
+      <p:sp>
+        <p:nvSpPr>
+          <p:cNvPr id="2" name="Title 1"/>
+          <p:cNvSpPr>
+            <a:spLocks noGrp="1"/>
+          </p:cNvSpPr>
+          <p:nvPr>
+            <p:ph type="title"/>
+          </p:nvPr>
+        </p:nvSpPr>
+        <p:spPr/>
+        <p:txBody>
+          <a:bodyPr/>
+          <a:lstStyle/>
+          <a:p>
+            <a:r>
+              <a:rPr lang="en-IN" dirty="0"/>
+              <a:t>Common Errors</a:t>
+            </a:r>
+            <a:endParaRPr lang="en-IN" dirty="0"/>
+          </a:p>
+        </p:txBody>
+      </p:sp>
+      <p:sp>
+        <p:nvSpPr>
+          <p:cNvPr id="3" name="Content Placeholder 2"/>
+          <p:cNvSpPr>
+            <a:spLocks noGrp="1"/>
+          </p:cNvSpPr>
+          <p:nvPr>
+            <p:ph idx="1"/>
+          </p:nvPr>
+        </p:nvSpPr>
+        <p:spPr>
+          <a:xfrm>
+            <a:off x="838200" y="1337614"/>
+            <a:ext cx="10515600" cy="5269248"/>
+          </a:xfrm>
+        </p:spPr>
+        <p:txBody>
+          <a:bodyPr>
+            <a:noAutofit/>
+          </a:bodyPr>
+          <a:lstStyle/>
+          <a:p>
+            <a:pPr marL="0" indent="0">
+              <a:buNone/>
+            </a:pPr>
+            <a:r>
+              <a:rPr lang="en-IN" sz="2000" b="1" i="1" dirty="0" err="1"/>
+              <a:t>AssertionError</a:t>
+            </a:r>
+            <a:endParaRPr lang="en-IN" sz="2000" b="1" i="1" dirty="0"/>
+          </a:p>
+          <a:p>
+            <a:pPr marL="0" indent="0">
+              <a:buNone/>
+            </a:pPr>
+            <a:r>
+              <a:rPr lang="en-IN" sz="2000" dirty="0"/>
+              <a:t>Thrown to indicate that an assertion failed</a:t>
+            </a:r>
+            <a:r>
+              <a:rPr lang="en-IN" sz="2000" dirty="0" smtClean="0"/>
+              <a:t>.</a:t>
+            </a:r>
+          </a:p>
+          <a:p>
+            <a:pPr marL="0" indent="0">
+              <a:buNone/>
+            </a:pPr>
+            <a:endParaRPr lang="en-IN" sz="2000" dirty="0"/>
+          </a:p>
+          <a:p>
+            <a:pPr marL="0" indent="0">
+              <a:buNone/>
+            </a:pPr>
+            <a:r>
+              <a:rPr lang="en-IN" sz="2000" b="1" i="1" dirty="0" err="1"/>
+              <a:t>ExceptionInInitializeError</a:t>
+            </a:r>
+            <a:endParaRPr lang="en-IN" sz="2000" b="1" i="1" dirty="0"/>
+          </a:p>
+          <a:p>
+            <a:pPr marL="0" indent="0">
+              <a:buNone/>
+            </a:pPr>
+            <a:r>
+              <a:rPr lang="en-IN" sz="2000" dirty="0"/>
+              <a:t>Thrown to indicate an unexpected exception in a static initializer</a:t>
+            </a:r>
+            <a:r>
+              <a:rPr lang="en-IN" sz="2000" dirty="0" smtClean="0"/>
+              <a:t>.</a:t>
+            </a:r>
+          </a:p>
+          <a:p>
+            <a:pPr marL="0" indent="0">
+              <a:buNone/>
+            </a:pPr>
+            <a:endParaRPr lang="en-IN" sz="2000" dirty="0"/>
+          </a:p>
+          <a:p>
+            <a:pPr marL="0" indent="0">
+              <a:buNone/>
+            </a:pPr>
+            <a:r>
+              <a:rPr lang="en-IN" sz="2000" b="1" i="1" dirty="0" err="1"/>
+              <a:t>VirtualMachineError</a:t>
+            </a:r>
+            <a:endParaRPr lang="en-IN" sz="2000" b="1" i="1" dirty="0"/>
+          </a:p>
+          <a:p>
+            <a:pPr marL="0" indent="0">
+              <a:buNone/>
+            </a:pPr>
+            <a:r>
+              <a:rPr lang="en-IN" sz="2000" dirty="0"/>
+              <a:t>Thrown to indicate a problem with the JVM</a:t>
+            </a:r>
+            <a:r>
+              <a:rPr lang="en-IN" sz="2000" dirty="0" smtClean="0"/>
+              <a:t>.</a:t>
+            </a:r>
+          </a:p>
+          <a:p>
+            <a:pPr marL="0" indent="0">
+              <a:buNone/>
+            </a:pPr>
+            <a:endParaRPr lang="en-IN" sz="2000" dirty="0"/>
+          </a:p>
+          <a:p>
+            <a:pPr marL="0" indent="0">
+              <a:buNone/>
+            </a:pPr>
+            <a:r>
+              <a:rPr lang="en-IN" sz="2000" b="1" i="1" dirty="0" err="1"/>
+              <a:t>OutOfMemoryError</a:t>
+            </a:r>
+            <a:endParaRPr lang="en-IN" sz="2000" b="1" i="1" dirty="0"/>
+          </a:p>
+          <a:p>
+            <a:pPr marL="0" indent="0">
+              <a:buNone/>
+            </a:pPr>
+            <a:r>
+              <a:rPr lang="en-IN" sz="2000" dirty="0"/>
+              <a:t>Thrown when there is no more memory available to </a:t>
+            </a:r>
+            <a:r>
+              <a:rPr lang="en-IN" sz="2000" dirty="0" smtClean="0"/>
+              <a:t>allocate an </a:t>
+            </a:r>
+            <a:r>
+              <a:rPr lang="en-IN" sz="2000" dirty="0"/>
+              <a:t>object or perform garbage collection</a:t>
+            </a:r>
+            <a:r>
+              <a:rPr lang="en-IN" sz="2000" dirty="0" smtClean="0"/>
+              <a:t>.</a:t>
+            </a:r>
+            <a:endParaRPr lang="en-IN" sz="2000" dirty="0"/>
+          </a:p>
+        </p:txBody>
+      </p:sp>
+    </p:spTree>
+    <p:extLst>
+      <p:ext uri="{BB962C8B-B14F-4D97-AF65-F5344CB8AC3E}">
+        <p14:creationId xmlns:p14="http://schemas.microsoft.com/office/powerpoint/2010/main" val="1146049652"/>
+      </p:ext>
+    </p:extLst>
+  </p:cSld>
+  <p:clrMapOvr>
+    <a:masterClrMapping/>
+  </p:clrMapOvr>
+</p:sld>
+</file>
+
+<file path=ppt/slides/slide97.xml><?xml version="1.0" encoding="utf-8"?>
+<p:sld xmlns:a="http://schemas.openxmlformats.org/drawingml/2006/main" xmlns:r="http://schemas.openxmlformats.org/officeDocument/2006/relationships" xmlns:p="http://schemas.openxmlformats.org/presentationml/2006/main">
+  <p:cSld>
+    <p:spTree>
+      <p:nvGrpSpPr>
+        <p:cNvPr id="1" name=""/>
+        <p:cNvGrpSpPr/>
+        <p:nvPr/>
+      </p:nvGrpSpPr>
+      <p:grpSpPr>
+        <a:xfrm>
+          <a:off x="0" y="0"/>
+          <a:ext cx="0" cy="0"/>
+          <a:chOff x="0" y="0"/>
+          <a:chExt cx="0" cy="0"/>
+        </a:xfrm>
+      </p:grpSpPr>
+      <p:sp>
+        <p:nvSpPr>
+          <p:cNvPr id="2" name="Title 1"/>
+          <p:cNvSpPr>
+            <a:spLocks noGrp="1"/>
+          </p:cNvSpPr>
+          <p:nvPr>
+            <p:ph type="title"/>
+          </p:nvPr>
+        </p:nvSpPr>
+        <p:spPr/>
+        <p:txBody>
+          <a:bodyPr/>
+          <a:lstStyle/>
+          <a:p>
+            <a:r>
+              <a:rPr lang="en-IN" dirty="0" smtClean="0"/>
+              <a:t>Continued…</a:t>
+            </a:r>
+            <a:endParaRPr lang="en-IN" dirty="0"/>
+          </a:p>
+        </p:txBody>
+      </p:sp>
+      <p:sp>
+        <p:nvSpPr>
+          <p:cNvPr id="3" name="Content Placeholder 2"/>
+          <p:cNvSpPr>
+            <a:spLocks noGrp="1"/>
+          </p:cNvSpPr>
+          <p:nvPr>
+            <p:ph idx="1"/>
+          </p:nvPr>
+        </p:nvSpPr>
+        <p:spPr/>
+        <p:txBody>
+          <a:bodyPr>
+            <a:normAutofit/>
+          </a:bodyPr>
+          <a:lstStyle/>
+          <a:p>
+            <a:pPr marL="0" indent="0">
+              <a:buNone/>
+            </a:pPr>
+            <a:r>
+              <a:rPr lang="en-IN" sz="2000" b="1" i="1" dirty="0" err="1"/>
+              <a:t>NoClassDefFoundError</a:t>
+            </a:r>
+            <a:endParaRPr lang="en-IN" sz="2000" b="1" i="1" dirty="0"/>
+          </a:p>
+          <a:p>
+            <a:pPr marL="0" indent="0">
+              <a:buNone/>
+            </a:pPr>
+            <a:r>
+              <a:rPr lang="en-IN" sz="2000" dirty="0"/>
+              <a:t>Thrown when the JVM cannot find a class definition </a:t>
+            </a:r>
+            <a:r>
+              <a:rPr lang="en-IN" sz="2000" dirty="0" smtClean="0"/>
+              <a:t>that was </a:t>
+            </a:r>
+            <a:r>
+              <a:rPr lang="en-IN" sz="2000" dirty="0"/>
+              <a:t>found at compile time.</a:t>
+            </a:r>
+          </a:p>
+          <a:p>
+            <a:pPr marL="0" indent="0">
+              <a:buNone/>
+            </a:pPr>
+            <a:endParaRPr lang="en-IN" sz="2000" dirty="0" smtClean="0"/>
+          </a:p>
+          <a:p>
+            <a:pPr marL="0" indent="0">
+              <a:buNone/>
+            </a:pPr>
+            <a:r>
+              <a:rPr lang="en-IN" sz="2000" b="1" i="1" dirty="0" err="1" smtClean="0"/>
+              <a:t>StackOverflowError</a:t>
+            </a:r>
+            <a:endParaRPr lang="en-IN" sz="2000" b="1" i="1" dirty="0"/>
+          </a:p>
+          <a:p>
+            <a:pPr marL="0" indent="0">
+              <a:buNone/>
+            </a:pPr>
+            <a:r>
+              <a:rPr lang="en-IN" sz="2000" dirty="0"/>
+              <a:t>Thrown to indicate that a stack overflow occurs.</a:t>
+            </a:r>
+          </a:p>
+          <a:p>
+            <a:pPr marL="0" indent="0">
+              <a:buNone/>
+            </a:pPr>
+            <a:endParaRPr lang="en-IN" sz="2000" dirty="0"/>
+          </a:p>
+        </p:txBody>
+      </p:sp>
+    </p:spTree>
+    <p:extLst>
+      <p:ext uri="{BB962C8B-B14F-4D97-AF65-F5344CB8AC3E}">
+        <p14:creationId xmlns:p14="http://schemas.microsoft.com/office/powerpoint/2010/main" val="903179116"/>
+      </p:ext>
+    </p:extLst>
+  </p:cSld>
+  <p:clrMapOvr>
+    <a:masterClrMapping/>
+  </p:clrMapOvr>
+</p:sld>
+</file>
+
+<file path=ppt/slides/slide98.xml><?xml version="1.0" encoding="utf-8"?>
+<p:sld xmlns:a="http://schemas.openxmlformats.org/drawingml/2006/main" xmlns:r="http://schemas.openxmlformats.org/officeDocument/2006/relationships" xmlns:p="http://schemas.openxmlformats.org/presentationml/2006/main">
+  <p:cSld>
+    <p:spTree>
+      <p:nvGrpSpPr>
+        <p:cNvPr id="1" name=""/>
+        <p:cNvGrpSpPr/>
+        <p:nvPr/>
+      </p:nvGrpSpPr>
+      <p:grpSpPr>
+        <a:xfrm>
+          <a:off x="0" y="0"/>
+          <a:ext cx="0" cy="0"/>
+          <a:chOff x="0" y="0"/>
+          <a:chExt cx="0" cy="0"/>
+        </a:xfrm>
+      </p:grpSpPr>
+      <p:sp>
+        <p:nvSpPr>
+          <p:cNvPr id="2" name="Title 1"/>
+          <p:cNvSpPr>
+            <a:spLocks noGrp="1"/>
+          </p:cNvSpPr>
+          <p:nvPr>
+            <p:ph type="title"/>
+          </p:nvPr>
+        </p:nvSpPr>
+        <p:spPr/>
+        <p:txBody>
+          <a:bodyPr/>
+          <a:lstStyle/>
+          <a:p>
+            <a:r>
+              <a:rPr lang="en-IN" dirty="0"/>
+              <a:t>Exception Handling Keywords</a:t>
+            </a:r>
+            <a:endParaRPr lang="en-IN" dirty="0"/>
+          </a:p>
+        </p:txBody>
+      </p:sp>
+      <p:sp>
+        <p:nvSpPr>
+          <p:cNvPr id="3" name="Content Placeholder 2"/>
+          <p:cNvSpPr>
+            <a:spLocks noGrp="1"/>
+          </p:cNvSpPr>
+          <p:nvPr>
+            <p:ph idx="1"/>
+          </p:nvPr>
+        </p:nvSpPr>
+        <p:spPr/>
+        <p:txBody>
+          <a:bodyPr/>
+          <a:lstStyle/>
+          <a:p>
+            <a:pPr marL="0" indent="0">
+              <a:buNone/>
+            </a:pPr>
+            <a:r>
+              <a:rPr lang="en-IN" dirty="0"/>
+              <a:t>E</a:t>
+            </a:r>
+            <a:r>
+              <a:rPr lang="en-IN" dirty="0" smtClean="0"/>
+              <a:t>rror-handling </a:t>
+            </a:r>
+            <a:r>
+              <a:rPr lang="en-IN" dirty="0"/>
+              <a:t>code is cleanly separated from </a:t>
+            </a:r>
+            <a:r>
+              <a:rPr lang="en-IN" dirty="0" smtClean="0"/>
+              <a:t>error generating code</a:t>
+            </a:r>
+            <a:r>
+              <a:rPr lang="en-IN" dirty="0"/>
+              <a:t>. </a:t>
+            </a:r>
+            <a:endParaRPr lang="en-IN" dirty="0" smtClean="0"/>
+          </a:p>
+          <a:p>
+            <a:pPr marL="0" indent="0">
+              <a:buNone/>
+            </a:pPr>
+            <a:r>
+              <a:rPr lang="en-IN" dirty="0" smtClean="0"/>
+              <a:t>Code </a:t>
+            </a:r>
+            <a:r>
+              <a:rPr lang="en-IN" dirty="0"/>
+              <a:t>that generates the exception is said </a:t>
+            </a:r>
+            <a:r>
+              <a:rPr lang="en-IN" dirty="0" smtClean="0"/>
+              <a:t>to “</a:t>
+            </a:r>
+            <a:r>
+              <a:rPr lang="en-IN" dirty="0"/>
+              <a:t>throw” an exception, whereas code that handles the </a:t>
+            </a:r>
+            <a:r>
+              <a:rPr lang="en-IN" dirty="0" smtClean="0"/>
+              <a:t>exception is </a:t>
+            </a:r>
+            <a:r>
+              <a:rPr lang="en-IN" dirty="0"/>
+              <a:t>said to “catch” the </a:t>
+            </a:r>
+            <a:r>
+              <a:rPr lang="en-IN" dirty="0" smtClean="0"/>
+              <a:t>exception</a:t>
+            </a:r>
+          </a:p>
+          <a:p>
+            <a:pPr marL="0" indent="0">
+              <a:buNone/>
+            </a:pPr>
+            <a:endParaRPr lang="en-IN" dirty="0"/>
+          </a:p>
+          <a:p>
+            <a:pPr marL="0" indent="0">
+              <a:buNone/>
+            </a:pPr>
+            <a:endParaRPr lang="en-IN" dirty="0" smtClean="0"/>
+          </a:p>
+          <a:p>
+            <a:pPr marL="0" indent="0">
+              <a:buNone/>
+            </a:pPr>
+            <a:r>
+              <a:rPr lang="en-IN" dirty="0" smtClean="0"/>
+              <a:t>Example to continue…</a:t>
+            </a:r>
+            <a:endParaRPr lang="en-IN" dirty="0"/>
+          </a:p>
+        </p:txBody>
+      </p:sp>
+    </p:spTree>
+    <p:extLst>
+      <p:ext uri="{BB962C8B-B14F-4D97-AF65-F5344CB8AC3E}">
+        <p14:creationId xmlns:p14="http://schemas.microsoft.com/office/powerpoint/2010/main" val="2547894137"/>
+      </p:ext>
+    </p:extLst>
+  </p:cSld>
+  <p:clrMapOvr>
+    <a:masterClrMapping/>
+  </p:clrMapOvr>
+</p:sld>
+</file>
+
+<file path=ppt/slides/slide99.xml><?xml version="1.0" encoding="utf-8"?>
+<p:sld xmlns:a="http://schemas.openxmlformats.org/drawingml/2006/main" xmlns:r="http://schemas.openxmlformats.org/officeDocument/2006/relationships" xmlns:p="http://schemas.openxmlformats.org/presentationml/2006/main">
+  <p:cSld>
+    <p:spTree>
+      <p:nvGrpSpPr>
+        <p:cNvPr id="1" name=""/>
+        <p:cNvGrpSpPr/>
+        <p:nvPr/>
+      </p:nvGrpSpPr>
+      <p:grpSpPr>
+        <a:xfrm>
+          <a:off x="0" y="0"/>
+          <a:ext cx="0" cy="0"/>
+          <a:chOff x="0" y="0"/>
+          <a:chExt cx="0" cy="0"/>
+        </a:xfrm>
+      </p:grpSpPr>
+      <p:sp>
+        <p:nvSpPr>
+          <p:cNvPr id="3" name="Content Placeholder 2"/>
+          <p:cNvSpPr>
+            <a:spLocks noGrp="1"/>
+          </p:cNvSpPr>
+          <p:nvPr>
+            <p:ph idx="1"/>
+          </p:nvPr>
+        </p:nvSpPr>
+        <p:spPr>
+          <a:xfrm>
+            <a:off x="838200" y="90152"/>
+            <a:ext cx="10515600" cy="6490952"/>
+          </a:xfrm>
+        </p:spPr>
+        <p:txBody>
+          <a:bodyPr>
+            <a:noAutofit/>
+          </a:bodyPr>
+          <a:lstStyle/>
+          <a:p>
+            <a:pPr marL="0" indent="0">
+              <a:buNone/>
+            </a:pPr>
+            <a:r>
+              <a:rPr lang="en-IN" sz="2200" i="1" dirty="0"/>
+              <a:t>// Declare an exception</a:t>
+            </a:r>
+          </a:p>
+          <a:p>
+            <a:pPr marL="0" indent="0">
+              <a:buNone/>
+            </a:pPr>
+            <a:r>
+              <a:rPr lang="en-IN" sz="2200" b="1" dirty="0"/>
+              <a:t>public void </a:t>
+            </a:r>
+            <a:r>
+              <a:rPr lang="en-IN" sz="2200" dirty="0" err="1"/>
+              <a:t>methodA</a:t>
+            </a:r>
+            <a:r>
+              <a:rPr lang="en-IN" sz="2200" dirty="0"/>
+              <a:t>() </a:t>
+            </a:r>
+            <a:r>
+              <a:rPr lang="en-IN" sz="2200" b="1" dirty="0"/>
+              <a:t>throws </a:t>
+            </a:r>
+            <a:r>
+              <a:rPr lang="en-IN" sz="2200" dirty="0" err="1"/>
+              <a:t>IOException</a:t>
+            </a:r>
+            <a:r>
+              <a:rPr lang="en-IN" sz="2200" dirty="0"/>
+              <a:t> {</a:t>
+            </a:r>
+          </a:p>
+          <a:p>
+            <a:pPr marL="457200" lvl="1" indent="0">
+              <a:buNone/>
+            </a:pPr>
+            <a:r>
+              <a:rPr lang="en-IN" sz="2200" dirty="0"/>
+              <a:t>...</a:t>
+            </a:r>
+          </a:p>
+          <a:p>
+            <a:pPr marL="457200" lvl="1" indent="0">
+              <a:buNone/>
+            </a:pPr>
+            <a:r>
+              <a:rPr lang="en-IN" sz="2200" b="1" dirty="0"/>
+              <a:t>throw new </a:t>
+            </a:r>
+            <a:r>
+              <a:rPr lang="en-IN" sz="2200" dirty="0" err="1"/>
+              <a:t>IOException</a:t>
+            </a:r>
+            <a:r>
+              <a:rPr lang="en-IN" sz="2200" dirty="0"/>
+              <a:t>();</a:t>
+            </a:r>
+          </a:p>
+          <a:p>
+            <a:pPr marL="457200" lvl="1" indent="0">
+              <a:buNone/>
+            </a:pPr>
+            <a:r>
+              <a:rPr lang="en-IN" sz="2200" dirty="0"/>
+              <a:t>...</a:t>
+            </a:r>
+          </a:p>
+          <a:p>
+            <a:pPr marL="0" indent="0">
+              <a:buNone/>
+            </a:pPr>
+            <a:r>
+              <a:rPr lang="en-IN" sz="2200" dirty="0"/>
+              <a:t>}</a:t>
+            </a:r>
+          </a:p>
+          <a:p>
+            <a:pPr marL="0" indent="0">
+              <a:buNone/>
+            </a:pPr>
+            <a:r>
+              <a:rPr lang="en-IN" sz="2200" i="1" dirty="0"/>
+              <a:t>// Catch an exception</a:t>
+            </a:r>
+          </a:p>
+          <a:p>
+            <a:pPr marL="0" indent="0">
+              <a:buNone/>
+            </a:pPr>
+            <a:r>
+              <a:rPr lang="en-IN" sz="2200" b="1" dirty="0"/>
+              <a:t>public void </a:t>
+            </a:r>
+            <a:r>
+              <a:rPr lang="en-IN" sz="2200" dirty="0" err="1"/>
+              <a:t>methodB</a:t>
+            </a:r>
+            <a:r>
+              <a:rPr lang="en-IN" sz="2200" dirty="0"/>
+              <a:t>() </a:t>
+            </a:r>
+            <a:r>
+              <a:rPr lang="en-IN" sz="2200" dirty="0" smtClean="0"/>
+              <a:t>{</a:t>
+            </a:r>
+            <a:endParaRPr lang="en-IN" sz="2200" dirty="0"/>
+          </a:p>
+          <a:p>
+            <a:pPr marL="457200" lvl="1" indent="0">
+              <a:buNone/>
+            </a:pPr>
+            <a:r>
+              <a:rPr lang="en-IN" sz="2200" i="1" dirty="0"/>
+              <a:t>/* Call to </a:t>
+            </a:r>
+            <a:r>
+              <a:rPr lang="en-IN" sz="2200" i="1" dirty="0" err="1"/>
+              <a:t>methodA</a:t>
+            </a:r>
+            <a:r>
+              <a:rPr lang="en-IN" sz="2200" i="1" dirty="0"/>
+              <a:t> must be in a try/catch </a:t>
+            </a:r>
+            <a:r>
+              <a:rPr lang="en-IN" sz="2200" i="1" dirty="0" smtClean="0"/>
+              <a:t>block since </a:t>
+            </a:r>
+            <a:r>
+              <a:rPr lang="en-IN" sz="2200" i="1" dirty="0"/>
+              <a:t>the exception is a checked exception</a:t>
+            </a:r>
+            <a:r>
+              <a:rPr lang="en-IN" sz="2200" i="1" dirty="0" smtClean="0"/>
+              <a:t>; otherwise </a:t>
+            </a:r>
+            <a:r>
+              <a:rPr lang="en-IN" sz="2200" i="1" dirty="0" err="1"/>
+              <a:t>methodB</a:t>
+            </a:r>
+            <a:r>
+              <a:rPr lang="en-IN" sz="2200" i="1" dirty="0"/>
+              <a:t> could throw the exception */</a:t>
+            </a:r>
+          </a:p>
+          <a:p>
+            <a:pPr marL="457200" lvl="1" indent="0">
+              <a:buNone/>
+            </a:pPr>
+            <a:r>
+              <a:rPr lang="en-IN" sz="2200" b="1" dirty="0"/>
+              <a:t>try </a:t>
+            </a:r>
+            <a:r>
+              <a:rPr lang="en-IN" sz="2200" dirty="0"/>
+              <a:t>{</a:t>
+            </a:r>
+          </a:p>
+          <a:p>
+            <a:pPr marL="457200" lvl="1" indent="0">
+              <a:buNone/>
+            </a:pPr>
+            <a:r>
+              <a:rPr lang="en-IN" sz="2200" dirty="0" smtClean="0"/>
+              <a:t>	</a:t>
+            </a:r>
+            <a:r>
+              <a:rPr lang="en-IN" sz="2200" dirty="0" err="1" smtClean="0"/>
+              <a:t>methodA</a:t>
+            </a:r>
+            <a:r>
+              <a:rPr lang="en-IN" sz="2200" dirty="0"/>
+              <a:t>();</a:t>
+            </a:r>
+          </a:p>
+          <a:p>
+            <a:pPr marL="457200" lvl="1" indent="0">
+              <a:buNone/>
+            </a:pPr>
+            <a:r>
+              <a:rPr lang="en-IN" sz="2200" dirty="0"/>
+              <a:t>}</a:t>
+            </a:r>
+            <a:r>
+              <a:rPr lang="en-IN" sz="2200" b="1" dirty="0"/>
+              <a:t>catch </a:t>
+            </a:r>
+            <a:r>
+              <a:rPr lang="en-IN" sz="2200" dirty="0"/>
+              <a:t>(</a:t>
+            </a:r>
+            <a:r>
+              <a:rPr lang="en-IN" sz="2200" dirty="0" err="1"/>
+              <a:t>IOException</a:t>
+            </a:r>
+            <a:r>
+              <a:rPr lang="en-IN" sz="2200" dirty="0"/>
+              <a:t> </a:t>
+            </a:r>
+            <a:r>
+              <a:rPr lang="en-IN" sz="2200" dirty="0" err="1"/>
+              <a:t>ioe</a:t>
+            </a:r>
+            <a:r>
+              <a:rPr lang="en-IN" sz="2200" dirty="0"/>
+              <a:t>) {</a:t>
+            </a:r>
+          </a:p>
+          <a:p>
+            <a:pPr marL="457200" lvl="1" indent="0">
+              <a:buNone/>
+            </a:pPr>
+            <a:r>
+              <a:rPr lang="en-IN" sz="2200" dirty="0" smtClean="0"/>
+              <a:t>	</a:t>
+            </a:r>
+            <a:r>
+              <a:rPr lang="en-IN" sz="2200" dirty="0" err="1" smtClean="0"/>
+              <a:t>System.err.println</a:t>
+            </a:r>
+            <a:r>
+              <a:rPr lang="en-IN" sz="2200" dirty="0" smtClean="0"/>
+              <a:t>(</a:t>
+            </a:r>
+            <a:r>
+              <a:rPr lang="en-IN" sz="2200" dirty="0" err="1" smtClean="0"/>
+              <a:t>ioe.getMessage</a:t>
+            </a:r>
+            <a:r>
+              <a:rPr lang="en-IN" sz="2200" dirty="0"/>
+              <a:t>());</a:t>
+            </a:r>
+          </a:p>
+          <a:p>
+            <a:pPr marL="457200" lvl="1" indent="0">
+              <a:buNone/>
+            </a:pPr>
+            <a:r>
+              <a:rPr lang="en-IN" sz="2200" dirty="0" smtClean="0"/>
+              <a:t>	</a:t>
+            </a:r>
+            <a:r>
+              <a:rPr lang="en-IN" sz="2200" dirty="0" err="1" smtClean="0"/>
+              <a:t>ioe.printStackTrace</a:t>
+            </a:r>
+            <a:r>
+              <a:rPr lang="en-IN" sz="2200" dirty="0"/>
+              <a:t>();</a:t>
+            </a:r>
+          </a:p>
+          <a:p>
+            <a:pPr marL="457200" lvl="1" indent="0">
+              <a:buNone/>
+            </a:pPr>
+            <a:r>
+              <a:rPr lang="en-IN" sz="2200" dirty="0"/>
+              <a:t>}</a:t>
+            </a:r>
+          </a:p>
+          <a:p>
+            <a:pPr marL="0" indent="0">
+              <a:buNone/>
+            </a:pPr>
+            <a:r>
+              <a:rPr lang="en-IN" sz="2200" dirty="0"/>
+              <a:t>}</a:t>
+            </a:r>
+            <a:endParaRPr lang="en-IN" sz="2200" dirty="0"/>
+          </a:p>
+        </p:txBody>
+      </p:sp>
+    </p:spTree>
+    <p:extLst>
+      <p:ext uri="{BB962C8B-B14F-4D97-AF65-F5344CB8AC3E}">
+        <p14:creationId xmlns:p14="http://schemas.microsoft.com/office/powerpoint/2010/main" val="2331729427"/>
       </p:ext>
     </p:extLst>
   </p:cSld>

--- a/Java Basics.pptx
+++ b/Java Basics.pptx
@@ -355,7 +355,7 @@
           <a:p>
             <a:fld id="{E51FF4B1-7B73-4B47-A9A6-628B29C473A2}" type="datetimeFigureOut">
               <a:rPr lang="en-IN" smtClean="0"/>
-              <a:t>04-05-2018</a:t>
+              <a:t>25-06-2018</a:t>
             </a:fld>
             <a:endParaRPr lang="en-IN"/>
           </a:p>
@@ -525,7 +525,7 @@
           <a:p>
             <a:fld id="{E51FF4B1-7B73-4B47-A9A6-628B29C473A2}" type="datetimeFigureOut">
               <a:rPr lang="en-IN" smtClean="0"/>
-              <a:t>04-05-2018</a:t>
+              <a:t>25-06-2018</a:t>
             </a:fld>
             <a:endParaRPr lang="en-IN"/>
           </a:p>
@@ -705,7 +705,7 @@
           <a:p>
             <a:fld id="{E51FF4B1-7B73-4B47-A9A6-628B29C473A2}" type="datetimeFigureOut">
               <a:rPr lang="en-IN" smtClean="0"/>
-              <a:t>04-05-2018</a:t>
+              <a:t>25-06-2018</a:t>
             </a:fld>
             <a:endParaRPr lang="en-IN"/>
           </a:p>
@@ -875,7 +875,7 @@
           <a:p>
             <a:fld id="{E51FF4B1-7B73-4B47-A9A6-628B29C473A2}" type="datetimeFigureOut">
               <a:rPr lang="en-IN" smtClean="0"/>
-              <a:t>04-05-2018</a:t>
+              <a:t>25-06-2018</a:t>
             </a:fld>
             <a:endParaRPr lang="en-IN"/>
           </a:p>
@@ -1121,7 +1121,7 @@
           <a:p>
             <a:fld id="{E51FF4B1-7B73-4B47-A9A6-628B29C473A2}" type="datetimeFigureOut">
               <a:rPr lang="en-IN" smtClean="0"/>
-              <a:t>04-05-2018</a:t>
+              <a:t>25-06-2018</a:t>
             </a:fld>
             <a:endParaRPr lang="en-IN"/>
           </a:p>
@@ -1353,7 +1353,7 @@
           <a:p>
             <a:fld id="{E51FF4B1-7B73-4B47-A9A6-628B29C473A2}" type="datetimeFigureOut">
               <a:rPr lang="en-IN" smtClean="0"/>
-              <a:t>04-05-2018</a:t>
+              <a:t>25-06-2018</a:t>
             </a:fld>
             <a:endParaRPr lang="en-IN"/>
           </a:p>
@@ -1720,7 +1720,7 @@
           <a:p>
             <a:fld id="{E51FF4B1-7B73-4B47-A9A6-628B29C473A2}" type="datetimeFigureOut">
               <a:rPr lang="en-IN" smtClean="0"/>
-              <a:t>04-05-2018</a:t>
+              <a:t>25-06-2018</a:t>
             </a:fld>
             <a:endParaRPr lang="en-IN"/>
           </a:p>
@@ -1838,7 +1838,7 @@
           <a:p>
             <a:fld id="{E51FF4B1-7B73-4B47-A9A6-628B29C473A2}" type="datetimeFigureOut">
               <a:rPr lang="en-IN" smtClean="0"/>
-              <a:t>04-05-2018</a:t>
+              <a:t>25-06-2018</a:t>
             </a:fld>
             <a:endParaRPr lang="en-IN"/>
           </a:p>
@@ -1933,7 +1933,7 @@
           <a:p>
             <a:fld id="{E51FF4B1-7B73-4B47-A9A6-628B29C473A2}" type="datetimeFigureOut">
               <a:rPr lang="en-IN" smtClean="0"/>
-              <a:t>04-05-2018</a:t>
+              <a:t>25-06-2018</a:t>
             </a:fld>
             <a:endParaRPr lang="en-IN"/>
           </a:p>
@@ -2210,7 +2210,7 @@
           <a:p>
             <a:fld id="{E51FF4B1-7B73-4B47-A9A6-628B29C473A2}" type="datetimeFigureOut">
               <a:rPr lang="en-IN" smtClean="0"/>
-              <a:t>04-05-2018</a:t>
+              <a:t>25-06-2018</a:t>
             </a:fld>
             <a:endParaRPr lang="en-IN"/>
           </a:p>
@@ -2463,7 +2463,7 @@
           <a:p>
             <a:fld id="{E51FF4B1-7B73-4B47-A9A6-628B29C473A2}" type="datetimeFigureOut">
               <a:rPr lang="en-IN" smtClean="0"/>
-              <a:t>04-05-2018</a:t>
+              <a:t>25-06-2018</a:t>
             </a:fld>
             <a:endParaRPr lang="en-IN"/>
           </a:p>
@@ -2676,7 +2676,7 @@
           <a:p>
             <a:fld id="{E51FF4B1-7B73-4B47-A9A6-628B29C473A2}" type="datetimeFigureOut">
               <a:rPr lang="en-IN" smtClean="0"/>
-              <a:t>04-05-2018</a:t>
+              <a:t>25-06-2018</a:t>
             </a:fld>
             <a:endParaRPr lang="en-IN"/>
           </a:p>
@@ -3133,6 +3133,13 @@
   <p:clrMapOvr>
     <a:masterClrMapping/>
   </p:clrMapOvr>
+  <p:timing>
+    <p:tnLst>
+      <p:par>
+        <p:cTn id="1" dur="indefinite" restart="never" nodeType="tmRoot"/>
+      </p:par>
+    </p:tnLst>
+  </p:timing>
 </p:sld>
 </file>
 
@@ -3231,7 +3238,7 @@
             </a:r>
             <a:r>
               <a:rPr lang="en-IN" dirty="0" err="1" smtClean="0"/>
-              <a:t>com.valueslabs.pams</a:t>
+              <a:t>com.valuelabs.pams</a:t>
             </a:r>
             <a:r>
               <a:rPr lang="en-IN" dirty="0" smtClean="0"/>
@@ -3250,7 +3257,19 @@
             </a:pPr>
             <a:r>
               <a:rPr lang="en-IN" dirty="0"/>
-              <a:t>Publicly available packages should be the reversed Internet </a:t>
+              <a:t>Publicly available packages </a:t>
+            </a:r>
+            <a:r>
+              <a:rPr lang="en-IN" dirty="0" err="1" smtClean="0"/>
+              <a:t>shFould</a:t>
+            </a:r>
+            <a:r>
+              <a:rPr lang="en-IN" dirty="0" smtClean="0"/>
+              <a:t> </a:t>
+            </a:r>
+            <a:r>
+              <a:rPr lang="en-IN" dirty="0"/>
+              <a:t>be the reversed Internet </a:t>
             </a:r>
             <a:r>
               <a:rPr lang="en-IN" dirty="0" smtClean="0"/>
@@ -3310,6 +3329,13 @@
   <p:clrMapOvr>
     <a:masterClrMapping/>
   </p:clrMapOvr>
+  <p:timing>
+    <p:tnLst>
+      <p:par>
+        <p:cTn id="1" dur="indefinite" restart="never" nodeType="tmRoot"/>
+      </p:par>
+    </p:tnLst>
+  </p:timing>
 </p:sld>
 </file>
 
@@ -3429,7 +3455,6 @@
               <a:rPr lang="en-IN" sz="2000" dirty="0"/>
               <a:t>();</a:t>
             </a:r>
-            <a:endParaRPr lang="en-IN" sz="2000" dirty="0"/>
           </a:p>
         </p:txBody>
       </p:sp>
@@ -3482,7 +3507,6 @@
               <a:rPr lang="en-IN" dirty="0"/>
               <a:t>The try/catch/finally Keywords</a:t>
             </a:r>
-            <a:endParaRPr lang="en-IN" dirty="0"/>
           </a:p>
         </p:txBody>
       </p:sp>
@@ -3743,7 +3767,6 @@
               <a:rPr lang="en-IN" dirty="0"/>
               <a:t>}</a:t>
             </a:r>
-            <a:endParaRPr lang="en-IN" dirty="0"/>
           </a:p>
         </p:txBody>
       </p:sp>
@@ -3796,7 +3819,6 @@
               <a:rPr lang="en-IN" dirty="0"/>
               <a:t>The try-catch Statement</a:t>
             </a:r>
-            <a:endParaRPr lang="en-IN" dirty="0"/>
           </a:p>
         </p:txBody>
       </p:sp>
@@ -4148,7 +4170,6 @@
               <a:rPr lang="en-IN" sz="2000" i="1" dirty="0"/>
               <a:t>.</a:t>
             </a:r>
-            <a:endParaRPr lang="en-IN" sz="2000" i="1" dirty="0"/>
           </a:p>
         </p:txBody>
       </p:sp>
@@ -4201,7 +4222,6 @@
               <a:rPr lang="en-IN" dirty="0"/>
               <a:t>The try-finally Statement</a:t>
             </a:r>
-            <a:endParaRPr lang="en-IN" dirty="0"/>
           </a:p>
         </p:txBody>
       </p:sp>
@@ -4487,7 +4507,6 @@
               <a:rPr lang="en-IN" dirty="0"/>
               <a:t>The try-catch-finally Statement</a:t>
             </a:r>
-            <a:endParaRPr lang="en-IN" dirty="0"/>
           </a:p>
         </p:txBody>
       </p:sp>
@@ -4800,7 +4819,6 @@
               <a:rPr lang="en-IN" sz="1600" dirty="0"/>
               <a:t>}</a:t>
             </a:r>
-            <a:endParaRPr lang="en-IN" sz="1600" dirty="0"/>
           </a:p>
         </p:txBody>
       </p:sp>
@@ -4853,7 +4871,6 @@
               <a:rPr lang="en-IN" dirty="0"/>
               <a:t>The try-with-resources Statement</a:t>
             </a:r>
-            <a:endParaRPr lang="en-IN" dirty="0"/>
           </a:p>
         </p:txBody>
       </p:sp>
@@ -5048,7 +5065,6 @@
               <a:rPr lang="en-IN" sz="2200" i="1" dirty="0"/>
               <a:t>with the try-with-resources statement.</a:t>
             </a:r>
-            <a:endParaRPr lang="en-IN" sz="2200" i="1" dirty="0"/>
           </a:p>
         </p:txBody>
       </p:sp>
@@ -5371,7 +5387,6 @@
               <a:rPr lang="en-IN" sz="2200" dirty="0"/>
               <a:t>}</a:t>
             </a:r>
-            <a:endParaRPr lang="en-IN" sz="2200" dirty="0"/>
           </a:p>
         </p:txBody>
       </p:sp>
@@ -5424,7 +5439,6 @@
               <a:rPr lang="en-IN" dirty="0"/>
               <a:t>The Exception Handling Process</a:t>
             </a:r>
-            <a:endParaRPr lang="en-IN" dirty="0"/>
           </a:p>
         </p:txBody>
       </p:sp>
@@ -5572,7 +5586,6 @@
               <a:rPr lang="en-IN" sz="2200" dirty="0"/>
               <a:t>handler to handle (catch) the exception.</a:t>
             </a:r>
-            <a:endParaRPr lang="en-IN" sz="2200" dirty="0"/>
           </a:p>
         </p:txBody>
       </p:sp>
@@ -5625,7 +5638,6 @@
               <a:rPr lang="en-IN" dirty="0"/>
               <a:t>Defining Your Own Exception Class</a:t>
             </a:r>
-            <a:endParaRPr lang="en-IN" dirty="0"/>
           </a:p>
         </p:txBody>
       </p:sp>
@@ -5921,6 +5933,13 @@
   <p:clrMapOvr>
     <a:masterClrMapping/>
   </p:clrMapOvr>
+  <p:timing>
+    <p:tnLst>
+      <p:par>
+        <p:cTn id="1" dur="indefinite" restart="never" nodeType="tmRoot"/>
+      </p:par>
+    </p:tnLst>
+  </p:timing>
 </p:sld>
 </file>
 
@@ -6139,7 +6158,6 @@
               <a:rPr lang="en-IN" dirty="0"/>
               <a:t>Printing Information About Exceptions</a:t>
             </a:r>
-            <a:endParaRPr lang="en-IN" dirty="0"/>
           </a:p>
         </p:txBody>
       </p:sp>
@@ -6384,7 +6402,6 @@
               <a:rPr lang="en-IN" sz="2000" dirty="0"/>
               <a:t>}</a:t>
             </a:r>
-            <a:endParaRPr lang="en-IN" sz="2000" dirty="0"/>
           </a:p>
         </p:txBody>
       </p:sp>
@@ -8156,6 +8173,13 @@
   <p:clrMapOvr>
     <a:masterClrMapping/>
   </p:clrMapOvr>
+  <p:timing>
+    <p:tnLst>
+      <p:par>
+        <p:cTn id="1" dur="indefinite" restart="never" nodeType="tmRoot"/>
+      </p:par>
+    </p:tnLst>
+  </p:timing>
 </p:sld>
 </file>
 
@@ -9411,8 +9435,13 @@
             </a:r>
             <a:r>
               <a:rPr lang="en-IN" dirty="0"/>
-              <a:t>Character ('\'');</a:t>
-            </a:r>
+              <a:t>Character </a:t>
+            </a:r>
+            <a:r>
+              <a:rPr lang="en-IN" dirty="0" smtClean="0"/>
+              <a:t>('\'');</a:t>
+            </a:r>
+            <a:endParaRPr lang="en-IN" dirty="0"/>
           </a:p>
         </p:txBody>
       </p:sp>
@@ -9640,6 +9669,13 @@
   <p:clrMapOvr>
     <a:masterClrMapping/>
   </p:clrMapOvr>
+  <p:timing>
+    <p:tnLst>
+      <p:par>
+        <p:cTn id="1" dur="indefinite" restart="never" nodeType="tmRoot"/>
+      </p:par>
+    </p:tnLst>
+  </p:timing>
 </p:sld>
 </file>
 
@@ -10365,8 +10401,13 @@
             </a:r>
             <a:r>
               <a:rPr lang="en-IN" dirty="0"/>
-              <a:t>floatValue1 = 9.15f, floatValue2 = 1_168f;</a:t>
-            </a:r>
+              <a:t>floatValue1 = 9.15f, floatValue2 = 1_168f</a:t>
+            </a:r>
+            <a:r>
+              <a:rPr lang="en-IN" dirty="0" smtClean="0"/>
+              <a:t>;</a:t>
+            </a:r>
+            <a:endParaRPr lang="en-IN" dirty="0"/>
           </a:p>
           <a:p>
             <a:pPr marL="0" indent="0">
@@ -10407,13 +10448,14 @@
               <a:t>Double doubleValue2 = </a:t>
             </a:r>
             <a:r>
-              <a:rPr lang="en-IN" b="1" dirty="0"/>
+              <a:rPr lang="en-IN" b="1" dirty="0" smtClean="0"/>
               <a:t>new </a:t>
             </a:r>
             <a:r>
-              <a:rPr lang="en-IN" dirty="0"/>
+              <a:rPr lang="en-IN" dirty="0" smtClean="0"/>
               <a:t>Double(1e058);</a:t>
             </a:r>
+            <a:endParaRPr lang="en-IN" dirty="0"/>
           </a:p>
           <a:p>
             <a:pPr marL="0" indent="0">
@@ -11419,6 +11461,13 @@
   <p:clrMapOvr>
     <a:masterClrMapping/>
   </p:clrMapOvr>
+  <p:timing>
+    <p:tnLst>
+      <p:par>
+        <p:cTn id="1" dur="indefinite" restart="never" nodeType="tmRoot"/>
+      </p:par>
+    </p:tnLst>
+  </p:timing>
 </p:sld>
 </file>
 
@@ -13098,6 +13147,13 @@
   <p:clrMapOvr>
     <a:masterClrMapping/>
   </p:clrMapOvr>
+  <p:timing>
+    <p:tnLst>
+      <p:par>
+        <p:cTn id="1" dur="indefinite" restart="never" nodeType="tmRoot"/>
+      </p:par>
+    </p:tnLst>
+  </p:timing>
 </p:sld>
 </file>
 
@@ -15712,6 +15768,13 @@
   <p:clrMapOvr>
     <a:masterClrMapping/>
   </p:clrMapOvr>
+  <p:timing>
+    <p:tnLst>
+      <p:par>
+        <p:cTn id="1" dur="indefinite" restart="never" nodeType="tmRoot"/>
+      </p:par>
+    </p:tnLst>
+  </p:timing>
 </p:sld>
 </file>
 
@@ -18160,6 +18223,13 @@
   <p:clrMapOvr>
     <a:masterClrMapping/>
   </p:clrMapOvr>
+  <p:timing>
+    <p:tnLst>
+      <p:par>
+        <p:cTn id="1" dur="indefinite" restart="never" nodeType="tmRoot"/>
+      </p:par>
+    </p:tnLst>
+  </p:timing>
 </p:sld>
 </file>
 
@@ -19145,7 +19215,6 @@
               <a:rPr lang="en-IN" dirty="0"/>
               <a:t>The this Keyword</a:t>
             </a:r>
-            <a:endParaRPr lang="en-IN" dirty="0"/>
           </a:p>
         </p:txBody>
       </p:sp>
@@ -19590,7 +19659,6 @@
               <a:rPr lang="en-IN" dirty="0"/>
               <a:t>Variable-Length Argument Lists</a:t>
             </a:r>
-            <a:endParaRPr lang="en-IN" dirty="0"/>
           </a:p>
         </p:txBody>
       </p:sp>
@@ -20086,7 +20154,6 @@
               <a:rPr lang="en-IN" sz="2400" dirty="0"/>
               <a:t>1);</a:t>
             </a:r>
-            <a:endParaRPr lang="en-IN" sz="2400" dirty="0"/>
           </a:p>
         </p:txBody>
       </p:sp>
@@ -20139,7 +20206,6 @@
               <a:rPr lang="en-IN" dirty="0"/>
               <a:t>Abstract Classes and Abstract Methods</a:t>
             </a:r>
-            <a:endParaRPr lang="en-IN" dirty="0"/>
           </a:p>
         </p:txBody>
       </p:sp>
@@ -20290,7 +20356,6 @@
               <a:rPr lang="en-IN" dirty="0"/>
               <a:t>}</a:t>
             </a:r>
-            <a:endParaRPr lang="en-IN" dirty="0"/>
           </a:p>
         </p:txBody>
       </p:sp>
@@ -20470,7 +20535,6 @@
               <a:rPr lang="en-IN" dirty="0"/>
               <a:t>}</a:t>
             </a:r>
-            <a:endParaRPr lang="en-IN" dirty="0"/>
           </a:p>
         </p:txBody>
       </p:sp>
@@ -20608,6 +20672,13 @@
   <p:clrMapOvr>
     <a:masterClrMapping/>
   </p:clrMapOvr>
+  <p:timing>
+    <p:tnLst>
+      <p:par>
+        <p:cTn id="1" dur="indefinite" restart="never" nodeType="tmRoot"/>
+      </p:par>
+    </p:tnLst>
+  </p:timing>
 </p:sld>
 </file>
 
@@ -20655,7 +20726,6 @@
               <a:rPr lang="en-IN" dirty="0"/>
               <a:t>Constants, and Static Initializers</a:t>
             </a:r>
-            <a:endParaRPr lang="en-IN" dirty="0"/>
           </a:p>
         </p:txBody>
       </p:sp>
@@ -20888,7 +20958,6 @@
               <a:rPr lang="en-IN" sz="2200" dirty="0"/>
               <a:t>;</a:t>
             </a:r>
-            <a:endParaRPr lang="en-IN" sz="2200" dirty="0"/>
           </a:p>
         </p:txBody>
       </p:sp>
@@ -21090,7 +21159,6 @@
               <a:rPr lang="en-IN" sz="2000" dirty="0"/>
               <a:t>methods are associated with a class, not an object.</a:t>
             </a:r>
-            <a:endParaRPr lang="en-IN" sz="2000" dirty="0"/>
           </a:p>
         </p:txBody>
       </p:sp>
@@ -21454,7 +21522,6 @@
               <a:rPr lang="en-IN" sz="2200" dirty="0"/>
               <a:t>}</a:t>
             </a:r>
-            <a:endParaRPr lang="en-IN" sz="2200" dirty="0"/>
           </a:p>
         </p:txBody>
       </p:sp>
@@ -21507,7 +21574,6 @@
               <a:rPr lang="en-IN" dirty="0"/>
               <a:t>Interfaces</a:t>
             </a:r>
-            <a:endParaRPr lang="en-IN" dirty="0"/>
           </a:p>
         </p:txBody>
       </p:sp>
@@ -21680,7 +21746,6 @@
               <a:rPr lang="en-IN" sz="2200" dirty="0"/>
               <a:t>}</a:t>
             </a:r>
-            <a:endParaRPr lang="en-IN" sz="2200" dirty="0"/>
           </a:p>
         </p:txBody>
       </p:sp>
@@ -22016,7 +22081,6 @@
               <a:rPr lang="en-IN" dirty="0"/>
               <a:t>Enumerations</a:t>
             </a:r>
-            <a:endParaRPr lang="en-IN" dirty="0"/>
           </a:p>
         </p:txBody>
       </p:sp>
@@ -22276,7 +22340,6 @@
               <a:rPr lang="en-IN" sz="2000" dirty="0"/>
               <a:t>}</a:t>
             </a:r>
-            <a:endParaRPr lang="en-IN" sz="2000" dirty="0"/>
           </a:p>
         </p:txBody>
       </p:sp>
@@ -22433,7 +22496,6 @@
               <a:rPr lang="en-IN" sz="2000" dirty="0"/>
               <a:t>());</a:t>
             </a:r>
-            <a:endParaRPr lang="en-IN" sz="2000" dirty="0"/>
           </a:p>
         </p:txBody>
       </p:sp>
@@ -22486,7 +22548,6 @@
               <a:rPr lang="en-IN" dirty="0"/>
               <a:t>Exception Handling</a:t>
             </a:r>
-            <a:endParaRPr lang="en-IN" dirty="0"/>
           </a:p>
         </p:txBody>
       </p:sp>
@@ -22682,7 +22743,6 @@
               <a:rPr lang="en-IN" dirty="0"/>
               <a:t>Checked/Unchecked Exceptions and Errors</a:t>
             </a:r>
-            <a:endParaRPr lang="en-IN" dirty="0"/>
           </a:p>
         </p:txBody>
       </p:sp>
@@ -22895,7 +22955,6 @@
               <a:rPr lang="en-IN" sz="2100" dirty="0"/>
               <a:t>}</a:t>
             </a:r>
-            <a:endParaRPr lang="en-IN" sz="2100" dirty="0"/>
           </a:p>
         </p:txBody>
       </p:sp>
@@ -23056,6 +23115,13 @@
   <p:clrMapOvr>
     <a:masterClrMapping/>
   </p:clrMapOvr>
+  <p:timing>
+    <p:tnLst>
+      <p:par>
+        <p:cTn id="1" dur="indefinite" restart="never" nodeType="tmRoot"/>
+      </p:par>
+    </p:tnLst>
+  </p:timing>
 </p:sld>
 </file>
 
@@ -23095,7 +23161,6 @@
               <a:rPr lang="en-IN" dirty="0"/>
               <a:t>Unchecked Exceptions</a:t>
             </a:r>
-            <a:endParaRPr lang="en-IN" dirty="0"/>
           </a:p>
         </p:txBody>
       </p:sp>
@@ -23215,7 +23280,6 @@
               <a:rPr lang="en-IN" sz="2400" dirty="0"/>
               <a:t>.</a:t>
             </a:r>
-            <a:endParaRPr lang="en-IN" sz="2400" dirty="0"/>
           </a:p>
         </p:txBody>
       </p:sp>
@@ -23345,7 +23409,6 @@
               <a:rPr lang="en-IN" sz="2400" dirty="0"/>
               <a:t>be caught.</a:t>
             </a:r>
-            <a:endParaRPr lang="en-IN" sz="2400" dirty="0"/>
           </a:p>
         </p:txBody>
       </p:sp>
@@ -23406,7 +23469,6 @@
               <a:rPr lang="en-IN" dirty="0"/>
               <a:t>Errors</a:t>
             </a:r>
-            <a:endParaRPr lang="en-IN" dirty="0"/>
           </a:p>
         </p:txBody>
       </p:sp>
@@ -23789,7 +23851,6 @@
               <a:rPr lang="en-IN" sz="2000" dirty="0"/>
               <a:t>.</a:t>
             </a:r>
-            <a:endParaRPr lang="en-IN" sz="2000" dirty="0"/>
           </a:p>
         </p:txBody>
       </p:sp>
@@ -23842,7 +23903,6 @@
               <a:rPr lang="en-IN" dirty="0"/>
               <a:t>Common Unchecked Exceptions</a:t>
             </a:r>
-            <a:endParaRPr lang="en-IN" dirty="0"/>
           </a:p>
         </p:txBody>
       </p:sp>
@@ -24277,7 +24337,6 @@
               <a:rPr lang="en-IN" dirty="0"/>
               <a:t>Common Errors</a:t>
             </a:r>
-            <a:endParaRPr lang="en-IN" dirty="0"/>
           </a:p>
         </p:txBody>
       </p:sp>
@@ -24601,7 +24660,6 @@
               <a:rPr lang="en-IN" dirty="0"/>
               <a:t>Exception Handling Keywords</a:t>
             </a:r>
-            <a:endParaRPr lang="en-IN" dirty="0"/>
           </a:p>
         </p:txBody>
       </p:sp>
@@ -25025,7 +25083,6 @@
               <a:rPr lang="en-IN" sz="2200" dirty="0"/>
               <a:t>}</a:t>
             </a:r>
-            <a:endParaRPr lang="en-IN" sz="2200" dirty="0"/>
           </a:p>
         </p:txBody>
       </p:sp>
